--- a/Documentation/Design Document/UnityDesignPresentation.pptx
+++ b/Documentation/Design Document/UnityDesignPresentation.pptx
@@ -5,21 +5,20 @@
     <p:sldMasterId id="2147483648" r:id="rId1"/>
   </p:sldMasterIdLst>
   <p:handoutMasterIdLst>
-    <p:handoutMasterId r:id="rId14"/>
+    <p:handoutMasterId r:id="rId13"/>
   </p:handoutMasterIdLst>
   <p:sldIdLst>
     <p:sldId id="256" r:id="rId2"/>
-    <p:sldId id="264" r:id="rId3"/>
-    <p:sldId id="277" r:id="rId4"/>
-    <p:sldId id="265" r:id="rId5"/>
-    <p:sldId id="267" r:id="rId6"/>
+    <p:sldId id="277" r:id="rId3"/>
+    <p:sldId id="265" r:id="rId4"/>
+    <p:sldId id="267" r:id="rId5"/>
+    <p:sldId id="278" r:id="rId6"/>
     <p:sldId id="273" r:id="rId7"/>
     <p:sldId id="268" r:id="rId8"/>
     <p:sldId id="275" r:id="rId9"/>
-    <p:sldId id="270" r:id="rId10"/>
-    <p:sldId id="271" r:id="rId11"/>
-    <p:sldId id="272" r:id="rId12"/>
-    <p:sldId id="274" r:id="rId13"/>
+    <p:sldId id="271" r:id="rId10"/>
+    <p:sldId id="279" r:id="rId11"/>
+    <p:sldId id="274" r:id="rId12"/>
   </p:sldIdLst>
   <p:sldSz cx="12192000" cy="6858000"/>
   <p:notesSz cx="9312275" cy="6858000"/>
@@ -220,7 +219,7 @@
           <a:p>
             <a:fld id="{36F12CB1-DABA-4CBD-967D-6A1DEAF14A26}" type="datetimeFigureOut">
               <a:rPr lang="en-US" smtClean="0"/>
-              <a:t>3/9/2015</a:t>
+              <a:t>3/10/2015</a:t>
             </a:fld>
             <a:endParaRPr lang="en-US"/>
           </a:p>
@@ -529,7 +528,7 @@
           <a:p>
             <a:fld id="{4BDF68E2-58F2-4D09-BE8B-E3BD06533059}" type="datetimeFigureOut">
               <a:rPr lang="en-US" dirty="0"/>
-              <a:t>3/9/2015</a:t>
+              <a:t>3/10/2015</a:t>
             </a:fld>
             <a:endParaRPr lang="en-US" dirty="0"/>
           </a:p>
@@ -732,7 +731,7 @@
           <a:p>
             <a:fld id="{2E2D6473-DF6D-4702-B328-E0DD40540A4E}" type="datetimeFigureOut">
               <a:rPr lang="en-US" dirty="0"/>
-              <a:t>3/9/2015</a:t>
+              <a:t>3/10/2015</a:t>
             </a:fld>
             <a:endParaRPr lang="en-US" dirty="0"/>
           </a:p>
@@ -983,7 +982,7 @@
           <a:p>
             <a:fld id="{E26F7E3A-B166-407D-9866-32884E7D5B37}" type="datetimeFigureOut">
               <a:rPr lang="en-US" dirty="0"/>
-              <a:t>3/9/2015</a:t>
+              <a:t>3/10/2015</a:t>
             </a:fld>
             <a:endParaRPr lang="en-US" dirty="0"/>
           </a:p>
@@ -1152,7 +1151,7 @@
           <a:p>
             <a:fld id="{528FC5F6-F338-4AE4-BB23-26385BCFC423}" type="datetimeFigureOut">
               <a:rPr lang="en-US" dirty="0"/>
-              <a:t>3/9/2015</a:t>
+              <a:t>3/10/2015</a:t>
             </a:fld>
             <a:endParaRPr lang="en-US" dirty="0"/>
           </a:p>
@@ -1490,7 +1489,7 @@
           <a:p>
             <a:fld id="{20EBB0C4-6273-4C6E-B9BD-2EDC30F1CD52}" type="datetimeFigureOut">
               <a:rPr lang="en-US" dirty="0"/>
-              <a:t>3/9/2015</a:t>
+              <a:t>3/10/2015</a:t>
             </a:fld>
             <a:endParaRPr lang="en-US" dirty="0"/>
           </a:p>
@@ -1760,7 +1759,7 @@
           <a:p>
             <a:fld id="{19AB4D41-86C1-4908-B66A-0B50CEB3BF29}" type="datetimeFigureOut">
               <a:rPr lang="en-US" dirty="0"/>
-              <a:t>3/9/2015</a:t>
+              <a:t>3/10/2015</a:t>
             </a:fld>
             <a:endParaRPr lang="en-US" dirty="0"/>
           </a:p>
@@ -2134,7 +2133,7 @@
           <a:p>
             <a:fld id="{E6426E2C-56C1-4E0D-A793-0088A7FDD37E}" type="datetimeFigureOut">
               <a:rPr lang="en-US" dirty="0"/>
-              <a:t>3/9/2015</a:t>
+              <a:t>3/10/2015</a:t>
             </a:fld>
             <a:endParaRPr lang="en-US" dirty="0"/>
           </a:p>
@@ -2247,7 +2246,7 @@
           <a:p>
             <a:fld id="{C8C39B41-D8B5-4052-B551-9B5525EAA8B6}" type="datetimeFigureOut">
               <a:rPr lang="en-US" dirty="0"/>
-              <a:t>3/9/2015</a:t>
+              <a:t>3/10/2015</a:t>
             </a:fld>
             <a:endParaRPr lang="en-US" dirty="0"/>
           </a:p>
@@ -2413,7 +2412,7 @@
           <a:p>
             <a:fld id="{4D94136C-8742-45B2-AF27-D93DF72833A9}" type="datetimeFigureOut">
               <a:rPr lang="en-US" dirty="0"/>
-              <a:t>3/9/2015</a:t>
+              <a:t>3/10/2015</a:t>
             </a:fld>
             <a:endParaRPr lang="en-US" dirty="0"/>
           </a:p>
@@ -2763,7 +2762,7 @@
           <a:p>
             <a:fld id="{32ABBEA6-7C60-4B02-AE87-00D78D8422AF}" type="datetimeFigureOut">
               <a:rPr lang="en-US" dirty="0"/>
-              <a:t>3/9/2015</a:t>
+              <a:t>3/10/2015</a:t>
             </a:fld>
             <a:endParaRPr lang="en-US" dirty="0"/>
           </a:p>
@@ -3141,7 +3140,7 @@
           <a:p>
             <a:fld id="{C9CAD897-D46E-4AD2-BD9B-49DD3E640873}" type="datetimeFigureOut">
               <a:rPr lang="en-US" dirty="0"/>
-              <a:t>3/9/2015</a:t>
+              <a:t>3/10/2015</a:t>
             </a:fld>
             <a:endParaRPr lang="en-US" dirty="0"/>
           </a:p>
@@ -3423,7 +3422,7 @@
           <a:p>
             <a:fld id="{98624D31-43A5-475A-80CF-332C9F6DCF35}" type="datetimeFigureOut">
               <a:rPr lang="en-US" dirty="0"/>
-              <a:t>3/9/2015</a:t>
+              <a:t>3/10/2015</a:t>
             </a:fld>
             <a:endParaRPr lang="en-US" dirty="0"/>
           </a:p>
@@ -3968,7 +3967,7 @@
             </a:br>
             <a:r>
               <a:rPr lang="en-US" sz="6600" dirty="0" smtClean="0"/>
-              <a:t>Software Requirements Specifications</a:t>
+              <a:t>Design Specifications</a:t>
             </a:r>
             <a:endParaRPr lang="en-US" sz="4800" dirty="0"/>
           </a:p>
@@ -4087,7 +4086,7 @@
       </p:grpSpPr>
       <p:sp>
         <p:nvSpPr>
-          <p:cNvPr id="2" name="Title 1"/>
+          <p:cNvPr id="4" name="Title 3"/>
           <p:cNvSpPr>
             <a:spLocks noGrp="1"/>
           </p:cNvSpPr>
@@ -4102,7 +4101,7 @@
           <a:p>
             <a:r>
               <a:rPr lang="en-US" dirty="0" smtClean="0"/>
-              <a:t>Technical Specifications</a:t>
+              <a:t>Technical Specifications continued</a:t>
             </a:r>
             <a:endParaRPr lang="en-US" dirty="0"/>
           </a:p>
@@ -4110,7 +4109,7 @@
       </p:sp>
       <p:sp>
         <p:nvSpPr>
-          <p:cNvPr id="3" name="Content Placeholder 2"/>
+          <p:cNvPr id="5" name="Content Placeholder 4"/>
           <p:cNvSpPr>
             <a:spLocks noGrp="1"/>
           </p:cNvSpPr>
@@ -4123,44 +4122,218 @@
           <a:bodyPr/>
           <a:lstStyle/>
           <a:p>
-            <a:pPr>
+            <a:pPr lvl="1">
               <a:buFont typeface="Courier New" panose="02070309020205020404" pitchFamily="49" charset="0"/>
               <a:buChar char="o"/>
             </a:pPr>
             <a:r>
               <a:rPr lang="en-US" dirty="0" smtClean="0"/>
-              <a:t>Game Engine</a:t>
-            </a:r>
-          </a:p>
-          <a:p>
-            <a:pPr>
+              <a:t>Artificial Intelligence</a:t>
+            </a:r>
+          </a:p>
+          <a:p>
+            <a:pPr lvl="2">
               <a:buFont typeface="Courier New" panose="02070309020205020404" pitchFamily="49" charset="0"/>
               <a:buChar char="o"/>
             </a:pPr>
             <a:r>
               <a:rPr lang="en-US" dirty="0" smtClean="0"/>
-              <a:t>Platform and OS</a:t>
+              <a:t>Vision Range</a:t>
+            </a:r>
+          </a:p>
+          <a:p>
+            <a:pPr lvl="2">
+              <a:buFont typeface="Courier New" panose="02070309020205020404" pitchFamily="49" charset="0"/>
+              <a:buChar char="o"/>
+            </a:pPr>
+            <a:r>
+              <a:rPr lang="en-US" dirty="0" smtClean="0"/>
+              <a:t>Return Range</a:t>
+            </a:r>
+          </a:p>
+          <a:p>
+            <a:pPr lvl="2">
+              <a:buFont typeface="Courier New" panose="02070309020205020404" pitchFamily="49" charset="0"/>
+              <a:buChar char="o"/>
+            </a:pPr>
+            <a:r>
+              <a:rPr lang="en-US" dirty="0" smtClean="0"/>
+              <a:t>Waypoints</a:t>
+            </a:r>
+          </a:p>
+          <a:p>
+            <a:pPr lvl="1">
+              <a:buFont typeface="Courier New" panose="02070309020205020404" pitchFamily="49" charset="0"/>
+              <a:buChar char="o"/>
+            </a:pPr>
+            <a:r>
+              <a:rPr lang="en-US" dirty="0" smtClean="0"/>
+              <a:t>Hardware Architecture</a:t>
+            </a:r>
+          </a:p>
+          <a:p>
+            <a:pPr lvl="2">
+              <a:buFont typeface="Courier New" panose="02070309020205020404" pitchFamily="49" charset="0"/>
+              <a:buChar char="o"/>
+            </a:pPr>
+            <a:r>
+              <a:rPr lang="en-US" dirty="0" smtClean="0"/>
+              <a:t>I/O devices </a:t>
+            </a:r>
+          </a:p>
+          <a:p>
+            <a:pPr lvl="2">
+              <a:buFont typeface="Courier New" panose="02070309020205020404" pitchFamily="49" charset="0"/>
+              <a:buChar char="o"/>
+            </a:pPr>
+            <a:r>
+              <a:rPr lang="en-US" dirty="0" smtClean="0"/>
+              <a:t>PC</a:t>
             </a:r>
             <a:endParaRPr lang="en-US" dirty="0"/>
           </a:p>
-          <a:p>
-            <a:pPr marL="0" indent="0">
-              <a:buNone/>
-            </a:pPr>
-            <a:endParaRPr lang="en-US" dirty="0"/>
-          </a:p>
-        </p:txBody>
-      </p:sp>
+        </p:txBody>
+      </p:sp>
+      <p:sp>
+        <p:nvSpPr>
+          <p:cNvPr id="6" name="Rectangle 2"/>
+          <p:cNvSpPr>
+            <a:spLocks noChangeArrowheads="1"/>
+          </p:cNvSpPr>
+          <p:nvPr/>
+        </p:nvSpPr>
+        <p:spPr bwMode="auto">
+          <a:xfrm>
+            <a:off x="4470399" y="1845733"/>
+            <a:ext cx="12874161" cy="45719"/>
+          </a:xfrm>
+          <a:prstGeom prst="rect">
+            <a:avLst/>
+          </a:prstGeom>
+          <a:noFill/>
+          <a:ln>
+            <a:noFill/>
+          </a:ln>
+          <a:effectLst/>
+          <a:extLst>
+            <a:ext uri="{909E8E84-426E-40DD-AFC4-6F175D3DCCD1}">
+              <a14:hiddenFill xmlns:a14="http://schemas.microsoft.com/office/drawing/2010/main">
+                <a:solidFill>
+                  <a:schemeClr val="accent1"/>
+                </a:solidFill>
+              </a14:hiddenFill>
+            </a:ext>
+            <a:ext uri="{91240B29-F687-4F45-9708-019B960494DF}">
+              <a14:hiddenLine xmlns:a14="http://schemas.microsoft.com/office/drawing/2010/main" w="9525">
+                <a:solidFill>
+                  <a:schemeClr val="tx1"/>
+                </a:solidFill>
+                <a:miter lim="800000"/>
+                <a:headEnd/>
+                <a:tailEnd/>
+              </a14:hiddenLine>
+            </a:ext>
+            <a:ext uri="{AF507438-7753-43E0-B8FC-AC1667EBCBE1}">
+              <a14:hiddenEffects xmlns:a14="http://schemas.microsoft.com/office/drawing/2010/main">
+                <a:effectLst>
+                  <a:outerShdw dist="35921" dir="2700000" algn="ctr" rotWithShape="0">
+                    <a:schemeClr val="bg2"/>
+                  </a:outerShdw>
+                </a:effectLst>
+              </a14:hiddenEffects>
+            </a:ext>
+          </a:extLst>
+        </p:spPr>
+        <p:txBody>
+          <a:bodyPr vert="horz" wrap="square" lIns="91440" tIns="45720" rIns="91440" bIns="45720" numCol="1" anchor="ctr" anchorCtr="0" compatLnSpc="1">
+            <a:prstTxWarp prst="textNoShape">
+              <a:avLst/>
+            </a:prstTxWarp>
+            <a:spAutoFit/>
+          </a:bodyPr>
+          <a:lstStyle/>
+          <a:p>
+            <a:endParaRPr lang="en-US"/>
+          </a:p>
+        </p:txBody>
+      </p:sp>
+      <p:graphicFrame>
+        <p:nvGraphicFramePr>
+          <p:cNvPr id="7" name="Object 6"/>
+          <p:cNvGraphicFramePr>
+            <a:graphicFrameLocks noChangeAspect="1"/>
+          </p:cNvGraphicFramePr>
+          <p:nvPr>
+            <p:extLst>
+              <p:ext uri="{D42A27DB-BD31-4B8C-83A1-F6EECF244321}">
+                <p14:modId xmlns:p14="http://schemas.microsoft.com/office/powerpoint/2010/main" val="1097016694"/>
+              </p:ext>
+            </p:extLst>
+          </p:nvPr>
+        </p:nvGraphicFramePr>
+        <p:xfrm>
+          <a:off x="4470400" y="1845734"/>
+          <a:ext cx="6807491" cy="3520350"/>
+        </p:xfrm>
+        <a:graphic>
+          <a:graphicData uri="http://schemas.openxmlformats.org/presentationml/2006/ole">
+            <mc:AlternateContent xmlns:mc="http://schemas.openxmlformats.org/markup-compatibility/2006">
+              <mc:Choice xmlns:v="urn:schemas-microsoft-com:vml" Requires="v">
+                <p:oleObj spid="_x0000_s4102" r:id="rId3" imgW="5848208" imgH="3009847" progId="Visio.Drawing.15">
+                  <p:embed/>
+                </p:oleObj>
+              </mc:Choice>
+              <mc:Fallback>
+                <p:oleObj r:id="rId3" imgW="5848208" imgH="3009847" progId="Visio.Drawing.15">
+                  <p:embed/>
+                  <p:pic>
+                    <p:nvPicPr>
+                      <p:cNvPr id="0" name="Object 1"/>
+                      <p:cNvPicPr>
+                        <a:picLocks noChangeAspect="1" noChangeArrowheads="1"/>
+                      </p:cNvPicPr>
+                      <p:nvPr/>
+                    </p:nvPicPr>
+                    <p:blipFill>
+                      <a:blip r:embed="rId4">
+                        <a:extLst>
+                          <a:ext uri="{28A0092B-C50C-407E-A947-70E740481C1C}">
+                            <a14:useLocalDpi xmlns:a14="http://schemas.microsoft.com/office/drawing/2010/main" val="0"/>
+                          </a:ext>
+                        </a:extLst>
+                      </a:blip>
+                      <a:srcRect/>
+                      <a:stretch>
+                        <a:fillRect/>
+                      </a:stretch>
+                    </p:blipFill>
+                    <p:spPr bwMode="auto">
+                      <a:xfrm>
+                        <a:off x="4470400" y="1845734"/>
+                        <a:ext cx="6807491" cy="3520350"/>
+                      </a:xfrm>
+                      <a:prstGeom prst="rect">
+                        <a:avLst/>
+                      </a:prstGeom>
+                      <a:noFill/>
+                    </p:spPr>
+                  </p:pic>
+                </p:oleObj>
+              </mc:Fallback>
+            </mc:AlternateContent>
+          </a:graphicData>
+        </a:graphic>
+      </p:graphicFrame>
       <p:pic>
         <p:nvPicPr>
-          <p:cNvPr id="4" name="Picture 3"/>
+          <p:cNvPr id="8" name="Picture 7"/>
           <p:cNvPicPr>
             <a:picLocks noChangeAspect="1"/>
           </p:cNvPicPr>
           <p:nvPr/>
         </p:nvPicPr>
         <p:blipFill>
-          <a:blip r:embed="rId2">
+          <a:blip r:embed="rId5">
             <a:extLst>
               <a:ext uri="{28A0092B-C50C-407E-A947-70E740481C1C}">
                 <a14:useLocalDpi xmlns:a14="http://schemas.microsoft.com/office/drawing/2010/main" val="0"/>
@@ -4172,9 +4345,9 @@
           </a:stretch>
         </p:blipFill>
         <p:spPr>
-          <a:xfrm flipH="1">
-            <a:off x="7446125" y="2205331"/>
-            <a:ext cx="3709555" cy="3911631"/>
+          <a:xfrm>
+            <a:off x="10421660" y="0"/>
+            <a:ext cx="885306" cy="1737360"/>
           </a:xfrm>
           <a:prstGeom prst="roundRect">
             <a:avLst>
@@ -4197,7 +4370,7 @@
     </p:spTree>
     <p:extLst>
       <p:ext uri="{BB962C8B-B14F-4D97-AF65-F5344CB8AC3E}">
-        <p14:creationId xmlns:p14="http://schemas.microsoft.com/office/powerpoint/2010/main" val="2886218978"/>
+        <p14:creationId xmlns:p14="http://schemas.microsoft.com/office/powerpoint/2010/main" val="3952817088"/>
       </p:ext>
     </p:extLst>
   </p:cSld>
@@ -4241,88 +4414,385 @@
             <p:ph type="title"/>
           </p:nvPr>
         </p:nvSpPr>
-        <p:spPr/>
-        <p:txBody>
-          <a:bodyPr/>
-          <a:lstStyle/>
-          <a:p>
-            <a:r>
-              <a:rPr lang="en-US" dirty="0" smtClean="0"/>
-              <a:t>Production Schedule</a:t>
-            </a:r>
-            <a:endParaRPr lang="en-US" dirty="0"/>
-          </a:p>
-        </p:txBody>
-      </p:sp>
-      <p:sp>
-        <p:nvSpPr>
-          <p:cNvPr id="3" name="Content Placeholder 2"/>
-          <p:cNvSpPr>
-            <a:spLocks noGrp="1"/>
-          </p:cNvSpPr>
-          <p:nvPr>
-            <p:ph idx="1"/>
-          </p:nvPr>
-        </p:nvSpPr>
-        <p:spPr/>
+        <p:spPr>
+          <a:xfrm>
+            <a:off x="457200" y="594359"/>
+            <a:ext cx="3200400" cy="679270"/>
+          </a:xfrm>
+        </p:spPr>
         <p:txBody>
           <a:bodyPr>
             <a:normAutofit/>
           </a:bodyPr>
           <a:lstStyle/>
           <a:p>
-            <a:pPr>
-              <a:buFont typeface="Courier New" panose="02070309020205020404" pitchFamily="49" charset="0"/>
-              <a:buChar char="o"/>
+            <a:r>
+              <a:rPr lang="en-US" sz="4400" dirty="0" smtClean="0"/>
+              <a:t>Use Cases</a:t>
+            </a:r>
+            <a:endParaRPr lang="en-US" sz="4400" dirty="0"/>
+          </a:p>
+        </p:txBody>
+      </p:sp>
+      <p:sp>
+        <p:nvSpPr>
+          <p:cNvPr id="6" name="Text Placeholder 5"/>
+          <p:cNvSpPr>
+            <a:spLocks noGrp="1"/>
+          </p:cNvSpPr>
+          <p:nvPr>
+            <p:ph type="body" sz="half" idx="2"/>
+          </p:nvPr>
+        </p:nvSpPr>
+        <p:spPr>
+          <a:xfrm>
+            <a:off x="457200" y="1273629"/>
+            <a:ext cx="3200400" cy="5031575"/>
+          </a:xfrm>
+        </p:spPr>
+        <p:txBody>
+          <a:bodyPr>
+            <a:normAutofit lnSpcReduction="10000"/>
+          </a:bodyPr>
+          <a:lstStyle/>
+          <a:p>
+            <a:pPr marL="285750" indent="-285750">
+              <a:buFont typeface="Wingdings" panose="05000000000000000000" pitchFamily="2" charset="2"/>
+              <a:buChar char="q"/>
             </a:pPr>
             <a:r>
-              <a:rPr lang="en-US" sz="2800" dirty="0" smtClean="0"/>
-              <a:t>Scope</a:t>
-            </a:r>
-          </a:p>
-          <a:p>
-            <a:pPr>
-              <a:buFont typeface="Courier New" panose="02070309020205020404" pitchFamily="49" charset="0"/>
-              <a:buChar char="o"/>
+              <a:rPr lang="en-US" sz="2400" dirty="0" smtClean="0"/>
+              <a:t>Actors</a:t>
+            </a:r>
+          </a:p>
+          <a:p>
+            <a:pPr marL="285750" indent="-285750">
+              <a:buFont typeface="Wingdings" panose="05000000000000000000" pitchFamily="2" charset="2"/>
+              <a:buChar char="q"/>
             </a:pPr>
             <a:r>
-              <a:rPr lang="en-US" sz="2800" dirty="0" smtClean="0"/>
-              <a:t>Scheduling</a:t>
-            </a:r>
-          </a:p>
-          <a:p>
-            <a:pPr>
-              <a:buFont typeface="Courier New" panose="02070309020205020404" pitchFamily="49" charset="0"/>
-              <a:buChar char="o"/>
+              <a:rPr lang="en-US" sz="2400" dirty="0" smtClean="0"/>
+              <a:t>Menu Use Cases</a:t>
+            </a:r>
+            <a:r>
+              <a:rPr lang="en-US" sz="2400" dirty="0" smtClean="0"/>
+              <a:t>	</a:t>
+            </a:r>
+          </a:p>
+          <a:p>
+            <a:pPr marL="742950" lvl="1" indent="-285750">
+              <a:buFont typeface="Wingdings" panose="05000000000000000000" pitchFamily="2" charset="2"/>
+              <a:buChar char="q"/>
             </a:pPr>
             <a:r>
-              <a:rPr lang="en-US" sz="2800" dirty="0" smtClean="0"/>
-              <a:t>Dependencies</a:t>
-            </a:r>
-          </a:p>
-          <a:p>
-            <a:pPr>
-              <a:buFont typeface="Courier New" panose="02070309020205020404" pitchFamily="49" charset="0"/>
-              <a:buChar char="o"/>
+              <a:rPr lang="en-US" sz="2100" dirty="0" smtClean="0">
+                <a:solidFill>
+                  <a:schemeClr val="bg1"/>
+                </a:solidFill>
+              </a:rPr>
+              <a:t>Begin new </a:t>
+            </a:r>
+            <a:r>
+              <a:rPr lang="en-US" sz="2100" dirty="0" smtClean="0">
+                <a:solidFill>
+                  <a:schemeClr val="bg1"/>
+                </a:solidFill>
+              </a:rPr>
+              <a:t>game</a:t>
+            </a:r>
+          </a:p>
+          <a:p>
+            <a:pPr marL="742950" lvl="1" indent="-285750">
+              <a:buFont typeface="Wingdings" panose="05000000000000000000" pitchFamily="2" charset="2"/>
+              <a:buChar char="q"/>
             </a:pPr>
             <a:r>
-              <a:rPr lang="en-US" sz="2800" dirty="0" smtClean="0"/>
-              <a:t>Cost Estimate</a:t>
-            </a:r>
-            <a:endParaRPr lang="en-US" sz="2800" dirty="0" smtClean="0"/>
-          </a:p>
-        </p:txBody>
-      </p:sp>
+              <a:rPr lang="en-US" sz="2100" dirty="0" smtClean="0">
+                <a:solidFill>
+                  <a:schemeClr val="bg1"/>
+                </a:solidFill>
+              </a:rPr>
+              <a:t>Options</a:t>
+            </a:r>
+          </a:p>
+          <a:p>
+            <a:pPr marL="742950" lvl="1" indent="-285750">
+              <a:buFont typeface="Wingdings" panose="05000000000000000000" pitchFamily="2" charset="2"/>
+              <a:buChar char="q"/>
+            </a:pPr>
+            <a:r>
+              <a:rPr lang="en-US" sz="2100" dirty="0" smtClean="0">
+                <a:solidFill>
+                  <a:schemeClr val="bg1"/>
+                </a:solidFill>
+              </a:rPr>
+              <a:t>Credits</a:t>
+            </a:r>
+          </a:p>
+          <a:p>
+            <a:pPr marL="742950" lvl="1" indent="-285750">
+              <a:buFont typeface="Wingdings" panose="05000000000000000000" pitchFamily="2" charset="2"/>
+              <a:buChar char="q"/>
+            </a:pPr>
+            <a:r>
+              <a:rPr lang="en-US" sz="2100" dirty="0" smtClean="0">
+                <a:solidFill>
+                  <a:schemeClr val="bg1"/>
+                </a:solidFill>
+              </a:rPr>
+              <a:t>Exit Game</a:t>
+            </a:r>
+          </a:p>
+          <a:p>
+            <a:pPr marL="742950" lvl="1" indent="-285750">
+              <a:buFont typeface="Wingdings" panose="05000000000000000000" pitchFamily="2" charset="2"/>
+              <a:buChar char="q"/>
+            </a:pPr>
+            <a:r>
+              <a:rPr lang="en-US" sz="2100" dirty="0" smtClean="0">
+                <a:solidFill>
+                  <a:schemeClr val="bg1"/>
+                </a:solidFill>
+              </a:rPr>
+              <a:t>10 Total</a:t>
+            </a:r>
+            <a:endParaRPr lang="en-US" sz="2100" dirty="0" smtClean="0">
+              <a:solidFill>
+                <a:schemeClr val="bg1"/>
+              </a:solidFill>
+            </a:endParaRPr>
+          </a:p>
+          <a:p>
+            <a:pPr marL="285750" indent="-285750">
+              <a:buFont typeface="Wingdings" panose="05000000000000000000" pitchFamily="2" charset="2"/>
+              <a:buChar char="q"/>
+            </a:pPr>
+            <a:r>
+              <a:rPr lang="en-US" sz="2400" dirty="0" smtClean="0">
+                <a:solidFill>
+                  <a:schemeClr val="bg1"/>
+                </a:solidFill>
+              </a:rPr>
+              <a:t>Character Use Cases</a:t>
+            </a:r>
+          </a:p>
+          <a:p>
+            <a:pPr marL="742950" lvl="1" indent="-285750">
+              <a:buFont typeface="Wingdings" panose="05000000000000000000" pitchFamily="2" charset="2"/>
+              <a:buChar char="q"/>
+            </a:pPr>
+            <a:r>
+              <a:rPr lang="en-US" sz="2100" dirty="0" smtClean="0">
+                <a:solidFill>
+                  <a:schemeClr val="bg1"/>
+                </a:solidFill>
+              </a:rPr>
+              <a:t>Move</a:t>
+            </a:r>
+          </a:p>
+          <a:p>
+            <a:pPr marL="742950" lvl="1" indent="-285750">
+              <a:buFont typeface="Wingdings" panose="05000000000000000000" pitchFamily="2" charset="2"/>
+              <a:buChar char="q"/>
+            </a:pPr>
+            <a:r>
+              <a:rPr lang="en-US" sz="2100" dirty="0" smtClean="0">
+                <a:solidFill>
+                  <a:schemeClr val="bg1"/>
+                </a:solidFill>
+              </a:rPr>
+              <a:t>Attack</a:t>
+            </a:r>
+          </a:p>
+          <a:p>
+            <a:pPr marL="742950" lvl="1" indent="-285750">
+              <a:buFont typeface="Wingdings" panose="05000000000000000000" pitchFamily="2" charset="2"/>
+              <a:buChar char="q"/>
+            </a:pPr>
+            <a:r>
+              <a:rPr lang="en-US" sz="2100" dirty="0" smtClean="0">
+                <a:solidFill>
+                  <a:schemeClr val="bg1"/>
+                </a:solidFill>
+              </a:rPr>
+              <a:t>Use Item</a:t>
+            </a:r>
+          </a:p>
+          <a:p>
+            <a:pPr marL="742950" lvl="1" indent="-285750">
+              <a:buFont typeface="Wingdings" panose="05000000000000000000" pitchFamily="2" charset="2"/>
+              <a:buChar char="q"/>
+            </a:pPr>
+            <a:r>
+              <a:rPr lang="en-US" sz="2100" dirty="0" smtClean="0">
+                <a:solidFill>
+                  <a:schemeClr val="bg1"/>
+                </a:solidFill>
+              </a:rPr>
+              <a:t>Interact</a:t>
+            </a:r>
+          </a:p>
+          <a:p>
+            <a:pPr marL="742950" lvl="1" indent="-285750">
+              <a:buFont typeface="Wingdings" panose="05000000000000000000" pitchFamily="2" charset="2"/>
+              <a:buChar char="q"/>
+            </a:pPr>
+            <a:r>
+              <a:rPr lang="en-US" sz="2100" dirty="0" smtClean="0">
+                <a:solidFill>
+                  <a:schemeClr val="bg1"/>
+                </a:solidFill>
+              </a:rPr>
+              <a:t>12 Total</a:t>
+            </a:r>
+            <a:endParaRPr lang="en-US" sz="2100" dirty="0" smtClean="0">
+              <a:solidFill>
+                <a:schemeClr val="bg1"/>
+              </a:solidFill>
+            </a:endParaRPr>
+          </a:p>
+        </p:txBody>
+      </p:sp>
+      <p:sp>
+        <p:nvSpPr>
+          <p:cNvPr id="3" name="Rectangle 2"/>
+          <p:cNvSpPr>
+            <a:spLocks noChangeArrowheads="1"/>
+          </p:cNvSpPr>
+          <p:nvPr/>
+        </p:nvSpPr>
+        <p:spPr bwMode="auto">
+          <a:xfrm>
+            <a:off x="4225860" y="779275"/>
+            <a:ext cx="13235857" cy="45719"/>
+          </a:xfrm>
+          <a:prstGeom prst="rect">
+            <a:avLst/>
+          </a:prstGeom>
+          <a:noFill/>
+          <a:ln>
+            <a:noFill/>
+          </a:ln>
+          <a:effectLst/>
+          <a:extLst>
+            <a:ext uri="{909E8E84-426E-40DD-AFC4-6F175D3DCCD1}">
+              <a14:hiddenFill xmlns:a14="http://schemas.microsoft.com/office/drawing/2010/main">
+                <a:solidFill>
+                  <a:schemeClr val="accent1"/>
+                </a:solidFill>
+              </a14:hiddenFill>
+            </a:ext>
+            <a:ext uri="{91240B29-F687-4F45-9708-019B960494DF}">
+              <a14:hiddenLine xmlns:a14="http://schemas.microsoft.com/office/drawing/2010/main" w="9525">
+                <a:solidFill>
+                  <a:schemeClr val="tx1"/>
+                </a:solidFill>
+                <a:miter lim="800000"/>
+                <a:headEnd/>
+                <a:tailEnd/>
+              </a14:hiddenLine>
+            </a:ext>
+            <a:ext uri="{AF507438-7753-43E0-B8FC-AC1667EBCBE1}">
+              <a14:hiddenEffects xmlns:a14="http://schemas.microsoft.com/office/drawing/2010/main">
+                <a:effectLst>
+                  <a:outerShdw dist="35921" dir="2700000" algn="ctr" rotWithShape="0">
+                    <a:schemeClr val="bg2"/>
+                  </a:outerShdw>
+                </a:effectLst>
+              </a14:hiddenEffects>
+            </a:ext>
+          </a:extLst>
+        </p:spPr>
+        <p:txBody>
+          <a:bodyPr vert="horz" wrap="square" lIns="91440" tIns="45720" rIns="91440" bIns="45720" numCol="1" anchor="ctr" anchorCtr="0" compatLnSpc="1">
+            <a:prstTxWarp prst="textNoShape">
+              <a:avLst/>
+            </a:prstTxWarp>
+            <a:spAutoFit/>
+          </a:bodyPr>
+          <a:lstStyle/>
+          <a:p>
+            <a:endParaRPr lang="en-US"/>
+          </a:p>
+        </p:txBody>
+      </p:sp>
+      <p:graphicFrame>
+        <p:nvGraphicFramePr>
+          <p:cNvPr id="5" name="Object 4"/>
+          <p:cNvGraphicFramePr>
+            <a:graphicFrameLocks noChangeAspect="1"/>
+          </p:cNvGraphicFramePr>
+          <p:nvPr>
+            <p:extLst>
+              <p:ext uri="{D42A27DB-BD31-4B8C-83A1-F6EECF244321}">
+                <p14:modId xmlns:p14="http://schemas.microsoft.com/office/powerpoint/2010/main" val="4279879873"/>
+              </p:ext>
+            </p:extLst>
+          </p:nvPr>
+        </p:nvGraphicFramePr>
+        <p:xfrm>
+          <a:off x="4225861" y="779276"/>
+          <a:ext cx="7687871" cy="5084114"/>
+        </p:xfrm>
+        <a:graphic>
+          <a:graphicData uri="http://schemas.openxmlformats.org/presentationml/2006/ole">
+            <mc:AlternateContent xmlns:mc="http://schemas.openxmlformats.org/markup-compatibility/2006">
+              <mc:Choice xmlns:v="urn:schemas-microsoft-com:vml" Requires="v">
+                <p:oleObj spid="_x0000_s5126" r:id="rId3" imgW="6667590" imgH="4419508" progId="Visio.Drawing.15">
+                  <p:embed/>
+                </p:oleObj>
+              </mc:Choice>
+              <mc:Fallback>
+                <p:oleObj r:id="rId3" imgW="6667590" imgH="4419508" progId="Visio.Drawing.15">
+                  <p:embed/>
+                  <p:pic>
+                    <p:nvPicPr>
+                      <p:cNvPr id="0" name="Object 1"/>
+                      <p:cNvPicPr>
+                        <a:picLocks noChangeAspect="1" noChangeArrowheads="1"/>
+                      </p:cNvPicPr>
+                      <p:nvPr/>
+                    </p:nvPicPr>
+                    <p:blipFill>
+                      <a:blip r:embed="rId4">
+                        <a:extLst>
+                          <a:ext uri="{28A0092B-C50C-407E-A947-70E740481C1C}">
+                            <a14:useLocalDpi xmlns:a14="http://schemas.microsoft.com/office/drawing/2010/main" val="0"/>
+                          </a:ext>
+                        </a:extLst>
+                      </a:blip>
+                      <a:srcRect/>
+                      <a:stretch>
+                        <a:fillRect/>
+                      </a:stretch>
+                    </p:blipFill>
+                    <p:spPr bwMode="auto">
+                      <a:xfrm>
+                        <a:off x="4225861" y="779276"/>
+                        <a:ext cx="7687871" cy="5084114"/>
+                      </a:xfrm>
+                      <a:prstGeom prst="rect">
+                        <a:avLst/>
+                      </a:prstGeom>
+                      <a:noFill/>
+                    </p:spPr>
+                  </p:pic>
+                </p:oleObj>
+              </mc:Fallback>
+            </mc:AlternateContent>
+          </a:graphicData>
+        </a:graphic>
+      </p:graphicFrame>
       <p:pic>
         <p:nvPicPr>
-          <p:cNvPr id="5" name="Picture 4"/>
+          <p:cNvPr id="7" name="Picture 6"/>
           <p:cNvPicPr>
             <a:picLocks noChangeAspect="1"/>
           </p:cNvPicPr>
           <p:nvPr/>
         </p:nvPicPr>
         <p:blipFill>
-          <a:blip r:embed="rId2">
+          <a:blip r:embed="rId5">
             <a:extLst>
               <a:ext uri="{28A0092B-C50C-407E-A947-70E740481C1C}">
                 <a14:useLocalDpi xmlns:a14="http://schemas.microsoft.com/office/drawing/2010/main" val="0"/>
@@ -4335,185 +4805,8 @@
         </p:blipFill>
         <p:spPr>
           <a:xfrm>
-            <a:off x="7873619" y="2103457"/>
-            <a:ext cx="1962424" cy="3229426"/>
-          </a:xfrm>
-          <a:prstGeom prst="rect">
-            <a:avLst/>
-          </a:prstGeom>
-        </p:spPr>
-      </p:pic>
-    </p:spTree>
-    <p:extLst>
-      <p:ext uri="{BB962C8B-B14F-4D97-AF65-F5344CB8AC3E}">
-        <p14:creationId xmlns:p14="http://schemas.microsoft.com/office/powerpoint/2010/main" val="2765650733"/>
-      </p:ext>
-    </p:extLst>
-  </p:cSld>
-  <p:clrMapOvr>
-    <a:masterClrMapping/>
-  </p:clrMapOvr>
-  <p:timing>
-    <p:tnLst>
-      <p:par>
-        <p:cTn id="1" dur="indefinite" restart="never" nodeType="tmRoot"/>
-      </p:par>
-    </p:tnLst>
-  </p:timing>
-</p:sld>
-</file>
-
-<file path=ppt/slides/slide12.xml><?xml version="1.0" encoding="utf-8"?>
-<p:sld xmlns:a="http://schemas.openxmlformats.org/drawingml/2006/main" xmlns:r="http://schemas.openxmlformats.org/officeDocument/2006/relationships" xmlns:p="http://schemas.openxmlformats.org/presentationml/2006/main">
-  <p:cSld>
-    <p:spTree>
-      <p:nvGrpSpPr>
-        <p:cNvPr id="1" name=""/>
-        <p:cNvGrpSpPr/>
-        <p:nvPr/>
-      </p:nvGrpSpPr>
-      <p:grpSpPr>
-        <a:xfrm>
-          <a:off x="0" y="0"/>
-          <a:ext cx="0" cy="0"/>
-          <a:chOff x="0" y="0"/>
-          <a:chExt cx="0" cy="0"/>
-        </a:xfrm>
-      </p:grpSpPr>
-      <p:sp>
-        <p:nvSpPr>
-          <p:cNvPr id="2" name="Title 1"/>
-          <p:cNvSpPr>
-            <a:spLocks noGrp="1"/>
-          </p:cNvSpPr>
-          <p:nvPr>
-            <p:ph type="title"/>
-          </p:nvPr>
-        </p:nvSpPr>
-        <p:spPr>
-          <a:xfrm>
-            <a:off x="457200" y="594359"/>
-            <a:ext cx="3200400" cy="679270"/>
-          </a:xfrm>
-        </p:spPr>
-        <p:txBody>
-          <a:bodyPr>
-            <a:normAutofit/>
-          </a:bodyPr>
-          <a:lstStyle/>
-          <a:p>
-            <a:r>
-              <a:rPr lang="en-US" sz="4400" dirty="0" smtClean="0"/>
-              <a:t>Use Cases</a:t>
-            </a:r>
-            <a:endParaRPr lang="en-US" sz="4400" dirty="0"/>
-          </a:p>
-        </p:txBody>
-      </p:sp>
-      <p:sp>
-        <p:nvSpPr>
-          <p:cNvPr id="6" name="Text Placeholder 5"/>
-          <p:cNvSpPr>
-            <a:spLocks noGrp="1"/>
-          </p:cNvSpPr>
-          <p:nvPr>
-            <p:ph type="body" sz="half" idx="2"/>
-          </p:nvPr>
-        </p:nvSpPr>
-        <p:spPr>
-          <a:xfrm>
-            <a:off x="457200" y="1273629"/>
-            <a:ext cx="3200400" cy="5031575"/>
-          </a:xfrm>
-        </p:spPr>
-        <p:txBody>
-          <a:bodyPr>
-            <a:normAutofit/>
-          </a:bodyPr>
-          <a:lstStyle/>
-          <a:p>
-            <a:pPr marL="285750" indent="-285750">
-              <a:buFont typeface="Wingdings" panose="05000000000000000000" pitchFamily="2" charset="2"/>
-              <a:buChar char="q"/>
-            </a:pPr>
-            <a:r>
-              <a:rPr lang="en-US" sz="2400" dirty="0" smtClean="0"/>
-              <a:t>Actors</a:t>
-            </a:r>
-            <a:endParaRPr lang="en-US" sz="2400" dirty="0" smtClean="0"/>
-          </a:p>
-          <a:p>
-            <a:pPr marL="285750" indent="-285750">
-              <a:buFont typeface="Wingdings" panose="05000000000000000000" pitchFamily="2" charset="2"/>
-              <a:buChar char="q"/>
-            </a:pPr>
-            <a:r>
-              <a:rPr lang="en-US" sz="2400" dirty="0" smtClean="0"/>
-              <a:t>List of Use C</a:t>
-            </a:r>
-            <a:r>
-              <a:rPr lang="en-US" sz="2400" dirty="0" smtClean="0">
-                <a:solidFill>
-                  <a:schemeClr val="bg1"/>
-                </a:solidFill>
-              </a:rPr>
-              <a:t>ase</a:t>
-            </a:r>
-            <a:r>
-              <a:rPr lang="en-US" sz="2400" dirty="0" smtClean="0"/>
-              <a:t>s</a:t>
-            </a:r>
-            <a:r>
-              <a:rPr lang="en-US" sz="2400" dirty="0" smtClean="0"/>
-              <a:t>	</a:t>
-            </a:r>
-            <a:endParaRPr lang="en-US" sz="2400" dirty="0" smtClean="0"/>
-          </a:p>
-          <a:p>
-            <a:pPr marL="742950" lvl="1" indent="-285750">
-              <a:buFont typeface="Wingdings" panose="05000000000000000000" pitchFamily="2" charset="2"/>
-              <a:buChar char="q"/>
-            </a:pPr>
-            <a:r>
-              <a:rPr lang="en-US" sz="2100" dirty="0" smtClean="0">
-                <a:solidFill>
-                  <a:schemeClr val="bg1"/>
-                </a:solidFill>
-              </a:rPr>
-              <a:t>Begin new game</a:t>
-            </a:r>
-            <a:endParaRPr lang="en-US" sz="2100" dirty="0" smtClean="0">
-              <a:solidFill>
-                <a:schemeClr val="bg1"/>
-              </a:solidFill>
-            </a:endParaRPr>
-          </a:p>
-        </p:txBody>
-      </p:sp>
-      <p:pic>
-        <p:nvPicPr>
-          <p:cNvPr id="4" name="Picture 3"/>
-          <p:cNvPicPr>
-            <a:picLocks noChangeAspect="1"/>
-          </p:cNvPicPr>
-          <p:nvPr/>
-        </p:nvPicPr>
-        <p:blipFill>
-          <a:blip r:embed="rId2">
-            <a:extLst>
-              <a:ext uri="{28A0092B-C50C-407E-A947-70E740481C1C}">
-                <a14:useLocalDpi xmlns:a14="http://schemas.microsoft.com/office/drawing/2010/main" val="0"/>
-              </a:ext>
-            </a:extLst>
-          </a:blip>
-          <a:stretch>
-            <a:fillRect/>
-          </a:stretch>
-        </p:blipFill>
-        <p:spPr>
-          <a:xfrm>
-            <a:off x="4405745" y="1097972"/>
-            <a:ext cx="7455549" cy="4492335"/>
+            <a:off x="4415386" y="482656"/>
+            <a:ext cx="605791" cy="856875"/>
           </a:xfrm>
           <a:prstGeom prst="rect">
             <a:avLst/>
@@ -4574,7 +4867,7 @@
           <a:p>
             <a:r>
               <a:rPr lang="en-US" dirty="0" smtClean="0"/>
-              <a:t>Problem Description &amp; Scope</a:t>
+              <a:t>Game Description</a:t>
             </a:r>
             <a:endParaRPr lang="en-US" dirty="0"/>
           </a:p>
@@ -4590,7 +4883,12 @@
             <p:ph idx="1"/>
           </p:nvPr>
         </p:nvSpPr>
-        <p:spPr/>
+        <p:spPr>
+          <a:xfrm>
+            <a:off x="1097280" y="1845734"/>
+            <a:ext cx="4347556" cy="4023360"/>
+          </a:xfrm>
+        </p:spPr>
         <p:txBody>
           <a:bodyPr>
             <a:normAutofit/>
@@ -4603,7 +4901,7 @@
             </a:pPr>
             <a:r>
               <a:rPr lang="en-US" dirty="0" smtClean="0"/>
-              <a:t>A team of students from the College of Creative Studies have built up a collection of artwork including 3D models, textures, video, and sounds.  However, they lack the training and experience needed to implement and combine all of these assets in code.</a:t>
+              <a:t>Interactive, Immersive, Entertaining</a:t>
             </a:r>
           </a:p>
           <a:p>
@@ -4613,7 +4911,7 @@
             </a:pPr>
             <a:r>
               <a:rPr lang="en-US" dirty="0" smtClean="0"/>
-              <a:t>Demo</a:t>
+              <a:t>Imaginative, original environments</a:t>
             </a:r>
           </a:p>
           <a:p>
@@ -4623,56 +4921,108 @@
             </a:pPr>
             <a:r>
               <a:rPr lang="en-US" dirty="0" smtClean="0"/>
-              <a:t>1 Island</a:t>
-            </a:r>
-          </a:p>
-          <a:p>
-            <a:pPr>
+              <a:t>Target audience is expecting:</a:t>
+            </a:r>
+          </a:p>
+          <a:p>
+            <a:pPr lvl="1">
               <a:buFont typeface="Courier New" panose="02070309020205020404" pitchFamily="49" charset="0"/>
               <a:buChar char="o"/>
             </a:pPr>
             <a:r>
               <a:rPr lang="en-US" dirty="0" smtClean="0"/>
-              <a:t>User-Controlled camera</a:t>
-            </a:r>
-          </a:p>
-          <a:p>
-            <a:pPr>
+              <a:t>Freedom to explore</a:t>
+            </a:r>
+          </a:p>
+          <a:p>
+            <a:pPr lvl="1">
               <a:buFont typeface="Courier New" panose="02070309020205020404" pitchFamily="49" charset="0"/>
               <a:buChar char="o"/>
             </a:pPr>
             <a:r>
               <a:rPr lang="en-US" dirty="0" smtClean="0"/>
-              <a:t>Appropriate animations &amp; sounds</a:t>
-            </a:r>
-          </a:p>
-          <a:p>
-            <a:pPr>
-              <a:buFont typeface="Courier New" panose="02070309020205020404" pitchFamily="49" charset="0"/>
-              <a:buChar char="o"/>
-            </a:pPr>
-            <a:r>
-              <a:rPr lang="en-US" dirty="0" smtClean="0"/>
-              <a:t>Combat system</a:t>
-            </a:r>
-          </a:p>
-          <a:p>
-            <a:pPr>
-              <a:buFont typeface="Courier New" panose="02070309020205020404" pitchFamily="49" charset="0"/>
-              <a:buChar char="o"/>
-            </a:pPr>
-            <a:r>
-              <a:rPr lang="en-US" dirty="0" smtClean="0"/>
-              <a:t>Functional UI</a:t>
-            </a:r>
-            <a:endParaRPr lang="en-US" dirty="0"/>
-          </a:p>
-        </p:txBody>
-      </p:sp>
+              <a:t>Strong Storyline</a:t>
+            </a:r>
+          </a:p>
+        </p:txBody>
+      </p:sp>
+      <p:pic>
+        <p:nvPicPr>
+          <p:cNvPr id="8" name="Picture 7"/>
+          <p:cNvPicPr>
+            <a:picLocks noChangeAspect="1"/>
+          </p:cNvPicPr>
+          <p:nvPr/>
+        </p:nvPicPr>
+        <p:blipFill>
+          <a:blip r:embed="rId2">
+            <a:extLst>
+              <a:ext uri="{28A0092B-C50C-407E-A947-70E740481C1C}">
+                <a14:useLocalDpi xmlns:a14="http://schemas.microsoft.com/office/drawing/2010/main" val="0"/>
+              </a:ext>
+            </a:extLst>
+          </a:blip>
+          <a:stretch>
+            <a:fillRect/>
+          </a:stretch>
+        </p:blipFill>
+        <p:spPr>
+          <a:xfrm>
+            <a:off x="4862945" y="2338781"/>
+            <a:ext cx="6468774" cy="3436795"/>
+          </a:xfrm>
+          <a:prstGeom prst="rect">
+            <a:avLst/>
+          </a:prstGeom>
+        </p:spPr>
+      </p:pic>
+      <p:pic>
+        <p:nvPicPr>
+          <p:cNvPr id="4" name="Picture 3"/>
+          <p:cNvPicPr>
+            <a:picLocks noChangeAspect="1"/>
+          </p:cNvPicPr>
+          <p:nvPr/>
+        </p:nvPicPr>
+        <p:blipFill>
+          <a:blip r:embed="rId3">
+            <a:extLst>
+              <a:ext uri="{28A0092B-C50C-407E-A947-70E740481C1C}">
+                <a14:useLocalDpi xmlns:a14="http://schemas.microsoft.com/office/drawing/2010/main" val="0"/>
+              </a:ext>
+            </a:extLst>
+          </a:blip>
+          <a:stretch>
+            <a:fillRect/>
+          </a:stretch>
+        </p:blipFill>
+        <p:spPr>
+          <a:xfrm>
+            <a:off x="9461167" y="58177"/>
+            <a:ext cx="1214648" cy="1679183"/>
+          </a:xfrm>
+          <a:prstGeom prst="roundRect">
+            <a:avLst>
+              <a:gd name="adj" fmla="val 8594"/>
+            </a:avLst>
+          </a:prstGeom>
+          <a:solidFill>
+            <a:srgbClr val="FFFFFF">
+              <a:shade val="85000"/>
+            </a:srgbClr>
+          </a:solidFill>
+          <a:ln>
+            <a:noFill/>
+          </a:ln>
+          <a:effectLst>
+            <a:reflection blurRad="12700" stA="38000" endPos="28000" dist="5000" dir="5400000" sy="-100000" algn="bl" rotWithShape="0"/>
+          </a:effectLst>
+        </p:spPr>
+      </p:pic>
     </p:spTree>
     <p:extLst>
       <p:ext uri="{BB962C8B-B14F-4D97-AF65-F5344CB8AC3E}">
-        <p14:creationId xmlns:p14="http://schemas.microsoft.com/office/powerpoint/2010/main" val="2418298293"/>
+        <p14:creationId xmlns:p14="http://schemas.microsoft.com/office/powerpoint/2010/main" val="642959475"/>
       </p:ext>
     </p:extLst>
   </p:cSld>
@@ -4723,7 +5073,7 @@
           <a:p>
             <a:r>
               <a:rPr lang="en-US" dirty="0" smtClean="0"/>
-              <a:t>Game Description</a:t>
+              <a:t>Functional Specifications</a:t>
             </a:r>
             <a:endParaRPr lang="en-US" dirty="0"/>
           </a:p>
@@ -4739,12 +5089,7 @@
             <p:ph idx="1"/>
           </p:nvPr>
         </p:nvSpPr>
-        <p:spPr>
-          <a:xfrm>
-            <a:off x="1097280" y="1845734"/>
-            <a:ext cx="4347556" cy="4023360"/>
-          </a:xfrm>
-        </p:spPr>
+        <p:spPr/>
         <p:txBody>
           <a:bodyPr>
             <a:normAutofit/>
@@ -4756,8 +5101,8 @@
               <a:buChar char="o"/>
             </a:pPr>
             <a:r>
-              <a:rPr lang="en-US" dirty="0" smtClean="0"/>
-              <a:t>WORDS</a:t>
+              <a:rPr lang="en-US" sz="2800" dirty="0" smtClean="0"/>
+              <a:t>Rewards curious and adventurous players</a:t>
             </a:r>
           </a:p>
           <a:p>
@@ -4766,8 +5111,28 @@
               <a:buChar char="o"/>
             </a:pPr>
             <a:r>
-              <a:rPr lang="en-US" dirty="0" smtClean="0"/>
-              <a:t>SECOND LINE</a:t>
+              <a:rPr lang="en-US" sz="2800" dirty="0" smtClean="0"/>
+              <a:t>Victory conditions</a:t>
+            </a:r>
+          </a:p>
+          <a:p>
+            <a:pPr lvl="1">
+              <a:buFont typeface="Courier New" panose="02070309020205020404" pitchFamily="49" charset="0"/>
+              <a:buChar char="o"/>
+            </a:pPr>
+            <a:r>
+              <a:rPr lang="en-US" sz="2600" dirty="0" smtClean="0"/>
+              <a:t>Winning</a:t>
+            </a:r>
+          </a:p>
+          <a:p>
+            <a:pPr lvl="1">
+              <a:buFont typeface="Courier New" panose="02070309020205020404" pitchFamily="49" charset="0"/>
+              <a:buChar char="o"/>
+            </a:pPr>
+            <a:r>
+              <a:rPr lang="en-US" sz="2600" dirty="0" smtClean="0"/>
+              <a:t>Losing</a:t>
             </a:r>
           </a:p>
           <a:p>
@@ -4776,16 +5141,68 @@
               <a:buChar char="o"/>
             </a:pPr>
             <a:r>
-              <a:rPr lang="en-US" dirty="0" smtClean="0"/>
-              <a:t>THIRD LINE</a:t>
-            </a:r>
-            <a:endParaRPr lang="en-US" dirty="0"/>
+              <a:rPr lang="en-US" sz="2800" dirty="0" smtClean="0"/>
+              <a:t>Game Elements</a:t>
+            </a:r>
+          </a:p>
+          <a:p>
+            <a:pPr lvl="1">
+              <a:buFont typeface="Courier New" panose="02070309020205020404" pitchFamily="49" charset="0"/>
+              <a:buChar char="o"/>
+            </a:pPr>
+            <a:r>
+              <a:rPr lang="en-US" sz="2600" dirty="0" smtClean="0">
+                <a:sym typeface="Wingdings" panose="05000000000000000000" pitchFamily="2" charset="2"/>
+              </a:rPr>
+              <a:t>Health/Stamina</a:t>
+            </a:r>
+          </a:p>
+          <a:p>
+            <a:pPr lvl="1">
+              <a:buFont typeface="Courier New" panose="02070309020205020404" pitchFamily="49" charset="0"/>
+              <a:buChar char="o"/>
+            </a:pPr>
+            <a:r>
+              <a:rPr lang="en-US" sz="2600" dirty="0" smtClean="0">
+                <a:sym typeface="Wingdings" panose="05000000000000000000" pitchFamily="2" charset="2"/>
+              </a:rPr>
+              <a:t>Obstacles</a:t>
+            </a:r>
+          </a:p>
+          <a:p>
+            <a:pPr lvl="1">
+              <a:buFont typeface="Courier New" panose="02070309020205020404" pitchFamily="49" charset="0"/>
+              <a:buChar char="o"/>
+            </a:pPr>
+            <a:r>
+              <a:rPr lang="en-US" sz="2600" dirty="0" smtClean="0">
+                <a:sym typeface="Wingdings" panose="05000000000000000000" pitchFamily="2" charset="2"/>
+              </a:rPr>
+              <a:t>Items</a:t>
+            </a:r>
+            <a:endParaRPr lang="en-US" sz="2600" dirty="0" smtClean="0">
+              <a:sym typeface="Wingdings" panose="05000000000000000000" pitchFamily="2" charset="2"/>
+            </a:endParaRPr>
+          </a:p>
+          <a:p>
+            <a:pPr>
+              <a:buFont typeface="Courier New" panose="02070309020205020404" pitchFamily="49" charset="0"/>
+              <a:buChar char="o"/>
+            </a:pPr>
+            <a:endParaRPr lang="en-US" sz="2800" dirty="0" smtClean="0"/>
+          </a:p>
+          <a:p>
+            <a:pPr>
+              <a:buFont typeface="Courier New" panose="02070309020205020404" pitchFamily="49" charset="0"/>
+              <a:buChar char="o"/>
+            </a:pPr>
+            <a:endParaRPr lang="en-US" sz="2800" dirty="0" smtClean="0"/>
           </a:p>
         </p:txBody>
       </p:sp>
       <p:pic>
         <p:nvPicPr>
-          <p:cNvPr id="8" name="Picture 7"/>
+          <p:cNvPr id="4" name="Picture 3"/>
           <p:cNvPicPr>
             <a:picLocks noChangeAspect="1"/>
           </p:cNvPicPr>
@@ -4805,18 +5222,61 @@
         </p:blipFill>
         <p:spPr>
           <a:xfrm>
-            <a:off x="4862945" y="2338781"/>
-            <a:ext cx="6468774" cy="3436795"/>
+            <a:off x="6686117" y="2204826"/>
+            <a:ext cx="4181475" cy="3305175"/>
           </a:xfrm>
           <a:prstGeom prst="rect">
             <a:avLst/>
           </a:prstGeom>
+        </p:spPr>
+      </p:pic>
+      <p:pic>
+        <p:nvPicPr>
+          <p:cNvPr id="6" name="Picture 5"/>
+          <p:cNvPicPr>
+            <a:picLocks noChangeAspect="1"/>
+          </p:cNvPicPr>
+          <p:nvPr/>
+        </p:nvPicPr>
+        <p:blipFill>
+          <a:blip r:embed="rId3">
+            <a:extLst>
+              <a:ext uri="{28A0092B-C50C-407E-A947-70E740481C1C}">
+                <a14:useLocalDpi xmlns:a14="http://schemas.microsoft.com/office/drawing/2010/main" val="0"/>
+              </a:ext>
+            </a:extLst>
+          </a:blip>
+          <a:stretch>
+            <a:fillRect/>
+          </a:stretch>
+        </p:blipFill>
+        <p:spPr>
+          <a:xfrm>
+            <a:off x="9742682" y="228480"/>
+            <a:ext cx="948765" cy="1508880"/>
+          </a:xfrm>
+          <a:prstGeom prst="roundRect">
+            <a:avLst>
+              <a:gd name="adj" fmla="val 8594"/>
+            </a:avLst>
+          </a:prstGeom>
+          <a:solidFill>
+            <a:srgbClr val="FFFFFF">
+              <a:shade val="85000"/>
+            </a:srgbClr>
+          </a:solidFill>
+          <a:ln>
+            <a:noFill/>
+          </a:ln>
+          <a:effectLst>
+            <a:reflection blurRad="12700" stA="38000" endPos="28000" dist="5000" dir="5400000" sy="-100000" algn="bl" rotWithShape="0"/>
+          </a:effectLst>
         </p:spPr>
       </p:pic>
     </p:spTree>
     <p:extLst>
       <p:ext uri="{BB962C8B-B14F-4D97-AF65-F5344CB8AC3E}">
-        <p14:creationId xmlns:p14="http://schemas.microsoft.com/office/powerpoint/2010/main" val="642959475"/>
+        <p14:creationId xmlns:p14="http://schemas.microsoft.com/office/powerpoint/2010/main" val="204447137"/>
       </p:ext>
     </p:extLst>
   </p:cSld>
@@ -4867,7 +5327,7 @@
           <a:p>
             <a:r>
               <a:rPr lang="en-US" dirty="0" smtClean="0"/>
-              <a:t>Functional Specifications</a:t>
+              <a:t>User Interface and Menus</a:t>
             </a:r>
             <a:endParaRPr lang="en-US" dirty="0"/>
           </a:p>
@@ -4895,23 +5355,138 @@
               <a:buChar char="o"/>
             </a:pPr>
             <a:r>
-              <a:rPr lang="en-US" sz="2800" dirty="0" smtClean="0"/>
-              <a:t>Game mechanics</a:t>
-            </a:r>
-            <a:endParaRPr lang="en-US" sz="2800" dirty="0"/>
+              <a:rPr lang="en-US" dirty="0" smtClean="0"/>
+              <a:t>Splash Screen</a:t>
+            </a:r>
+          </a:p>
+          <a:p>
+            <a:pPr>
+              <a:buFont typeface="Courier New" panose="02070309020205020404" pitchFamily="49" charset="0"/>
+              <a:buChar char="o"/>
+            </a:pPr>
+            <a:r>
+              <a:rPr lang="en-US" dirty="0" smtClean="0"/>
+              <a:t>Menus</a:t>
+            </a:r>
+          </a:p>
+          <a:p>
+            <a:pPr>
+              <a:buFont typeface="Courier New" panose="02070309020205020404" pitchFamily="49" charset="0"/>
+              <a:buChar char="o"/>
+            </a:pPr>
+            <a:r>
+              <a:rPr lang="en-US" dirty="0" smtClean="0"/>
+              <a:t>HUD</a:t>
+            </a:r>
+          </a:p>
+          <a:p>
+            <a:pPr>
+              <a:buFont typeface="Courier New" panose="02070309020205020404" pitchFamily="49" charset="0"/>
+              <a:buChar char="o"/>
+            </a:pPr>
+            <a:r>
+              <a:rPr lang="en-US" dirty="0" smtClean="0"/>
+              <a:t>Brightness</a:t>
+            </a:r>
+          </a:p>
+          <a:p>
+            <a:pPr lvl="1">
+              <a:buFont typeface="Courier New" panose="02070309020205020404" pitchFamily="49" charset="0"/>
+              <a:buChar char="o"/>
+            </a:pPr>
+            <a:r>
+              <a:rPr lang="en-US" dirty="0" smtClean="0"/>
+              <a:t>70% - 130%</a:t>
+            </a:r>
+            <a:endParaRPr lang="en-US" dirty="0"/>
+          </a:p>
+          <a:p>
+            <a:pPr>
+              <a:buFont typeface="Courier New" panose="02070309020205020404" pitchFamily="49" charset="0"/>
+              <a:buChar char="o"/>
+            </a:pPr>
+            <a:r>
+              <a:rPr lang="en-US" dirty="0" smtClean="0"/>
+              <a:t>Resolution</a:t>
+            </a:r>
+          </a:p>
+          <a:p>
+            <a:pPr lvl="1">
+              <a:buFont typeface="Courier New" panose="02070309020205020404" pitchFamily="49" charset="0"/>
+              <a:buChar char="o"/>
+            </a:pPr>
+            <a:r>
+              <a:rPr lang="en-US" dirty="0" smtClean="0"/>
+              <a:t>16:9 Support</a:t>
+            </a:r>
+          </a:p>
+          <a:p>
+            <a:pPr>
+              <a:buFont typeface="Courier New" panose="02070309020205020404" pitchFamily="49" charset="0"/>
+              <a:buChar char="o"/>
+            </a:pPr>
+            <a:r>
+              <a:rPr lang="en-US" dirty="0" smtClean="0"/>
+              <a:t>Graphics</a:t>
+            </a:r>
+          </a:p>
+          <a:p>
+            <a:pPr lvl="1">
+              <a:buFont typeface="Courier New" panose="02070309020205020404" pitchFamily="49" charset="0"/>
+              <a:buChar char="o"/>
+            </a:pPr>
+            <a:r>
+              <a:rPr lang="en-US" dirty="0" smtClean="0"/>
+              <a:t>Low-High</a:t>
+            </a:r>
           </a:p>
         </p:txBody>
       </p:sp>
       <p:pic>
         <p:nvPicPr>
-          <p:cNvPr id="4" name="Picture 3"/>
+          <p:cNvPr id="5" name="Picture 4"/>
+          <p:cNvPicPr/>
+          <p:nvPr/>
+        </p:nvPicPr>
+        <p:blipFill rotWithShape="1">
+          <a:blip r:embed="rId2" cstate="print">
+            <a:extLst>
+              <a:ext uri="{28A0092B-C50C-407E-A947-70E740481C1C}">
+                <a14:useLocalDpi xmlns:a14="http://schemas.microsoft.com/office/drawing/2010/main" val="0"/>
+              </a:ext>
+            </a:extLst>
+          </a:blip>
+          <a:srcRect l="481" t="12250" r="21795" b="21938"/>
+          <a:stretch/>
+        </p:blipFill>
+        <p:spPr bwMode="auto">
+          <a:xfrm>
+            <a:off x="4044876" y="2008709"/>
+            <a:ext cx="7110804" cy="3697410"/>
+          </a:xfrm>
+          <a:prstGeom prst="rect">
+            <a:avLst/>
+          </a:prstGeom>
+          <a:ln>
+            <a:noFill/>
+          </a:ln>
+          <a:extLst>
+            <a:ext uri="{53640926-AAD7-44D8-BBD7-CCE9431645EC}">
+              <a14:shadowObscured xmlns:a14="http://schemas.microsoft.com/office/drawing/2010/main"/>
+            </a:ext>
+          </a:extLst>
+        </p:spPr>
+      </p:pic>
+      <p:pic>
+        <p:nvPicPr>
+          <p:cNvPr id="6" name="Picture 5"/>
           <p:cNvPicPr>
             <a:picLocks noChangeAspect="1"/>
           </p:cNvPicPr>
           <p:nvPr/>
         </p:nvPicPr>
         <p:blipFill>
-          <a:blip r:embed="rId2">
+          <a:blip r:embed="rId3">
             <a:extLst>
               <a:ext uri="{28A0092B-C50C-407E-A947-70E740481C1C}">
                 <a14:useLocalDpi xmlns:a14="http://schemas.microsoft.com/office/drawing/2010/main" val="0"/>
@@ -4924,18 +5499,31 @@
         </p:blipFill>
         <p:spPr>
           <a:xfrm>
-            <a:off x="6686117" y="2204826"/>
-            <a:ext cx="4181475" cy="3305175"/>
-          </a:xfrm>
-          <a:prstGeom prst="rect">
-            <a:avLst/>
+            <a:off x="9181129" y="0"/>
+            <a:ext cx="1245512" cy="1721852"/>
+          </a:xfrm>
+          <a:prstGeom prst="roundRect">
+            <a:avLst>
+              <a:gd name="adj" fmla="val 8594"/>
+            </a:avLst>
           </a:prstGeom>
+          <a:solidFill>
+            <a:srgbClr val="FFFFFF">
+              <a:shade val="85000"/>
+            </a:srgbClr>
+          </a:solidFill>
+          <a:ln>
+            <a:noFill/>
+          </a:ln>
+          <a:effectLst>
+            <a:reflection blurRad="12700" stA="38000" endPos="28000" dist="5000" dir="5400000" sy="-100000" algn="bl" rotWithShape="0"/>
+          </a:effectLst>
         </p:spPr>
       </p:pic>
     </p:spTree>
     <p:extLst>
       <p:ext uri="{BB962C8B-B14F-4D97-AF65-F5344CB8AC3E}">
-        <p14:creationId xmlns:p14="http://schemas.microsoft.com/office/powerpoint/2010/main" val="204447137"/>
+        <p14:creationId xmlns:p14="http://schemas.microsoft.com/office/powerpoint/2010/main" val="399732649"/>
       </p:ext>
     </p:extLst>
   </p:cSld>
@@ -4979,14 +5567,26 @@
             <p:ph type="title"/>
           </p:nvPr>
         </p:nvSpPr>
-        <p:spPr/>
+        <p:spPr>
+          <a:xfrm>
+            <a:off x="457200" y="594359"/>
+            <a:ext cx="3200400" cy="1178294"/>
+          </a:xfrm>
+        </p:spPr>
         <p:txBody>
           <a:bodyPr/>
           <a:lstStyle/>
           <a:p>
             <a:r>
               <a:rPr lang="en-US" dirty="0" smtClean="0"/>
-              <a:t>User Interface and Menus</a:t>
+              <a:t>Main Menu </a:t>
+            </a:r>
+            <a:br>
+              <a:rPr lang="en-US" dirty="0" smtClean="0"/>
+            </a:br>
+            <a:r>
+              <a:rPr lang="en-US" dirty="0" smtClean="0"/>
+              <a:t>Flow Diagram</a:t>
             </a:r>
             <a:endParaRPr lang="en-US" dirty="0"/>
           </a:p>
@@ -4994,66 +5594,196 @@
       </p:sp>
       <p:sp>
         <p:nvSpPr>
-          <p:cNvPr id="3" name="Content Placeholder 2"/>
-          <p:cNvSpPr>
-            <a:spLocks noGrp="1"/>
-          </p:cNvSpPr>
-          <p:nvPr>
-            <p:ph idx="1"/>
-          </p:nvPr>
-        </p:nvSpPr>
-        <p:spPr/>
-        <p:txBody>
-          <a:bodyPr>
-            <a:normAutofit/>
+          <p:cNvPr id="15" name="Text Placeholder 14"/>
+          <p:cNvSpPr>
+            <a:spLocks noGrp="1"/>
+          </p:cNvSpPr>
+          <p:nvPr>
+            <p:ph type="body" sz="half" idx="2"/>
+          </p:nvPr>
+        </p:nvSpPr>
+        <p:spPr>
+          <a:xfrm>
+            <a:off x="457200" y="1852863"/>
+            <a:ext cx="3200400" cy="4452341"/>
+          </a:xfrm>
+        </p:spPr>
+        <p:txBody>
+          <a:bodyPr/>
+          <a:lstStyle/>
+          <a:p>
+            <a:pPr marL="285750" indent="-285750">
+              <a:buFont typeface="Wingdings" panose="05000000000000000000" pitchFamily="2" charset="2"/>
+              <a:buChar char="q"/>
+            </a:pPr>
+            <a:r>
+              <a:rPr lang="en-US" dirty="0" smtClean="0"/>
+              <a:t>Represent Wayne State</a:t>
+            </a:r>
+          </a:p>
+          <a:p>
+            <a:pPr marL="285750" indent="-285750">
+              <a:buFont typeface="Wingdings" panose="05000000000000000000" pitchFamily="2" charset="2"/>
+              <a:buChar char="q"/>
+            </a:pPr>
+            <a:r>
+              <a:rPr lang="en-US" dirty="0" smtClean="0"/>
+              <a:t>Simple</a:t>
+            </a:r>
+          </a:p>
+          <a:p>
+            <a:pPr marL="285750" indent="-285750">
+              <a:buFont typeface="Wingdings" panose="05000000000000000000" pitchFamily="2" charset="2"/>
+              <a:buChar char="q"/>
+            </a:pPr>
+            <a:r>
+              <a:rPr lang="en-US" dirty="0" smtClean="0"/>
+              <a:t>Intuitive Navigation</a:t>
+            </a:r>
+            <a:endParaRPr lang="en-US" dirty="0"/>
+          </a:p>
+        </p:txBody>
+      </p:sp>
+      <p:sp>
+        <p:nvSpPr>
+          <p:cNvPr id="16" name="Rectangle 6"/>
+          <p:cNvSpPr>
+            <a:spLocks noChangeArrowheads="1"/>
+          </p:cNvSpPr>
+          <p:nvPr/>
+        </p:nvSpPr>
+        <p:spPr bwMode="auto">
+          <a:xfrm>
+            <a:off x="4734889" y="594359"/>
+            <a:ext cx="13537720" cy="45719"/>
+          </a:xfrm>
+          <a:prstGeom prst="rect">
+            <a:avLst/>
+          </a:prstGeom>
+          <a:noFill/>
+          <a:ln>
+            <a:noFill/>
+          </a:ln>
+          <a:effectLst/>
+          <a:extLst>
+            <a:ext uri="{909E8E84-426E-40DD-AFC4-6F175D3DCCD1}">
+              <a14:hiddenFill xmlns:a14="http://schemas.microsoft.com/office/drawing/2010/main">
+                <a:solidFill>
+                  <a:schemeClr val="accent1"/>
+                </a:solidFill>
+              </a14:hiddenFill>
+            </a:ext>
+            <a:ext uri="{91240B29-F687-4F45-9708-019B960494DF}">
+              <a14:hiddenLine xmlns:a14="http://schemas.microsoft.com/office/drawing/2010/main" w="9525">
+                <a:solidFill>
+                  <a:schemeClr val="tx1"/>
+                </a:solidFill>
+                <a:miter lim="800000"/>
+                <a:headEnd/>
+                <a:tailEnd/>
+              </a14:hiddenLine>
+            </a:ext>
+            <a:ext uri="{AF507438-7753-43E0-B8FC-AC1667EBCBE1}">
+              <a14:hiddenEffects xmlns:a14="http://schemas.microsoft.com/office/drawing/2010/main">
+                <a:effectLst>
+                  <a:outerShdw dist="35921" dir="2700000" algn="ctr" rotWithShape="0">
+                    <a:schemeClr val="bg2"/>
+                  </a:outerShdw>
+                </a:effectLst>
+              </a14:hiddenEffects>
+            </a:ext>
+          </a:extLst>
+        </p:spPr>
+        <p:txBody>
+          <a:bodyPr vert="horz" wrap="square" lIns="91440" tIns="45720" rIns="91440" bIns="45720" numCol="1" anchor="ctr" anchorCtr="0" compatLnSpc="1">
+            <a:prstTxWarp prst="textNoShape">
+              <a:avLst/>
+            </a:prstTxWarp>
+            <a:spAutoFit/>
           </a:bodyPr>
           <a:lstStyle/>
           <a:p>
-            <a:pPr>
-              <a:buFont typeface="Courier New" panose="02070309020205020404" pitchFamily="49" charset="0"/>
-              <a:buChar char="o"/>
-            </a:pPr>
-            <a:r>
-              <a:rPr lang="en-US" dirty="0" smtClean="0"/>
-              <a:t>FIRST LINE</a:t>
-            </a:r>
-          </a:p>
-          <a:p>
-            <a:pPr>
-              <a:buFont typeface="Courier New" panose="02070309020205020404" pitchFamily="49" charset="0"/>
-              <a:buChar char="o"/>
-            </a:pPr>
-            <a:r>
-              <a:rPr lang="en-US" sz="2000" dirty="0" smtClean="0"/>
-              <a:t>SECOND LINE</a:t>
-            </a:r>
-          </a:p>
-          <a:p>
-            <a:pPr>
-              <a:buFont typeface="Courier New" panose="02070309020205020404" pitchFamily="49" charset="0"/>
-              <a:buChar char="o"/>
-            </a:pPr>
-            <a:r>
-              <a:rPr lang="en-US" dirty="0" smtClean="0"/>
-              <a:t>THIRD LINE</a:t>
-            </a:r>
-            <a:endParaRPr lang="en-US" sz="2000" dirty="0" smtClean="0"/>
-          </a:p>
-          <a:p>
-            <a:endParaRPr lang="en-US" dirty="0"/>
-          </a:p>
-        </p:txBody>
-      </p:sp>
+            <a:endParaRPr lang="en-US"/>
+          </a:p>
+        </p:txBody>
+      </p:sp>
+      <p:graphicFrame>
+        <p:nvGraphicFramePr>
+          <p:cNvPr id="17" name="Object 16"/>
+          <p:cNvGraphicFramePr>
+            <a:graphicFrameLocks noChangeAspect="1"/>
+          </p:cNvGraphicFramePr>
+          <p:nvPr>
+            <p:extLst>
+              <p:ext uri="{D42A27DB-BD31-4B8C-83A1-F6EECF244321}">
+                <p14:modId xmlns:p14="http://schemas.microsoft.com/office/powerpoint/2010/main" val="4285095334"/>
+              </p:ext>
+            </p:extLst>
+          </p:nvPr>
+        </p:nvGraphicFramePr>
+        <p:xfrm>
+          <a:off x="4734889" y="490085"/>
+          <a:ext cx="6430417" cy="5922753"/>
+        </p:xfrm>
+        <a:graphic>
+          <a:graphicData uri="http://schemas.openxmlformats.org/presentationml/2006/ole">
+            <mc:AlternateContent xmlns:mc="http://schemas.openxmlformats.org/markup-compatibility/2006">
+              <mc:Choice xmlns:v="urn:schemas-microsoft-com:vml" Requires="v">
+                <p:oleObj spid="_x0000_s1034" r:id="rId3" imgW="6639011" imgH="6105658" progId="Visio.Drawing.15">
+                  <p:embed/>
+                </p:oleObj>
+              </mc:Choice>
+              <mc:Fallback>
+                <p:oleObj r:id="rId3" imgW="6639011" imgH="6105658" progId="Visio.Drawing.15">
+                  <p:embed/>
+                  <p:pic>
+                    <p:nvPicPr>
+                      <p:cNvPr id="0" name="Object 5"/>
+                      <p:cNvPicPr>
+                        <a:picLocks noChangeAspect="1" noChangeArrowheads="1"/>
+                      </p:cNvPicPr>
+                      <p:nvPr/>
+                    </p:nvPicPr>
+                    <p:blipFill>
+                      <a:blip r:embed="rId4">
+                        <a:extLst>
+                          <a:ext uri="{28A0092B-C50C-407E-A947-70E740481C1C}">
+                            <a14:useLocalDpi xmlns:a14="http://schemas.microsoft.com/office/drawing/2010/main" val="0"/>
+                          </a:ext>
+                        </a:extLst>
+                      </a:blip>
+                      <a:srcRect/>
+                      <a:stretch>
+                        <a:fillRect/>
+                      </a:stretch>
+                    </p:blipFill>
+                    <p:spPr bwMode="auto">
+                      <a:xfrm>
+                        <a:off x="4734889" y="490085"/>
+                        <a:ext cx="6430417" cy="5922753"/>
+                      </a:xfrm>
+                      <a:prstGeom prst="rect">
+                        <a:avLst/>
+                      </a:prstGeom>
+                      <a:noFill/>
+                    </p:spPr>
+                  </p:pic>
+                </p:oleObj>
+              </mc:Fallback>
+            </mc:AlternateContent>
+          </a:graphicData>
+        </a:graphic>
+      </p:graphicFrame>
       <p:pic>
         <p:nvPicPr>
-          <p:cNvPr id="4" name="Picture 3"/>
+          <p:cNvPr id="18" name="Picture 17"/>
           <p:cNvPicPr>
             <a:picLocks noChangeAspect="1"/>
           </p:cNvPicPr>
           <p:nvPr/>
         </p:nvPicPr>
         <p:blipFill>
-          <a:blip r:embed="rId2">
+          <a:blip r:embed="rId5">
             <a:extLst>
               <a:ext uri="{28A0092B-C50C-407E-A947-70E740481C1C}">
                 <a14:useLocalDpi xmlns:a14="http://schemas.microsoft.com/office/drawing/2010/main" val="0"/>
@@ -5066,18 +5796,31 @@
         </p:blipFill>
         <p:spPr>
           <a:xfrm>
-            <a:off x="6234139" y="2524990"/>
-            <a:ext cx="5191704" cy="3085234"/>
-          </a:xfrm>
-          <a:prstGeom prst="rect">
-            <a:avLst/>
+            <a:off x="4455493" y="390031"/>
+            <a:ext cx="1121937" cy="1586950"/>
+          </a:xfrm>
+          <a:prstGeom prst="roundRect">
+            <a:avLst>
+              <a:gd name="adj" fmla="val 8594"/>
+            </a:avLst>
           </a:prstGeom>
+          <a:solidFill>
+            <a:srgbClr val="FFFFFF">
+              <a:shade val="85000"/>
+            </a:srgbClr>
+          </a:solidFill>
+          <a:ln>
+            <a:noFill/>
+          </a:ln>
+          <a:effectLst>
+            <a:reflection blurRad="12700" stA="38000" endPos="28000" dist="5000" dir="5400000" sy="-100000" algn="bl" rotWithShape="0"/>
+          </a:effectLst>
         </p:spPr>
       </p:pic>
     </p:spTree>
     <p:extLst>
       <p:ext uri="{BB962C8B-B14F-4D97-AF65-F5344CB8AC3E}">
-        <p14:creationId xmlns:p14="http://schemas.microsoft.com/office/powerpoint/2010/main" val="399732649"/>
+        <p14:creationId xmlns:p14="http://schemas.microsoft.com/office/powerpoint/2010/main" val="22143993"/>
       </p:ext>
     </p:extLst>
   </p:cSld>
@@ -5172,7 +5915,6 @@
               <a:rPr lang="en-US" sz="2800" dirty="0" smtClean="0"/>
               <a:t>Terrain</a:t>
             </a:r>
-            <a:endParaRPr lang="en-US" sz="2800" dirty="0" smtClean="0"/>
           </a:p>
           <a:p>
             <a:pPr marL="457200" indent="-457200">
@@ -5193,7 +5935,6 @@
               <a:rPr lang="en-US" sz="2800" dirty="0" smtClean="0"/>
               <a:t>Special Effects</a:t>
             </a:r>
-            <a:endParaRPr lang="en-US" sz="2800" dirty="0" smtClean="0"/>
           </a:p>
           <a:p>
             <a:pPr marL="457200" indent="-457200">
@@ -5204,20 +5945,152 @@
               <a:rPr lang="en-US" sz="2800" dirty="0" smtClean="0"/>
               <a:t>Marketing and Packaging Art</a:t>
             </a:r>
-            <a:endParaRPr lang="en-US" sz="2800" dirty="0" smtClean="0"/>
           </a:p>
         </p:txBody>
       </p:sp>
       <p:pic>
         <p:nvPicPr>
-          <p:cNvPr id="3" name="Picture 2"/>
-          <p:cNvPicPr>
-            <a:picLocks noChangeAspect="1"/>
-          </p:cNvPicPr>
+          <p:cNvPr id="6" name="Picture 5"/>
+          <p:cNvPicPr/>
+          <p:nvPr/>
+        </p:nvPicPr>
+        <p:blipFill rotWithShape="1">
+          <a:blip r:embed="rId2">
+            <a:extLst>
+              <a:ext uri="{28A0092B-C50C-407E-A947-70E740481C1C}">
+                <a14:useLocalDpi xmlns:a14="http://schemas.microsoft.com/office/drawing/2010/main" val="0"/>
+              </a:ext>
+            </a:extLst>
+          </a:blip>
+          <a:srcRect l="47795" t="15453" r="40186" b="41545"/>
+          <a:stretch/>
+        </p:blipFill>
+        <p:spPr bwMode="auto">
+          <a:xfrm>
+            <a:off x="5453380" y="1291319"/>
+            <a:ext cx="1275715" cy="2568575"/>
+          </a:xfrm>
+          <a:prstGeom prst="roundRect">
+            <a:avLst>
+              <a:gd name="adj" fmla="val 8594"/>
+            </a:avLst>
+          </a:prstGeom>
+          <a:solidFill>
+            <a:srgbClr val="FFFFFF">
+              <a:shade val="85000"/>
+            </a:srgbClr>
+          </a:solidFill>
+          <a:ln>
+            <a:noFill/>
+          </a:ln>
+          <a:effectLst>
+            <a:reflection blurRad="12700" stA="38000" endPos="28000" dist="5000" dir="5400000" sy="-100000" algn="bl" rotWithShape="0"/>
+          </a:effectLst>
+          <a:extLst>
+            <a:ext uri="{53640926-AAD7-44D8-BBD7-CCE9431645EC}">
+              <a14:shadowObscured xmlns:a14="http://schemas.microsoft.com/office/drawing/2010/main"/>
+            </a:ext>
+          </a:extLst>
+        </p:spPr>
+      </p:pic>
+      <p:pic>
+        <p:nvPicPr>
+          <p:cNvPr id="9" name="Picture 8"/>
+          <p:cNvPicPr/>
+          <p:nvPr/>
+        </p:nvPicPr>
+        <p:blipFill rotWithShape="1">
+          <a:blip r:embed="rId3">
+            <a:extLst>
+              <a:ext uri="{28A0092B-C50C-407E-A947-70E740481C1C}">
+                <a14:useLocalDpi xmlns:a14="http://schemas.microsoft.com/office/drawing/2010/main" val="0"/>
+              </a:ext>
+            </a:extLst>
+          </a:blip>
+          <a:srcRect l="26923" t="34188" r="15064" b="41880"/>
+          <a:stretch/>
+        </p:blipFill>
+        <p:spPr bwMode="auto">
+          <a:xfrm>
+            <a:off x="5453380" y="4989513"/>
+            <a:ext cx="5417820" cy="1257300"/>
+          </a:xfrm>
+          <a:prstGeom prst="roundRect">
+            <a:avLst>
+              <a:gd name="adj" fmla="val 8594"/>
+            </a:avLst>
+          </a:prstGeom>
+          <a:solidFill>
+            <a:srgbClr val="FFFFFF">
+              <a:shade val="85000"/>
+            </a:srgbClr>
+          </a:solidFill>
+          <a:ln>
+            <a:noFill/>
+          </a:ln>
+          <a:effectLst>
+            <a:reflection blurRad="12700" stA="38000" endPos="28000" dist="5000" dir="5400000" sy="-100000" algn="bl" rotWithShape="0"/>
+          </a:effectLst>
+          <a:extLst>
+            <a:ext uri="{53640926-AAD7-44D8-BBD7-CCE9431645EC}">
+              <a14:shadowObscured xmlns:a14="http://schemas.microsoft.com/office/drawing/2010/main"/>
+            </a:ext>
+          </a:extLst>
+        </p:spPr>
+      </p:pic>
+      <p:pic>
+        <p:nvPicPr>
+          <p:cNvPr id="10" name="Picture 9"/>
+          <p:cNvPicPr/>
+          <p:nvPr/>
+        </p:nvPicPr>
+        <p:blipFill rotWithShape="1">
+          <a:blip r:embed="rId4" cstate="print">
+            <a:extLst>
+              <a:ext uri="{28A0092B-C50C-407E-A947-70E740481C1C}">
+                <a14:useLocalDpi xmlns:a14="http://schemas.microsoft.com/office/drawing/2010/main" val="0"/>
+              </a:ext>
+            </a:extLst>
+          </a:blip>
+          <a:srcRect l="50481" t="8548" r="27244" b="51851"/>
+          <a:stretch/>
+        </p:blipFill>
+        <p:spPr bwMode="auto">
+          <a:xfrm>
+            <a:off x="8323200" y="1291319"/>
+            <a:ext cx="2501046" cy="2568575"/>
+          </a:xfrm>
+          <a:prstGeom prst="roundRect">
+            <a:avLst>
+              <a:gd name="adj" fmla="val 8594"/>
+            </a:avLst>
+          </a:prstGeom>
+          <a:solidFill>
+            <a:srgbClr val="FFFFFF">
+              <a:shade val="85000"/>
+            </a:srgbClr>
+          </a:solidFill>
+          <a:ln>
+            <a:noFill/>
+          </a:ln>
+          <a:effectLst>
+            <a:reflection blurRad="12700" stA="38000" endPos="28000" dist="5000" dir="5400000" sy="-100000" algn="bl" rotWithShape="0"/>
+          </a:effectLst>
+          <a:extLst>
+            <a:ext uri="{53640926-AAD7-44D8-BBD7-CCE9431645EC}">
+              <a14:shadowObscured xmlns:a14="http://schemas.microsoft.com/office/drawing/2010/main"/>
+            </a:ext>
+          </a:extLst>
+        </p:spPr>
+      </p:pic>
+      <p:pic>
+        <p:nvPicPr>
+          <p:cNvPr id="12" name="Picture 11"/>
+          <p:cNvPicPr/>
           <p:nvPr/>
         </p:nvPicPr>
         <p:blipFill>
-          <a:blip r:embed="rId2">
+          <a:blip r:embed="rId5">
             <a:extLst>
               <a:ext uri="{28A0092B-C50C-407E-A947-70E740481C1C}">
                 <a14:useLocalDpi xmlns:a14="http://schemas.microsoft.com/office/drawing/2010/main" val="0"/>
@@ -5230,14 +6103,143 @@
         </p:blipFill>
         <p:spPr>
           <a:xfrm>
-            <a:off x="4489318" y="1414585"/>
-            <a:ext cx="7339124" cy="4159827"/>
+            <a:off x="1537188" y="4989513"/>
+            <a:ext cx="723900" cy="942975"/>
           </a:xfrm>
           <a:prstGeom prst="rect">
             <a:avLst/>
           </a:prstGeom>
+          <a:ln w="228600" cap="sq" cmpd="thickThin">
+            <a:solidFill>
+              <a:schemeClr val="accent2">
+                <a:lumMod val="75000"/>
+              </a:schemeClr>
+            </a:solidFill>
+            <a:prstDash val="solid"/>
+            <a:miter lim="800000"/>
+          </a:ln>
+          <a:effectLst>
+            <a:innerShdw blurRad="76200">
+              <a:srgbClr val="000000"/>
+            </a:innerShdw>
+          </a:effectLst>
         </p:spPr>
       </p:pic>
+      <p:sp>
+        <p:nvSpPr>
+          <p:cNvPr id="15" name="Rectangle 14"/>
+          <p:cNvSpPr/>
+          <p:nvPr/>
+        </p:nvSpPr>
+        <p:spPr>
+          <a:xfrm>
+            <a:off x="6836606" y="4020050"/>
+            <a:ext cx="2260501" cy="916911"/>
+          </a:xfrm>
+          <a:prstGeom prst="rect">
+            <a:avLst/>
+          </a:prstGeom>
+          <a:noFill/>
+        </p:spPr>
+        <p:txBody>
+          <a:bodyPr wrap="square" lIns="91440" tIns="45720" rIns="91440" bIns="45720">
+            <a:spAutoFit/>
+          </a:bodyPr>
+          <a:lstStyle/>
+          <a:p>
+            <a:pPr algn="ctr"/>
+            <a:r>
+              <a:rPr lang="en-US" sz="5400" b="1" cap="none" spc="0" dirty="0" smtClean="0">
+                <a:ln w="13462">
+                  <a:solidFill>
+                    <a:schemeClr val="bg1"/>
+                  </a:solidFill>
+                  <a:prstDash val="solid"/>
+                </a:ln>
+                <a:solidFill>
+                  <a:schemeClr val="tx1">
+                    <a:lumMod val="85000"/>
+                    <a:lumOff val="15000"/>
+                  </a:schemeClr>
+                </a:solidFill>
+                <a:effectLst>
+                  <a:outerShdw dist="38100" dir="2700000" algn="bl" rotWithShape="0">
+                    <a:schemeClr val="accent5"/>
+                  </a:outerShdw>
+                </a:effectLst>
+              </a:rPr>
+              <a:t>Puzzles</a:t>
+            </a:r>
+            <a:endParaRPr lang="en-US" sz="5400" b="1" cap="none" spc="0" dirty="0">
+              <a:ln w="13462">
+                <a:solidFill>
+                  <a:schemeClr val="bg1"/>
+                </a:solidFill>
+                <a:prstDash val="solid"/>
+              </a:ln>
+              <a:solidFill>
+                <a:schemeClr val="tx1">
+                  <a:lumMod val="85000"/>
+                  <a:lumOff val="15000"/>
+                </a:schemeClr>
+              </a:solidFill>
+              <a:effectLst>
+                <a:outerShdw dist="38100" dir="2700000" algn="bl" rotWithShape="0">
+                  <a:schemeClr val="accent5"/>
+                </a:outerShdw>
+              </a:effectLst>
+            </a:endParaRPr>
+          </a:p>
+        </p:txBody>
+      </p:sp>
+      <p:sp>
+        <p:nvSpPr>
+          <p:cNvPr id="16" name="Rectangle 15"/>
+          <p:cNvSpPr/>
+          <p:nvPr/>
+        </p:nvSpPr>
+        <p:spPr>
+          <a:xfrm>
+            <a:off x="6547570" y="315437"/>
+            <a:ext cx="2947987" cy="923330"/>
+          </a:xfrm>
+          <a:prstGeom prst="rect">
+            <a:avLst/>
+          </a:prstGeom>
+          <a:noFill/>
+        </p:spPr>
+        <p:txBody>
+          <a:bodyPr wrap="none" lIns="91440" tIns="45720" rIns="91440" bIns="45720">
+            <a:spAutoFit/>
+          </a:bodyPr>
+          <a:lstStyle/>
+          <a:p>
+            <a:pPr algn="ctr"/>
+            <a:r>
+              <a:rPr lang="en-US" sz="5400" b="1" cap="none" spc="0" dirty="0" smtClean="0">
+                <a:ln w="13462">
+                  <a:solidFill>
+                    <a:schemeClr val="bg1"/>
+                  </a:solidFill>
+                  <a:prstDash val="solid"/>
+                </a:ln>
+                <a:solidFill>
+                  <a:schemeClr val="tx1">
+                    <a:lumMod val="85000"/>
+                    <a:lumOff val="15000"/>
+                  </a:schemeClr>
+                </a:solidFill>
+                <a:effectLst>
+                  <a:outerShdw dist="38100" dir="2700000" algn="bl" rotWithShape="0">
+                    <a:schemeClr val="accent5"/>
+                  </a:outerShdw>
+                </a:effectLst>
+              </a:rPr>
+              <a:t>Obstacles</a:t>
+            </a:r>
+          </a:p>
+        </p:txBody>
+      </p:sp>
     </p:spTree>
     <p:extLst>
       <p:ext uri="{BB962C8B-B14F-4D97-AF65-F5344CB8AC3E}">
@@ -5305,15 +6307,10 @@
             <a:spLocks noGrp="1"/>
           </p:cNvSpPr>
           <p:nvPr>
-            <p:ph idx="1"/>
-          </p:nvPr>
-        </p:nvSpPr>
-        <p:spPr>
-          <a:xfrm>
-            <a:off x="5569526" y="1845734"/>
-            <a:ext cx="5586153" cy="4023360"/>
-          </a:xfrm>
-        </p:spPr>
+            <p:ph sz="half" idx="1"/>
+          </p:nvPr>
+        </p:nvSpPr>
+        <p:spPr/>
         <p:txBody>
           <a:bodyPr>
             <a:normAutofit/>
@@ -5326,22 +6323,212 @@
             </a:pPr>
             <a:r>
               <a:rPr lang="en-US" sz="2800" dirty="0" smtClean="0"/>
-              <a:t>Audio Sources</a:t>
-            </a:r>
-            <a:endParaRPr lang="en-US" sz="2800" dirty="0" smtClean="0"/>
-          </a:p>
-        </p:txBody>
-      </p:sp>
+              <a:t>Music</a:t>
+            </a:r>
+          </a:p>
+          <a:p>
+            <a:pPr lvl="1">
+              <a:buFont typeface="Courier New" panose="02070309020205020404" pitchFamily="49" charset="0"/>
+              <a:buChar char="o"/>
+            </a:pPr>
+            <a:r>
+              <a:rPr lang="en-US" sz="2600" dirty="0" smtClean="0"/>
+              <a:t>Ambiance</a:t>
+            </a:r>
+          </a:p>
+          <a:p>
+            <a:pPr lvl="1">
+              <a:buFont typeface="Courier New" panose="02070309020205020404" pitchFamily="49" charset="0"/>
+              <a:buChar char="o"/>
+            </a:pPr>
+            <a:r>
+              <a:rPr lang="en-US" sz="2600" dirty="0" smtClean="0"/>
+              <a:t>Combat</a:t>
+            </a:r>
+          </a:p>
+          <a:p>
+            <a:pPr lvl="1">
+              <a:buFont typeface="Courier New" panose="02070309020205020404" pitchFamily="49" charset="0"/>
+              <a:buChar char="o"/>
+            </a:pPr>
+            <a:r>
+              <a:rPr lang="en-US" sz="2600" dirty="0" smtClean="0"/>
+              <a:t>Menu</a:t>
+            </a:r>
+          </a:p>
+          <a:p>
+            <a:pPr>
+              <a:buFont typeface="Courier New" panose="02070309020205020404" pitchFamily="49" charset="0"/>
+              <a:buChar char="o"/>
+            </a:pPr>
+            <a:r>
+              <a:rPr lang="en-US" sz="2800" dirty="0" smtClean="0"/>
+              <a:t>Sounds with animations</a:t>
+            </a:r>
+          </a:p>
+          <a:p>
+            <a:pPr>
+              <a:buFont typeface="Courier New" panose="02070309020205020404" pitchFamily="49" charset="0"/>
+              <a:buChar char="o"/>
+            </a:pPr>
+            <a:r>
+              <a:rPr lang="en-US" sz="2800" dirty="0" smtClean="0"/>
+              <a:t>Sounds with particles</a:t>
+            </a:r>
+          </a:p>
+          <a:p>
+            <a:pPr>
+              <a:buFont typeface="Courier New" panose="02070309020205020404" pitchFamily="49" charset="0"/>
+              <a:buChar char="o"/>
+            </a:pPr>
+            <a:r>
+              <a:rPr lang="en-US" sz="2800" dirty="0" smtClean="0"/>
+              <a:t>Grunts</a:t>
+            </a:r>
+            <a:endParaRPr lang="en-US" sz="2800" dirty="0"/>
+          </a:p>
+        </p:txBody>
+      </p:sp>
+      <p:sp>
+        <p:nvSpPr>
+          <p:cNvPr id="6" name="Rectangle 2"/>
+          <p:cNvSpPr>
+            <a:spLocks noChangeArrowheads="1"/>
+          </p:cNvSpPr>
+          <p:nvPr/>
+        </p:nvSpPr>
+        <p:spPr bwMode="auto">
+          <a:xfrm>
+            <a:off x="5221605" y="1594339"/>
+            <a:ext cx="12192000" cy="0"/>
+          </a:xfrm>
+          <a:prstGeom prst="rect">
+            <a:avLst/>
+          </a:prstGeom>
+          <a:noFill/>
+          <a:ln>
+            <a:noFill/>
+          </a:ln>
+          <a:effectLst/>
+          <a:extLst>
+            <a:ext uri="{909E8E84-426E-40DD-AFC4-6F175D3DCCD1}">
+              <a14:hiddenFill xmlns:a14="http://schemas.microsoft.com/office/drawing/2010/main">
+                <a:solidFill>
+                  <a:schemeClr val="accent1"/>
+                </a:solidFill>
+              </a14:hiddenFill>
+            </a:ext>
+            <a:ext uri="{91240B29-F687-4F45-9708-019B960494DF}">
+              <a14:hiddenLine xmlns:a14="http://schemas.microsoft.com/office/drawing/2010/main" w="9525">
+                <a:solidFill>
+                  <a:schemeClr val="tx1"/>
+                </a:solidFill>
+                <a:miter lim="800000"/>
+                <a:headEnd/>
+                <a:tailEnd/>
+              </a14:hiddenLine>
+            </a:ext>
+            <a:ext uri="{AF507438-7753-43E0-B8FC-AC1667EBCBE1}">
+              <a14:hiddenEffects xmlns:a14="http://schemas.microsoft.com/office/drawing/2010/main">
+                <a:effectLst>
+                  <a:outerShdw dist="35921" dir="2700000" algn="ctr" rotWithShape="0">
+                    <a:schemeClr val="bg2"/>
+                  </a:outerShdw>
+                </a:effectLst>
+              </a14:hiddenEffects>
+            </a:ext>
+          </a:extLst>
+        </p:spPr>
+        <p:txBody>
+          <a:bodyPr vert="horz" wrap="none" lIns="91440" tIns="45720" rIns="91440" bIns="45720" numCol="1" anchor="ctr" anchorCtr="0" compatLnSpc="1">
+            <a:prstTxWarp prst="textNoShape">
+              <a:avLst/>
+            </a:prstTxWarp>
+            <a:spAutoFit/>
+          </a:bodyPr>
+          <a:lstStyle/>
+          <a:p>
+            <a:endParaRPr lang="en-US"/>
+          </a:p>
+        </p:txBody>
+      </p:sp>
+      <p:graphicFrame>
+        <p:nvGraphicFramePr>
+          <p:cNvPr id="7" name="Object 6"/>
+          <p:cNvGraphicFramePr>
+            <a:graphicFrameLocks noChangeAspect="1"/>
+          </p:cNvGraphicFramePr>
+          <p:nvPr>
+            <p:extLst>
+              <p:ext uri="{D42A27DB-BD31-4B8C-83A1-F6EECF244321}">
+                <p14:modId xmlns:p14="http://schemas.microsoft.com/office/powerpoint/2010/main" val="1538604697"/>
+              </p:ext>
+            </p:extLst>
+          </p:nvPr>
+        </p:nvGraphicFramePr>
+        <p:xfrm>
+          <a:off x="5221605" y="1594339"/>
+          <a:ext cx="5934075" cy="4543425"/>
+        </p:xfrm>
+        <a:graphic>
+          <a:graphicData uri="http://schemas.openxmlformats.org/presentationml/2006/ole">
+            <mc:AlternateContent xmlns:mc="http://schemas.openxmlformats.org/markup-compatibility/2006">
+              <mc:Choice xmlns:v="urn:schemas-microsoft-com:vml" Requires="v">
+                <p:oleObj spid="_x0000_s6150" r:id="rId3" imgW="8886746" imgH="6800930" progId="Visio.Drawing.15">
+                  <p:embed/>
+                </p:oleObj>
+              </mc:Choice>
+              <mc:Fallback>
+                <p:oleObj r:id="rId3" imgW="8886746" imgH="6800930" progId="Visio.Drawing.15">
+                  <p:embed/>
+                  <p:pic>
+                    <p:nvPicPr>
+                      <p:cNvPr id="0" name="Object 1"/>
+                      <p:cNvPicPr>
+                        <a:picLocks noChangeAspect="1" noChangeArrowheads="1"/>
+                      </p:cNvPicPr>
+                      <p:nvPr/>
+                    </p:nvPicPr>
+                    <p:blipFill>
+                      <a:blip r:embed="rId4">
+                        <a:extLst>
+                          <a:ext uri="{28A0092B-C50C-407E-A947-70E740481C1C}">
+                            <a14:useLocalDpi xmlns:a14="http://schemas.microsoft.com/office/drawing/2010/main" val="0"/>
+                          </a:ext>
+                        </a:extLst>
+                      </a:blip>
+                      <a:srcRect/>
+                      <a:stretch>
+                        <a:fillRect/>
+                      </a:stretch>
+                    </p:blipFill>
+                    <p:spPr bwMode="auto">
+                      <a:xfrm>
+                        <a:off x="5221605" y="1594339"/>
+                        <a:ext cx="5934075" cy="4543425"/>
+                      </a:xfrm>
+                      <a:prstGeom prst="rect">
+                        <a:avLst/>
+                      </a:prstGeom>
+                      <a:noFill/>
+                    </p:spPr>
+                  </p:pic>
+                </p:oleObj>
+              </mc:Fallback>
+            </mc:AlternateContent>
+          </a:graphicData>
+        </a:graphic>
+      </p:graphicFrame>
       <p:pic>
         <p:nvPicPr>
-          <p:cNvPr id="4" name="Picture 3"/>
+          <p:cNvPr id="9" name="Picture 8"/>
           <p:cNvPicPr>
             <a:picLocks noChangeAspect="1"/>
           </p:cNvPicPr>
           <p:nvPr/>
         </p:nvPicPr>
         <p:blipFill>
-          <a:blip r:embed="rId2">
+          <a:blip r:embed="rId5">
             <a:extLst>
               <a:ext uri="{28A0092B-C50C-407E-A947-70E740481C1C}">
                 <a14:useLocalDpi xmlns:a14="http://schemas.microsoft.com/office/drawing/2010/main" val="0"/>
@@ -5354,8 +6541,68 @@
         </p:blipFill>
         <p:spPr>
           <a:xfrm>
-            <a:off x="1097279" y="2177487"/>
-            <a:ext cx="4264429" cy="3359853"/>
+            <a:off x="9593927" y="4290647"/>
+            <a:ext cx="565437" cy="679938"/>
+          </a:xfrm>
+          <a:prstGeom prst="rect">
+            <a:avLst/>
+          </a:prstGeom>
+        </p:spPr>
+      </p:pic>
+      <p:pic>
+        <p:nvPicPr>
+          <p:cNvPr id="10" name="Picture 9"/>
+          <p:cNvPicPr>
+            <a:picLocks noChangeAspect="1"/>
+          </p:cNvPicPr>
+          <p:nvPr/>
+        </p:nvPicPr>
+        <p:blipFill>
+          <a:blip r:embed="rId6">
+            <a:extLst>
+              <a:ext uri="{28A0092B-C50C-407E-A947-70E740481C1C}">
+                <a14:useLocalDpi xmlns:a14="http://schemas.microsoft.com/office/drawing/2010/main" val="0"/>
+              </a:ext>
+            </a:extLst>
+          </a:blip>
+          <a:stretch>
+            <a:fillRect/>
+          </a:stretch>
+        </p:blipFill>
+        <p:spPr>
+          <a:xfrm flipH="1">
+            <a:off x="5384799" y="5509845"/>
+            <a:ext cx="537425" cy="761971"/>
+          </a:xfrm>
+          <a:prstGeom prst="rect">
+            <a:avLst/>
+          </a:prstGeom>
+        </p:spPr>
+      </p:pic>
+      <p:pic>
+        <p:nvPicPr>
+          <p:cNvPr id="11" name="Picture 10"/>
+          <p:cNvPicPr>
+            <a:picLocks noChangeAspect="1"/>
+          </p:cNvPicPr>
+          <p:nvPr/>
+        </p:nvPicPr>
+        <p:blipFill>
+          <a:blip r:embed="rId7">
+            <a:extLst>
+              <a:ext uri="{28A0092B-C50C-407E-A947-70E740481C1C}">
+                <a14:useLocalDpi xmlns:a14="http://schemas.microsoft.com/office/drawing/2010/main" val="0"/>
+              </a:ext>
+            </a:extLst>
+          </a:blip>
+          <a:stretch>
+            <a:fillRect/>
+          </a:stretch>
+        </p:blipFill>
+        <p:spPr>
+          <a:xfrm>
+            <a:off x="7899198" y="2378767"/>
+            <a:ext cx="471079" cy="666329"/>
           </a:xfrm>
           <a:prstGeom prst="rect">
             <a:avLst/>
@@ -5459,7 +6706,39 @@
               <a:rPr lang="en-US" sz="2800" dirty="0" smtClean="0"/>
               <a:t>Player</a:t>
             </a:r>
-            <a:endParaRPr lang="en-US" sz="2800" dirty="0" smtClean="0"/>
+          </a:p>
+          <a:p>
+            <a:pPr marL="742950" lvl="1" indent="-285750">
+              <a:buFont typeface="Wingdings" panose="05000000000000000000" pitchFamily="2" charset="2"/>
+              <a:buChar char="q"/>
+            </a:pPr>
+            <a:r>
+              <a:rPr lang="en-US" sz="2500" dirty="0" smtClean="0">
+                <a:solidFill>
+                  <a:schemeClr val="bg1"/>
+                </a:solidFill>
+              </a:rPr>
+              <a:t>Health/Stamina</a:t>
+            </a:r>
+          </a:p>
+          <a:p>
+            <a:pPr marL="742950" lvl="1" indent="-285750">
+              <a:buFont typeface="Wingdings" panose="05000000000000000000" pitchFamily="2" charset="2"/>
+              <a:buChar char="q"/>
+            </a:pPr>
+            <a:r>
+              <a:rPr lang="en-US" sz="2500" dirty="0" smtClean="0">
+                <a:solidFill>
+                  <a:schemeClr val="bg1"/>
+                </a:solidFill>
+              </a:rPr>
+              <a:t>Animations</a:t>
+            </a:r>
+            <a:endParaRPr lang="en-US" sz="2500" dirty="0" smtClean="0">
+              <a:solidFill>
+                <a:schemeClr val="bg1"/>
+              </a:solidFill>
+            </a:endParaRPr>
           </a:p>
           <a:p>
             <a:pPr marL="285750" indent="-285750">
@@ -5468,9 +6747,27 @@
             </a:pPr>
             <a:r>
               <a:rPr lang="en-US" sz="2800" dirty="0" smtClean="0"/>
-              <a:t>Secondary</a:t>
-            </a:r>
-            <a:endParaRPr lang="en-US" sz="2800" dirty="0" smtClean="0"/>
+              <a:t>Friendly</a:t>
+            </a:r>
+          </a:p>
+          <a:p>
+            <a:pPr marL="742950" lvl="1" indent="-285750">
+              <a:buFont typeface="Wingdings" panose="05000000000000000000" pitchFamily="2" charset="2"/>
+              <a:buChar char="q"/>
+            </a:pPr>
+            <a:r>
+              <a:rPr lang="en-US" sz="2500" dirty="0" smtClean="0">
+                <a:solidFill>
+                  <a:schemeClr val="bg1"/>
+                </a:solidFill>
+              </a:rPr>
+              <a:t>Chat Bubble</a:t>
+            </a:r>
+            <a:endParaRPr lang="en-US" sz="2500" dirty="0" smtClean="0">
+              <a:solidFill>
+                <a:schemeClr val="bg1"/>
+              </a:solidFill>
+            </a:endParaRPr>
           </a:p>
           <a:p>
             <a:pPr marL="285750" indent="-285750">
@@ -5481,20 +6778,166 @@
               <a:rPr lang="en-US" sz="2800" dirty="0" smtClean="0"/>
               <a:t>Enemies</a:t>
             </a:r>
-            <a:endParaRPr lang="en-US" sz="2800" dirty="0" smtClean="0"/>
-          </a:p>
-        </p:txBody>
-      </p:sp>
+          </a:p>
+          <a:p>
+            <a:pPr marL="742950" lvl="1" indent="-285750">
+              <a:buFont typeface="Wingdings" panose="05000000000000000000" pitchFamily="2" charset="2"/>
+              <a:buChar char="q"/>
+            </a:pPr>
+            <a:r>
+              <a:rPr lang="en-US" sz="2500" dirty="0" smtClean="0">
+                <a:solidFill>
+                  <a:schemeClr val="bg1"/>
+                </a:solidFill>
+              </a:rPr>
+              <a:t>Vision Range</a:t>
+            </a:r>
+            <a:endParaRPr lang="en-US" sz="2500" dirty="0" smtClean="0">
+              <a:solidFill>
+                <a:schemeClr val="bg1"/>
+              </a:solidFill>
+            </a:endParaRPr>
+          </a:p>
+        </p:txBody>
+      </p:sp>
+      <p:sp>
+        <p:nvSpPr>
+          <p:cNvPr id="3" name="Rectangle 2"/>
+          <p:cNvSpPr>
+            <a:spLocks noChangeArrowheads="1"/>
+          </p:cNvSpPr>
+          <p:nvPr/>
+        </p:nvSpPr>
+        <p:spPr bwMode="auto">
+          <a:xfrm>
+            <a:off x="3712308" y="305771"/>
+            <a:ext cx="12046872" cy="45719"/>
+          </a:xfrm>
+          <a:prstGeom prst="rect">
+            <a:avLst/>
+          </a:prstGeom>
+          <a:noFill/>
+          <a:ln>
+            <a:noFill/>
+          </a:ln>
+          <a:effectLst/>
+          <a:extLst>
+            <a:ext uri="{909E8E84-426E-40DD-AFC4-6F175D3DCCD1}">
+              <a14:hiddenFill xmlns:a14="http://schemas.microsoft.com/office/drawing/2010/main">
+                <a:solidFill>
+                  <a:schemeClr val="accent1"/>
+                </a:solidFill>
+              </a14:hiddenFill>
+            </a:ext>
+            <a:ext uri="{91240B29-F687-4F45-9708-019B960494DF}">
+              <a14:hiddenLine xmlns:a14="http://schemas.microsoft.com/office/drawing/2010/main" w="9525">
+                <a:solidFill>
+                  <a:schemeClr val="tx1"/>
+                </a:solidFill>
+                <a:miter lim="800000"/>
+                <a:headEnd/>
+                <a:tailEnd/>
+              </a14:hiddenLine>
+            </a:ext>
+            <a:ext uri="{AF507438-7753-43E0-B8FC-AC1667EBCBE1}">
+              <a14:hiddenEffects xmlns:a14="http://schemas.microsoft.com/office/drawing/2010/main">
+                <a:effectLst>
+                  <a:outerShdw dist="35921" dir="2700000" algn="ctr" rotWithShape="0">
+                    <a:schemeClr val="bg2"/>
+                  </a:outerShdw>
+                </a:effectLst>
+              </a14:hiddenEffects>
+            </a:ext>
+          </a:extLst>
+        </p:spPr>
+        <p:txBody>
+          <a:bodyPr vert="horz" wrap="square" lIns="91440" tIns="45720" rIns="91440" bIns="45720" numCol="1" anchor="ctr" anchorCtr="0" compatLnSpc="1">
+            <a:prstTxWarp prst="textNoShape">
+              <a:avLst/>
+            </a:prstTxWarp>
+            <a:spAutoFit/>
+          </a:bodyPr>
+          <a:lstStyle/>
+          <a:p>
+            <a:endParaRPr lang="en-US"/>
+          </a:p>
+        </p:txBody>
+      </p:sp>
+      <p:graphicFrame>
+        <p:nvGraphicFramePr>
+          <p:cNvPr id="4" name="Object 3"/>
+          <p:cNvGraphicFramePr>
+            <a:graphicFrameLocks noChangeAspect="1"/>
+          </p:cNvGraphicFramePr>
+          <p:nvPr>
+            <p:extLst>
+              <p:ext uri="{D42A27DB-BD31-4B8C-83A1-F6EECF244321}">
+                <p14:modId xmlns:p14="http://schemas.microsoft.com/office/powerpoint/2010/main" val="2030080661"/>
+              </p:ext>
+            </p:extLst>
+          </p:nvPr>
+        </p:nvGraphicFramePr>
+        <p:xfrm>
+          <a:off x="3367403" y="414117"/>
+          <a:ext cx="8514560" cy="3179315"/>
+        </p:xfrm>
+        <a:graphic>
+          <a:graphicData uri="http://schemas.openxmlformats.org/presentationml/2006/ole">
+            <mc:AlternateContent xmlns:mc="http://schemas.openxmlformats.org/markup-compatibility/2006">
+              <mc:Choice xmlns:v="urn:schemas-microsoft-com:vml" Requires="v">
+                <p:oleObj spid="_x0000_s2055" r:id="rId3" imgW="9401254" imgH="7181837" progId="Visio.Drawing.15">
+                  <p:embed/>
+                </p:oleObj>
+              </mc:Choice>
+              <mc:Fallback>
+                <p:oleObj r:id="rId3" imgW="9401254" imgH="7181837" progId="Visio.Drawing.15">
+                  <p:embed/>
+                  <p:pic>
+                    <p:nvPicPr>
+                      <p:cNvPr id="0" name="Object 1"/>
+                      <p:cNvPicPr>
+                        <a:picLocks noChangeAspect="1" noChangeArrowheads="1"/>
+                      </p:cNvPicPr>
+                      <p:nvPr/>
+                    </p:nvPicPr>
+                    <p:blipFill>
+                      <a:blip r:embed="rId4">
+                        <a:extLst>
+                          <a:ext uri="{28A0092B-C50C-407E-A947-70E740481C1C}">
+                            <a14:useLocalDpi xmlns:a14="http://schemas.microsoft.com/office/drawing/2010/main" val="0"/>
+                          </a:ext>
+                        </a:extLst>
+                      </a:blip>
+                      <a:srcRect b="50943"/>
+                      <a:stretch>
+                        <a:fillRect/>
+                      </a:stretch>
+                    </p:blipFill>
+                    <p:spPr bwMode="auto">
+                      <a:xfrm>
+                        <a:off x="3367403" y="414117"/>
+                        <a:ext cx="8514560" cy="3179315"/>
+                      </a:xfrm>
+                      <a:prstGeom prst="rect">
+                        <a:avLst/>
+                      </a:prstGeom>
+                      <a:noFill/>
+                    </p:spPr>
+                  </p:pic>
+                </p:oleObj>
+              </mc:Fallback>
+            </mc:AlternateContent>
+          </a:graphicData>
+        </a:graphic>
+      </p:graphicFrame>
       <p:pic>
         <p:nvPicPr>
-          <p:cNvPr id="8" name="Picture 7"/>
-          <p:cNvPicPr>
-            <a:picLocks noChangeAspect="1"/>
-          </p:cNvPicPr>
+          <p:cNvPr id="9" name="Picture 8"/>
+          <p:cNvPicPr/>
           <p:nvPr/>
         </p:nvPicPr>
         <p:blipFill>
-          <a:blip r:embed="rId2">
+          <a:blip r:embed="rId5" cstate="print">
             <a:extLst>
               <a:ext uri="{28A0092B-C50C-407E-A947-70E740481C1C}">
                 <a14:useLocalDpi xmlns:a14="http://schemas.microsoft.com/office/drawing/2010/main" val="0"/>
@@ -5507,24 +6950,35 @@
         </p:blipFill>
         <p:spPr>
           <a:xfrm>
-            <a:off x="4441247" y="214312"/>
-            <a:ext cx="4514850" cy="6429375"/>
-          </a:xfrm>
-          <a:prstGeom prst="rect">
-            <a:avLst/>
+            <a:off x="4721005" y="4116994"/>
+            <a:ext cx="1952625" cy="2188210"/>
+          </a:xfrm>
+          <a:prstGeom prst="roundRect">
+            <a:avLst>
+              <a:gd name="adj" fmla="val 8594"/>
+            </a:avLst>
           </a:prstGeom>
+          <a:solidFill>
+            <a:srgbClr val="FFFFFF">
+              <a:shade val="85000"/>
+            </a:srgbClr>
+          </a:solidFill>
+          <a:ln>
+            <a:noFill/>
+          </a:ln>
+          <a:effectLst>
+            <a:reflection blurRad="12700" stA="38000" endPos="28000" dist="5000" dir="5400000" sy="-100000" algn="bl" rotWithShape="0"/>
+          </a:effectLst>
         </p:spPr>
       </p:pic>
       <p:pic>
         <p:nvPicPr>
-          <p:cNvPr id="22" name="Picture 21"/>
-          <p:cNvPicPr>
-            <a:picLocks noChangeAspect="1"/>
-          </p:cNvPicPr>
+          <p:cNvPr id="10" name="Picture 9"/>
+          <p:cNvPicPr/>
           <p:nvPr/>
         </p:nvPicPr>
         <p:blipFill>
-          <a:blip r:embed="rId3">
+          <a:blip r:embed="rId6" cstate="print">
             <a:extLst>
               <a:ext uri="{28A0092B-C50C-407E-A947-70E740481C1C}">
                 <a14:useLocalDpi xmlns:a14="http://schemas.microsoft.com/office/drawing/2010/main" val="0"/>
@@ -5537,12 +6991,66 @@
         </p:blipFill>
         <p:spPr>
           <a:xfrm>
-            <a:off x="9351818" y="1288640"/>
-            <a:ext cx="2514599" cy="4138102"/>
-          </a:xfrm>
-          <a:prstGeom prst="rect">
-            <a:avLst/>
+            <a:off x="7482353" y="4219229"/>
+            <a:ext cx="1598295" cy="2085975"/>
+          </a:xfrm>
+          <a:prstGeom prst="roundRect">
+            <a:avLst>
+              <a:gd name="adj" fmla="val 8594"/>
+            </a:avLst>
           </a:prstGeom>
+          <a:solidFill>
+            <a:srgbClr val="FFFFFF">
+              <a:shade val="85000"/>
+            </a:srgbClr>
+          </a:solidFill>
+          <a:ln>
+            <a:noFill/>
+          </a:ln>
+          <a:effectLst>
+            <a:reflection blurRad="12700" stA="38000" endPos="28000" dist="5000" dir="5400000" sy="-100000" algn="bl" rotWithShape="0"/>
+          </a:effectLst>
+        </p:spPr>
+      </p:pic>
+      <p:pic>
+        <p:nvPicPr>
+          <p:cNvPr id="11" name="Picture 10"/>
+          <p:cNvPicPr/>
+          <p:nvPr/>
+        </p:nvPicPr>
+        <p:blipFill>
+          <a:blip r:embed="rId7" cstate="print">
+            <a:extLst>
+              <a:ext uri="{28A0092B-C50C-407E-A947-70E740481C1C}">
+                <a14:useLocalDpi xmlns:a14="http://schemas.microsoft.com/office/drawing/2010/main" val="0"/>
+              </a:ext>
+            </a:extLst>
+          </a:blip>
+          <a:stretch>
+            <a:fillRect/>
+          </a:stretch>
+        </p:blipFill>
+        <p:spPr>
+          <a:xfrm>
+            <a:off x="9661085" y="4219229"/>
+            <a:ext cx="1981200" cy="2055495"/>
+          </a:xfrm>
+          <a:prstGeom prst="roundRect">
+            <a:avLst>
+              <a:gd name="adj" fmla="val 8594"/>
+            </a:avLst>
+          </a:prstGeom>
+          <a:solidFill>
+            <a:srgbClr val="FFFFFF">
+              <a:shade val="85000"/>
+            </a:srgbClr>
+          </a:solidFill>
+          <a:ln>
+            <a:noFill/>
+          </a:ln>
+          <a:effectLst>
+            <a:reflection blurRad="12700" stA="38000" endPos="28000" dist="5000" dir="5400000" sy="-100000" algn="bl" rotWithShape="0"/>
+          </a:effectLst>
         </p:spPr>
       </p:pic>
     </p:spTree>
@@ -5599,7 +7107,7 @@
           <a:p>
             <a:r>
               <a:rPr lang="en-US" dirty="0" smtClean="0"/>
-              <a:t>Level Requirements</a:t>
+              <a:t>Technical Specifications</a:t>
             </a:r>
             <a:endParaRPr lang="en-US" dirty="0"/>
           </a:p>
@@ -5617,9 +7125,7 @@
         </p:nvSpPr>
         <p:spPr/>
         <p:txBody>
-          <a:bodyPr>
-            <a:normAutofit/>
-          </a:bodyPr>
+          <a:bodyPr/>
           <a:lstStyle/>
           <a:p>
             <a:pPr>
@@ -5627,12 +7133,8 @@
               <a:buChar char="o"/>
             </a:pPr>
             <a:r>
-              <a:rPr lang="en-US" sz="2800" dirty="0"/>
-              <a:t> </a:t>
-            </a:r>
-            <a:r>
-              <a:rPr lang="en-US" sz="2800" dirty="0" smtClean="0"/>
-              <a:t>Level Diagram</a:t>
+              <a:rPr lang="en-US" dirty="0" smtClean="0"/>
+              <a:t>Naming Conventions</a:t>
             </a:r>
           </a:p>
           <a:p>
@@ -5641,8 +7143,28 @@
               <a:buChar char="o"/>
             </a:pPr>
             <a:r>
-              <a:rPr lang="en-US" sz="2800" dirty="0" smtClean="0"/>
-              <a:t>Asset Revelation Schedule</a:t>
+              <a:rPr lang="en-US" dirty="0" smtClean="0"/>
+              <a:t>Scripts</a:t>
+            </a:r>
+          </a:p>
+          <a:p>
+            <a:pPr lvl="1">
+              <a:buFont typeface="Courier New" panose="02070309020205020404" pitchFamily="49" charset="0"/>
+              <a:buChar char="o"/>
+            </a:pPr>
+            <a:r>
+              <a:rPr lang="en-US" dirty="0" smtClean="0"/>
+              <a:t>For each Interaction</a:t>
+            </a:r>
+          </a:p>
+          <a:p>
+            <a:pPr lvl="1">
+              <a:buFont typeface="Courier New" panose="02070309020205020404" pitchFamily="49" charset="0"/>
+              <a:buChar char="o"/>
+            </a:pPr>
+            <a:r>
+              <a:rPr lang="en-US" dirty="0" smtClean="0"/>
+              <a:t>Structure</a:t>
             </a:r>
           </a:p>
           <a:p>
@@ -5651,17 +7173,245 @@
               <a:buChar char="o"/>
             </a:pPr>
             <a:r>
-              <a:rPr lang="en-US" sz="2800" dirty="0" smtClean="0"/>
-              <a:t>Level Design Seeds</a:t>
-            </a:r>
-            <a:endParaRPr lang="en-US" sz="2800" dirty="0"/>
-          </a:p>
-        </p:txBody>
-      </p:sp>
+              <a:rPr lang="en-US" dirty="0" smtClean="0"/>
+              <a:t>Game Objects Architecture</a:t>
+            </a:r>
+          </a:p>
+          <a:p>
+            <a:pPr lvl="1">
+              <a:buFont typeface="Courier New" panose="02070309020205020404" pitchFamily="49" charset="0"/>
+              <a:buChar char="o"/>
+            </a:pPr>
+            <a:r>
+              <a:rPr lang="en-US" dirty="0" smtClean="0"/>
+              <a:t>Transform</a:t>
+            </a:r>
+          </a:p>
+          <a:p>
+            <a:pPr lvl="1">
+              <a:buFont typeface="Courier New" panose="02070309020205020404" pitchFamily="49" charset="0"/>
+              <a:buChar char="o"/>
+            </a:pPr>
+            <a:r>
+              <a:rPr lang="en-US" dirty="0" err="1" smtClean="0"/>
+              <a:t>Rigidbody</a:t>
+            </a:r>
+            <a:endParaRPr lang="en-US" dirty="0" smtClean="0"/>
+          </a:p>
+          <a:p>
+            <a:pPr lvl="1">
+              <a:buFont typeface="Courier New" panose="02070309020205020404" pitchFamily="49" charset="0"/>
+              <a:buChar char="o"/>
+            </a:pPr>
+            <a:r>
+              <a:rPr lang="en-US" dirty="0" err="1" smtClean="0"/>
+              <a:t>Colllider</a:t>
+            </a:r>
+            <a:endParaRPr lang="en-US" dirty="0" smtClean="0"/>
+          </a:p>
+          <a:p>
+            <a:pPr lvl="1">
+              <a:buFont typeface="Courier New" panose="02070309020205020404" pitchFamily="49" charset="0"/>
+              <a:buChar char="o"/>
+            </a:pPr>
+            <a:r>
+              <a:rPr lang="en-US" dirty="0" smtClean="0"/>
+              <a:t>Script</a:t>
+            </a:r>
+            <a:endParaRPr lang="en-US" dirty="0"/>
+          </a:p>
+          <a:p>
+            <a:pPr marL="0" indent="0">
+              <a:buNone/>
+            </a:pPr>
+            <a:endParaRPr lang="en-US" dirty="0"/>
+          </a:p>
+        </p:txBody>
+      </p:sp>
+      <p:sp>
+        <p:nvSpPr>
+          <p:cNvPr id="6" name="Rectangle 2"/>
+          <p:cNvSpPr>
+            <a:spLocks noChangeArrowheads="1"/>
+          </p:cNvSpPr>
+          <p:nvPr/>
+        </p:nvSpPr>
+        <p:spPr bwMode="auto">
+          <a:xfrm>
+            <a:off x="5439508" y="1992923"/>
+            <a:ext cx="12192000" cy="0"/>
+          </a:xfrm>
+          <a:prstGeom prst="rect">
+            <a:avLst/>
+          </a:prstGeom>
+          <a:noFill/>
+          <a:ln>
+            <a:noFill/>
+          </a:ln>
+          <a:effectLst/>
+          <a:extLst>
+            <a:ext uri="{909E8E84-426E-40DD-AFC4-6F175D3DCCD1}">
+              <a14:hiddenFill xmlns:a14="http://schemas.microsoft.com/office/drawing/2010/main">
+                <a:solidFill>
+                  <a:schemeClr val="accent1"/>
+                </a:solidFill>
+              </a14:hiddenFill>
+            </a:ext>
+            <a:ext uri="{91240B29-F687-4F45-9708-019B960494DF}">
+              <a14:hiddenLine xmlns:a14="http://schemas.microsoft.com/office/drawing/2010/main" w="9525">
+                <a:solidFill>
+                  <a:schemeClr val="tx1"/>
+                </a:solidFill>
+                <a:miter lim="800000"/>
+                <a:headEnd/>
+                <a:tailEnd/>
+              </a14:hiddenLine>
+            </a:ext>
+            <a:ext uri="{AF507438-7753-43E0-B8FC-AC1667EBCBE1}">
+              <a14:hiddenEffects xmlns:a14="http://schemas.microsoft.com/office/drawing/2010/main">
+                <a:effectLst>
+                  <a:outerShdw dist="35921" dir="2700000" algn="ctr" rotWithShape="0">
+                    <a:schemeClr val="bg2"/>
+                  </a:outerShdw>
+                </a:effectLst>
+              </a14:hiddenEffects>
+            </a:ext>
+          </a:extLst>
+        </p:spPr>
+        <p:txBody>
+          <a:bodyPr vert="horz" wrap="none" lIns="91440" tIns="45720" rIns="91440" bIns="45720" numCol="1" anchor="ctr" anchorCtr="0" compatLnSpc="1">
+            <a:prstTxWarp prst="textNoShape">
+              <a:avLst/>
+            </a:prstTxWarp>
+            <a:spAutoFit/>
+          </a:bodyPr>
+          <a:lstStyle/>
+          <a:p>
+            <a:endParaRPr lang="en-US"/>
+          </a:p>
+        </p:txBody>
+      </p:sp>
+      <p:graphicFrame>
+        <p:nvGraphicFramePr>
+          <p:cNvPr id="7" name="Object 6"/>
+          <p:cNvGraphicFramePr>
+            <a:graphicFrameLocks noChangeAspect="1"/>
+          </p:cNvGraphicFramePr>
+          <p:nvPr>
+            <p:extLst>
+              <p:ext uri="{D42A27DB-BD31-4B8C-83A1-F6EECF244321}">
+                <p14:modId xmlns:p14="http://schemas.microsoft.com/office/powerpoint/2010/main" val="2627467342"/>
+              </p:ext>
+            </p:extLst>
+          </p:nvPr>
+        </p:nvGraphicFramePr>
+        <p:xfrm>
+          <a:off x="5439508" y="1992923"/>
+          <a:ext cx="5419725" cy="3295650"/>
+        </p:xfrm>
+        <a:graphic>
+          <a:graphicData uri="http://schemas.openxmlformats.org/presentationml/2006/ole">
+            <mc:AlternateContent xmlns:mc="http://schemas.openxmlformats.org/markup-compatibility/2006">
+              <mc:Choice xmlns:v="urn:schemas-microsoft-com:vml" Requires="v">
+                <p:oleObj spid="_x0000_s3078" r:id="rId3" imgW="7181902" imgH="4381327" progId="Visio.Drawing.15">
+                  <p:embed/>
+                </p:oleObj>
+              </mc:Choice>
+              <mc:Fallback>
+                <p:oleObj r:id="rId3" imgW="7181902" imgH="4381327" progId="Visio.Drawing.15">
+                  <p:embed/>
+                  <p:pic>
+                    <p:nvPicPr>
+                      <p:cNvPr id="0" name="Object 1"/>
+                      <p:cNvPicPr>
+                        <a:picLocks noChangeAspect="1" noChangeArrowheads="1"/>
+                      </p:cNvPicPr>
+                      <p:nvPr/>
+                    </p:nvPicPr>
+                    <p:blipFill>
+                      <a:blip r:embed="rId4">
+                        <a:extLst>
+                          <a:ext uri="{28A0092B-C50C-407E-A947-70E740481C1C}">
+                            <a14:useLocalDpi xmlns:a14="http://schemas.microsoft.com/office/drawing/2010/main" val="0"/>
+                          </a:ext>
+                        </a:extLst>
+                      </a:blip>
+                      <a:srcRect/>
+                      <a:stretch>
+                        <a:fillRect/>
+                      </a:stretch>
+                    </p:blipFill>
+                    <p:spPr bwMode="auto">
+                      <a:xfrm>
+                        <a:off x="5439508" y="1992923"/>
+                        <a:ext cx="5419725" cy="3295650"/>
+                      </a:xfrm>
+                      <a:prstGeom prst="rect">
+                        <a:avLst/>
+                      </a:prstGeom>
+                      <a:noFill/>
+                      <a:extLst>
+                        <a:ext uri="{909E8E84-426E-40DD-AFC4-6F175D3DCCD1}">
+                          <a14:hiddenFill xmlns:a14="http://schemas.microsoft.com/office/drawing/2010/main">
+                            <a:solidFill>
+                              <a:srgbClr val="FFFFFF"/>
+                            </a:solidFill>
+                          </a14:hiddenFill>
+                        </a:ext>
+                      </a:extLst>
+                    </p:spPr>
+                  </p:pic>
+                </p:oleObj>
+              </mc:Fallback>
+            </mc:AlternateContent>
+          </a:graphicData>
+        </a:graphic>
+      </p:graphicFrame>
+      <p:pic>
+        <p:nvPicPr>
+          <p:cNvPr id="8" name="Picture 7"/>
+          <p:cNvPicPr/>
+          <p:nvPr/>
+        </p:nvPicPr>
+        <p:blipFill>
+          <a:blip r:embed="rId5" cstate="print">
+            <a:extLst>
+              <a:ext uri="{28A0092B-C50C-407E-A947-70E740481C1C}">
+                <a14:useLocalDpi xmlns:a14="http://schemas.microsoft.com/office/drawing/2010/main" val="0"/>
+              </a:ext>
+            </a:extLst>
+          </a:blip>
+          <a:stretch>
+            <a:fillRect/>
+          </a:stretch>
+        </p:blipFill>
+        <p:spPr>
+          <a:xfrm>
+            <a:off x="7513710" y="78227"/>
+            <a:ext cx="3641970" cy="1639726"/>
+          </a:xfrm>
+          <a:prstGeom prst="roundRect">
+            <a:avLst>
+              <a:gd name="adj" fmla="val 8594"/>
+            </a:avLst>
+          </a:prstGeom>
+          <a:solidFill>
+            <a:srgbClr val="FFFFFF">
+              <a:shade val="85000"/>
+            </a:srgbClr>
+          </a:solidFill>
+          <a:ln>
+            <a:noFill/>
+          </a:ln>
+          <a:effectLst>
+            <a:reflection blurRad="12700" stA="38000" endPos="28000" dist="5000" dir="5400000" sy="-100000" algn="bl" rotWithShape="0"/>
+          </a:effectLst>
+        </p:spPr>
+      </p:pic>
     </p:spTree>
     <p:extLst>
       <p:ext uri="{BB962C8B-B14F-4D97-AF65-F5344CB8AC3E}">
-        <p14:creationId xmlns:p14="http://schemas.microsoft.com/office/powerpoint/2010/main" val="3059164976"/>
+        <p14:creationId xmlns:p14="http://schemas.microsoft.com/office/powerpoint/2010/main" val="2886218978"/>
       </p:ext>
     </p:extLst>
   </p:cSld>

--- a/Documentation/Design Document/UnityDesignPresentation.pptx
+++ b/Documentation/Design Document/UnityDesignPresentation.pptx
@@ -5,7 +5,7 @@
     <p:sldMasterId id="2147483648" r:id="rId1"/>
   </p:sldMasterIdLst>
   <p:handoutMasterIdLst>
-    <p:handoutMasterId r:id="rId13"/>
+    <p:handoutMasterId r:id="rId14"/>
   </p:handoutMasterIdLst>
   <p:sldIdLst>
     <p:sldId id="256" r:id="rId2"/>
@@ -15,10 +15,11 @@
     <p:sldId id="278" r:id="rId6"/>
     <p:sldId id="273" r:id="rId7"/>
     <p:sldId id="268" r:id="rId8"/>
-    <p:sldId id="275" r:id="rId9"/>
-    <p:sldId id="271" r:id="rId10"/>
-    <p:sldId id="279" r:id="rId11"/>
-    <p:sldId id="274" r:id="rId12"/>
+    <p:sldId id="280" r:id="rId9"/>
+    <p:sldId id="275" r:id="rId10"/>
+    <p:sldId id="271" r:id="rId11"/>
+    <p:sldId id="279" r:id="rId12"/>
+    <p:sldId id="274" r:id="rId13"/>
   </p:sldIdLst>
   <p:sldSz cx="12192000" cy="6858000"/>
   <p:notesSz cx="9312275" cy="6858000"/>
@@ -4086,7 +4087,7 @@
       </p:grpSpPr>
       <p:sp>
         <p:nvSpPr>
-          <p:cNvPr id="4" name="Title 3"/>
+          <p:cNvPr id="2" name="Title 1"/>
           <p:cNvSpPr>
             <a:spLocks noGrp="1"/>
           </p:cNvSpPr>
@@ -4101,7 +4102,7 @@
           <a:p>
             <a:r>
               <a:rPr lang="en-US" dirty="0" smtClean="0"/>
-              <a:t>Technical Specifications continued</a:t>
+              <a:t>Technical Specifications</a:t>
             </a:r>
             <a:endParaRPr lang="en-US" dirty="0"/>
           </a:p>
@@ -4109,7 +4110,7 @@
       </p:sp>
       <p:sp>
         <p:nvSpPr>
-          <p:cNvPr id="5" name="Content Placeholder 4"/>
+          <p:cNvPr id="3" name="Content Placeholder 2"/>
           <p:cNvSpPr>
             <a:spLocks noGrp="1"/>
           </p:cNvSpPr>
@@ -4121,44 +4122,34 @@
         <p:txBody>
           <a:bodyPr/>
           <a:lstStyle/>
+          <a:p>
+            <a:pPr>
+              <a:buFont typeface="Courier New" panose="02070309020205020404" pitchFamily="49" charset="0"/>
+              <a:buChar char="o"/>
+            </a:pPr>
+            <a:r>
+              <a:rPr lang="en-US" sz="2400" dirty="0" smtClean="0"/>
+              <a:t>Naming Conventions</a:t>
+            </a:r>
+          </a:p>
+          <a:p>
+            <a:pPr>
+              <a:buFont typeface="Courier New" panose="02070309020205020404" pitchFamily="49" charset="0"/>
+              <a:buChar char="o"/>
+            </a:pPr>
+            <a:r>
+              <a:rPr lang="en-US" sz="2400" dirty="0" smtClean="0"/>
+              <a:t>Scripts</a:t>
+            </a:r>
+          </a:p>
           <a:p>
             <a:pPr lvl="1">
               <a:buFont typeface="Courier New" panose="02070309020205020404" pitchFamily="49" charset="0"/>
               <a:buChar char="o"/>
             </a:pPr>
             <a:r>
-              <a:rPr lang="en-US" dirty="0" smtClean="0"/>
-              <a:t>Artificial Intelligence</a:t>
-            </a:r>
-          </a:p>
-          <a:p>
-            <a:pPr lvl="2">
-              <a:buFont typeface="Courier New" panose="02070309020205020404" pitchFamily="49" charset="0"/>
-              <a:buChar char="o"/>
-            </a:pPr>
-            <a:r>
-              <a:rPr lang="en-US" dirty="0" smtClean="0"/>
-              <a:t>Vision Range</a:t>
-            </a:r>
-          </a:p>
-          <a:p>
-            <a:pPr lvl="2">
-              <a:buFont typeface="Courier New" panose="02070309020205020404" pitchFamily="49" charset="0"/>
-              <a:buChar char="o"/>
-            </a:pPr>
-            <a:r>
-              <a:rPr lang="en-US" dirty="0" smtClean="0"/>
-              <a:t>Return Range</a:t>
-            </a:r>
-          </a:p>
-          <a:p>
-            <a:pPr lvl="2">
-              <a:buFont typeface="Courier New" panose="02070309020205020404" pitchFamily="49" charset="0"/>
-              <a:buChar char="o"/>
-            </a:pPr>
-            <a:r>
-              <a:rPr lang="en-US" dirty="0" smtClean="0"/>
-              <a:t>Waypoints</a:t>
+              <a:rPr lang="en-US" sz="2400" dirty="0" smtClean="0"/>
+              <a:t>For each Interaction</a:t>
             </a:r>
           </a:p>
           <a:p>
@@ -4167,29 +4158,67 @@
               <a:buChar char="o"/>
             </a:pPr>
             <a:r>
-              <a:rPr lang="en-US" dirty="0" smtClean="0"/>
-              <a:t>Hardware Architecture</a:t>
-            </a:r>
-          </a:p>
-          <a:p>
-            <a:pPr lvl="2">
+              <a:rPr lang="en-US" sz="2400" dirty="0" smtClean="0"/>
+              <a:t>Structure</a:t>
+            </a:r>
+          </a:p>
+          <a:p>
+            <a:pPr>
               <a:buFont typeface="Courier New" panose="02070309020205020404" pitchFamily="49" charset="0"/>
               <a:buChar char="o"/>
             </a:pPr>
             <a:r>
-              <a:rPr lang="en-US" dirty="0" smtClean="0"/>
-              <a:t>I/O devices </a:t>
-            </a:r>
-          </a:p>
-          <a:p>
-            <a:pPr lvl="2">
+              <a:rPr lang="en-US" sz="2400" dirty="0" smtClean="0"/>
+              <a:t>Game Objects Architecture</a:t>
+            </a:r>
+          </a:p>
+          <a:p>
+            <a:pPr lvl="1">
               <a:buFont typeface="Courier New" panose="02070309020205020404" pitchFamily="49" charset="0"/>
               <a:buChar char="o"/>
             </a:pPr>
             <a:r>
-              <a:rPr lang="en-US" dirty="0" smtClean="0"/>
-              <a:t>PC</a:t>
-            </a:r>
+              <a:rPr lang="en-US" sz="2400" dirty="0" smtClean="0"/>
+              <a:t>Transform</a:t>
+            </a:r>
+          </a:p>
+          <a:p>
+            <a:pPr lvl="1">
+              <a:buFont typeface="Courier New" panose="02070309020205020404" pitchFamily="49" charset="0"/>
+              <a:buChar char="o"/>
+            </a:pPr>
+            <a:r>
+              <a:rPr lang="en-US" sz="2400" dirty="0" err="1" smtClean="0"/>
+              <a:t>Rigidbody</a:t>
+            </a:r>
+            <a:endParaRPr lang="en-US" sz="2400" dirty="0" smtClean="0"/>
+          </a:p>
+          <a:p>
+            <a:pPr lvl="1">
+              <a:buFont typeface="Courier New" panose="02070309020205020404" pitchFamily="49" charset="0"/>
+              <a:buChar char="o"/>
+            </a:pPr>
+            <a:r>
+              <a:rPr lang="en-US" sz="2400" dirty="0" err="1" smtClean="0"/>
+              <a:t>Colllider</a:t>
+            </a:r>
+            <a:endParaRPr lang="en-US" sz="2400" dirty="0" smtClean="0"/>
+          </a:p>
+          <a:p>
+            <a:pPr lvl="1">
+              <a:buFont typeface="Courier New" panose="02070309020205020404" pitchFamily="49" charset="0"/>
+              <a:buChar char="o"/>
+            </a:pPr>
+            <a:r>
+              <a:rPr lang="en-US" sz="2400" dirty="0" smtClean="0"/>
+              <a:t>Script</a:t>
+            </a:r>
+            <a:endParaRPr lang="en-US" sz="2400" dirty="0"/>
+          </a:p>
+          <a:p>
+            <a:pPr marL="0" indent="0">
+              <a:buNone/>
+            </a:pPr>
             <a:endParaRPr lang="en-US" dirty="0"/>
           </a:p>
         </p:txBody>
@@ -4204,8 +4233,8 @@
         </p:nvSpPr>
         <p:spPr bwMode="auto">
           <a:xfrm>
-            <a:off x="4470399" y="1845733"/>
-            <a:ext cx="12874161" cy="45719"/>
+            <a:off x="5439508" y="1992923"/>
+            <a:ext cx="12192000" cy="0"/>
           </a:xfrm>
           <a:prstGeom prst="rect">
             <a:avLst/>
@@ -4245,3040 +4274,6 @@
           </a:extLst>
         </p:spPr>
         <p:txBody>
-          <a:bodyPr vert="horz" wrap="square" lIns="91440" tIns="45720" rIns="91440" bIns="45720" numCol="1" anchor="ctr" anchorCtr="0" compatLnSpc="1">
-            <a:prstTxWarp prst="textNoShape">
-              <a:avLst/>
-            </a:prstTxWarp>
-            <a:spAutoFit/>
-          </a:bodyPr>
-          <a:lstStyle/>
-          <a:p>
-            <a:endParaRPr lang="en-US"/>
-          </a:p>
-        </p:txBody>
-      </p:sp>
-      <p:graphicFrame>
-        <p:nvGraphicFramePr>
-          <p:cNvPr id="7" name="Object 6"/>
-          <p:cNvGraphicFramePr>
-            <a:graphicFrameLocks noChangeAspect="1"/>
-          </p:cNvGraphicFramePr>
-          <p:nvPr>
-            <p:extLst>
-              <p:ext uri="{D42A27DB-BD31-4B8C-83A1-F6EECF244321}">
-                <p14:modId xmlns:p14="http://schemas.microsoft.com/office/powerpoint/2010/main" val="1097016694"/>
-              </p:ext>
-            </p:extLst>
-          </p:nvPr>
-        </p:nvGraphicFramePr>
-        <p:xfrm>
-          <a:off x="4470400" y="1845734"/>
-          <a:ext cx="6807491" cy="3520350"/>
-        </p:xfrm>
-        <a:graphic>
-          <a:graphicData uri="http://schemas.openxmlformats.org/presentationml/2006/ole">
-            <mc:AlternateContent xmlns:mc="http://schemas.openxmlformats.org/markup-compatibility/2006">
-              <mc:Choice xmlns:v="urn:schemas-microsoft-com:vml" Requires="v">
-                <p:oleObj spid="_x0000_s4102" r:id="rId3" imgW="5848208" imgH="3009847" progId="Visio.Drawing.15">
-                  <p:embed/>
-                </p:oleObj>
-              </mc:Choice>
-              <mc:Fallback>
-                <p:oleObj r:id="rId3" imgW="5848208" imgH="3009847" progId="Visio.Drawing.15">
-                  <p:embed/>
-                  <p:pic>
-                    <p:nvPicPr>
-                      <p:cNvPr id="0" name="Object 1"/>
-                      <p:cNvPicPr>
-                        <a:picLocks noChangeAspect="1" noChangeArrowheads="1"/>
-                      </p:cNvPicPr>
-                      <p:nvPr/>
-                    </p:nvPicPr>
-                    <p:blipFill>
-                      <a:blip r:embed="rId4">
-                        <a:extLst>
-                          <a:ext uri="{28A0092B-C50C-407E-A947-70E740481C1C}">
-                            <a14:useLocalDpi xmlns:a14="http://schemas.microsoft.com/office/drawing/2010/main" val="0"/>
-                          </a:ext>
-                        </a:extLst>
-                      </a:blip>
-                      <a:srcRect/>
-                      <a:stretch>
-                        <a:fillRect/>
-                      </a:stretch>
-                    </p:blipFill>
-                    <p:spPr bwMode="auto">
-                      <a:xfrm>
-                        <a:off x="4470400" y="1845734"/>
-                        <a:ext cx="6807491" cy="3520350"/>
-                      </a:xfrm>
-                      <a:prstGeom prst="rect">
-                        <a:avLst/>
-                      </a:prstGeom>
-                      <a:noFill/>
-                    </p:spPr>
-                  </p:pic>
-                </p:oleObj>
-              </mc:Fallback>
-            </mc:AlternateContent>
-          </a:graphicData>
-        </a:graphic>
-      </p:graphicFrame>
-      <p:pic>
-        <p:nvPicPr>
-          <p:cNvPr id="8" name="Picture 7"/>
-          <p:cNvPicPr>
-            <a:picLocks noChangeAspect="1"/>
-          </p:cNvPicPr>
-          <p:nvPr/>
-        </p:nvPicPr>
-        <p:blipFill>
-          <a:blip r:embed="rId5">
-            <a:extLst>
-              <a:ext uri="{28A0092B-C50C-407E-A947-70E740481C1C}">
-                <a14:useLocalDpi xmlns:a14="http://schemas.microsoft.com/office/drawing/2010/main" val="0"/>
-              </a:ext>
-            </a:extLst>
-          </a:blip>
-          <a:stretch>
-            <a:fillRect/>
-          </a:stretch>
-        </p:blipFill>
-        <p:spPr>
-          <a:xfrm>
-            <a:off x="10421660" y="0"/>
-            <a:ext cx="885306" cy="1737360"/>
-          </a:xfrm>
-          <a:prstGeom prst="roundRect">
-            <a:avLst>
-              <a:gd name="adj" fmla="val 8594"/>
-            </a:avLst>
-          </a:prstGeom>
-          <a:solidFill>
-            <a:srgbClr val="FFFFFF">
-              <a:shade val="85000"/>
-            </a:srgbClr>
-          </a:solidFill>
-          <a:ln>
-            <a:noFill/>
-          </a:ln>
-          <a:effectLst>
-            <a:reflection blurRad="12700" stA="38000" endPos="28000" dist="5000" dir="5400000" sy="-100000" algn="bl" rotWithShape="0"/>
-          </a:effectLst>
-        </p:spPr>
-      </p:pic>
-    </p:spTree>
-    <p:extLst>
-      <p:ext uri="{BB962C8B-B14F-4D97-AF65-F5344CB8AC3E}">
-        <p14:creationId xmlns:p14="http://schemas.microsoft.com/office/powerpoint/2010/main" val="3952817088"/>
-      </p:ext>
-    </p:extLst>
-  </p:cSld>
-  <p:clrMapOvr>
-    <a:masterClrMapping/>
-  </p:clrMapOvr>
-  <p:timing>
-    <p:tnLst>
-      <p:par>
-        <p:cTn id="1" dur="indefinite" restart="never" nodeType="tmRoot"/>
-      </p:par>
-    </p:tnLst>
-  </p:timing>
-</p:sld>
-</file>
-
-<file path=ppt/slides/slide11.xml><?xml version="1.0" encoding="utf-8"?>
-<p:sld xmlns:a="http://schemas.openxmlformats.org/drawingml/2006/main" xmlns:r="http://schemas.openxmlformats.org/officeDocument/2006/relationships" xmlns:p="http://schemas.openxmlformats.org/presentationml/2006/main">
-  <p:cSld>
-    <p:spTree>
-      <p:nvGrpSpPr>
-        <p:cNvPr id="1" name=""/>
-        <p:cNvGrpSpPr/>
-        <p:nvPr/>
-      </p:nvGrpSpPr>
-      <p:grpSpPr>
-        <a:xfrm>
-          <a:off x="0" y="0"/>
-          <a:ext cx="0" cy="0"/>
-          <a:chOff x="0" y="0"/>
-          <a:chExt cx="0" cy="0"/>
-        </a:xfrm>
-      </p:grpSpPr>
-      <p:sp>
-        <p:nvSpPr>
-          <p:cNvPr id="2" name="Title 1"/>
-          <p:cNvSpPr>
-            <a:spLocks noGrp="1"/>
-          </p:cNvSpPr>
-          <p:nvPr>
-            <p:ph type="title"/>
-          </p:nvPr>
-        </p:nvSpPr>
-        <p:spPr>
-          <a:xfrm>
-            <a:off x="457200" y="594359"/>
-            <a:ext cx="3200400" cy="679270"/>
-          </a:xfrm>
-        </p:spPr>
-        <p:txBody>
-          <a:bodyPr>
-            <a:normAutofit/>
-          </a:bodyPr>
-          <a:lstStyle/>
-          <a:p>
-            <a:r>
-              <a:rPr lang="en-US" sz="4400" dirty="0" smtClean="0"/>
-              <a:t>Use Cases</a:t>
-            </a:r>
-            <a:endParaRPr lang="en-US" sz="4400" dirty="0"/>
-          </a:p>
-        </p:txBody>
-      </p:sp>
-      <p:sp>
-        <p:nvSpPr>
-          <p:cNvPr id="6" name="Text Placeholder 5"/>
-          <p:cNvSpPr>
-            <a:spLocks noGrp="1"/>
-          </p:cNvSpPr>
-          <p:nvPr>
-            <p:ph type="body" sz="half" idx="2"/>
-          </p:nvPr>
-        </p:nvSpPr>
-        <p:spPr>
-          <a:xfrm>
-            <a:off x="457200" y="1273629"/>
-            <a:ext cx="3200400" cy="5031575"/>
-          </a:xfrm>
-        </p:spPr>
-        <p:txBody>
-          <a:bodyPr>
-            <a:normAutofit lnSpcReduction="10000"/>
-          </a:bodyPr>
-          <a:lstStyle/>
-          <a:p>
-            <a:pPr marL="285750" indent="-285750">
-              <a:buFont typeface="Wingdings" panose="05000000000000000000" pitchFamily="2" charset="2"/>
-              <a:buChar char="q"/>
-            </a:pPr>
-            <a:r>
-              <a:rPr lang="en-US" sz="2400" dirty="0" smtClean="0"/>
-              <a:t>Actors</a:t>
-            </a:r>
-          </a:p>
-          <a:p>
-            <a:pPr marL="285750" indent="-285750">
-              <a:buFont typeface="Wingdings" panose="05000000000000000000" pitchFamily="2" charset="2"/>
-              <a:buChar char="q"/>
-            </a:pPr>
-            <a:r>
-              <a:rPr lang="en-US" sz="2400" dirty="0" smtClean="0"/>
-              <a:t>Menu Use Cases</a:t>
-            </a:r>
-            <a:r>
-              <a:rPr lang="en-US" sz="2400" dirty="0" smtClean="0"/>
-              <a:t>	</a:t>
-            </a:r>
-          </a:p>
-          <a:p>
-            <a:pPr marL="742950" lvl="1" indent="-285750">
-              <a:buFont typeface="Wingdings" panose="05000000000000000000" pitchFamily="2" charset="2"/>
-              <a:buChar char="q"/>
-            </a:pPr>
-            <a:r>
-              <a:rPr lang="en-US" sz="2100" dirty="0" smtClean="0">
-                <a:solidFill>
-                  <a:schemeClr val="bg1"/>
-                </a:solidFill>
-              </a:rPr>
-              <a:t>Begin new </a:t>
-            </a:r>
-            <a:r>
-              <a:rPr lang="en-US" sz="2100" dirty="0" smtClean="0">
-                <a:solidFill>
-                  <a:schemeClr val="bg1"/>
-                </a:solidFill>
-              </a:rPr>
-              <a:t>game</a:t>
-            </a:r>
-          </a:p>
-          <a:p>
-            <a:pPr marL="742950" lvl="1" indent="-285750">
-              <a:buFont typeface="Wingdings" panose="05000000000000000000" pitchFamily="2" charset="2"/>
-              <a:buChar char="q"/>
-            </a:pPr>
-            <a:r>
-              <a:rPr lang="en-US" sz="2100" dirty="0" smtClean="0">
-                <a:solidFill>
-                  <a:schemeClr val="bg1"/>
-                </a:solidFill>
-              </a:rPr>
-              <a:t>Options</a:t>
-            </a:r>
-          </a:p>
-          <a:p>
-            <a:pPr marL="742950" lvl="1" indent="-285750">
-              <a:buFont typeface="Wingdings" panose="05000000000000000000" pitchFamily="2" charset="2"/>
-              <a:buChar char="q"/>
-            </a:pPr>
-            <a:r>
-              <a:rPr lang="en-US" sz="2100" dirty="0" smtClean="0">
-                <a:solidFill>
-                  <a:schemeClr val="bg1"/>
-                </a:solidFill>
-              </a:rPr>
-              <a:t>Credits</a:t>
-            </a:r>
-          </a:p>
-          <a:p>
-            <a:pPr marL="742950" lvl="1" indent="-285750">
-              <a:buFont typeface="Wingdings" panose="05000000000000000000" pitchFamily="2" charset="2"/>
-              <a:buChar char="q"/>
-            </a:pPr>
-            <a:r>
-              <a:rPr lang="en-US" sz="2100" dirty="0" smtClean="0">
-                <a:solidFill>
-                  <a:schemeClr val="bg1"/>
-                </a:solidFill>
-              </a:rPr>
-              <a:t>Exit Game</a:t>
-            </a:r>
-          </a:p>
-          <a:p>
-            <a:pPr marL="742950" lvl="1" indent="-285750">
-              <a:buFont typeface="Wingdings" panose="05000000000000000000" pitchFamily="2" charset="2"/>
-              <a:buChar char="q"/>
-            </a:pPr>
-            <a:r>
-              <a:rPr lang="en-US" sz="2100" dirty="0" smtClean="0">
-                <a:solidFill>
-                  <a:schemeClr val="bg1"/>
-                </a:solidFill>
-              </a:rPr>
-              <a:t>10 Total</a:t>
-            </a:r>
-            <a:endParaRPr lang="en-US" sz="2100" dirty="0" smtClean="0">
-              <a:solidFill>
-                <a:schemeClr val="bg1"/>
-              </a:solidFill>
-            </a:endParaRPr>
-          </a:p>
-          <a:p>
-            <a:pPr marL="285750" indent="-285750">
-              <a:buFont typeface="Wingdings" panose="05000000000000000000" pitchFamily="2" charset="2"/>
-              <a:buChar char="q"/>
-            </a:pPr>
-            <a:r>
-              <a:rPr lang="en-US" sz="2400" dirty="0" smtClean="0">
-                <a:solidFill>
-                  <a:schemeClr val="bg1"/>
-                </a:solidFill>
-              </a:rPr>
-              <a:t>Character Use Cases</a:t>
-            </a:r>
-          </a:p>
-          <a:p>
-            <a:pPr marL="742950" lvl="1" indent="-285750">
-              <a:buFont typeface="Wingdings" panose="05000000000000000000" pitchFamily="2" charset="2"/>
-              <a:buChar char="q"/>
-            </a:pPr>
-            <a:r>
-              <a:rPr lang="en-US" sz="2100" dirty="0" smtClean="0">
-                <a:solidFill>
-                  <a:schemeClr val="bg1"/>
-                </a:solidFill>
-              </a:rPr>
-              <a:t>Move</a:t>
-            </a:r>
-          </a:p>
-          <a:p>
-            <a:pPr marL="742950" lvl="1" indent="-285750">
-              <a:buFont typeface="Wingdings" panose="05000000000000000000" pitchFamily="2" charset="2"/>
-              <a:buChar char="q"/>
-            </a:pPr>
-            <a:r>
-              <a:rPr lang="en-US" sz="2100" dirty="0" smtClean="0">
-                <a:solidFill>
-                  <a:schemeClr val="bg1"/>
-                </a:solidFill>
-              </a:rPr>
-              <a:t>Attack</a:t>
-            </a:r>
-          </a:p>
-          <a:p>
-            <a:pPr marL="742950" lvl="1" indent="-285750">
-              <a:buFont typeface="Wingdings" panose="05000000000000000000" pitchFamily="2" charset="2"/>
-              <a:buChar char="q"/>
-            </a:pPr>
-            <a:r>
-              <a:rPr lang="en-US" sz="2100" dirty="0" smtClean="0">
-                <a:solidFill>
-                  <a:schemeClr val="bg1"/>
-                </a:solidFill>
-              </a:rPr>
-              <a:t>Use Item</a:t>
-            </a:r>
-          </a:p>
-          <a:p>
-            <a:pPr marL="742950" lvl="1" indent="-285750">
-              <a:buFont typeface="Wingdings" panose="05000000000000000000" pitchFamily="2" charset="2"/>
-              <a:buChar char="q"/>
-            </a:pPr>
-            <a:r>
-              <a:rPr lang="en-US" sz="2100" dirty="0" smtClean="0">
-                <a:solidFill>
-                  <a:schemeClr val="bg1"/>
-                </a:solidFill>
-              </a:rPr>
-              <a:t>Interact</a:t>
-            </a:r>
-          </a:p>
-          <a:p>
-            <a:pPr marL="742950" lvl="1" indent="-285750">
-              <a:buFont typeface="Wingdings" panose="05000000000000000000" pitchFamily="2" charset="2"/>
-              <a:buChar char="q"/>
-            </a:pPr>
-            <a:r>
-              <a:rPr lang="en-US" sz="2100" dirty="0" smtClean="0">
-                <a:solidFill>
-                  <a:schemeClr val="bg1"/>
-                </a:solidFill>
-              </a:rPr>
-              <a:t>12 Total</a:t>
-            </a:r>
-            <a:endParaRPr lang="en-US" sz="2100" dirty="0" smtClean="0">
-              <a:solidFill>
-                <a:schemeClr val="bg1"/>
-              </a:solidFill>
-            </a:endParaRPr>
-          </a:p>
-        </p:txBody>
-      </p:sp>
-      <p:sp>
-        <p:nvSpPr>
-          <p:cNvPr id="3" name="Rectangle 2"/>
-          <p:cNvSpPr>
-            <a:spLocks noChangeArrowheads="1"/>
-          </p:cNvSpPr>
-          <p:nvPr/>
-        </p:nvSpPr>
-        <p:spPr bwMode="auto">
-          <a:xfrm>
-            <a:off x="4225860" y="779275"/>
-            <a:ext cx="13235857" cy="45719"/>
-          </a:xfrm>
-          <a:prstGeom prst="rect">
-            <a:avLst/>
-          </a:prstGeom>
-          <a:noFill/>
-          <a:ln>
-            <a:noFill/>
-          </a:ln>
-          <a:effectLst/>
-          <a:extLst>
-            <a:ext uri="{909E8E84-426E-40DD-AFC4-6F175D3DCCD1}">
-              <a14:hiddenFill xmlns:a14="http://schemas.microsoft.com/office/drawing/2010/main">
-                <a:solidFill>
-                  <a:schemeClr val="accent1"/>
-                </a:solidFill>
-              </a14:hiddenFill>
-            </a:ext>
-            <a:ext uri="{91240B29-F687-4F45-9708-019B960494DF}">
-              <a14:hiddenLine xmlns:a14="http://schemas.microsoft.com/office/drawing/2010/main" w="9525">
-                <a:solidFill>
-                  <a:schemeClr val="tx1"/>
-                </a:solidFill>
-                <a:miter lim="800000"/>
-                <a:headEnd/>
-                <a:tailEnd/>
-              </a14:hiddenLine>
-            </a:ext>
-            <a:ext uri="{AF507438-7753-43E0-B8FC-AC1667EBCBE1}">
-              <a14:hiddenEffects xmlns:a14="http://schemas.microsoft.com/office/drawing/2010/main">
-                <a:effectLst>
-                  <a:outerShdw dist="35921" dir="2700000" algn="ctr" rotWithShape="0">
-                    <a:schemeClr val="bg2"/>
-                  </a:outerShdw>
-                </a:effectLst>
-              </a14:hiddenEffects>
-            </a:ext>
-          </a:extLst>
-        </p:spPr>
-        <p:txBody>
-          <a:bodyPr vert="horz" wrap="square" lIns="91440" tIns="45720" rIns="91440" bIns="45720" numCol="1" anchor="ctr" anchorCtr="0" compatLnSpc="1">
-            <a:prstTxWarp prst="textNoShape">
-              <a:avLst/>
-            </a:prstTxWarp>
-            <a:spAutoFit/>
-          </a:bodyPr>
-          <a:lstStyle/>
-          <a:p>
-            <a:endParaRPr lang="en-US"/>
-          </a:p>
-        </p:txBody>
-      </p:sp>
-      <p:graphicFrame>
-        <p:nvGraphicFramePr>
-          <p:cNvPr id="5" name="Object 4"/>
-          <p:cNvGraphicFramePr>
-            <a:graphicFrameLocks noChangeAspect="1"/>
-          </p:cNvGraphicFramePr>
-          <p:nvPr>
-            <p:extLst>
-              <p:ext uri="{D42A27DB-BD31-4B8C-83A1-F6EECF244321}">
-                <p14:modId xmlns:p14="http://schemas.microsoft.com/office/powerpoint/2010/main" val="4279879873"/>
-              </p:ext>
-            </p:extLst>
-          </p:nvPr>
-        </p:nvGraphicFramePr>
-        <p:xfrm>
-          <a:off x="4225861" y="779276"/>
-          <a:ext cx="7687871" cy="5084114"/>
-        </p:xfrm>
-        <a:graphic>
-          <a:graphicData uri="http://schemas.openxmlformats.org/presentationml/2006/ole">
-            <mc:AlternateContent xmlns:mc="http://schemas.openxmlformats.org/markup-compatibility/2006">
-              <mc:Choice xmlns:v="urn:schemas-microsoft-com:vml" Requires="v">
-                <p:oleObj spid="_x0000_s5126" r:id="rId3" imgW="6667590" imgH="4419508" progId="Visio.Drawing.15">
-                  <p:embed/>
-                </p:oleObj>
-              </mc:Choice>
-              <mc:Fallback>
-                <p:oleObj r:id="rId3" imgW="6667590" imgH="4419508" progId="Visio.Drawing.15">
-                  <p:embed/>
-                  <p:pic>
-                    <p:nvPicPr>
-                      <p:cNvPr id="0" name="Object 1"/>
-                      <p:cNvPicPr>
-                        <a:picLocks noChangeAspect="1" noChangeArrowheads="1"/>
-                      </p:cNvPicPr>
-                      <p:nvPr/>
-                    </p:nvPicPr>
-                    <p:blipFill>
-                      <a:blip r:embed="rId4">
-                        <a:extLst>
-                          <a:ext uri="{28A0092B-C50C-407E-A947-70E740481C1C}">
-                            <a14:useLocalDpi xmlns:a14="http://schemas.microsoft.com/office/drawing/2010/main" val="0"/>
-                          </a:ext>
-                        </a:extLst>
-                      </a:blip>
-                      <a:srcRect/>
-                      <a:stretch>
-                        <a:fillRect/>
-                      </a:stretch>
-                    </p:blipFill>
-                    <p:spPr bwMode="auto">
-                      <a:xfrm>
-                        <a:off x="4225861" y="779276"/>
-                        <a:ext cx="7687871" cy="5084114"/>
-                      </a:xfrm>
-                      <a:prstGeom prst="rect">
-                        <a:avLst/>
-                      </a:prstGeom>
-                      <a:noFill/>
-                    </p:spPr>
-                  </p:pic>
-                </p:oleObj>
-              </mc:Fallback>
-            </mc:AlternateContent>
-          </a:graphicData>
-        </a:graphic>
-      </p:graphicFrame>
-      <p:pic>
-        <p:nvPicPr>
-          <p:cNvPr id="7" name="Picture 6"/>
-          <p:cNvPicPr>
-            <a:picLocks noChangeAspect="1"/>
-          </p:cNvPicPr>
-          <p:nvPr/>
-        </p:nvPicPr>
-        <p:blipFill>
-          <a:blip r:embed="rId5">
-            <a:extLst>
-              <a:ext uri="{28A0092B-C50C-407E-A947-70E740481C1C}">
-                <a14:useLocalDpi xmlns:a14="http://schemas.microsoft.com/office/drawing/2010/main" val="0"/>
-              </a:ext>
-            </a:extLst>
-          </a:blip>
-          <a:stretch>
-            <a:fillRect/>
-          </a:stretch>
-        </p:blipFill>
-        <p:spPr>
-          <a:xfrm>
-            <a:off x="4415386" y="482656"/>
-            <a:ext cx="605791" cy="856875"/>
-          </a:xfrm>
-          <a:prstGeom prst="rect">
-            <a:avLst/>
-          </a:prstGeom>
-        </p:spPr>
-      </p:pic>
-    </p:spTree>
-    <p:extLst>
-      <p:ext uri="{BB962C8B-B14F-4D97-AF65-F5344CB8AC3E}">
-        <p14:creationId xmlns:p14="http://schemas.microsoft.com/office/powerpoint/2010/main" val="1011527283"/>
-      </p:ext>
-    </p:extLst>
-  </p:cSld>
-  <p:clrMapOvr>
-    <a:masterClrMapping/>
-  </p:clrMapOvr>
-  <p:timing>
-    <p:tnLst>
-      <p:par>
-        <p:cTn id="1" dur="indefinite" restart="never" nodeType="tmRoot"/>
-      </p:par>
-    </p:tnLst>
-  </p:timing>
-</p:sld>
-</file>
-
-<file path=ppt/slides/slide2.xml><?xml version="1.0" encoding="utf-8"?>
-<p:sld xmlns:a="http://schemas.openxmlformats.org/drawingml/2006/main" xmlns:r="http://schemas.openxmlformats.org/officeDocument/2006/relationships" xmlns:p="http://schemas.openxmlformats.org/presentationml/2006/main">
-  <p:cSld>
-    <p:spTree>
-      <p:nvGrpSpPr>
-        <p:cNvPr id="1" name=""/>
-        <p:cNvGrpSpPr/>
-        <p:nvPr/>
-      </p:nvGrpSpPr>
-      <p:grpSpPr>
-        <a:xfrm>
-          <a:off x="0" y="0"/>
-          <a:ext cx="0" cy="0"/>
-          <a:chOff x="0" y="0"/>
-          <a:chExt cx="0" cy="0"/>
-        </a:xfrm>
-      </p:grpSpPr>
-      <p:sp>
-        <p:nvSpPr>
-          <p:cNvPr id="2" name="Title 1"/>
-          <p:cNvSpPr>
-            <a:spLocks noGrp="1"/>
-          </p:cNvSpPr>
-          <p:nvPr>
-            <p:ph type="title"/>
-          </p:nvPr>
-        </p:nvSpPr>
-        <p:spPr/>
-        <p:txBody>
-          <a:bodyPr/>
-          <a:lstStyle/>
-          <a:p>
-            <a:r>
-              <a:rPr lang="en-US" dirty="0" smtClean="0"/>
-              <a:t>Game Description</a:t>
-            </a:r>
-            <a:endParaRPr lang="en-US" dirty="0"/>
-          </a:p>
-        </p:txBody>
-      </p:sp>
-      <p:sp>
-        <p:nvSpPr>
-          <p:cNvPr id="3" name="Content Placeholder 2"/>
-          <p:cNvSpPr>
-            <a:spLocks noGrp="1"/>
-          </p:cNvSpPr>
-          <p:nvPr>
-            <p:ph idx="1"/>
-          </p:nvPr>
-        </p:nvSpPr>
-        <p:spPr>
-          <a:xfrm>
-            <a:off x="1097280" y="1845734"/>
-            <a:ext cx="4347556" cy="4023360"/>
-          </a:xfrm>
-        </p:spPr>
-        <p:txBody>
-          <a:bodyPr>
-            <a:normAutofit/>
-          </a:bodyPr>
-          <a:lstStyle/>
-          <a:p>
-            <a:pPr>
-              <a:buFont typeface="Courier New" panose="02070309020205020404" pitchFamily="49" charset="0"/>
-              <a:buChar char="o"/>
-            </a:pPr>
-            <a:r>
-              <a:rPr lang="en-US" dirty="0" smtClean="0"/>
-              <a:t>Interactive, Immersive, Entertaining</a:t>
-            </a:r>
-          </a:p>
-          <a:p>
-            <a:pPr>
-              <a:buFont typeface="Courier New" panose="02070309020205020404" pitchFamily="49" charset="0"/>
-              <a:buChar char="o"/>
-            </a:pPr>
-            <a:r>
-              <a:rPr lang="en-US" dirty="0" smtClean="0"/>
-              <a:t>Imaginative, original environments</a:t>
-            </a:r>
-          </a:p>
-          <a:p>
-            <a:pPr>
-              <a:buFont typeface="Courier New" panose="02070309020205020404" pitchFamily="49" charset="0"/>
-              <a:buChar char="o"/>
-            </a:pPr>
-            <a:r>
-              <a:rPr lang="en-US" dirty="0" smtClean="0"/>
-              <a:t>Target audience is expecting:</a:t>
-            </a:r>
-          </a:p>
-          <a:p>
-            <a:pPr lvl="1">
-              <a:buFont typeface="Courier New" panose="02070309020205020404" pitchFamily="49" charset="0"/>
-              <a:buChar char="o"/>
-            </a:pPr>
-            <a:r>
-              <a:rPr lang="en-US" dirty="0" smtClean="0"/>
-              <a:t>Freedom to explore</a:t>
-            </a:r>
-          </a:p>
-          <a:p>
-            <a:pPr lvl="1">
-              <a:buFont typeface="Courier New" panose="02070309020205020404" pitchFamily="49" charset="0"/>
-              <a:buChar char="o"/>
-            </a:pPr>
-            <a:r>
-              <a:rPr lang="en-US" dirty="0" smtClean="0"/>
-              <a:t>Strong Storyline</a:t>
-            </a:r>
-          </a:p>
-        </p:txBody>
-      </p:sp>
-      <p:pic>
-        <p:nvPicPr>
-          <p:cNvPr id="8" name="Picture 7"/>
-          <p:cNvPicPr>
-            <a:picLocks noChangeAspect="1"/>
-          </p:cNvPicPr>
-          <p:nvPr/>
-        </p:nvPicPr>
-        <p:blipFill>
-          <a:blip r:embed="rId2">
-            <a:extLst>
-              <a:ext uri="{28A0092B-C50C-407E-A947-70E740481C1C}">
-                <a14:useLocalDpi xmlns:a14="http://schemas.microsoft.com/office/drawing/2010/main" val="0"/>
-              </a:ext>
-            </a:extLst>
-          </a:blip>
-          <a:stretch>
-            <a:fillRect/>
-          </a:stretch>
-        </p:blipFill>
-        <p:spPr>
-          <a:xfrm>
-            <a:off x="4862945" y="2338781"/>
-            <a:ext cx="6468774" cy="3436795"/>
-          </a:xfrm>
-          <a:prstGeom prst="rect">
-            <a:avLst/>
-          </a:prstGeom>
-        </p:spPr>
-      </p:pic>
-      <p:pic>
-        <p:nvPicPr>
-          <p:cNvPr id="4" name="Picture 3"/>
-          <p:cNvPicPr>
-            <a:picLocks noChangeAspect="1"/>
-          </p:cNvPicPr>
-          <p:nvPr/>
-        </p:nvPicPr>
-        <p:blipFill>
-          <a:blip r:embed="rId3">
-            <a:extLst>
-              <a:ext uri="{28A0092B-C50C-407E-A947-70E740481C1C}">
-                <a14:useLocalDpi xmlns:a14="http://schemas.microsoft.com/office/drawing/2010/main" val="0"/>
-              </a:ext>
-            </a:extLst>
-          </a:blip>
-          <a:stretch>
-            <a:fillRect/>
-          </a:stretch>
-        </p:blipFill>
-        <p:spPr>
-          <a:xfrm>
-            <a:off x="9461167" y="58177"/>
-            <a:ext cx="1214648" cy="1679183"/>
-          </a:xfrm>
-          <a:prstGeom prst="roundRect">
-            <a:avLst>
-              <a:gd name="adj" fmla="val 8594"/>
-            </a:avLst>
-          </a:prstGeom>
-          <a:solidFill>
-            <a:srgbClr val="FFFFFF">
-              <a:shade val="85000"/>
-            </a:srgbClr>
-          </a:solidFill>
-          <a:ln>
-            <a:noFill/>
-          </a:ln>
-          <a:effectLst>
-            <a:reflection blurRad="12700" stA="38000" endPos="28000" dist="5000" dir="5400000" sy="-100000" algn="bl" rotWithShape="0"/>
-          </a:effectLst>
-        </p:spPr>
-      </p:pic>
-    </p:spTree>
-    <p:extLst>
-      <p:ext uri="{BB962C8B-B14F-4D97-AF65-F5344CB8AC3E}">
-        <p14:creationId xmlns:p14="http://schemas.microsoft.com/office/powerpoint/2010/main" val="642959475"/>
-      </p:ext>
-    </p:extLst>
-  </p:cSld>
-  <p:clrMapOvr>
-    <a:masterClrMapping/>
-  </p:clrMapOvr>
-  <p:timing>
-    <p:tnLst>
-      <p:par>
-        <p:cTn id="1" dur="indefinite" restart="never" nodeType="tmRoot"/>
-      </p:par>
-    </p:tnLst>
-  </p:timing>
-</p:sld>
-</file>
-
-<file path=ppt/slides/slide3.xml><?xml version="1.0" encoding="utf-8"?>
-<p:sld xmlns:a="http://schemas.openxmlformats.org/drawingml/2006/main" xmlns:r="http://schemas.openxmlformats.org/officeDocument/2006/relationships" xmlns:p="http://schemas.openxmlformats.org/presentationml/2006/main">
-  <p:cSld>
-    <p:spTree>
-      <p:nvGrpSpPr>
-        <p:cNvPr id="1" name=""/>
-        <p:cNvGrpSpPr/>
-        <p:nvPr/>
-      </p:nvGrpSpPr>
-      <p:grpSpPr>
-        <a:xfrm>
-          <a:off x="0" y="0"/>
-          <a:ext cx="0" cy="0"/>
-          <a:chOff x="0" y="0"/>
-          <a:chExt cx="0" cy="0"/>
-        </a:xfrm>
-      </p:grpSpPr>
-      <p:sp>
-        <p:nvSpPr>
-          <p:cNvPr id="2" name="Title 1"/>
-          <p:cNvSpPr>
-            <a:spLocks noGrp="1"/>
-          </p:cNvSpPr>
-          <p:nvPr>
-            <p:ph type="title"/>
-          </p:nvPr>
-        </p:nvSpPr>
-        <p:spPr/>
-        <p:txBody>
-          <a:bodyPr/>
-          <a:lstStyle/>
-          <a:p>
-            <a:r>
-              <a:rPr lang="en-US" dirty="0" smtClean="0"/>
-              <a:t>Functional Specifications</a:t>
-            </a:r>
-            <a:endParaRPr lang="en-US" dirty="0"/>
-          </a:p>
-        </p:txBody>
-      </p:sp>
-      <p:sp>
-        <p:nvSpPr>
-          <p:cNvPr id="3" name="Content Placeholder 2"/>
-          <p:cNvSpPr>
-            <a:spLocks noGrp="1"/>
-          </p:cNvSpPr>
-          <p:nvPr>
-            <p:ph idx="1"/>
-          </p:nvPr>
-        </p:nvSpPr>
-        <p:spPr/>
-        <p:txBody>
-          <a:bodyPr>
-            <a:normAutofit/>
-          </a:bodyPr>
-          <a:lstStyle/>
-          <a:p>
-            <a:pPr>
-              <a:buFont typeface="Courier New" panose="02070309020205020404" pitchFamily="49" charset="0"/>
-              <a:buChar char="o"/>
-            </a:pPr>
-            <a:r>
-              <a:rPr lang="en-US" sz="2800" dirty="0" smtClean="0"/>
-              <a:t>Rewards curious and adventurous players</a:t>
-            </a:r>
-          </a:p>
-          <a:p>
-            <a:pPr>
-              <a:buFont typeface="Courier New" panose="02070309020205020404" pitchFamily="49" charset="0"/>
-              <a:buChar char="o"/>
-            </a:pPr>
-            <a:r>
-              <a:rPr lang="en-US" sz="2800" dirty="0" smtClean="0"/>
-              <a:t>Victory conditions</a:t>
-            </a:r>
-          </a:p>
-          <a:p>
-            <a:pPr lvl="1">
-              <a:buFont typeface="Courier New" panose="02070309020205020404" pitchFamily="49" charset="0"/>
-              <a:buChar char="o"/>
-            </a:pPr>
-            <a:r>
-              <a:rPr lang="en-US" sz="2600" dirty="0" smtClean="0"/>
-              <a:t>Winning</a:t>
-            </a:r>
-          </a:p>
-          <a:p>
-            <a:pPr lvl="1">
-              <a:buFont typeface="Courier New" panose="02070309020205020404" pitchFamily="49" charset="0"/>
-              <a:buChar char="o"/>
-            </a:pPr>
-            <a:r>
-              <a:rPr lang="en-US" sz="2600" dirty="0" smtClean="0"/>
-              <a:t>Losing</a:t>
-            </a:r>
-          </a:p>
-          <a:p>
-            <a:pPr>
-              <a:buFont typeface="Courier New" panose="02070309020205020404" pitchFamily="49" charset="0"/>
-              <a:buChar char="o"/>
-            </a:pPr>
-            <a:r>
-              <a:rPr lang="en-US" sz="2800" dirty="0" smtClean="0"/>
-              <a:t>Game Elements</a:t>
-            </a:r>
-          </a:p>
-          <a:p>
-            <a:pPr lvl="1">
-              <a:buFont typeface="Courier New" panose="02070309020205020404" pitchFamily="49" charset="0"/>
-              <a:buChar char="o"/>
-            </a:pPr>
-            <a:r>
-              <a:rPr lang="en-US" sz="2600" dirty="0" smtClean="0">
-                <a:sym typeface="Wingdings" panose="05000000000000000000" pitchFamily="2" charset="2"/>
-              </a:rPr>
-              <a:t>Health/Stamina</a:t>
-            </a:r>
-          </a:p>
-          <a:p>
-            <a:pPr lvl="1">
-              <a:buFont typeface="Courier New" panose="02070309020205020404" pitchFamily="49" charset="0"/>
-              <a:buChar char="o"/>
-            </a:pPr>
-            <a:r>
-              <a:rPr lang="en-US" sz="2600" dirty="0" smtClean="0">
-                <a:sym typeface="Wingdings" panose="05000000000000000000" pitchFamily="2" charset="2"/>
-              </a:rPr>
-              <a:t>Obstacles</a:t>
-            </a:r>
-          </a:p>
-          <a:p>
-            <a:pPr lvl="1">
-              <a:buFont typeface="Courier New" panose="02070309020205020404" pitchFamily="49" charset="0"/>
-              <a:buChar char="o"/>
-            </a:pPr>
-            <a:r>
-              <a:rPr lang="en-US" sz="2600" dirty="0" smtClean="0">
-                <a:sym typeface="Wingdings" panose="05000000000000000000" pitchFamily="2" charset="2"/>
-              </a:rPr>
-              <a:t>Items</a:t>
-            </a:r>
-            <a:endParaRPr lang="en-US" sz="2600" dirty="0" smtClean="0">
-              <a:sym typeface="Wingdings" panose="05000000000000000000" pitchFamily="2" charset="2"/>
-            </a:endParaRPr>
-          </a:p>
-          <a:p>
-            <a:pPr>
-              <a:buFont typeface="Courier New" panose="02070309020205020404" pitchFamily="49" charset="0"/>
-              <a:buChar char="o"/>
-            </a:pPr>
-            <a:endParaRPr lang="en-US" sz="2800" dirty="0" smtClean="0"/>
-          </a:p>
-          <a:p>
-            <a:pPr>
-              <a:buFont typeface="Courier New" panose="02070309020205020404" pitchFamily="49" charset="0"/>
-              <a:buChar char="o"/>
-            </a:pPr>
-            <a:endParaRPr lang="en-US" sz="2800" dirty="0" smtClean="0"/>
-          </a:p>
-        </p:txBody>
-      </p:sp>
-      <p:pic>
-        <p:nvPicPr>
-          <p:cNvPr id="4" name="Picture 3"/>
-          <p:cNvPicPr>
-            <a:picLocks noChangeAspect="1"/>
-          </p:cNvPicPr>
-          <p:nvPr/>
-        </p:nvPicPr>
-        <p:blipFill>
-          <a:blip r:embed="rId2">
-            <a:extLst>
-              <a:ext uri="{28A0092B-C50C-407E-A947-70E740481C1C}">
-                <a14:useLocalDpi xmlns:a14="http://schemas.microsoft.com/office/drawing/2010/main" val="0"/>
-              </a:ext>
-            </a:extLst>
-          </a:blip>
-          <a:stretch>
-            <a:fillRect/>
-          </a:stretch>
-        </p:blipFill>
-        <p:spPr>
-          <a:xfrm>
-            <a:off x="6686117" y="2204826"/>
-            <a:ext cx="4181475" cy="3305175"/>
-          </a:xfrm>
-          <a:prstGeom prst="rect">
-            <a:avLst/>
-          </a:prstGeom>
-        </p:spPr>
-      </p:pic>
-      <p:pic>
-        <p:nvPicPr>
-          <p:cNvPr id="6" name="Picture 5"/>
-          <p:cNvPicPr>
-            <a:picLocks noChangeAspect="1"/>
-          </p:cNvPicPr>
-          <p:nvPr/>
-        </p:nvPicPr>
-        <p:blipFill>
-          <a:blip r:embed="rId3">
-            <a:extLst>
-              <a:ext uri="{28A0092B-C50C-407E-A947-70E740481C1C}">
-                <a14:useLocalDpi xmlns:a14="http://schemas.microsoft.com/office/drawing/2010/main" val="0"/>
-              </a:ext>
-            </a:extLst>
-          </a:blip>
-          <a:stretch>
-            <a:fillRect/>
-          </a:stretch>
-        </p:blipFill>
-        <p:spPr>
-          <a:xfrm>
-            <a:off x="9742682" y="228480"/>
-            <a:ext cx="948765" cy="1508880"/>
-          </a:xfrm>
-          <a:prstGeom prst="roundRect">
-            <a:avLst>
-              <a:gd name="adj" fmla="val 8594"/>
-            </a:avLst>
-          </a:prstGeom>
-          <a:solidFill>
-            <a:srgbClr val="FFFFFF">
-              <a:shade val="85000"/>
-            </a:srgbClr>
-          </a:solidFill>
-          <a:ln>
-            <a:noFill/>
-          </a:ln>
-          <a:effectLst>
-            <a:reflection blurRad="12700" stA="38000" endPos="28000" dist="5000" dir="5400000" sy="-100000" algn="bl" rotWithShape="0"/>
-          </a:effectLst>
-        </p:spPr>
-      </p:pic>
-    </p:spTree>
-    <p:extLst>
-      <p:ext uri="{BB962C8B-B14F-4D97-AF65-F5344CB8AC3E}">
-        <p14:creationId xmlns:p14="http://schemas.microsoft.com/office/powerpoint/2010/main" val="204447137"/>
-      </p:ext>
-    </p:extLst>
-  </p:cSld>
-  <p:clrMapOvr>
-    <a:masterClrMapping/>
-  </p:clrMapOvr>
-  <p:timing>
-    <p:tnLst>
-      <p:par>
-        <p:cTn id="1" dur="indefinite" restart="never" nodeType="tmRoot"/>
-      </p:par>
-    </p:tnLst>
-  </p:timing>
-</p:sld>
-</file>
-
-<file path=ppt/slides/slide4.xml><?xml version="1.0" encoding="utf-8"?>
-<p:sld xmlns:a="http://schemas.openxmlformats.org/drawingml/2006/main" xmlns:r="http://schemas.openxmlformats.org/officeDocument/2006/relationships" xmlns:p="http://schemas.openxmlformats.org/presentationml/2006/main">
-  <p:cSld>
-    <p:spTree>
-      <p:nvGrpSpPr>
-        <p:cNvPr id="1" name=""/>
-        <p:cNvGrpSpPr/>
-        <p:nvPr/>
-      </p:nvGrpSpPr>
-      <p:grpSpPr>
-        <a:xfrm>
-          <a:off x="0" y="0"/>
-          <a:ext cx="0" cy="0"/>
-          <a:chOff x="0" y="0"/>
-          <a:chExt cx="0" cy="0"/>
-        </a:xfrm>
-      </p:grpSpPr>
-      <p:sp>
-        <p:nvSpPr>
-          <p:cNvPr id="2" name="Title 1"/>
-          <p:cNvSpPr>
-            <a:spLocks noGrp="1"/>
-          </p:cNvSpPr>
-          <p:nvPr>
-            <p:ph type="title"/>
-          </p:nvPr>
-        </p:nvSpPr>
-        <p:spPr/>
-        <p:txBody>
-          <a:bodyPr/>
-          <a:lstStyle/>
-          <a:p>
-            <a:r>
-              <a:rPr lang="en-US" dirty="0" smtClean="0"/>
-              <a:t>User Interface and Menus</a:t>
-            </a:r>
-            <a:endParaRPr lang="en-US" dirty="0"/>
-          </a:p>
-        </p:txBody>
-      </p:sp>
-      <p:sp>
-        <p:nvSpPr>
-          <p:cNvPr id="3" name="Content Placeholder 2"/>
-          <p:cNvSpPr>
-            <a:spLocks noGrp="1"/>
-          </p:cNvSpPr>
-          <p:nvPr>
-            <p:ph idx="1"/>
-          </p:nvPr>
-        </p:nvSpPr>
-        <p:spPr/>
-        <p:txBody>
-          <a:bodyPr>
-            <a:normAutofit/>
-          </a:bodyPr>
-          <a:lstStyle/>
-          <a:p>
-            <a:pPr>
-              <a:buFont typeface="Courier New" panose="02070309020205020404" pitchFamily="49" charset="0"/>
-              <a:buChar char="o"/>
-            </a:pPr>
-            <a:r>
-              <a:rPr lang="en-US" dirty="0" smtClean="0"/>
-              <a:t>Splash Screen</a:t>
-            </a:r>
-          </a:p>
-          <a:p>
-            <a:pPr>
-              <a:buFont typeface="Courier New" panose="02070309020205020404" pitchFamily="49" charset="0"/>
-              <a:buChar char="o"/>
-            </a:pPr>
-            <a:r>
-              <a:rPr lang="en-US" dirty="0" smtClean="0"/>
-              <a:t>Menus</a:t>
-            </a:r>
-          </a:p>
-          <a:p>
-            <a:pPr>
-              <a:buFont typeface="Courier New" panose="02070309020205020404" pitchFamily="49" charset="0"/>
-              <a:buChar char="o"/>
-            </a:pPr>
-            <a:r>
-              <a:rPr lang="en-US" dirty="0" smtClean="0"/>
-              <a:t>HUD</a:t>
-            </a:r>
-          </a:p>
-          <a:p>
-            <a:pPr>
-              <a:buFont typeface="Courier New" panose="02070309020205020404" pitchFamily="49" charset="0"/>
-              <a:buChar char="o"/>
-            </a:pPr>
-            <a:r>
-              <a:rPr lang="en-US" dirty="0" smtClean="0"/>
-              <a:t>Brightness</a:t>
-            </a:r>
-          </a:p>
-          <a:p>
-            <a:pPr lvl="1">
-              <a:buFont typeface="Courier New" panose="02070309020205020404" pitchFamily="49" charset="0"/>
-              <a:buChar char="o"/>
-            </a:pPr>
-            <a:r>
-              <a:rPr lang="en-US" dirty="0" smtClean="0"/>
-              <a:t>70% - 130%</a:t>
-            </a:r>
-            <a:endParaRPr lang="en-US" dirty="0"/>
-          </a:p>
-          <a:p>
-            <a:pPr>
-              <a:buFont typeface="Courier New" panose="02070309020205020404" pitchFamily="49" charset="0"/>
-              <a:buChar char="o"/>
-            </a:pPr>
-            <a:r>
-              <a:rPr lang="en-US" dirty="0" smtClean="0"/>
-              <a:t>Resolution</a:t>
-            </a:r>
-          </a:p>
-          <a:p>
-            <a:pPr lvl="1">
-              <a:buFont typeface="Courier New" panose="02070309020205020404" pitchFamily="49" charset="0"/>
-              <a:buChar char="o"/>
-            </a:pPr>
-            <a:r>
-              <a:rPr lang="en-US" dirty="0" smtClean="0"/>
-              <a:t>16:9 Support</a:t>
-            </a:r>
-          </a:p>
-          <a:p>
-            <a:pPr>
-              <a:buFont typeface="Courier New" panose="02070309020205020404" pitchFamily="49" charset="0"/>
-              <a:buChar char="o"/>
-            </a:pPr>
-            <a:r>
-              <a:rPr lang="en-US" dirty="0" smtClean="0"/>
-              <a:t>Graphics</a:t>
-            </a:r>
-          </a:p>
-          <a:p>
-            <a:pPr lvl="1">
-              <a:buFont typeface="Courier New" panose="02070309020205020404" pitchFamily="49" charset="0"/>
-              <a:buChar char="o"/>
-            </a:pPr>
-            <a:r>
-              <a:rPr lang="en-US" dirty="0" smtClean="0"/>
-              <a:t>Low-High</a:t>
-            </a:r>
-          </a:p>
-        </p:txBody>
-      </p:sp>
-      <p:pic>
-        <p:nvPicPr>
-          <p:cNvPr id="5" name="Picture 4"/>
-          <p:cNvPicPr/>
-          <p:nvPr/>
-        </p:nvPicPr>
-        <p:blipFill rotWithShape="1">
-          <a:blip r:embed="rId2" cstate="print">
-            <a:extLst>
-              <a:ext uri="{28A0092B-C50C-407E-A947-70E740481C1C}">
-                <a14:useLocalDpi xmlns:a14="http://schemas.microsoft.com/office/drawing/2010/main" val="0"/>
-              </a:ext>
-            </a:extLst>
-          </a:blip>
-          <a:srcRect l="481" t="12250" r="21795" b="21938"/>
-          <a:stretch/>
-        </p:blipFill>
-        <p:spPr bwMode="auto">
-          <a:xfrm>
-            <a:off x="4044876" y="2008709"/>
-            <a:ext cx="7110804" cy="3697410"/>
-          </a:xfrm>
-          <a:prstGeom prst="rect">
-            <a:avLst/>
-          </a:prstGeom>
-          <a:ln>
-            <a:noFill/>
-          </a:ln>
-          <a:extLst>
-            <a:ext uri="{53640926-AAD7-44D8-BBD7-CCE9431645EC}">
-              <a14:shadowObscured xmlns:a14="http://schemas.microsoft.com/office/drawing/2010/main"/>
-            </a:ext>
-          </a:extLst>
-        </p:spPr>
-      </p:pic>
-      <p:pic>
-        <p:nvPicPr>
-          <p:cNvPr id="6" name="Picture 5"/>
-          <p:cNvPicPr>
-            <a:picLocks noChangeAspect="1"/>
-          </p:cNvPicPr>
-          <p:nvPr/>
-        </p:nvPicPr>
-        <p:blipFill>
-          <a:blip r:embed="rId3">
-            <a:extLst>
-              <a:ext uri="{28A0092B-C50C-407E-A947-70E740481C1C}">
-                <a14:useLocalDpi xmlns:a14="http://schemas.microsoft.com/office/drawing/2010/main" val="0"/>
-              </a:ext>
-            </a:extLst>
-          </a:blip>
-          <a:stretch>
-            <a:fillRect/>
-          </a:stretch>
-        </p:blipFill>
-        <p:spPr>
-          <a:xfrm>
-            <a:off x="9181129" y="0"/>
-            <a:ext cx="1245512" cy="1721852"/>
-          </a:xfrm>
-          <a:prstGeom prst="roundRect">
-            <a:avLst>
-              <a:gd name="adj" fmla="val 8594"/>
-            </a:avLst>
-          </a:prstGeom>
-          <a:solidFill>
-            <a:srgbClr val="FFFFFF">
-              <a:shade val="85000"/>
-            </a:srgbClr>
-          </a:solidFill>
-          <a:ln>
-            <a:noFill/>
-          </a:ln>
-          <a:effectLst>
-            <a:reflection blurRad="12700" stA="38000" endPos="28000" dist="5000" dir="5400000" sy="-100000" algn="bl" rotWithShape="0"/>
-          </a:effectLst>
-        </p:spPr>
-      </p:pic>
-    </p:spTree>
-    <p:extLst>
-      <p:ext uri="{BB962C8B-B14F-4D97-AF65-F5344CB8AC3E}">
-        <p14:creationId xmlns:p14="http://schemas.microsoft.com/office/powerpoint/2010/main" val="399732649"/>
-      </p:ext>
-    </p:extLst>
-  </p:cSld>
-  <p:clrMapOvr>
-    <a:masterClrMapping/>
-  </p:clrMapOvr>
-  <p:timing>
-    <p:tnLst>
-      <p:par>
-        <p:cTn id="1" dur="indefinite" restart="never" nodeType="tmRoot"/>
-      </p:par>
-    </p:tnLst>
-  </p:timing>
-</p:sld>
-</file>
-
-<file path=ppt/slides/slide5.xml><?xml version="1.0" encoding="utf-8"?>
-<p:sld xmlns:a="http://schemas.openxmlformats.org/drawingml/2006/main" xmlns:r="http://schemas.openxmlformats.org/officeDocument/2006/relationships" xmlns:p="http://schemas.openxmlformats.org/presentationml/2006/main">
-  <p:cSld>
-    <p:spTree>
-      <p:nvGrpSpPr>
-        <p:cNvPr id="1" name=""/>
-        <p:cNvGrpSpPr/>
-        <p:nvPr/>
-      </p:nvGrpSpPr>
-      <p:grpSpPr>
-        <a:xfrm>
-          <a:off x="0" y="0"/>
-          <a:ext cx="0" cy="0"/>
-          <a:chOff x="0" y="0"/>
-          <a:chExt cx="0" cy="0"/>
-        </a:xfrm>
-      </p:grpSpPr>
-      <p:sp>
-        <p:nvSpPr>
-          <p:cNvPr id="2" name="Title 1"/>
-          <p:cNvSpPr>
-            <a:spLocks noGrp="1"/>
-          </p:cNvSpPr>
-          <p:nvPr>
-            <p:ph type="title"/>
-          </p:nvPr>
-        </p:nvSpPr>
-        <p:spPr>
-          <a:xfrm>
-            <a:off x="457200" y="594359"/>
-            <a:ext cx="3200400" cy="1178294"/>
-          </a:xfrm>
-        </p:spPr>
-        <p:txBody>
-          <a:bodyPr/>
-          <a:lstStyle/>
-          <a:p>
-            <a:r>
-              <a:rPr lang="en-US" dirty="0" smtClean="0"/>
-              <a:t>Main Menu </a:t>
-            </a:r>
-            <a:br>
-              <a:rPr lang="en-US" dirty="0" smtClean="0"/>
-            </a:br>
-            <a:r>
-              <a:rPr lang="en-US" dirty="0" smtClean="0"/>
-              <a:t>Flow Diagram</a:t>
-            </a:r>
-            <a:endParaRPr lang="en-US" dirty="0"/>
-          </a:p>
-        </p:txBody>
-      </p:sp>
-      <p:sp>
-        <p:nvSpPr>
-          <p:cNvPr id="15" name="Text Placeholder 14"/>
-          <p:cNvSpPr>
-            <a:spLocks noGrp="1"/>
-          </p:cNvSpPr>
-          <p:nvPr>
-            <p:ph type="body" sz="half" idx="2"/>
-          </p:nvPr>
-        </p:nvSpPr>
-        <p:spPr>
-          <a:xfrm>
-            <a:off x="457200" y="1852863"/>
-            <a:ext cx="3200400" cy="4452341"/>
-          </a:xfrm>
-        </p:spPr>
-        <p:txBody>
-          <a:bodyPr/>
-          <a:lstStyle/>
-          <a:p>
-            <a:pPr marL="285750" indent="-285750">
-              <a:buFont typeface="Wingdings" panose="05000000000000000000" pitchFamily="2" charset="2"/>
-              <a:buChar char="q"/>
-            </a:pPr>
-            <a:r>
-              <a:rPr lang="en-US" dirty="0" smtClean="0"/>
-              <a:t>Represent Wayne State</a:t>
-            </a:r>
-          </a:p>
-          <a:p>
-            <a:pPr marL="285750" indent="-285750">
-              <a:buFont typeface="Wingdings" panose="05000000000000000000" pitchFamily="2" charset="2"/>
-              <a:buChar char="q"/>
-            </a:pPr>
-            <a:r>
-              <a:rPr lang="en-US" dirty="0" smtClean="0"/>
-              <a:t>Simple</a:t>
-            </a:r>
-          </a:p>
-          <a:p>
-            <a:pPr marL="285750" indent="-285750">
-              <a:buFont typeface="Wingdings" panose="05000000000000000000" pitchFamily="2" charset="2"/>
-              <a:buChar char="q"/>
-            </a:pPr>
-            <a:r>
-              <a:rPr lang="en-US" dirty="0" smtClean="0"/>
-              <a:t>Intuitive Navigation</a:t>
-            </a:r>
-            <a:endParaRPr lang="en-US" dirty="0"/>
-          </a:p>
-        </p:txBody>
-      </p:sp>
-      <p:sp>
-        <p:nvSpPr>
-          <p:cNvPr id="16" name="Rectangle 6"/>
-          <p:cNvSpPr>
-            <a:spLocks noChangeArrowheads="1"/>
-          </p:cNvSpPr>
-          <p:nvPr/>
-        </p:nvSpPr>
-        <p:spPr bwMode="auto">
-          <a:xfrm>
-            <a:off x="4734889" y="594359"/>
-            <a:ext cx="13537720" cy="45719"/>
-          </a:xfrm>
-          <a:prstGeom prst="rect">
-            <a:avLst/>
-          </a:prstGeom>
-          <a:noFill/>
-          <a:ln>
-            <a:noFill/>
-          </a:ln>
-          <a:effectLst/>
-          <a:extLst>
-            <a:ext uri="{909E8E84-426E-40DD-AFC4-6F175D3DCCD1}">
-              <a14:hiddenFill xmlns:a14="http://schemas.microsoft.com/office/drawing/2010/main">
-                <a:solidFill>
-                  <a:schemeClr val="accent1"/>
-                </a:solidFill>
-              </a14:hiddenFill>
-            </a:ext>
-            <a:ext uri="{91240B29-F687-4F45-9708-019B960494DF}">
-              <a14:hiddenLine xmlns:a14="http://schemas.microsoft.com/office/drawing/2010/main" w="9525">
-                <a:solidFill>
-                  <a:schemeClr val="tx1"/>
-                </a:solidFill>
-                <a:miter lim="800000"/>
-                <a:headEnd/>
-                <a:tailEnd/>
-              </a14:hiddenLine>
-            </a:ext>
-            <a:ext uri="{AF507438-7753-43E0-B8FC-AC1667EBCBE1}">
-              <a14:hiddenEffects xmlns:a14="http://schemas.microsoft.com/office/drawing/2010/main">
-                <a:effectLst>
-                  <a:outerShdw dist="35921" dir="2700000" algn="ctr" rotWithShape="0">
-                    <a:schemeClr val="bg2"/>
-                  </a:outerShdw>
-                </a:effectLst>
-              </a14:hiddenEffects>
-            </a:ext>
-          </a:extLst>
-        </p:spPr>
-        <p:txBody>
-          <a:bodyPr vert="horz" wrap="square" lIns="91440" tIns="45720" rIns="91440" bIns="45720" numCol="1" anchor="ctr" anchorCtr="0" compatLnSpc="1">
-            <a:prstTxWarp prst="textNoShape">
-              <a:avLst/>
-            </a:prstTxWarp>
-            <a:spAutoFit/>
-          </a:bodyPr>
-          <a:lstStyle/>
-          <a:p>
-            <a:endParaRPr lang="en-US"/>
-          </a:p>
-        </p:txBody>
-      </p:sp>
-      <p:graphicFrame>
-        <p:nvGraphicFramePr>
-          <p:cNvPr id="17" name="Object 16"/>
-          <p:cNvGraphicFramePr>
-            <a:graphicFrameLocks noChangeAspect="1"/>
-          </p:cNvGraphicFramePr>
-          <p:nvPr>
-            <p:extLst>
-              <p:ext uri="{D42A27DB-BD31-4B8C-83A1-F6EECF244321}">
-                <p14:modId xmlns:p14="http://schemas.microsoft.com/office/powerpoint/2010/main" val="4285095334"/>
-              </p:ext>
-            </p:extLst>
-          </p:nvPr>
-        </p:nvGraphicFramePr>
-        <p:xfrm>
-          <a:off x="4734889" y="490085"/>
-          <a:ext cx="6430417" cy="5922753"/>
-        </p:xfrm>
-        <a:graphic>
-          <a:graphicData uri="http://schemas.openxmlformats.org/presentationml/2006/ole">
-            <mc:AlternateContent xmlns:mc="http://schemas.openxmlformats.org/markup-compatibility/2006">
-              <mc:Choice xmlns:v="urn:schemas-microsoft-com:vml" Requires="v">
-                <p:oleObj spid="_x0000_s1034" r:id="rId3" imgW="6639011" imgH="6105658" progId="Visio.Drawing.15">
-                  <p:embed/>
-                </p:oleObj>
-              </mc:Choice>
-              <mc:Fallback>
-                <p:oleObj r:id="rId3" imgW="6639011" imgH="6105658" progId="Visio.Drawing.15">
-                  <p:embed/>
-                  <p:pic>
-                    <p:nvPicPr>
-                      <p:cNvPr id="0" name="Object 5"/>
-                      <p:cNvPicPr>
-                        <a:picLocks noChangeAspect="1" noChangeArrowheads="1"/>
-                      </p:cNvPicPr>
-                      <p:nvPr/>
-                    </p:nvPicPr>
-                    <p:blipFill>
-                      <a:blip r:embed="rId4">
-                        <a:extLst>
-                          <a:ext uri="{28A0092B-C50C-407E-A947-70E740481C1C}">
-                            <a14:useLocalDpi xmlns:a14="http://schemas.microsoft.com/office/drawing/2010/main" val="0"/>
-                          </a:ext>
-                        </a:extLst>
-                      </a:blip>
-                      <a:srcRect/>
-                      <a:stretch>
-                        <a:fillRect/>
-                      </a:stretch>
-                    </p:blipFill>
-                    <p:spPr bwMode="auto">
-                      <a:xfrm>
-                        <a:off x="4734889" y="490085"/>
-                        <a:ext cx="6430417" cy="5922753"/>
-                      </a:xfrm>
-                      <a:prstGeom prst="rect">
-                        <a:avLst/>
-                      </a:prstGeom>
-                      <a:noFill/>
-                    </p:spPr>
-                  </p:pic>
-                </p:oleObj>
-              </mc:Fallback>
-            </mc:AlternateContent>
-          </a:graphicData>
-        </a:graphic>
-      </p:graphicFrame>
-      <p:pic>
-        <p:nvPicPr>
-          <p:cNvPr id="18" name="Picture 17"/>
-          <p:cNvPicPr>
-            <a:picLocks noChangeAspect="1"/>
-          </p:cNvPicPr>
-          <p:nvPr/>
-        </p:nvPicPr>
-        <p:blipFill>
-          <a:blip r:embed="rId5">
-            <a:extLst>
-              <a:ext uri="{28A0092B-C50C-407E-A947-70E740481C1C}">
-                <a14:useLocalDpi xmlns:a14="http://schemas.microsoft.com/office/drawing/2010/main" val="0"/>
-              </a:ext>
-            </a:extLst>
-          </a:blip>
-          <a:stretch>
-            <a:fillRect/>
-          </a:stretch>
-        </p:blipFill>
-        <p:spPr>
-          <a:xfrm>
-            <a:off x="4455493" y="390031"/>
-            <a:ext cx="1121937" cy="1586950"/>
-          </a:xfrm>
-          <a:prstGeom prst="roundRect">
-            <a:avLst>
-              <a:gd name="adj" fmla="val 8594"/>
-            </a:avLst>
-          </a:prstGeom>
-          <a:solidFill>
-            <a:srgbClr val="FFFFFF">
-              <a:shade val="85000"/>
-            </a:srgbClr>
-          </a:solidFill>
-          <a:ln>
-            <a:noFill/>
-          </a:ln>
-          <a:effectLst>
-            <a:reflection blurRad="12700" stA="38000" endPos="28000" dist="5000" dir="5400000" sy="-100000" algn="bl" rotWithShape="0"/>
-          </a:effectLst>
-        </p:spPr>
-      </p:pic>
-    </p:spTree>
-    <p:extLst>
-      <p:ext uri="{BB962C8B-B14F-4D97-AF65-F5344CB8AC3E}">
-        <p14:creationId xmlns:p14="http://schemas.microsoft.com/office/powerpoint/2010/main" val="22143993"/>
-      </p:ext>
-    </p:extLst>
-  </p:cSld>
-  <p:clrMapOvr>
-    <a:masterClrMapping/>
-  </p:clrMapOvr>
-  <p:timing>
-    <p:tnLst>
-      <p:par>
-        <p:cTn id="1" dur="indefinite" restart="never" nodeType="tmRoot"/>
-      </p:par>
-    </p:tnLst>
-  </p:timing>
-</p:sld>
-</file>
-
-<file path=ppt/slides/slide6.xml><?xml version="1.0" encoding="utf-8"?>
-<p:sld xmlns:a="http://schemas.openxmlformats.org/drawingml/2006/main" xmlns:r="http://schemas.openxmlformats.org/officeDocument/2006/relationships" xmlns:p="http://schemas.openxmlformats.org/presentationml/2006/main">
-  <p:cSld>
-    <p:spTree>
-      <p:nvGrpSpPr>
-        <p:cNvPr id="1" name=""/>
-        <p:cNvGrpSpPr/>
-        <p:nvPr/>
-      </p:nvGrpSpPr>
-      <p:grpSpPr>
-        <a:xfrm>
-          <a:off x="0" y="0"/>
-          <a:ext cx="0" cy="0"/>
-          <a:chOff x="0" y="0"/>
-          <a:chExt cx="0" cy="0"/>
-        </a:xfrm>
-      </p:grpSpPr>
-      <p:sp>
-        <p:nvSpPr>
-          <p:cNvPr id="5" name="Title 4"/>
-          <p:cNvSpPr>
-            <a:spLocks noGrp="1"/>
-          </p:cNvSpPr>
-          <p:nvPr>
-            <p:ph type="title"/>
-          </p:nvPr>
-        </p:nvSpPr>
-        <p:spPr>
-          <a:xfrm>
-            <a:off x="457200" y="594359"/>
-            <a:ext cx="3200400" cy="749887"/>
-          </a:xfrm>
-        </p:spPr>
-        <p:txBody>
-          <a:bodyPr>
-            <a:normAutofit/>
-          </a:bodyPr>
-          <a:lstStyle/>
-          <a:p>
-            <a:pPr algn="ctr"/>
-            <a:r>
-              <a:rPr lang="en-US" sz="4800" dirty="0" smtClean="0"/>
-              <a:t>Art &amp; Video</a:t>
-            </a:r>
-            <a:endParaRPr lang="en-US" sz="4800" dirty="0"/>
-          </a:p>
-        </p:txBody>
-      </p:sp>
-      <p:sp>
-        <p:nvSpPr>
-          <p:cNvPr id="7" name="Text Placeholder 6"/>
-          <p:cNvSpPr>
-            <a:spLocks noGrp="1"/>
-          </p:cNvSpPr>
-          <p:nvPr>
-            <p:ph type="body" sz="half" idx="2"/>
-          </p:nvPr>
-        </p:nvSpPr>
-        <p:spPr>
-          <a:xfrm>
-            <a:off x="457200" y="1414585"/>
-            <a:ext cx="3200400" cy="4890619"/>
-          </a:xfrm>
-        </p:spPr>
-        <p:txBody>
-          <a:bodyPr>
-            <a:normAutofit/>
-          </a:bodyPr>
-          <a:lstStyle/>
-          <a:p>
-            <a:pPr marL="457200" indent="-457200">
-              <a:buFont typeface="Wingdings" panose="05000000000000000000" pitchFamily="2" charset="2"/>
-              <a:buChar char="q"/>
-            </a:pPr>
-            <a:r>
-              <a:rPr lang="en-US" sz="2800" dirty="0" smtClean="0"/>
-              <a:t>Terrain</a:t>
-            </a:r>
-          </a:p>
-          <a:p>
-            <a:pPr marL="457200" indent="-457200">
-              <a:buFont typeface="Wingdings" panose="05000000000000000000" pitchFamily="2" charset="2"/>
-              <a:buChar char="q"/>
-            </a:pPr>
-            <a:r>
-              <a:rPr lang="en-US" sz="2800" dirty="0" smtClean="0"/>
-              <a:t>Game Play Elements</a:t>
-            </a:r>
-          </a:p>
-          <a:p>
-            <a:pPr marL="457200" indent="-457200">
-              <a:buFont typeface="Wingdings" panose="05000000000000000000" pitchFamily="2" charset="2"/>
-              <a:buChar char="q"/>
-            </a:pPr>
-            <a:r>
-              <a:rPr lang="en-US" sz="2800" dirty="0" smtClean="0"/>
-              <a:t>Special Effects</a:t>
-            </a:r>
-          </a:p>
-          <a:p>
-            <a:pPr marL="457200" indent="-457200">
-              <a:buFont typeface="Wingdings" panose="05000000000000000000" pitchFamily="2" charset="2"/>
-              <a:buChar char="q"/>
-            </a:pPr>
-            <a:r>
-              <a:rPr lang="en-US" sz="2800" dirty="0" smtClean="0"/>
-              <a:t>Marketing and Packaging Art</a:t>
-            </a:r>
-          </a:p>
-        </p:txBody>
-      </p:sp>
-      <p:pic>
-        <p:nvPicPr>
-          <p:cNvPr id="6" name="Picture 5"/>
-          <p:cNvPicPr/>
-          <p:nvPr/>
-        </p:nvPicPr>
-        <p:blipFill rotWithShape="1">
-          <a:blip r:embed="rId2">
-            <a:extLst>
-              <a:ext uri="{28A0092B-C50C-407E-A947-70E740481C1C}">
-                <a14:useLocalDpi xmlns:a14="http://schemas.microsoft.com/office/drawing/2010/main" val="0"/>
-              </a:ext>
-            </a:extLst>
-          </a:blip>
-          <a:srcRect l="47795" t="15453" r="40186" b="41545"/>
-          <a:stretch/>
-        </p:blipFill>
-        <p:spPr bwMode="auto">
-          <a:xfrm>
-            <a:off x="5453380" y="1291319"/>
-            <a:ext cx="1275715" cy="2568575"/>
-          </a:xfrm>
-          <a:prstGeom prst="roundRect">
-            <a:avLst>
-              <a:gd name="adj" fmla="val 8594"/>
-            </a:avLst>
-          </a:prstGeom>
-          <a:solidFill>
-            <a:srgbClr val="FFFFFF">
-              <a:shade val="85000"/>
-            </a:srgbClr>
-          </a:solidFill>
-          <a:ln>
-            <a:noFill/>
-          </a:ln>
-          <a:effectLst>
-            <a:reflection blurRad="12700" stA="38000" endPos="28000" dist="5000" dir="5400000" sy="-100000" algn="bl" rotWithShape="0"/>
-          </a:effectLst>
-          <a:extLst>
-            <a:ext uri="{53640926-AAD7-44D8-BBD7-CCE9431645EC}">
-              <a14:shadowObscured xmlns:a14="http://schemas.microsoft.com/office/drawing/2010/main"/>
-            </a:ext>
-          </a:extLst>
-        </p:spPr>
-      </p:pic>
-      <p:pic>
-        <p:nvPicPr>
-          <p:cNvPr id="9" name="Picture 8"/>
-          <p:cNvPicPr/>
-          <p:nvPr/>
-        </p:nvPicPr>
-        <p:blipFill rotWithShape="1">
-          <a:blip r:embed="rId3">
-            <a:extLst>
-              <a:ext uri="{28A0092B-C50C-407E-A947-70E740481C1C}">
-                <a14:useLocalDpi xmlns:a14="http://schemas.microsoft.com/office/drawing/2010/main" val="0"/>
-              </a:ext>
-            </a:extLst>
-          </a:blip>
-          <a:srcRect l="26923" t="34188" r="15064" b="41880"/>
-          <a:stretch/>
-        </p:blipFill>
-        <p:spPr bwMode="auto">
-          <a:xfrm>
-            <a:off x="5453380" y="4989513"/>
-            <a:ext cx="5417820" cy="1257300"/>
-          </a:xfrm>
-          <a:prstGeom prst="roundRect">
-            <a:avLst>
-              <a:gd name="adj" fmla="val 8594"/>
-            </a:avLst>
-          </a:prstGeom>
-          <a:solidFill>
-            <a:srgbClr val="FFFFFF">
-              <a:shade val="85000"/>
-            </a:srgbClr>
-          </a:solidFill>
-          <a:ln>
-            <a:noFill/>
-          </a:ln>
-          <a:effectLst>
-            <a:reflection blurRad="12700" stA="38000" endPos="28000" dist="5000" dir="5400000" sy="-100000" algn="bl" rotWithShape="0"/>
-          </a:effectLst>
-          <a:extLst>
-            <a:ext uri="{53640926-AAD7-44D8-BBD7-CCE9431645EC}">
-              <a14:shadowObscured xmlns:a14="http://schemas.microsoft.com/office/drawing/2010/main"/>
-            </a:ext>
-          </a:extLst>
-        </p:spPr>
-      </p:pic>
-      <p:pic>
-        <p:nvPicPr>
-          <p:cNvPr id="10" name="Picture 9"/>
-          <p:cNvPicPr/>
-          <p:nvPr/>
-        </p:nvPicPr>
-        <p:blipFill rotWithShape="1">
-          <a:blip r:embed="rId4" cstate="print">
-            <a:extLst>
-              <a:ext uri="{28A0092B-C50C-407E-A947-70E740481C1C}">
-                <a14:useLocalDpi xmlns:a14="http://schemas.microsoft.com/office/drawing/2010/main" val="0"/>
-              </a:ext>
-            </a:extLst>
-          </a:blip>
-          <a:srcRect l="50481" t="8548" r="27244" b="51851"/>
-          <a:stretch/>
-        </p:blipFill>
-        <p:spPr bwMode="auto">
-          <a:xfrm>
-            <a:off x="8323200" y="1291319"/>
-            <a:ext cx="2501046" cy="2568575"/>
-          </a:xfrm>
-          <a:prstGeom prst="roundRect">
-            <a:avLst>
-              <a:gd name="adj" fmla="val 8594"/>
-            </a:avLst>
-          </a:prstGeom>
-          <a:solidFill>
-            <a:srgbClr val="FFFFFF">
-              <a:shade val="85000"/>
-            </a:srgbClr>
-          </a:solidFill>
-          <a:ln>
-            <a:noFill/>
-          </a:ln>
-          <a:effectLst>
-            <a:reflection blurRad="12700" stA="38000" endPos="28000" dist="5000" dir="5400000" sy="-100000" algn="bl" rotWithShape="0"/>
-          </a:effectLst>
-          <a:extLst>
-            <a:ext uri="{53640926-AAD7-44D8-BBD7-CCE9431645EC}">
-              <a14:shadowObscured xmlns:a14="http://schemas.microsoft.com/office/drawing/2010/main"/>
-            </a:ext>
-          </a:extLst>
-        </p:spPr>
-      </p:pic>
-      <p:pic>
-        <p:nvPicPr>
-          <p:cNvPr id="12" name="Picture 11"/>
-          <p:cNvPicPr/>
-          <p:nvPr/>
-        </p:nvPicPr>
-        <p:blipFill>
-          <a:blip r:embed="rId5">
-            <a:extLst>
-              <a:ext uri="{28A0092B-C50C-407E-A947-70E740481C1C}">
-                <a14:useLocalDpi xmlns:a14="http://schemas.microsoft.com/office/drawing/2010/main" val="0"/>
-              </a:ext>
-            </a:extLst>
-          </a:blip>
-          <a:stretch>
-            <a:fillRect/>
-          </a:stretch>
-        </p:blipFill>
-        <p:spPr>
-          <a:xfrm>
-            <a:off x="1537188" y="4989513"/>
-            <a:ext cx="723900" cy="942975"/>
-          </a:xfrm>
-          <a:prstGeom prst="rect">
-            <a:avLst/>
-          </a:prstGeom>
-          <a:ln w="228600" cap="sq" cmpd="thickThin">
-            <a:solidFill>
-              <a:schemeClr val="accent2">
-                <a:lumMod val="75000"/>
-              </a:schemeClr>
-            </a:solidFill>
-            <a:prstDash val="solid"/>
-            <a:miter lim="800000"/>
-          </a:ln>
-          <a:effectLst>
-            <a:innerShdw blurRad="76200">
-              <a:srgbClr val="000000"/>
-            </a:innerShdw>
-          </a:effectLst>
-        </p:spPr>
-      </p:pic>
-      <p:sp>
-        <p:nvSpPr>
-          <p:cNvPr id="15" name="Rectangle 14"/>
-          <p:cNvSpPr/>
-          <p:nvPr/>
-        </p:nvSpPr>
-        <p:spPr>
-          <a:xfrm>
-            <a:off x="6836606" y="4020050"/>
-            <a:ext cx="2260501" cy="916911"/>
-          </a:xfrm>
-          <a:prstGeom prst="rect">
-            <a:avLst/>
-          </a:prstGeom>
-          <a:noFill/>
-        </p:spPr>
-        <p:txBody>
-          <a:bodyPr wrap="square" lIns="91440" tIns="45720" rIns="91440" bIns="45720">
-            <a:spAutoFit/>
-          </a:bodyPr>
-          <a:lstStyle/>
-          <a:p>
-            <a:pPr algn="ctr"/>
-            <a:r>
-              <a:rPr lang="en-US" sz="5400" b="1" cap="none" spc="0" dirty="0" smtClean="0">
-                <a:ln w="13462">
-                  <a:solidFill>
-                    <a:schemeClr val="bg1"/>
-                  </a:solidFill>
-                  <a:prstDash val="solid"/>
-                </a:ln>
-                <a:solidFill>
-                  <a:schemeClr val="tx1">
-                    <a:lumMod val="85000"/>
-                    <a:lumOff val="15000"/>
-                  </a:schemeClr>
-                </a:solidFill>
-                <a:effectLst>
-                  <a:outerShdw dist="38100" dir="2700000" algn="bl" rotWithShape="0">
-                    <a:schemeClr val="accent5"/>
-                  </a:outerShdw>
-                </a:effectLst>
-              </a:rPr>
-              <a:t>Puzzles</a:t>
-            </a:r>
-            <a:endParaRPr lang="en-US" sz="5400" b="1" cap="none" spc="0" dirty="0">
-              <a:ln w="13462">
-                <a:solidFill>
-                  <a:schemeClr val="bg1"/>
-                </a:solidFill>
-                <a:prstDash val="solid"/>
-              </a:ln>
-              <a:solidFill>
-                <a:schemeClr val="tx1">
-                  <a:lumMod val="85000"/>
-                  <a:lumOff val="15000"/>
-                </a:schemeClr>
-              </a:solidFill>
-              <a:effectLst>
-                <a:outerShdw dist="38100" dir="2700000" algn="bl" rotWithShape="0">
-                  <a:schemeClr val="accent5"/>
-                </a:outerShdw>
-              </a:effectLst>
-            </a:endParaRPr>
-          </a:p>
-        </p:txBody>
-      </p:sp>
-      <p:sp>
-        <p:nvSpPr>
-          <p:cNvPr id="16" name="Rectangle 15"/>
-          <p:cNvSpPr/>
-          <p:nvPr/>
-        </p:nvSpPr>
-        <p:spPr>
-          <a:xfrm>
-            <a:off x="6547570" y="315437"/>
-            <a:ext cx="2947987" cy="923330"/>
-          </a:xfrm>
-          <a:prstGeom prst="rect">
-            <a:avLst/>
-          </a:prstGeom>
-          <a:noFill/>
-        </p:spPr>
-        <p:txBody>
-          <a:bodyPr wrap="none" lIns="91440" tIns="45720" rIns="91440" bIns="45720">
-            <a:spAutoFit/>
-          </a:bodyPr>
-          <a:lstStyle/>
-          <a:p>
-            <a:pPr algn="ctr"/>
-            <a:r>
-              <a:rPr lang="en-US" sz="5400" b="1" cap="none" spc="0" dirty="0" smtClean="0">
-                <a:ln w="13462">
-                  <a:solidFill>
-                    <a:schemeClr val="bg1"/>
-                  </a:solidFill>
-                  <a:prstDash val="solid"/>
-                </a:ln>
-                <a:solidFill>
-                  <a:schemeClr val="tx1">
-                    <a:lumMod val="85000"/>
-                    <a:lumOff val="15000"/>
-                  </a:schemeClr>
-                </a:solidFill>
-                <a:effectLst>
-                  <a:outerShdw dist="38100" dir="2700000" algn="bl" rotWithShape="0">
-                    <a:schemeClr val="accent5"/>
-                  </a:outerShdw>
-                </a:effectLst>
-              </a:rPr>
-              <a:t>Obstacles</a:t>
-            </a:r>
-          </a:p>
-        </p:txBody>
-      </p:sp>
-    </p:spTree>
-    <p:extLst>
-      <p:ext uri="{BB962C8B-B14F-4D97-AF65-F5344CB8AC3E}">
-        <p14:creationId xmlns:p14="http://schemas.microsoft.com/office/powerpoint/2010/main" val="2279057902"/>
-      </p:ext>
-    </p:extLst>
-  </p:cSld>
-  <p:clrMapOvr>
-    <a:masterClrMapping/>
-  </p:clrMapOvr>
-  <p:timing>
-    <p:tnLst>
-      <p:par>
-        <p:cTn id="1" dur="indefinite" restart="never" nodeType="tmRoot"/>
-      </p:par>
-    </p:tnLst>
-  </p:timing>
-</p:sld>
-</file>
-
-<file path=ppt/slides/slide7.xml><?xml version="1.0" encoding="utf-8"?>
-<p:sld xmlns:a="http://schemas.openxmlformats.org/drawingml/2006/main" xmlns:r="http://schemas.openxmlformats.org/officeDocument/2006/relationships" xmlns:p="http://schemas.openxmlformats.org/presentationml/2006/main">
-  <p:cSld>
-    <p:spTree>
-      <p:nvGrpSpPr>
-        <p:cNvPr id="1" name=""/>
-        <p:cNvGrpSpPr/>
-        <p:nvPr/>
-      </p:nvGrpSpPr>
-      <p:grpSpPr>
-        <a:xfrm>
-          <a:off x="0" y="0"/>
-          <a:ext cx="0" cy="0"/>
-          <a:chOff x="0" y="0"/>
-          <a:chExt cx="0" cy="0"/>
-        </a:xfrm>
-      </p:grpSpPr>
-      <p:sp>
-        <p:nvSpPr>
-          <p:cNvPr id="2" name="Title 1"/>
-          <p:cNvSpPr>
-            <a:spLocks noGrp="1"/>
-          </p:cNvSpPr>
-          <p:nvPr>
-            <p:ph type="title"/>
-          </p:nvPr>
-        </p:nvSpPr>
-        <p:spPr/>
-        <p:txBody>
-          <a:bodyPr/>
-          <a:lstStyle/>
-          <a:p>
-            <a:r>
-              <a:rPr lang="en-US" dirty="0" smtClean="0"/>
-              <a:t>Sound and Music</a:t>
-            </a:r>
-            <a:endParaRPr lang="en-US" dirty="0"/>
-          </a:p>
-        </p:txBody>
-      </p:sp>
-      <p:sp>
-        <p:nvSpPr>
-          <p:cNvPr id="3" name="Content Placeholder 2"/>
-          <p:cNvSpPr>
-            <a:spLocks noGrp="1"/>
-          </p:cNvSpPr>
-          <p:nvPr>
-            <p:ph sz="half" idx="1"/>
-          </p:nvPr>
-        </p:nvSpPr>
-        <p:spPr/>
-        <p:txBody>
-          <a:bodyPr>
-            <a:normAutofit/>
-          </a:bodyPr>
-          <a:lstStyle/>
-          <a:p>
-            <a:pPr>
-              <a:buFont typeface="Courier New" panose="02070309020205020404" pitchFamily="49" charset="0"/>
-              <a:buChar char="o"/>
-            </a:pPr>
-            <a:r>
-              <a:rPr lang="en-US" sz="2800" dirty="0" smtClean="0"/>
-              <a:t>Music</a:t>
-            </a:r>
-          </a:p>
-          <a:p>
-            <a:pPr lvl="1">
-              <a:buFont typeface="Courier New" panose="02070309020205020404" pitchFamily="49" charset="0"/>
-              <a:buChar char="o"/>
-            </a:pPr>
-            <a:r>
-              <a:rPr lang="en-US" sz="2600" dirty="0" smtClean="0"/>
-              <a:t>Ambiance</a:t>
-            </a:r>
-          </a:p>
-          <a:p>
-            <a:pPr lvl="1">
-              <a:buFont typeface="Courier New" panose="02070309020205020404" pitchFamily="49" charset="0"/>
-              <a:buChar char="o"/>
-            </a:pPr>
-            <a:r>
-              <a:rPr lang="en-US" sz="2600" dirty="0" smtClean="0"/>
-              <a:t>Combat</a:t>
-            </a:r>
-          </a:p>
-          <a:p>
-            <a:pPr lvl="1">
-              <a:buFont typeface="Courier New" panose="02070309020205020404" pitchFamily="49" charset="0"/>
-              <a:buChar char="o"/>
-            </a:pPr>
-            <a:r>
-              <a:rPr lang="en-US" sz="2600" dirty="0" smtClean="0"/>
-              <a:t>Menu</a:t>
-            </a:r>
-          </a:p>
-          <a:p>
-            <a:pPr>
-              <a:buFont typeface="Courier New" panose="02070309020205020404" pitchFamily="49" charset="0"/>
-              <a:buChar char="o"/>
-            </a:pPr>
-            <a:r>
-              <a:rPr lang="en-US" sz="2800" dirty="0" smtClean="0"/>
-              <a:t>Sounds with animations</a:t>
-            </a:r>
-          </a:p>
-          <a:p>
-            <a:pPr>
-              <a:buFont typeface="Courier New" panose="02070309020205020404" pitchFamily="49" charset="0"/>
-              <a:buChar char="o"/>
-            </a:pPr>
-            <a:r>
-              <a:rPr lang="en-US" sz="2800" dirty="0" smtClean="0"/>
-              <a:t>Sounds with particles</a:t>
-            </a:r>
-          </a:p>
-          <a:p>
-            <a:pPr>
-              <a:buFont typeface="Courier New" panose="02070309020205020404" pitchFamily="49" charset="0"/>
-              <a:buChar char="o"/>
-            </a:pPr>
-            <a:r>
-              <a:rPr lang="en-US" sz="2800" dirty="0" smtClean="0"/>
-              <a:t>Grunts</a:t>
-            </a:r>
-            <a:endParaRPr lang="en-US" sz="2800" dirty="0"/>
-          </a:p>
-        </p:txBody>
-      </p:sp>
-      <p:sp>
-        <p:nvSpPr>
-          <p:cNvPr id="6" name="Rectangle 2"/>
-          <p:cNvSpPr>
-            <a:spLocks noChangeArrowheads="1"/>
-          </p:cNvSpPr>
-          <p:nvPr/>
-        </p:nvSpPr>
-        <p:spPr bwMode="auto">
-          <a:xfrm>
-            <a:off x="5221605" y="1594339"/>
-            <a:ext cx="12192000" cy="0"/>
-          </a:xfrm>
-          <a:prstGeom prst="rect">
-            <a:avLst/>
-          </a:prstGeom>
-          <a:noFill/>
-          <a:ln>
-            <a:noFill/>
-          </a:ln>
-          <a:effectLst/>
-          <a:extLst>
-            <a:ext uri="{909E8E84-426E-40DD-AFC4-6F175D3DCCD1}">
-              <a14:hiddenFill xmlns:a14="http://schemas.microsoft.com/office/drawing/2010/main">
-                <a:solidFill>
-                  <a:schemeClr val="accent1"/>
-                </a:solidFill>
-              </a14:hiddenFill>
-            </a:ext>
-            <a:ext uri="{91240B29-F687-4F45-9708-019B960494DF}">
-              <a14:hiddenLine xmlns:a14="http://schemas.microsoft.com/office/drawing/2010/main" w="9525">
-                <a:solidFill>
-                  <a:schemeClr val="tx1"/>
-                </a:solidFill>
-                <a:miter lim="800000"/>
-                <a:headEnd/>
-                <a:tailEnd/>
-              </a14:hiddenLine>
-            </a:ext>
-            <a:ext uri="{AF507438-7753-43E0-B8FC-AC1667EBCBE1}">
-              <a14:hiddenEffects xmlns:a14="http://schemas.microsoft.com/office/drawing/2010/main">
-                <a:effectLst>
-                  <a:outerShdw dist="35921" dir="2700000" algn="ctr" rotWithShape="0">
-                    <a:schemeClr val="bg2"/>
-                  </a:outerShdw>
-                </a:effectLst>
-              </a14:hiddenEffects>
-            </a:ext>
-          </a:extLst>
-        </p:spPr>
-        <p:txBody>
-          <a:bodyPr vert="horz" wrap="none" lIns="91440" tIns="45720" rIns="91440" bIns="45720" numCol="1" anchor="ctr" anchorCtr="0" compatLnSpc="1">
-            <a:prstTxWarp prst="textNoShape">
-              <a:avLst/>
-            </a:prstTxWarp>
-            <a:spAutoFit/>
-          </a:bodyPr>
-          <a:lstStyle/>
-          <a:p>
-            <a:endParaRPr lang="en-US"/>
-          </a:p>
-        </p:txBody>
-      </p:sp>
-      <p:graphicFrame>
-        <p:nvGraphicFramePr>
-          <p:cNvPr id="7" name="Object 6"/>
-          <p:cNvGraphicFramePr>
-            <a:graphicFrameLocks noChangeAspect="1"/>
-          </p:cNvGraphicFramePr>
-          <p:nvPr>
-            <p:extLst>
-              <p:ext uri="{D42A27DB-BD31-4B8C-83A1-F6EECF244321}">
-                <p14:modId xmlns:p14="http://schemas.microsoft.com/office/powerpoint/2010/main" val="1538604697"/>
-              </p:ext>
-            </p:extLst>
-          </p:nvPr>
-        </p:nvGraphicFramePr>
-        <p:xfrm>
-          <a:off x="5221605" y="1594339"/>
-          <a:ext cx="5934075" cy="4543425"/>
-        </p:xfrm>
-        <a:graphic>
-          <a:graphicData uri="http://schemas.openxmlformats.org/presentationml/2006/ole">
-            <mc:AlternateContent xmlns:mc="http://schemas.openxmlformats.org/markup-compatibility/2006">
-              <mc:Choice xmlns:v="urn:schemas-microsoft-com:vml" Requires="v">
-                <p:oleObj spid="_x0000_s6150" r:id="rId3" imgW="8886746" imgH="6800930" progId="Visio.Drawing.15">
-                  <p:embed/>
-                </p:oleObj>
-              </mc:Choice>
-              <mc:Fallback>
-                <p:oleObj r:id="rId3" imgW="8886746" imgH="6800930" progId="Visio.Drawing.15">
-                  <p:embed/>
-                  <p:pic>
-                    <p:nvPicPr>
-                      <p:cNvPr id="0" name="Object 1"/>
-                      <p:cNvPicPr>
-                        <a:picLocks noChangeAspect="1" noChangeArrowheads="1"/>
-                      </p:cNvPicPr>
-                      <p:nvPr/>
-                    </p:nvPicPr>
-                    <p:blipFill>
-                      <a:blip r:embed="rId4">
-                        <a:extLst>
-                          <a:ext uri="{28A0092B-C50C-407E-A947-70E740481C1C}">
-                            <a14:useLocalDpi xmlns:a14="http://schemas.microsoft.com/office/drawing/2010/main" val="0"/>
-                          </a:ext>
-                        </a:extLst>
-                      </a:blip>
-                      <a:srcRect/>
-                      <a:stretch>
-                        <a:fillRect/>
-                      </a:stretch>
-                    </p:blipFill>
-                    <p:spPr bwMode="auto">
-                      <a:xfrm>
-                        <a:off x="5221605" y="1594339"/>
-                        <a:ext cx="5934075" cy="4543425"/>
-                      </a:xfrm>
-                      <a:prstGeom prst="rect">
-                        <a:avLst/>
-                      </a:prstGeom>
-                      <a:noFill/>
-                    </p:spPr>
-                  </p:pic>
-                </p:oleObj>
-              </mc:Fallback>
-            </mc:AlternateContent>
-          </a:graphicData>
-        </a:graphic>
-      </p:graphicFrame>
-      <p:pic>
-        <p:nvPicPr>
-          <p:cNvPr id="9" name="Picture 8"/>
-          <p:cNvPicPr>
-            <a:picLocks noChangeAspect="1"/>
-          </p:cNvPicPr>
-          <p:nvPr/>
-        </p:nvPicPr>
-        <p:blipFill>
-          <a:blip r:embed="rId5">
-            <a:extLst>
-              <a:ext uri="{28A0092B-C50C-407E-A947-70E740481C1C}">
-                <a14:useLocalDpi xmlns:a14="http://schemas.microsoft.com/office/drawing/2010/main" val="0"/>
-              </a:ext>
-            </a:extLst>
-          </a:blip>
-          <a:stretch>
-            <a:fillRect/>
-          </a:stretch>
-        </p:blipFill>
-        <p:spPr>
-          <a:xfrm>
-            <a:off x="9593927" y="4290647"/>
-            <a:ext cx="565437" cy="679938"/>
-          </a:xfrm>
-          <a:prstGeom prst="rect">
-            <a:avLst/>
-          </a:prstGeom>
-        </p:spPr>
-      </p:pic>
-      <p:pic>
-        <p:nvPicPr>
-          <p:cNvPr id="10" name="Picture 9"/>
-          <p:cNvPicPr>
-            <a:picLocks noChangeAspect="1"/>
-          </p:cNvPicPr>
-          <p:nvPr/>
-        </p:nvPicPr>
-        <p:blipFill>
-          <a:blip r:embed="rId6">
-            <a:extLst>
-              <a:ext uri="{28A0092B-C50C-407E-A947-70E740481C1C}">
-                <a14:useLocalDpi xmlns:a14="http://schemas.microsoft.com/office/drawing/2010/main" val="0"/>
-              </a:ext>
-            </a:extLst>
-          </a:blip>
-          <a:stretch>
-            <a:fillRect/>
-          </a:stretch>
-        </p:blipFill>
-        <p:spPr>
-          <a:xfrm flipH="1">
-            <a:off x="5384799" y="5509845"/>
-            <a:ext cx="537425" cy="761971"/>
-          </a:xfrm>
-          <a:prstGeom prst="rect">
-            <a:avLst/>
-          </a:prstGeom>
-        </p:spPr>
-      </p:pic>
-      <p:pic>
-        <p:nvPicPr>
-          <p:cNvPr id="11" name="Picture 10"/>
-          <p:cNvPicPr>
-            <a:picLocks noChangeAspect="1"/>
-          </p:cNvPicPr>
-          <p:nvPr/>
-        </p:nvPicPr>
-        <p:blipFill>
-          <a:blip r:embed="rId7">
-            <a:extLst>
-              <a:ext uri="{28A0092B-C50C-407E-A947-70E740481C1C}">
-                <a14:useLocalDpi xmlns:a14="http://schemas.microsoft.com/office/drawing/2010/main" val="0"/>
-              </a:ext>
-            </a:extLst>
-          </a:blip>
-          <a:stretch>
-            <a:fillRect/>
-          </a:stretch>
-        </p:blipFill>
-        <p:spPr>
-          <a:xfrm>
-            <a:off x="7899198" y="2378767"/>
-            <a:ext cx="471079" cy="666329"/>
-          </a:xfrm>
-          <a:prstGeom prst="rect">
-            <a:avLst/>
-          </a:prstGeom>
-        </p:spPr>
-      </p:pic>
-    </p:spTree>
-    <p:extLst>
-      <p:ext uri="{BB962C8B-B14F-4D97-AF65-F5344CB8AC3E}">
-        <p14:creationId xmlns:p14="http://schemas.microsoft.com/office/powerpoint/2010/main" val="3925709861"/>
-      </p:ext>
-    </p:extLst>
-  </p:cSld>
-  <p:clrMapOvr>
-    <a:masterClrMapping/>
-  </p:clrMapOvr>
-  <p:timing>
-    <p:tnLst>
-      <p:par>
-        <p:cTn id="1" dur="indefinite" restart="never" nodeType="tmRoot"/>
-      </p:par>
-    </p:tnLst>
-  </p:timing>
-</p:sld>
-</file>
-
-<file path=ppt/slides/slide8.xml><?xml version="1.0" encoding="utf-8"?>
-<p:sld xmlns:a="http://schemas.openxmlformats.org/drawingml/2006/main" xmlns:r="http://schemas.openxmlformats.org/officeDocument/2006/relationships" xmlns:p="http://schemas.openxmlformats.org/presentationml/2006/main">
-  <p:cSld>
-    <p:spTree>
-      <p:nvGrpSpPr>
-        <p:cNvPr id="1" name=""/>
-        <p:cNvGrpSpPr/>
-        <p:nvPr/>
-      </p:nvGrpSpPr>
-      <p:grpSpPr>
-        <a:xfrm>
-          <a:off x="0" y="0"/>
-          <a:ext cx="0" cy="0"/>
-          <a:chOff x="0" y="0"/>
-          <a:chExt cx="0" cy="0"/>
-        </a:xfrm>
-      </p:grpSpPr>
-      <p:sp>
-        <p:nvSpPr>
-          <p:cNvPr id="2" name="Title 1"/>
-          <p:cNvSpPr>
-            <a:spLocks noGrp="1"/>
-          </p:cNvSpPr>
-          <p:nvPr>
-            <p:ph type="title"/>
-          </p:nvPr>
-        </p:nvSpPr>
-        <p:spPr>
-          <a:xfrm>
-            <a:off x="457200" y="594359"/>
-            <a:ext cx="3200400" cy="694281"/>
-          </a:xfrm>
-        </p:spPr>
-        <p:txBody>
-          <a:bodyPr>
-            <a:normAutofit/>
-          </a:bodyPr>
-          <a:lstStyle/>
-          <a:p>
-            <a:r>
-              <a:rPr lang="en-US" sz="4400" dirty="0" smtClean="0"/>
-              <a:t>Characters</a:t>
-            </a:r>
-            <a:endParaRPr lang="en-US" sz="4400" dirty="0"/>
-          </a:p>
-        </p:txBody>
-      </p:sp>
-      <p:sp>
-        <p:nvSpPr>
-          <p:cNvPr id="25" name="Text Placeholder 24"/>
-          <p:cNvSpPr>
-            <a:spLocks noGrp="1"/>
-          </p:cNvSpPr>
-          <p:nvPr>
-            <p:ph type="body" sz="half" idx="2"/>
-          </p:nvPr>
-        </p:nvSpPr>
-        <p:spPr>
-          <a:xfrm>
-            <a:off x="457200" y="1415435"/>
-            <a:ext cx="3200400" cy="4889769"/>
-          </a:xfrm>
-        </p:spPr>
-        <p:txBody>
-          <a:bodyPr>
-            <a:normAutofit/>
-          </a:bodyPr>
-          <a:lstStyle/>
-          <a:p>
-            <a:pPr marL="285750" indent="-285750">
-              <a:buFont typeface="Wingdings" panose="05000000000000000000" pitchFamily="2" charset="2"/>
-              <a:buChar char="q"/>
-            </a:pPr>
-            <a:r>
-              <a:rPr lang="en-US" sz="2800" dirty="0" smtClean="0"/>
-              <a:t>Player</a:t>
-            </a:r>
-          </a:p>
-          <a:p>
-            <a:pPr marL="742950" lvl="1" indent="-285750">
-              <a:buFont typeface="Wingdings" panose="05000000000000000000" pitchFamily="2" charset="2"/>
-              <a:buChar char="q"/>
-            </a:pPr>
-            <a:r>
-              <a:rPr lang="en-US" sz="2500" dirty="0" smtClean="0">
-                <a:solidFill>
-                  <a:schemeClr val="bg1"/>
-                </a:solidFill>
-              </a:rPr>
-              <a:t>Health/Stamina</a:t>
-            </a:r>
-          </a:p>
-          <a:p>
-            <a:pPr marL="742950" lvl="1" indent="-285750">
-              <a:buFont typeface="Wingdings" panose="05000000000000000000" pitchFamily="2" charset="2"/>
-              <a:buChar char="q"/>
-            </a:pPr>
-            <a:r>
-              <a:rPr lang="en-US" sz="2500" dirty="0" smtClean="0">
-                <a:solidFill>
-                  <a:schemeClr val="bg1"/>
-                </a:solidFill>
-              </a:rPr>
-              <a:t>Animations</a:t>
-            </a:r>
-            <a:endParaRPr lang="en-US" sz="2500" dirty="0" smtClean="0">
-              <a:solidFill>
-                <a:schemeClr val="bg1"/>
-              </a:solidFill>
-            </a:endParaRPr>
-          </a:p>
-          <a:p>
-            <a:pPr marL="285750" indent="-285750">
-              <a:buFont typeface="Wingdings" panose="05000000000000000000" pitchFamily="2" charset="2"/>
-              <a:buChar char="q"/>
-            </a:pPr>
-            <a:r>
-              <a:rPr lang="en-US" sz="2800" dirty="0" smtClean="0"/>
-              <a:t>Friendly</a:t>
-            </a:r>
-          </a:p>
-          <a:p>
-            <a:pPr marL="742950" lvl="1" indent="-285750">
-              <a:buFont typeface="Wingdings" panose="05000000000000000000" pitchFamily="2" charset="2"/>
-              <a:buChar char="q"/>
-            </a:pPr>
-            <a:r>
-              <a:rPr lang="en-US" sz="2500" dirty="0" smtClean="0">
-                <a:solidFill>
-                  <a:schemeClr val="bg1"/>
-                </a:solidFill>
-              </a:rPr>
-              <a:t>Chat Bubble</a:t>
-            </a:r>
-            <a:endParaRPr lang="en-US" sz="2500" dirty="0" smtClean="0">
-              <a:solidFill>
-                <a:schemeClr val="bg1"/>
-              </a:solidFill>
-            </a:endParaRPr>
-          </a:p>
-          <a:p>
-            <a:pPr marL="285750" indent="-285750">
-              <a:buFont typeface="Wingdings" panose="05000000000000000000" pitchFamily="2" charset="2"/>
-              <a:buChar char="q"/>
-            </a:pPr>
-            <a:r>
-              <a:rPr lang="en-US" sz="2800" dirty="0" smtClean="0"/>
-              <a:t>Enemies</a:t>
-            </a:r>
-          </a:p>
-          <a:p>
-            <a:pPr marL="742950" lvl="1" indent="-285750">
-              <a:buFont typeface="Wingdings" panose="05000000000000000000" pitchFamily="2" charset="2"/>
-              <a:buChar char="q"/>
-            </a:pPr>
-            <a:r>
-              <a:rPr lang="en-US" sz="2500" dirty="0" smtClean="0">
-                <a:solidFill>
-                  <a:schemeClr val="bg1"/>
-                </a:solidFill>
-              </a:rPr>
-              <a:t>Vision Range</a:t>
-            </a:r>
-            <a:endParaRPr lang="en-US" sz="2500" dirty="0" smtClean="0">
-              <a:solidFill>
-                <a:schemeClr val="bg1"/>
-              </a:solidFill>
-            </a:endParaRPr>
-          </a:p>
-        </p:txBody>
-      </p:sp>
-      <p:sp>
-        <p:nvSpPr>
-          <p:cNvPr id="3" name="Rectangle 2"/>
-          <p:cNvSpPr>
-            <a:spLocks noChangeArrowheads="1"/>
-          </p:cNvSpPr>
-          <p:nvPr/>
-        </p:nvSpPr>
-        <p:spPr bwMode="auto">
-          <a:xfrm>
-            <a:off x="3712308" y="305771"/>
-            <a:ext cx="12046872" cy="45719"/>
-          </a:xfrm>
-          <a:prstGeom prst="rect">
-            <a:avLst/>
-          </a:prstGeom>
-          <a:noFill/>
-          <a:ln>
-            <a:noFill/>
-          </a:ln>
-          <a:effectLst/>
-          <a:extLst>
-            <a:ext uri="{909E8E84-426E-40DD-AFC4-6F175D3DCCD1}">
-              <a14:hiddenFill xmlns:a14="http://schemas.microsoft.com/office/drawing/2010/main">
-                <a:solidFill>
-                  <a:schemeClr val="accent1"/>
-                </a:solidFill>
-              </a14:hiddenFill>
-            </a:ext>
-            <a:ext uri="{91240B29-F687-4F45-9708-019B960494DF}">
-              <a14:hiddenLine xmlns:a14="http://schemas.microsoft.com/office/drawing/2010/main" w="9525">
-                <a:solidFill>
-                  <a:schemeClr val="tx1"/>
-                </a:solidFill>
-                <a:miter lim="800000"/>
-                <a:headEnd/>
-                <a:tailEnd/>
-              </a14:hiddenLine>
-            </a:ext>
-            <a:ext uri="{AF507438-7753-43E0-B8FC-AC1667EBCBE1}">
-              <a14:hiddenEffects xmlns:a14="http://schemas.microsoft.com/office/drawing/2010/main">
-                <a:effectLst>
-                  <a:outerShdw dist="35921" dir="2700000" algn="ctr" rotWithShape="0">
-                    <a:schemeClr val="bg2"/>
-                  </a:outerShdw>
-                </a:effectLst>
-              </a14:hiddenEffects>
-            </a:ext>
-          </a:extLst>
-        </p:spPr>
-        <p:txBody>
-          <a:bodyPr vert="horz" wrap="square" lIns="91440" tIns="45720" rIns="91440" bIns="45720" numCol="1" anchor="ctr" anchorCtr="0" compatLnSpc="1">
-            <a:prstTxWarp prst="textNoShape">
-              <a:avLst/>
-            </a:prstTxWarp>
-            <a:spAutoFit/>
-          </a:bodyPr>
-          <a:lstStyle/>
-          <a:p>
-            <a:endParaRPr lang="en-US"/>
-          </a:p>
-        </p:txBody>
-      </p:sp>
-      <p:graphicFrame>
-        <p:nvGraphicFramePr>
-          <p:cNvPr id="4" name="Object 3"/>
-          <p:cNvGraphicFramePr>
-            <a:graphicFrameLocks noChangeAspect="1"/>
-          </p:cNvGraphicFramePr>
-          <p:nvPr>
-            <p:extLst>
-              <p:ext uri="{D42A27DB-BD31-4B8C-83A1-F6EECF244321}">
-                <p14:modId xmlns:p14="http://schemas.microsoft.com/office/powerpoint/2010/main" val="2030080661"/>
-              </p:ext>
-            </p:extLst>
-          </p:nvPr>
-        </p:nvGraphicFramePr>
-        <p:xfrm>
-          <a:off x="3367403" y="414117"/>
-          <a:ext cx="8514560" cy="3179315"/>
-        </p:xfrm>
-        <a:graphic>
-          <a:graphicData uri="http://schemas.openxmlformats.org/presentationml/2006/ole">
-            <mc:AlternateContent xmlns:mc="http://schemas.openxmlformats.org/markup-compatibility/2006">
-              <mc:Choice xmlns:v="urn:schemas-microsoft-com:vml" Requires="v">
-                <p:oleObj spid="_x0000_s2055" r:id="rId3" imgW="9401254" imgH="7181837" progId="Visio.Drawing.15">
-                  <p:embed/>
-                </p:oleObj>
-              </mc:Choice>
-              <mc:Fallback>
-                <p:oleObj r:id="rId3" imgW="9401254" imgH="7181837" progId="Visio.Drawing.15">
-                  <p:embed/>
-                  <p:pic>
-                    <p:nvPicPr>
-                      <p:cNvPr id="0" name="Object 1"/>
-                      <p:cNvPicPr>
-                        <a:picLocks noChangeAspect="1" noChangeArrowheads="1"/>
-                      </p:cNvPicPr>
-                      <p:nvPr/>
-                    </p:nvPicPr>
-                    <p:blipFill>
-                      <a:blip r:embed="rId4">
-                        <a:extLst>
-                          <a:ext uri="{28A0092B-C50C-407E-A947-70E740481C1C}">
-                            <a14:useLocalDpi xmlns:a14="http://schemas.microsoft.com/office/drawing/2010/main" val="0"/>
-                          </a:ext>
-                        </a:extLst>
-                      </a:blip>
-                      <a:srcRect b="50943"/>
-                      <a:stretch>
-                        <a:fillRect/>
-                      </a:stretch>
-                    </p:blipFill>
-                    <p:spPr bwMode="auto">
-                      <a:xfrm>
-                        <a:off x="3367403" y="414117"/>
-                        <a:ext cx="8514560" cy="3179315"/>
-                      </a:xfrm>
-                      <a:prstGeom prst="rect">
-                        <a:avLst/>
-                      </a:prstGeom>
-                      <a:noFill/>
-                    </p:spPr>
-                  </p:pic>
-                </p:oleObj>
-              </mc:Fallback>
-            </mc:AlternateContent>
-          </a:graphicData>
-        </a:graphic>
-      </p:graphicFrame>
-      <p:pic>
-        <p:nvPicPr>
-          <p:cNvPr id="9" name="Picture 8"/>
-          <p:cNvPicPr/>
-          <p:nvPr/>
-        </p:nvPicPr>
-        <p:blipFill>
-          <a:blip r:embed="rId5" cstate="print">
-            <a:extLst>
-              <a:ext uri="{28A0092B-C50C-407E-A947-70E740481C1C}">
-                <a14:useLocalDpi xmlns:a14="http://schemas.microsoft.com/office/drawing/2010/main" val="0"/>
-              </a:ext>
-            </a:extLst>
-          </a:blip>
-          <a:stretch>
-            <a:fillRect/>
-          </a:stretch>
-        </p:blipFill>
-        <p:spPr>
-          <a:xfrm>
-            <a:off x="4721005" y="4116994"/>
-            <a:ext cx="1952625" cy="2188210"/>
-          </a:xfrm>
-          <a:prstGeom prst="roundRect">
-            <a:avLst>
-              <a:gd name="adj" fmla="val 8594"/>
-            </a:avLst>
-          </a:prstGeom>
-          <a:solidFill>
-            <a:srgbClr val="FFFFFF">
-              <a:shade val="85000"/>
-            </a:srgbClr>
-          </a:solidFill>
-          <a:ln>
-            <a:noFill/>
-          </a:ln>
-          <a:effectLst>
-            <a:reflection blurRad="12700" stA="38000" endPos="28000" dist="5000" dir="5400000" sy="-100000" algn="bl" rotWithShape="0"/>
-          </a:effectLst>
-        </p:spPr>
-      </p:pic>
-      <p:pic>
-        <p:nvPicPr>
-          <p:cNvPr id="10" name="Picture 9"/>
-          <p:cNvPicPr/>
-          <p:nvPr/>
-        </p:nvPicPr>
-        <p:blipFill>
-          <a:blip r:embed="rId6" cstate="print">
-            <a:extLst>
-              <a:ext uri="{28A0092B-C50C-407E-A947-70E740481C1C}">
-                <a14:useLocalDpi xmlns:a14="http://schemas.microsoft.com/office/drawing/2010/main" val="0"/>
-              </a:ext>
-            </a:extLst>
-          </a:blip>
-          <a:stretch>
-            <a:fillRect/>
-          </a:stretch>
-        </p:blipFill>
-        <p:spPr>
-          <a:xfrm>
-            <a:off x="7482353" y="4219229"/>
-            <a:ext cx="1598295" cy="2085975"/>
-          </a:xfrm>
-          <a:prstGeom prst="roundRect">
-            <a:avLst>
-              <a:gd name="adj" fmla="val 8594"/>
-            </a:avLst>
-          </a:prstGeom>
-          <a:solidFill>
-            <a:srgbClr val="FFFFFF">
-              <a:shade val="85000"/>
-            </a:srgbClr>
-          </a:solidFill>
-          <a:ln>
-            <a:noFill/>
-          </a:ln>
-          <a:effectLst>
-            <a:reflection blurRad="12700" stA="38000" endPos="28000" dist="5000" dir="5400000" sy="-100000" algn="bl" rotWithShape="0"/>
-          </a:effectLst>
-        </p:spPr>
-      </p:pic>
-      <p:pic>
-        <p:nvPicPr>
-          <p:cNvPr id="11" name="Picture 10"/>
-          <p:cNvPicPr/>
-          <p:nvPr/>
-        </p:nvPicPr>
-        <p:blipFill>
-          <a:blip r:embed="rId7" cstate="print">
-            <a:extLst>
-              <a:ext uri="{28A0092B-C50C-407E-A947-70E740481C1C}">
-                <a14:useLocalDpi xmlns:a14="http://schemas.microsoft.com/office/drawing/2010/main" val="0"/>
-              </a:ext>
-            </a:extLst>
-          </a:blip>
-          <a:stretch>
-            <a:fillRect/>
-          </a:stretch>
-        </p:blipFill>
-        <p:spPr>
-          <a:xfrm>
-            <a:off x="9661085" y="4219229"/>
-            <a:ext cx="1981200" cy="2055495"/>
-          </a:xfrm>
-          <a:prstGeom prst="roundRect">
-            <a:avLst>
-              <a:gd name="adj" fmla="val 8594"/>
-            </a:avLst>
-          </a:prstGeom>
-          <a:solidFill>
-            <a:srgbClr val="FFFFFF">
-              <a:shade val="85000"/>
-            </a:srgbClr>
-          </a:solidFill>
-          <a:ln>
-            <a:noFill/>
-          </a:ln>
-          <a:effectLst>
-            <a:reflection blurRad="12700" stA="38000" endPos="28000" dist="5000" dir="5400000" sy="-100000" algn="bl" rotWithShape="0"/>
-          </a:effectLst>
-        </p:spPr>
-      </p:pic>
-    </p:spTree>
-    <p:extLst>
-      <p:ext uri="{BB962C8B-B14F-4D97-AF65-F5344CB8AC3E}">
-        <p14:creationId xmlns:p14="http://schemas.microsoft.com/office/powerpoint/2010/main" val="2017368839"/>
-      </p:ext>
-    </p:extLst>
-  </p:cSld>
-  <p:clrMapOvr>
-    <a:masterClrMapping/>
-  </p:clrMapOvr>
-  <p:timing>
-    <p:tnLst>
-      <p:par>
-        <p:cTn id="1" dur="indefinite" restart="never" nodeType="tmRoot"/>
-      </p:par>
-    </p:tnLst>
-  </p:timing>
-</p:sld>
-</file>
-
-<file path=ppt/slides/slide9.xml><?xml version="1.0" encoding="utf-8"?>
-<p:sld xmlns:a="http://schemas.openxmlformats.org/drawingml/2006/main" xmlns:r="http://schemas.openxmlformats.org/officeDocument/2006/relationships" xmlns:p="http://schemas.openxmlformats.org/presentationml/2006/main">
-  <p:cSld>
-    <p:spTree>
-      <p:nvGrpSpPr>
-        <p:cNvPr id="1" name=""/>
-        <p:cNvGrpSpPr/>
-        <p:nvPr/>
-      </p:nvGrpSpPr>
-      <p:grpSpPr>
-        <a:xfrm>
-          <a:off x="0" y="0"/>
-          <a:ext cx="0" cy="0"/>
-          <a:chOff x="0" y="0"/>
-          <a:chExt cx="0" cy="0"/>
-        </a:xfrm>
-      </p:grpSpPr>
-      <p:sp>
-        <p:nvSpPr>
-          <p:cNvPr id="2" name="Title 1"/>
-          <p:cNvSpPr>
-            <a:spLocks noGrp="1"/>
-          </p:cNvSpPr>
-          <p:nvPr>
-            <p:ph type="title"/>
-          </p:nvPr>
-        </p:nvSpPr>
-        <p:spPr/>
-        <p:txBody>
-          <a:bodyPr/>
-          <a:lstStyle/>
-          <a:p>
-            <a:r>
-              <a:rPr lang="en-US" dirty="0" smtClean="0"/>
-              <a:t>Technical Specifications</a:t>
-            </a:r>
-            <a:endParaRPr lang="en-US" dirty="0"/>
-          </a:p>
-        </p:txBody>
-      </p:sp>
-      <p:sp>
-        <p:nvSpPr>
-          <p:cNvPr id="3" name="Content Placeholder 2"/>
-          <p:cNvSpPr>
-            <a:spLocks noGrp="1"/>
-          </p:cNvSpPr>
-          <p:nvPr>
-            <p:ph idx="1"/>
-          </p:nvPr>
-        </p:nvSpPr>
-        <p:spPr/>
-        <p:txBody>
-          <a:bodyPr/>
-          <a:lstStyle/>
-          <a:p>
-            <a:pPr>
-              <a:buFont typeface="Courier New" panose="02070309020205020404" pitchFamily="49" charset="0"/>
-              <a:buChar char="o"/>
-            </a:pPr>
-            <a:r>
-              <a:rPr lang="en-US" dirty="0" smtClean="0"/>
-              <a:t>Naming Conventions</a:t>
-            </a:r>
-          </a:p>
-          <a:p>
-            <a:pPr>
-              <a:buFont typeface="Courier New" panose="02070309020205020404" pitchFamily="49" charset="0"/>
-              <a:buChar char="o"/>
-            </a:pPr>
-            <a:r>
-              <a:rPr lang="en-US" dirty="0" smtClean="0"/>
-              <a:t>Scripts</a:t>
-            </a:r>
-          </a:p>
-          <a:p>
-            <a:pPr lvl="1">
-              <a:buFont typeface="Courier New" panose="02070309020205020404" pitchFamily="49" charset="0"/>
-              <a:buChar char="o"/>
-            </a:pPr>
-            <a:r>
-              <a:rPr lang="en-US" dirty="0" smtClean="0"/>
-              <a:t>For each Interaction</a:t>
-            </a:r>
-          </a:p>
-          <a:p>
-            <a:pPr lvl="1">
-              <a:buFont typeface="Courier New" panose="02070309020205020404" pitchFamily="49" charset="0"/>
-              <a:buChar char="o"/>
-            </a:pPr>
-            <a:r>
-              <a:rPr lang="en-US" dirty="0" smtClean="0"/>
-              <a:t>Structure</a:t>
-            </a:r>
-          </a:p>
-          <a:p>
-            <a:pPr>
-              <a:buFont typeface="Courier New" panose="02070309020205020404" pitchFamily="49" charset="0"/>
-              <a:buChar char="o"/>
-            </a:pPr>
-            <a:r>
-              <a:rPr lang="en-US" dirty="0" smtClean="0"/>
-              <a:t>Game Objects Architecture</a:t>
-            </a:r>
-          </a:p>
-          <a:p>
-            <a:pPr lvl="1">
-              <a:buFont typeface="Courier New" panose="02070309020205020404" pitchFamily="49" charset="0"/>
-              <a:buChar char="o"/>
-            </a:pPr>
-            <a:r>
-              <a:rPr lang="en-US" dirty="0" smtClean="0"/>
-              <a:t>Transform</a:t>
-            </a:r>
-          </a:p>
-          <a:p>
-            <a:pPr lvl="1">
-              <a:buFont typeface="Courier New" panose="02070309020205020404" pitchFamily="49" charset="0"/>
-              <a:buChar char="o"/>
-            </a:pPr>
-            <a:r>
-              <a:rPr lang="en-US" dirty="0" err="1" smtClean="0"/>
-              <a:t>Rigidbody</a:t>
-            </a:r>
-            <a:endParaRPr lang="en-US" dirty="0" smtClean="0"/>
-          </a:p>
-          <a:p>
-            <a:pPr lvl="1">
-              <a:buFont typeface="Courier New" panose="02070309020205020404" pitchFamily="49" charset="0"/>
-              <a:buChar char="o"/>
-            </a:pPr>
-            <a:r>
-              <a:rPr lang="en-US" dirty="0" err="1" smtClean="0"/>
-              <a:t>Colllider</a:t>
-            </a:r>
-            <a:endParaRPr lang="en-US" dirty="0" smtClean="0"/>
-          </a:p>
-          <a:p>
-            <a:pPr lvl="1">
-              <a:buFont typeface="Courier New" panose="02070309020205020404" pitchFamily="49" charset="0"/>
-              <a:buChar char="o"/>
-            </a:pPr>
-            <a:r>
-              <a:rPr lang="en-US" dirty="0" smtClean="0"/>
-              <a:t>Script</a:t>
-            </a:r>
-            <a:endParaRPr lang="en-US" dirty="0"/>
-          </a:p>
-          <a:p>
-            <a:pPr marL="0" indent="0">
-              <a:buNone/>
-            </a:pPr>
-            <a:endParaRPr lang="en-US" dirty="0"/>
-          </a:p>
-        </p:txBody>
-      </p:sp>
-      <p:sp>
-        <p:nvSpPr>
-          <p:cNvPr id="6" name="Rectangle 2"/>
-          <p:cNvSpPr>
-            <a:spLocks noChangeArrowheads="1"/>
-          </p:cNvSpPr>
-          <p:nvPr/>
-        </p:nvSpPr>
-        <p:spPr bwMode="auto">
-          <a:xfrm>
-            <a:off x="5439508" y="1992923"/>
-            <a:ext cx="12192000" cy="0"/>
-          </a:xfrm>
-          <a:prstGeom prst="rect">
-            <a:avLst/>
-          </a:prstGeom>
-          <a:noFill/>
-          <a:ln>
-            <a:noFill/>
-          </a:ln>
-          <a:effectLst/>
-          <a:extLst>
-            <a:ext uri="{909E8E84-426E-40DD-AFC4-6F175D3DCCD1}">
-              <a14:hiddenFill xmlns:a14="http://schemas.microsoft.com/office/drawing/2010/main">
-                <a:solidFill>
-                  <a:schemeClr val="accent1"/>
-                </a:solidFill>
-              </a14:hiddenFill>
-            </a:ext>
-            <a:ext uri="{91240B29-F687-4F45-9708-019B960494DF}">
-              <a14:hiddenLine xmlns:a14="http://schemas.microsoft.com/office/drawing/2010/main" w="9525">
-                <a:solidFill>
-                  <a:schemeClr val="tx1"/>
-                </a:solidFill>
-                <a:miter lim="800000"/>
-                <a:headEnd/>
-                <a:tailEnd/>
-              </a14:hiddenLine>
-            </a:ext>
-            <a:ext uri="{AF507438-7753-43E0-B8FC-AC1667EBCBE1}">
-              <a14:hiddenEffects xmlns:a14="http://schemas.microsoft.com/office/drawing/2010/main">
-                <a:effectLst>
-                  <a:outerShdw dist="35921" dir="2700000" algn="ctr" rotWithShape="0">
-                    <a:schemeClr val="bg2"/>
-                  </a:outerShdw>
-                </a:effectLst>
-              </a14:hiddenEffects>
-            </a:ext>
-          </a:extLst>
-        </p:spPr>
-        <p:txBody>
           <a:bodyPr vert="horz" wrap="none" lIns="91440" tIns="45720" rIns="91440" bIns="45720" numCol="1" anchor="ctr" anchorCtr="0" compatLnSpc="1">
             <a:prstTxWarp prst="textNoShape">
               <a:avLst/>
@@ -7313,7 +4308,7 @@
           <a:graphicData uri="http://schemas.openxmlformats.org/presentationml/2006/ole">
             <mc:AlternateContent xmlns:mc="http://schemas.openxmlformats.org/markup-compatibility/2006">
               <mc:Choice xmlns:v="urn:schemas-microsoft-com:vml" Requires="v">
-                <p:oleObj spid="_x0000_s3078" r:id="rId3" imgW="7181902" imgH="4381327" progId="Visio.Drawing.15">
+                <p:oleObj spid="_x0000_s3082" r:id="rId3" imgW="7181902" imgH="4381327" progId="Visio.Drawing.15">
                   <p:embed/>
                 </p:oleObj>
               </mc:Choice>
@@ -7412,6 +4407,3274 @@
     <p:extLst>
       <p:ext uri="{BB962C8B-B14F-4D97-AF65-F5344CB8AC3E}">
         <p14:creationId xmlns:p14="http://schemas.microsoft.com/office/powerpoint/2010/main" val="2886218978"/>
+      </p:ext>
+    </p:extLst>
+  </p:cSld>
+  <p:clrMapOvr>
+    <a:masterClrMapping/>
+  </p:clrMapOvr>
+  <p:timing>
+    <p:tnLst>
+      <p:par>
+        <p:cTn id="1" dur="indefinite" restart="never" nodeType="tmRoot"/>
+      </p:par>
+    </p:tnLst>
+  </p:timing>
+</p:sld>
+</file>
+
+<file path=ppt/slides/slide11.xml><?xml version="1.0" encoding="utf-8"?>
+<p:sld xmlns:a="http://schemas.openxmlformats.org/drawingml/2006/main" xmlns:r="http://schemas.openxmlformats.org/officeDocument/2006/relationships" xmlns:p="http://schemas.openxmlformats.org/presentationml/2006/main">
+  <p:cSld>
+    <p:spTree>
+      <p:nvGrpSpPr>
+        <p:cNvPr id="1" name=""/>
+        <p:cNvGrpSpPr/>
+        <p:nvPr/>
+      </p:nvGrpSpPr>
+      <p:grpSpPr>
+        <a:xfrm>
+          <a:off x="0" y="0"/>
+          <a:ext cx="0" cy="0"/>
+          <a:chOff x="0" y="0"/>
+          <a:chExt cx="0" cy="0"/>
+        </a:xfrm>
+      </p:grpSpPr>
+      <p:sp>
+        <p:nvSpPr>
+          <p:cNvPr id="4" name="Title 3"/>
+          <p:cNvSpPr>
+            <a:spLocks noGrp="1"/>
+          </p:cNvSpPr>
+          <p:nvPr>
+            <p:ph type="title"/>
+          </p:nvPr>
+        </p:nvSpPr>
+        <p:spPr/>
+        <p:txBody>
+          <a:bodyPr/>
+          <a:lstStyle/>
+          <a:p>
+            <a:r>
+              <a:rPr lang="en-US" dirty="0" smtClean="0"/>
+              <a:t>Technical Specifications continued</a:t>
+            </a:r>
+            <a:endParaRPr lang="en-US" dirty="0"/>
+          </a:p>
+        </p:txBody>
+      </p:sp>
+      <p:sp>
+        <p:nvSpPr>
+          <p:cNvPr id="5" name="Content Placeholder 4"/>
+          <p:cNvSpPr>
+            <a:spLocks noGrp="1"/>
+          </p:cNvSpPr>
+          <p:nvPr>
+            <p:ph idx="1"/>
+          </p:nvPr>
+        </p:nvSpPr>
+        <p:spPr/>
+        <p:txBody>
+          <a:bodyPr>
+            <a:normAutofit/>
+          </a:bodyPr>
+          <a:lstStyle/>
+          <a:p>
+            <a:pPr lvl="1">
+              <a:buFont typeface="Courier New" panose="02070309020205020404" pitchFamily="49" charset="0"/>
+              <a:buChar char="o"/>
+            </a:pPr>
+            <a:r>
+              <a:rPr lang="en-US" sz="2800" dirty="0" smtClean="0"/>
+              <a:t>Artificial Intelligence</a:t>
+            </a:r>
+          </a:p>
+          <a:p>
+            <a:pPr lvl="2">
+              <a:buFont typeface="Courier New" panose="02070309020205020404" pitchFamily="49" charset="0"/>
+              <a:buChar char="o"/>
+            </a:pPr>
+            <a:r>
+              <a:rPr lang="en-US" sz="2800" dirty="0" smtClean="0"/>
+              <a:t>Vision Range</a:t>
+            </a:r>
+          </a:p>
+          <a:p>
+            <a:pPr lvl="2">
+              <a:buFont typeface="Courier New" panose="02070309020205020404" pitchFamily="49" charset="0"/>
+              <a:buChar char="o"/>
+            </a:pPr>
+            <a:r>
+              <a:rPr lang="en-US" sz="2800" dirty="0" smtClean="0"/>
+              <a:t>Return Range</a:t>
+            </a:r>
+          </a:p>
+          <a:p>
+            <a:pPr lvl="2">
+              <a:buFont typeface="Courier New" panose="02070309020205020404" pitchFamily="49" charset="0"/>
+              <a:buChar char="o"/>
+            </a:pPr>
+            <a:r>
+              <a:rPr lang="en-US" sz="2800" dirty="0" smtClean="0"/>
+              <a:t>Waypoints</a:t>
+            </a:r>
+          </a:p>
+          <a:p>
+            <a:pPr lvl="1">
+              <a:buFont typeface="Courier New" panose="02070309020205020404" pitchFamily="49" charset="0"/>
+              <a:buChar char="o"/>
+            </a:pPr>
+            <a:r>
+              <a:rPr lang="en-US" sz="2800" dirty="0" smtClean="0"/>
+              <a:t>Hardware Architecture</a:t>
+            </a:r>
+          </a:p>
+          <a:p>
+            <a:pPr lvl="2">
+              <a:buFont typeface="Courier New" panose="02070309020205020404" pitchFamily="49" charset="0"/>
+              <a:buChar char="o"/>
+            </a:pPr>
+            <a:r>
+              <a:rPr lang="en-US" sz="2800" dirty="0" smtClean="0"/>
+              <a:t>I/O devices </a:t>
+            </a:r>
+          </a:p>
+          <a:p>
+            <a:pPr lvl="2">
+              <a:buFont typeface="Courier New" panose="02070309020205020404" pitchFamily="49" charset="0"/>
+              <a:buChar char="o"/>
+            </a:pPr>
+            <a:r>
+              <a:rPr lang="en-US" sz="2800" dirty="0" smtClean="0"/>
+              <a:t>PC</a:t>
+            </a:r>
+            <a:endParaRPr lang="en-US" sz="2800" dirty="0"/>
+          </a:p>
+        </p:txBody>
+      </p:sp>
+      <p:sp>
+        <p:nvSpPr>
+          <p:cNvPr id="6" name="Rectangle 2"/>
+          <p:cNvSpPr>
+            <a:spLocks noChangeArrowheads="1"/>
+          </p:cNvSpPr>
+          <p:nvPr/>
+        </p:nvSpPr>
+        <p:spPr bwMode="auto">
+          <a:xfrm>
+            <a:off x="4470399" y="1845733"/>
+            <a:ext cx="12874161" cy="45719"/>
+          </a:xfrm>
+          <a:prstGeom prst="rect">
+            <a:avLst/>
+          </a:prstGeom>
+          <a:noFill/>
+          <a:ln>
+            <a:noFill/>
+          </a:ln>
+          <a:effectLst/>
+          <a:extLst>
+            <a:ext uri="{909E8E84-426E-40DD-AFC4-6F175D3DCCD1}">
+              <a14:hiddenFill xmlns:a14="http://schemas.microsoft.com/office/drawing/2010/main">
+                <a:solidFill>
+                  <a:schemeClr val="accent1"/>
+                </a:solidFill>
+              </a14:hiddenFill>
+            </a:ext>
+            <a:ext uri="{91240B29-F687-4F45-9708-019B960494DF}">
+              <a14:hiddenLine xmlns:a14="http://schemas.microsoft.com/office/drawing/2010/main" w="9525">
+                <a:solidFill>
+                  <a:schemeClr val="tx1"/>
+                </a:solidFill>
+                <a:miter lim="800000"/>
+                <a:headEnd/>
+                <a:tailEnd/>
+              </a14:hiddenLine>
+            </a:ext>
+            <a:ext uri="{AF507438-7753-43E0-B8FC-AC1667EBCBE1}">
+              <a14:hiddenEffects xmlns:a14="http://schemas.microsoft.com/office/drawing/2010/main">
+                <a:effectLst>
+                  <a:outerShdw dist="35921" dir="2700000" algn="ctr" rotWithShape="0">
+                    <a:schemeClr val="bg2"/>
+                  </a:outerShdw>
+                </a:effectLst>
+              </a14:hiddenEffects>
+            </a:ext>
+          </a:extLst>
+        </p:spPr>
+        <p:txBody>
+          <a:bodyPr vert="horz" wrap="square" lIns="91440" tIns="45720" rIns="91440" bIns="45720" numCol="1" anchor="ctr" anchorCtr="0" compatLnSpc="1">
+            <a:prstTxWarp prst="textNoShape">
+              <a:avLst/>
+            </a:prstTxWarp>
+            <a:spAutoFit/>
+          </a:bodyPr>
+          <a:lstStyle/>
+          <a:p>
+            <a:endParaRPr lang="en-US"/>
+          </a:p>
+        </p:txBody>
+      </p:sp>
+      <p:graphicFrame>
+        <p:nvGraphicFramePr>
+          <p:cNvPr id="7" name="Object 6"/>
+          <p:cNvGraphicFramePr>
+            <a:graphicFrameLocks noChangeAspect="1"/>
+          </p:cNvGraphicFramePr>
+          <p:nvPr>
+            <p:extLst>
+              <p:ext uri="{D42A27DB-BD31-4B8C-83A1-F6EECF244321}">
+                <p14:modId xmlns:p14="http://schemas.microsoft.com/office/powerpoint/2010/main" val="1097016694"/>
+              </p:ext>
+            </p:extLst>
+          </p:nvPr>
+        </p:nvGraphicFramePr>
+        <p:xfrm>
+          <a:off x="4470400" y="1845734"/>
+          <a:ext cx="6807491" cy="3520350"/>
+        </p:xfrm>
+        <a:graphic>
+          <a:graphicData uri="http://schemas.openxmlformats.org/presentationml/2006/ole">
+            <mc:AlternateContent xmlns:mc="http://schemas.openxmlformats.org/markup-compatibility/2006">
+              <mc:Choice xmlns:v="urn:schemas-microsoft-com:vml" Requires="v">
+                <p:oleObj spid="_x0000_s4106" r:id="rId3" imgW="5848208" imgH="3009847" progId="Visio.Drawing.15">
+                  <p:embed/>
+                </p:oleObj>
+              </mc:Choice>
+              <mc:Fallback>
+                <p:oleObj r:id="rId3" imgW="5848208" imgH="3009847" progId="Visio.Drawing.15">
+                  <p:embed/>
+                  <p:pic>
+                    <p:nvPicPr>
+                      <p:cNvPr id="0" name="Object 1"/>
+                      <p:cNvPicPr>
+                        <a:picLocks noChangeAspect="1" noChangeArrowheads="1"/>
+                      </p:cNvPicPr>
+                      <p:nvPr/>
+                    </p:nvPicPr>
+                    <p:blipFill>
+                      <a:blip r:embed="rId4">
+                        <a:extLst>
+                          <a:ext uri="{28A0092B-C50C-407E-A947-70E740481C1C}">
+                            <a14:useLocalDpi xmlns:a14="http://schemas.microsoft.com/office/drawing/2010/main" val="0"/>
+                          </a:ext>
+                        </a:extLst>
+                      </a:blip>
+                      <a:srcRect/>
+                      <a:stretch>
+                        <a:fillRect/>
+                      </a:stretch>
+                    </p:blipFill>
+                    <p:spPr bwMode="auto">
+                      <a:xfrm>
+                        <a:off x="4470400" y="1845734"/>
+                        <a:ext cx="6807491" cy="3520350"/>
+                      </a:xfrm>
+                      <a:prstGeom prst="rect">
+                        <a:avLst/>
+                      </a:prstGeom>
+                      <a:noFill/>
+                    </p:spPr>
+                  </p:pic>
+                </p:oleObj>
+              </mc:Fallback>
+            </mc:AlternateContent>
+          </a:graphicData>
+        </a:graphic>
+      </p:graphicFrame>
+      <p:pic>
+        <p:nvPicPr>
+          <p:cNvPr id="8" name="Picture 7"/>
+          <p:cNvPicPr>
+            <a:picLocks noChangeAspect="1"/>
+          </p:cNvPicPr>
+          <p:nvPr/>
+        </p:nvPicPr>
+        <p:blipFill>
+          <a:blip r:embed="rId5">
+            <a:extLst>
+              <a:ext uri="{28A0092B-C50C-407E-A947-70E740481C1C}">
+                <a14:useLocalDpi xmlns:a14="http://schemas.microsoft.com/office/drawing/2010/main" val="0"/>
+              </a:ext>
+            </a:extLst>
+          </a:blip>
+          <a:stretch>
+            <a:fillRect/>
+          </a:stretch>
+        </p:blipFill>
+        <p:spPr>
+          <a:xfrm>
+            <a:off x="10421660" y="0"/>
+            <a:ext cx="885306" cy="1737360"/>
+          </a:xfrm>
+          <a:prstGeom prst="roundRect">
+            <a:avLst>
+              <a:gd name="adj" fmla="val 8594"/>
+            </a:avLst>
+          </a:prstGeom>
+          <a:solidFill>
+            <a:srgbClr val="FFFFFF">
+              <a:shade val="85000"/>
+            </a:srgbClr>
+          </a:solidFill>
+          <a:ln>
+            <a:noFill/>
+          </a:ln>
+          <a:effectLst>
+            <a:reflection blurRad="12700" stA="38000" endPos="28000" dist="5000" dir="5400000" sy="-100000" algn="bl" rotWithShape="0"/>
+          </a:effectLst>
+        </p:spPr>
+      </p:pic>
+    </p:spTree>
+    <p:extLst>
+      <p:ext uri="{BB962C8B-B14F-4D97-AF65-F5344CB8AC3E}">
+        <p14:creationId xmlns:p14="http://schemas.microsoft.com/office/powerpoint/2010/main" val="3952817088"/>
+      </p:ext>
+    </p:extLst>
+  </p:cSld>
+  <p:clrMapOvr>
+    <a:masterClrMapping/>
+  </p:clrMapOvr>
+  <p:timing>
+    <p:tnLst>
+      <p:par>
+        <p:cTn id="1" dur="indefinite" restart="never" nodeType="tmRoot"/>
+      </p:par>
+    </p:tnLst>
+  </p:timing>
+</p:sld>
+</file>
+
+<file path=ppt/slides/slide12.xml><?xml version="1.0" encoding="utf-8"?>
+<p:sld xmlns:a="http://schemas.openxmlformats.org/drawingml/2006/main" xmlns:r="http://schemas.openxmlformats.org/officeDocument/2006/relationships" xmlns:p="http://schemas.openxmlformats.org/presentationml/2006/main">
+  <p:cSld>
+    <p:spTree>
+      <p:nvGrpSpPr>
+        <p:cNvPr id="1" name=""/>
+        <p:cNvGrpSpPr/>
+        <p:nvPr/>
+      </p:nvGrpSpPr>
+      <p:grpSpPr>
+        <a:xfrm>
+          <a:off x="0" y="0"/>
+          <a:ext cx="0" cy="0"/>
+          <a:chOff x="0" y="0"/>
+          <a:chExt cx="0" cy="0"/>
+        </a:xfrm>
+      </p:grpSpPr>
+      <p:sp>
+        <p:nvSpPr>
+          <p:cNvPr id="2" name="Title 1"/>
+          <p:cNvSpPr>
+            <a:spLocks noGrp="1"/>
+          </p:cNvSpPr>
+          <p:nvPr>
+            <p:ph type="title"/>
+          </p:nvPr>
+        </p:nvSpPr>
+        <p:spPr>
+          <a:xfrm>
+            <a:off x="457200" y="594359"/>
+            <a:ext cx="3200400" cy="679270"/>
+          </a:xfrm>
+        </p:spPr>
+        <p:txBody>
+          <a:bodyPr>
+            <a:normAutofit/>
+          </a:bodyPr>
+          <a:lstStyle/>
+          <a:p>
+            <a:r>
+              <a:rPr lang="en-US" sz="4400" dirty="0" smtClean="0"/>
+              <a:t>Use Cases</a:t>
+            </a:r>
+            <a:endParaRPr lang="en-US" sz="4400" dirty="0"/>
+          </a:p>
+        </p:txBody>
+      </p:sp>
+      <p:sp>
+        <p:nvSpPr>
+          <p:cNvPr id="6" name="Text Placeholder 5"/>
+          <p:cNvSpPr>
+            <a:spLocks noGrp="1"/>
+          </p:cNvSpPr>
+          <p:nvPr>
+            <p:ph type="body" sz="half" idx="2"/>
+          </p:nvPr>
+        </p:nvSpPr>
+        <p:spPr>
+          <a:xfrm>
+            <a:off x="457200" y="1273629"/>
+            <a:ext cx="3200400" cy="5031575"/>
+          </a:xfrm>
+        </p:spPr>
+        <p:txBody>
+          <a:bodyPr>
+            <a:noAutofit/>
+          </a:bodyPr>
+          <a:lstStyle/>
+          <a:p>
+            <a:pPr marL="285750" indent="-285750">
+              <a:buFont typeface="Wingdings" panose="05000000000000000000" pitchFamily="2" charset="2"/>
+              <a:buChar char="q"/>
+            </a:pPr>
+            <a:r>
+              <a:rPr lang="en-US" sz="2200" dirty="0" smtClean="0"/>
+              <a:t>Actors</a:t>
+            </a:r>
+          </a:p>
+          <a:p>
+            <a:pPr marL="285750" indent="-285750">
+              <a:buFont typeface="Wingdings" panose="05000000000000000000" pitchFamily="2" charset="2"/>
+              <a:buChar char="q"/>
+            </a:pPr>
+            <a:r>
+              <a:rPr lang="en-US" sz="2200" dirty="0" smtClean="0"/>
+              <a:t>Menu Use Cases	</a:t>
+            </a:r>
+          </a:p>
+          <a:p>
+            <a:pPr marL="742950" lvl="1" indent="-285750">
+              <a:buFont typeface="Wingdings" panose="05000000000000000000" pitchFamily="2" charset="2"/>
+              <a:buChar char="q"/>
+            </a:pPr>
+            <a:r>
+              <a:rPr lang="en-US" sz="2200" dirty="0" smtClean="0">
+                <a:solidFill>
+                  <a:schemeClr val="bg1"/>
+                </a:solidFill>
+              </a:rPr>
+              <a:t>Begin new game</a:t>
+            </a:r>
+          </a:p>
+          <a:p>
+            <a:pPr marL="742950" lvl="1" indent="-285750">
+              <a:buFont typeface="Wingdings" panose="05000000000000000000" pitchFamily="2" charset="2"/>
+              <a:buChar char="q"/>
+            </a:pPr>
+            <a:r>
+              <a:rPr lang="en-US" sz="2200" dirty="0" smtClean="0">
+                <a:solidFill>
+                  <a:schemeClr val="bg1"/>
+                </a:solidFill>
+              </a:rPr>
+              <a:t>Options</a:t>
+            </a:r>
+          </a:p>
+          <a:p>
+            <a:pPr marL="742950" lvl="1" indent="-285750">
+              <a:buFont typeface="Wingdings" panose="05000000000000000000" pitchFamily="2" charset="2"/>
+              <a:buChar char="q"/>
+            </a:pPr>
+            <a:r>
+              <a:rPr lang="en-US" sz="2200" dirty="0" smtClean="0">
+                <a:solidFill>
+                  <a:schemeClr val="bg1"/>
+                </a:solidFill>
+              </a:rPr>
+              <a:t>Credits</a:t>
+            </a:r>
+          </a:p>
+          <a:p>
+            <a:pPr marL="742950" lvl="1" indent="-285750">
+              <a:buFont typeface="Wingdings" panose="05000000000000000000" pitchFamily="2" charset="2"/>
+              <a:buChar char="q"/>
+            </a:pPr>
+            <a:r>
+              <a:rPr lang="en-US" sz="2200" dirty="0" smtClean="0">
+                <a:solidFill>
+                  <a:schemeClr val="bg1"/>
+                </a:solidFill>
+              </a:rPr>
+              <a:t>Exit Game</a:t>
+            </a:r>
+          </a:p>
+          <a:p>
+            <a:pPr marL="742950" lvl="1" indent="-285750">
+              <a:buFont typeface="Wingdings" panose="05000000000000000000" pitchFamily="2" charset="2"/>
+              <a:buChar char="q"/>
+            </a:pPr>
+            <a:r>
+              <a:rPr lang="en-US" sz="2200" dirty="0" smtClean="0">
+                <a:solidFill>
+                  <a:schemeClr val="bg1"/>
+                </a:solidFill>
+              </a:rPr>
+              <a:t>10 Total</a:t>
+            </a:r>
+          </a:p>
+          <a:p>
+            <a:pPr marL="285750" indent="-285750">
+              <a:buFont typeface="Wingdings" panose="05000000000000000000" pitchFamily="2" charset="2"/>
+              <a:buChar char="q"/>
+            </a:pPr>
+            <a:r>
+              <a:rPr lang="en-US" sz="2200" dirty="0" smtClean="0">
+                <a:solidFill>
+                  <a:schemeClr val="bg1"/>
+                </a:solidFill>
+              </a:rPr>
+              <a:t>Character Use Cases</a:t>
+            </a:r>
+          </a:p>
+          <a:p>
+            <a:pPr marL="742950" lvl="1" indent="-285750">
+              <a:buFont typeface="Wingdings" panose="05000000000000000000" pitchFamily="2" charset="2"/>
+              <a:buChar char="q"/>
+            </a:pPr>
+            <a:r>
+              <a:rPr lang="en-US" sz="2200" dirty="0" smtClean="0">
+                <a:solidFill>
+                  <a:schemeClr val="bg1"/>
+                </a:solidFill>
+              </a:rPr>
+              <a:t>Move</a:t>
+            </a:r>
+          </a:p>
+          <a:p>
+            <a:pPr marL="742950" lvl="1" indent="-285750">
+              <a:buFont typeface="Wingdings" panose="05000000000000000000" pitchFamily="2" charset="2"/>
+              <a:buChar char="q"/>
+            </a:pPr>
+            <a:r>
+              <a:rPr lang="en-US" sz="2200" dirty="0" smtClean="0">
+                <a:solidFill>
+                  <a:schemeClr val="bg1"/>
+                </a:solidFill>
+              </a:rPr>
+              <a:t>Attack</a:t>
+            </a:r>
+          </a:p>
+          <a:p>
+            <a:pPr marL="742950" lvl="1" indent="-285750">
+              <a:buFont typeface="Wingdings" panose="05000000000000000000" pitchFamily="2" charset="2"/>
+              <a:buChar char="q"/>
+            </a:pPr>
+            <a:r>
+              <a:rPr lang="en-US" sz="2200" dirty="0" smtClean="0">
+                <a:solidFill>
+                  <a:schemeClr val="bg1"/>
+                </a:solidFill>
+              </a:rPr>
+              <a:t>Use Item</a:t>
+            </a:r>
+          </a:p>
+          <a:p>
+            <a:pPr marL="742950" lvl="1" indent="-285750">
+              <a:buFont typeface="Wingdings" panose="05000000000000000000" pitchFamily="2" charset="2"/>
+              <a:buChar char="q"/>
+            </a:pPr>
+            <a:r>
+              <a:rPr lang="en-US" sz="2200" dirty="0" smtClean="0">
+                <a:solidFill>
+                  <a:schemeClr val="bg1"/>
+                </a:solidFill>
+              </a:rPr>
+              <a:t>Interact</a:t>
+            </a:r>
+          </a:p>
+          <a:p>
+            <a:pPr marL="742950" lvl="1" indent="-285750">
+              <a:buFont typeface="Wingdings" panose="05000000000000000000" pitchFamily="2" charset="2"/>
+              <a:buChar char="q"/>
+            </a:pPr>
+            <a:r>
+              <a:rPr lang="en-US" sz="2200" dirty="0" smtClean="0">
+                <a:solidFill>
+                  <a:schemeClr val="bg1"/>
+                </a:solidFill>
+              </a:rPr>
+              <a:t>12 Total</a:t>
+            </a:r>
+          </a:p>
+        </p:txBody>
+      </p:sp>
+      <p:sp>
+        <p:nvSpPr>
+          <p:cNvPr id="3" name="Rectangle 2"/>
+          <p:cNvSpPr>
+            <a:spLocks noChangeArrowheads="1"/>
+          </p:cNvSpPr>
+          <p:nvPr/>
+        </p:nvSpPr>
+        <p:spPr bwMode="auto">
+          <a:xfrm>
+            <a:off x="4225860" y="779275"/>
+            <a:ext cx="13235857" cy="45719"/>
+          </a:xfrm>
+          <a:prstGeom prst="rect">
+            <a:avLst/>
+          </a:prstGeom>
+          <a:noFill/>
+          <a:ln>
+            <a:noFill/>
+          </a:ln>
+          <a:effectLst/>
+          <a:extLst>
+            <a:ext uri="{909E8E84-426E-40DD-AFC4-6F175D3DCCD1}">
+              <a14:hiddenFill xmlns:a14="http://schemas.microsoft.com/office/drawing/2010/main">
+                <a:solidFill>
+                  <a:schemeClr val="accent1"/>
+                </a:solidFill>
+              </a14:hiddenFill>
+            </a:ext>
+            <a:ext uri="{91240B29-F687-4F45-9708-019B960494DF}">
+              <a14:hiddenLine xmlns:a14="http://schemas.microsoft.com/office/drawing/2010/main" w="9525">
+                <a:solidFill>
+                  <a:schemeClr val="tx1"/>
+                </a:solidFill>
+                <a:miter lim="800000"/>
+                <a:headEnd/>
+                <a:tailEnd/>
+              </a14:hiddenLine>
+            </a:ext>
+            <a:ext uri="{AF507438-7753-43E0-B8FC-AC1667EBCBE1}">
+              <a14:hiddenEffects xmlns:a14="http://schemas.microsoft.com/office/drawing/2010/main">
+                <a:effectLst>
+                  <a:outerShdw dist="35921" dir="2700000" algn="ctr" rotWithShape="0">
+                    <a:schemeClr val="bg2"/>
+                  </a:outerShdw>
+                </a:effectLst>
+              </a14:hiddenEffects>
+            </a:ext>
+          </a:extLst>
+        </p:spPr>
+        <p:txBody>
+          <a:bodyPr vert="horz" wrap="square" lIns="91440" tIns="45720" rIns="91440" bIns="45720" numCol="1" anchor="ctr" anchorCtr="0" compatLnSpc="1">
+            <a:prstTxWarp prst="textNoShape">
+              <a:avLst/>
+            </a:prstTxWarp>
+            <a:spAutoFit/>
+          </a:bodyPr>
+          <a:lstStyle/>
+          <a:p>
+            <a:endParaRPr lang="en-US"/>
+          </a:p>
+        </p:txBody>
+      </p:sp>
+      <p:graphicFrame>
+        <p:nvGraphicFramePr>
+          <p:cNvPr id="5" name="Object 4"/>
+          <p:cNvGraphicFramePr>
+            <a:graphicFrameLocks noChangeAspect="1"/>
+          </p:cNvGraphicFramePr>
+          <p:nvPr>
+            <p:extLst>
+              <p:ext uri="{D42A27DB-BD31-4B8C-83A1-F6EECF244321}">
+                <p14:modId xmlns:p14="http://schemas.microsoft.com/office/powerpoint/2010/main" val="4279879873"/>
+              </p:ext>
+            </p:extLst>
+          </p:nvPr>
+        </p:nvGraphicFramePr>
+        <p:xfrm>
+          <a:off x="4225861" y="779276"/>
+          <a:ext cx="7687871" cy="5084114"/>
+        </p:xfrm>
+        <a:graphic>
+          <a:graphicData uri="http://schemas.openxmlformats.org/presentationml/2006/ole">
+            <mc:AlternateContent xmlns:mc="http://schemas.openxmlformats.org/markup-compatibility/2006">
+              <mc:Choice xmlns:v="urn:schemas-microsoft-com:vml" Requires="v">
+                <p:oleObj spid="_x0000_s5130" r:id="rId3" imgW="6667590" imgH="4419508" progId="Visio.Drawing.15">
+                  <p:embed/>
+                </p:oleObj>
+              </mc:Choice>
+              <mc:Fallback>
+                <p:oleObj r:id="rId3" imgW="6667590" imgH="4419508" progId="Visio.Drawing.15">
+                  <p:embed/>
+                  <p:pic>
+                    <p:nvPicPr>
+                      <p:cNvPr id="0" name="Object 1"/>
+                      <p:cNvPicPr>
+                        <a:picLocks noChangeAspect="1" noChangeArrowheads="1"/>
+                      </p:cNvPicPr>
+                      <p:nvPr/>
+                    </p:nvPicPr>
+                    <p:blipFill>
+                      <a:blip r:embed="rId4">
+                        <a:extLst>
+                          <a:ext uri="{28A0092B-C50C-407E-A947-70E740481C1C}">
+                            <a14:useLocalDpi xmlns:a14="http://schemas.microsoft.com/office/drawing/2010/main" val="0"/>
+                          </a:ext>
+                        </a:extLst>
+                      </a:blip>
+                      <a:srcRect/>
+                      <a:stretch>
+                        <a:fillRect/>
+                      </a:stretch>
+                    </p:blipFill>
+                    <p:spPr bwMode="auto">
+                      <a:xfrm>
+                        <a:off x="4225861" y="779276"/>
+                        <a:ext cx="7687871" cy="5084114"/>
+                      </a:xfrm>
+                      <a:prstGeom prst="rect">
+                        <a:avLst/>
+                      </a:prstGeom>
+                      <a:noFill/>
+                    </p:spPr>
+                  </p:pic>
+                </p:oleObj>
+              </mc:Fallback>
+            </mc:AlternateContent>
+          </a:graphicData>
+        </a:graphic>
+      </p:graphicFrame>
+      <p:pic>
+        <p:nvPicPr>
+          <p:cNvPr id="7" name="Picture 6"/>
+          <p:cNvPicPr>
+            <a:picLocks noChangeAspect="1"/>
+          </p:cNvPicPr>
+          <p:nvPr/>
+        </p:nvPicPr>
+        <p:blipFill>
+          <a:blip r:embed="rId5">
+            <a:extLst>
+              <a:ext uri="{28A0092B-C50C-407E-A947-70E740481C1C}">
+                <a14:useLocalDpi xmlns:a14="http://schemas.microsoft.com/office/drawing/2010/main" val="0"/>
+              </a:ext>
+            </a:extLst>
+          </a:blip>
+          <a:stretch>
+            <a:fillRect/>
+          </a:stretch>
+        </p:blipFill>
+        <p:spPr>
+          <a:xfrm>
+            <a:off x="4415386" y="482656"/>
+            <a:ext cx="605791" cy="856875"/>
+          </a:xfrm>
+          <a:prstGeom prst="rect">
+            <a:avLst/>
+          </a:prstGeom>
+        </p:spPr>
+      </p:pic>
+    </p:spTree>
+    <p:extLst>
+      <p:ext uri="{BB962C8B-B14F-4D97-AF65-F5344CB8AC3E}">
+        <p14:creationId xmlns:p14="http://schemas.microsoft.com/office/powerpoint/2010/main" val="1011527283"/>
+      </p:ext>
+    </p:extLst>
+  </p:cSld>
+  <p:clrMapOvr>
+    <a:masterClrMapping/>
+  </p:clrMapOvr>
+  <p:timing>
+    <p:tnLst>
+      <p:par>
+        <p:cTn id="1" dur="indefinite" restart="never" nodeType="tmRoot"/>
+      </p:par>
+    </p:tnLst>
+  </p:timing>
+</p:sld>
+</file>
+
+<file path=ppt/slides/slide2.xml><?xml version="1.0" encoding="utf-8"?>
+<p:sld xmlns:a="http://schemas.openxmlformats.org/drawingml/2006/main" xmlns:r="http://schemas.openxmlformats.org/officeDocument/2006/relationships" xmlns:p="http://schemas.openxmlformats.org/presentationml/2006/main">
+  <p:cSld>
+    <p:spTree>
+      <p:nvGrpSpPr>
+        <p:cNvPr id="1" name=""/>
+        <p:cNvGrpSpPr/>
+        <p:nvPr/>
+      </p:nvGrpSpPr>
+      <p:grpSpPr>
+        <a:xfrm>
+          <a:off x="0" y="0"/>
+          <a:ext cx="0" cy="0"/>
+          <a:chOff x="0" y="0"/>
+          <a:chExt cx="0" cy="0"/>
+        </a:xfrm>
+      </p:grpSpPr>
+      <p:sp>
+        <p:nvSpPr>
+          <p:cNvPr id="2" name="Title 1"/>
+          <p:cNvSpPr>
+            <a:spLocks noGrp="1"/>
+          </p:cNvSpPr>
+          <p:nvPr>
+            <p:ph type="title"/>
+          </p:nvPr>
+        </p:nvSpPr>
+        <p:spPr/>
+        <p:txBody>
+          <a:bodyPr/>
+          <a:lstStyle/>
+          <a:p>
+            <a:r>
+              <a:rPr lang="en-US" dirty="0" smtClean="0"/>
+              <a:t>Game Description</a:t>
+            </a:r>
+            <a:endParaRPr lang="en-US" dirty="0"/>
+          </a:p>
+        </p:txBody>
+      </p:sp>
+      <p:sp>
+        <p:nvSpPr>
+          <p:cNvPr id="3" name="Content Placeholder 2"/>
+          <p:cNvSpPr>
+            <a:spLocks noGrp="1"/>
+          </p:cNvSpPr>
+          <p:nvPr>
+            <p:ph idx="1"/>
+          </p:nvPr>
+        </p:nvSpPr>
+        <p:spPr>
+          <a:xfrm>
+            <a:off x="1097280" y="1845734"/>
+            <a:ext cx="4347556" cy="4023360"/>
+          </a:xfrm>
+        </p:spPr>
+        <p:txBody>
+          <a:bodyPr>
+            <a:normAutofit/>
+          </a:bodyPr>
+          <a:lstStyle/>
+          <a:p>
+            <a:pPr>
+              <a:buFont typeface="Courier New" panose="02070309020205020404" pitchFamily="49" charset="0"/>
+              <a:buChar char="o"/>
+            </a:pPr>
+            <a:r>
+              <a:rPr lang="en-US" sz="2400" dirty="0" smtClean="0"/>
+              <a:t>Interactive, Immersive, Entertaining</a:t>
+            </a:r>
+          </a:p>
+          <a:p>
+            <a:pPr>
+              <a:buFont typeface="Courier New" panose="02070309020205020404" pitchFamily="49" charset="0"/>
+              <a:buChar char="o"/>
+            </a:pPr>
+            <a:r>
+              <a:rPr lang="en-US" sz="2400" dirty="0" smtClean="0"/>
+              <a:t>Imaginative, original environments</a:t>
+            </a:r>
+          </a:p>
+          <a:p>
+            <a:pPr>
+              <a:buFont typeface="Courier New" panose="02070309020205020404" pitchFamily="49" charset="0"/>
+              <a:buChar char="o"/>
+            </a:pPr>
+            <a:r>
+              <a:rPr lang="en-US" sz="2400" dirty="0" smtClean="0"/>
+              <a:t>Target audience is expecting:</a:t>
+            </a:r>
+          </a:p>
+          <a:p>
+            <a:pPr lvl="1">
+              <a:buFont typeface="Courier New" panose="02070309020205020404" pitchFamily="49" charset="0"/>
+              <a:buChar char="o"/>
+            </a:pPr>
+            <a:r>
+              <a:rPr lang="en-US" sz="2400" dirty="0" smtClean="0"/>
+              <a:t>Freedom to explore</a:t>
+            </a:r>
+          </a:p>
+          <a:p>
+            <a:pPr lvl="1">
+              <a:buFont typeface="Courier New" panose="02070309020205020404" pitchFamily="49" charset="0"/>
+              <a:buChar char="o"/>
+            </a:pPr>
+            <a:r>
+              <a:rPr lang="en-US" sz="2400" dirty="0" smtClean="0"/>
+              <a:t>Strong Storyline</a:t>
+            </a:r>
+          </a:p>
+        </p:txBody>
+      </p:sp>
+      <p:pic>
+        <p:nvPicPr>
+          <p:cNvPr id="8" name="Picture 7"/>
+          <p:cNvPicPr>
+            <a:picLocks noChangeAspect="1"/>
+          </p:cNvPicPr>
+          <p:nvPr/>
+        </p:nvPicPr>
+        <p:blipFill>
+          <a:blip r:embed="rId2">
+            <a:extLst>
+              <a:ext uri="{28A0092B-C50C-407E-A947-70E740481C1C}">
+                <a14:useLocalDpi xmlns:a14="http://schemas.microsoft.com/office/drawing/2010/main" val="0"/>
+              </a:ext>
+            </a:extLst>
+          </a:blip>
+          <a:stretch>
+            <a:fillRect/>
+          </a:stretch>
+        </p:blipFill>
+        <p:spPr>
+          <a:xfrm>
+            <a:off x="5584722" y="2230626"/>
+            <a:ext cx="6012467" cy="3436795"/>
+          </a:xfrm>
+          <a:prstGeom prst="rect">
+            <a:avLst/>
+          </a:prstGeom>
+        </p:spPr>
+      </p:pic>
+      <p:pic>
+        <p:nvPicPr>
+          <p:cNvPr id="4" name="Picture 3"/>
+          <p:cNvPicPr>
+            <a:picLocks noChangeAspect="1"/>
+          </p:cNvPicPr>
+          <p:nvPr/>
+        </p:nvPicPr>
+        <p:blipFill>
+          <a:blip r:embed="rId3">
+            <a:extLst>
+              <a:ext uri="{28A0092B-C50C-407E-A947-70E740481C1C}">
+                <a14:useLocalDpi xmlns:a14="http://schemas.microsoft.com/office/drawing/2010/main" val="0"/>
+              </a:ext>
+            </a:extLst>
+          </a:blip>
+          <a:stretch>
+            <a:fillRect/>
+          </a:stretch>
+        </p:blipFill>
+        <p:spPr>
+          <a:xfrm>
+            <a:off x="9461167" y="58177"/>
+            <a:ext cx="1214648" cy="1679183"/>
+          </a:xfrm>
+          <a:prstGeom prst="roundRect">
+            <a:avLst>
+              <a:gd name="adj" fmla="val 8594"/>
+            </a:avLst>
+          </a:prstGeom>
+          <a:solidFill>
+            <a:srgbClr val="FFFFFF">
+              <a:shade val="85000"/>
+            </a:srgbClr>
+          </a:solidFill>
+          <a:ln>
+            <a:noFill/>
+          </a:ln>
+          <a:effectLst>
+            <a:reflection blurRad="12700" stA="38000" endPos="28000" dist="5000" dir="5400000" sy="-100000" algn="bl" rotWithShape="0"/>
+          </a:effectLst>
+        </p:spPr>
+      </p:pic>
+    </p:spTree>
+    <p:extLst>
+      <p:ext uri="{BB962C8B-B14F-4D97-AF65-F5344CB8AC3E}">
+        <p14:creationId xmlns:p14="http://schemas.microsoft.com/office/powerpoint/2010/main" val="642959475"/>
+      </p:ext>
+    </p:extLst>
+  </p:cSld>
+  <p:clrMapOvr>
+    <a:masterClrMapping/>
+  </p:clrMapOvr>
+  <p:timing>
+    <p:tnLst>
+      <p:par>
+        <p:cTn id="1" dur="indefinite" restart="never" nodeType="tmRoot"/>
+      </p:par>
+    </p:tnLst>
+  </p:timing>
+</p:sld>
+</file>
+
+<file path=ppt/slides/slide3.xml><?xml version="1.0" encoding="utf-8"?>
+<p:sld xmlns:a="http://schemas.openxmlformats.org/drawingml/2006/main" xmlns:r="http://schemas.openxmlformats.org/officeDocument/2006/relationships" xmlns:p="http://schemas.openxmlformats.org/presentationml/2006/main">
+  <p:cSld>
+    <p:spTree>
+      <p:nvGrpSpPr>
+        <p:cNvPr id="1" name=""/>
+        <p:cNvGrpSpPr/>
+        <p:nvPr/>
+      </p:nvGrpSpPr>
+      <p:grpSpPr>
+        <a:xfrm>
+          <a:off x="0" y="0"/>
+          <a:ext cx="0" cy="0"/>
+          <a:chOff x="0" y="0"/>
+          <a:chExt cx="0" cy="0"/>
+        </a:xfrm>
+      </p:grpSpPr>
+      <p:sp>
+        <p:nvSpPr>
+          <p:cNvPr id="2" name="Title 1"/>
+          <p:cNvSpPr>
+            <a:spLocks noGrp="1"/>
+          </p:cNvSpPr>
+          <p:nvPr>
+            <p:ph type="title"/>
+          </p:nvPr>
+        </p:nvSpPr>
+        <p:spPr/>
+        <p:txBody>
+          <a:bodyPr/>
+          <a:lstStyle/>
+          <a:p>
+            <a:r>
+              <a:rPr lang="en-US" dirty="0" smtClean="0"/>
+              <a:t>Functional Specifications</a:t>
+            </a:r>
+            <a:endParaRPr lang="en-US" dirty="0"/>
+          </a:p>
+        </p:txBody>
+      </p:sp>
+      <p:sp>
+        <p:nvSpPr>
+          <p:cNvPr id="3" name="Content Placeholder 2"/>
+          <p:cNvSpPr>
+            <a:spLocks noGrp="1"/>
+          </p:cNvSpPr>
+          <p:nvPr>
+            <p:ph idx="1"/>
+          </p:nvPr>
+        </p:nvSpPr>
+        <p:spPr/>
+        <p:txBody>
+          <a:bodyPr>
+            <a:normAutofit/>
+          </a:bodyPr>
+          <a:lstStyle/>
+          <a:p>
+            <a:pPr>
+              <a:buFont typeface="Courier New" panose="02070309020205020404" pitchFamily="49" charset="0"/>
+              <a:buChar char="o"/>
+            </a:pPr>
+            <a:r>
+              <a:rPr lang="en-US" sz="2800" dirty="0" smtClean="0"/>
+              <a:t>Rewards curious and adventurous players</a:t>
+            </a:r>
+          </a:p>
+          <a:p>
+            <a:pPr>
+              <a:buFont typeface="Courier New" panose="02070309020205020404" pitchFamily="49" charset="0"/>
+              <a:buChar char="o"/>
+            </a:pPr>
+            <a:r>
+              <a:rPr lang="en-US" sz="2800" dirty="0" smtClean="0"/>
+              <a:t>Victory conditions</a:t>
+            </a:r>
+          </a:p>
+          <a:p>
+            <a:pPr lvl="1">
+              <a:buFont typeface="Courier New" panose="02070309020205020404" pitchFamily="49" charset="0"/>
+              <a:buChar char="o"/>
+            </a:pPr>
+            <a:r>
+              <a:rPr lang="en-US" sz="2600" dirty="0" smtClean="0"/>
+              <a:t>Winning</a:t>
+            </a:r>
+          </a:p>
+          <a:p>
+            <a:pPr lvl="1">
+              <a:buFont typeface="Courier New" panose="02070309020205020404" pitchFamily="49" charset="0"/>
+              <a:buChar char="o"/>
+            </a:pPr>
+            <a:r>
+              <a:rPr lang="en-US" sz="2600" dirty="0" smtClean="0"/>
+              <a:t>Losing</a:t>
+            </a:r>
+          </a:p>
+          <a:p>
+            <a:pPr>
+              <a:buFont typeface="Courier New" panose="02070309020205020404" pitchFamily="49" charset="0"/>
+              <a:buChar char="o"/>
+            </a:pPr>
+            <a:r>
+              <a:rPr lang="en-US" sz="2800" dirty="0" smtClean="0"/>
+              <a:t>Game Elements</a:t>
+            </a:r>
+          </a:p>
+          <a:p>
+            <a:pPr lvl="1">
+              <a:buFont typeface="Courier New" panose="02070309020205020404" pitchFamily="49" charset="0"/>
+              <a:buChar char="o"/>
+            </a:pPr>
+            <a:r>
+              <a:rPr lang="en-US" sz="2600" dirty="0" smtClean="0">
+                <a:sym typeface="Wingdings" panose="05000000000000000000" pitchFamily="2" charset="2"/>
+              </a:rPr>
+              <a:t>Health/Stamina</a:t>
+            </a:r>
+          </a:p>
+          <a:p>
+            <a:pPr lvl="1">
+              <a:buFont typeface="Courier New" panose="02070309020205020404" pitchFamily="49" charset="0"/>
+              <a:buChar char="o"/>
+            </a:pPr>
+            <a:r>
+              <a:rPr lang="en-US" sz="2600" dirty="0" smtClean="0">
+                <a:sym typeface="Wingdings" panose="05000000000000000000" pitchFamily="2" charset="2"/>
+              </a:rPr>
+              <a:t>Obstacles</a:t>
+            </a:r>
+          </a:p>
+          <a:p>
+            <a:pPr lvl="1">
+              <a:buFont typeface="Courier New" panose="02070309020205020404" pitchFamily="49" charset="0"/>
+              <a:buChar char="o"/>
+            </a:pPr>
+            <a:r>
+              <a:rPr lang="en-US" sz="2600" dirty="0" smtClean="0">
+                <a:sym typeface="Wingdings" panose="05000000000000000000" pitchFamily="2" charset="2"/>
+              </a:rPr>
+              <a:t>Items</a:t>
+            </a:r>
+          </a:p>
+          <a:p>
+            <a:pPr>
+              <a:buFont typeface="Courier New" panose="02070309020205020404" pitchFamily="49" charset="0"/>
+              <a:buChar char="o"/>
+            </a:pPr>
+            <a:endParaRPr lang="en-US" sz="2800" dirty="0" smtClean="0"/>
+          </a:p>
+          <a:p>
+            <a:pPr>
+              <a:buFont typeface="Courier New" panose="02070309020205020404" pitchFamily="49" charset="0"/>
+              <a:buChar char="o"/>
+            </a:pPr>
+            <a:endParaRPr lang="en-US" sz="2800" dirty="0" smtClean="0"/>
+          </a:p>
+        </p:txBody>
+      </p:sp>
+      <p:pic>
+        <p:nvPicPr>
+          <p:cNvPr id="4" name="Picture 3"/>
+          <p:cNvPicPr>
+            <a:picLocks noChangeAspect="1"/>
+          </p:cNvPicPr>
+          <p:nvPr/>
+        </p:nvPicPr>
+        <p:blipFill>
+          <a:blip r:embed="rId2">
+            <a:extLst>
+              <a:ext uri="{28A0092B-C50C-407E-A947-70E740481C1C}">
+                <a14:useLocalDpi xmlns:a14="http://schemas.microsoft.com/office/drawing/2010/main" val="0"/>
+              </a:ext>
+            </a:extLst>
+          </a:blip>
+          <a:stretch>
+            <a:fillRect/>
+          </a:stretch>
+        </p:blipFill>
+        <p:spPr>
+          <a:xfrm>
+            <a:off x="6686117" y="2204826"/>
+            <a:ext cx="4181475" cy="3305175"/>
+          </a:xfrm>
+          <a:prstGeom prst="rect">
+            <a:avLst/>
+          </a:prstGeom>
+        </p:spPr>
+      </p:pic>
+      <p:pic>
+        <p:nvPicPr>
+          <p:cNvPr id="6" name="Picture 5"/>
+          <p:cNvPicPr>
+            <a:picLocks noChangeAspect="1"/>
+          </p:cNvPicPr>
+          <p:nvPr/>
+        </p:nvPicPr>
+        <p:blipFill>
+          <a:blip r:embed="rId3">
+            <a:extLst>
+              <a:ext uri="{28A0092B-C50C-407E-A947-70E740481C1C}">
+                <a14:useLocalDpi xmlns:a14="http://schemas.microsoft.com/office/drawing/2010/main" val="0"/>
+              </a:ext>
+            </a:extLst>
+          </a:blip>
+          <a:stretch>
+            <a:fillRect/>
+          </a:stretch>
+        </p:blipFill>
+        <p:spPr>
+          <a:xfrm>
+            <a:off x="9742682" y="228480"/>
+            <a:ext cx="948765" cy="1508880"/>
+          </a:xfrm>
+          <a:prstGeom prst="roundRect">
+            <a:avLst>
+              <a:gd name="adj" fmla="val 8594"/>
+            </a:avLst>
+          </a:prstGeom>
+          <a:solidFill>
+            <a:srgbClr val="FFFFFF">
+              <a:shade val="85000"/>
+            </a:srgbClr>
+          </a:solidFill>
+          <a:ln>
+            <a:noFill/>
+          </a:ln>
+          <a:effectLst>
+            <a:reflection blurRad="12700" stA="38000" endPos="28000" dist="5000" dir="5400000" sy="-100000" algn="bl" rotWithShape="0"/>
+          </a:effectLst>
+        </p:spPr>
+      </p:pic>
+    </p:spTree>
+    <p:extLst>
+      <p:ext uri="{BB962C8B-B14F-4D97-AF65-F5344CB8AC3E}">
+        <p14:creationId xmlns:p14="http://schemas.microsoft.com/office/powerpoint/2010/main" val="204447137"/>
+      </p:ext>
+    </p:extLst>
+  </p:cSld>
+  <p:clrMapOvr>
+    <a:masterClrMapping/>
+  </p:clrMapOvr>
+  <p:timing>
+    <p:tnLst>
+      <p:par>
+        <p:cTn id="1" dur="indefinite" restart="never" nodeType="tmRoot"/>
+      </p:par>
+    </p:tnLst>
+  </p:timing>
+</p:sld>
+</file>
+
+<file path=ppt/slides/slide4.xml><?xml version="1.0" encoding="utf-8"?>
+<p:sld xmlns:a="http://schemas.openxmlformats.org/drawingml/2006/main" xmlns:r="http://schemas.openxmlformats.org/officeDocument/2006/relationships" xmlns:p="http://schemas.openxmlformats.org/presentationml/2006/main">
+  <p:cSld>
+    <p:spTree>
+      <p:nvGrpSpPr>
+        <p:cNvPr id="1" name=""/>
+        <p:cNvGrpSpPr/>
+        <p:nvPr/>
+      </p:nvGrpSpPr>
+      <p:grpSpPr>
+        <a:xfrm>
+          <a:off x="0" y="0"/>
+          <a:ext cx="0" cy="0"/>
+          <a:chOff x="0" y="0"/>
+          <a:chExt cx="0" cy="0"/>
+        </a:xfrm>
+      </p:grpSpPr>
+      <p:sp>
+        <p:nvSpPr>
+          <p:cNvPr id="2" name="Title 1"/>
+          <p:cNvSpPr>
+            <a:spLocks noGrp="1"/>
+          </p:cNvSpPr>
+          <p:nvPr>
+            <p:ph type="title"/>
+          </p:nvPr>
+        </p:nvSpPr>
+        <p:spPr/>
+        <p:txBody>
+          <a:bodyPr/>
+          <a:lstStyle/>
+          <a:p>
+            <a:r>
+              <a:rPr lang="en-US" dirty="0" smtClean="0"/>
+              <a:t>User Interface and Menus</a:t>
+            </a:r>
+            <a:endParaRPr lang="en-US" dirty="0"/>
+          </a:p>
+        </p:txBody>
+      </p:sp>
+      <p:sp>
+        <p:nvSpPr>
+          <p:cNvPr id="3" name="Content Placeholder 2"/>
+          <p:cNvSpPr>
+            <a:spLocks noGrp="1"/>
+          </p:cNvSpPr>
+          <p:nvPr>
+            <p:ph idx="1"/>
+          </p:nvPr>
+        </p:nvSpPr>
+        <p:spPr/>
+        <p:txBody>
+          <a:bodyPr>
+            <a:normAutofit/>
+          </a:bodyPr>
+          <a:lstStyle/>
+          <a:p>
+            <a:pPr>
+              <a:buFont typeface="Courier New" panose="02070309020205020404" pitchFamily="49" charset="0"/>
+              <a:buChar char="o"/>
+            </a:pPr>
+            <a:r>
+              <a:rPr lang="en-US" sz="2200" dirty="0" smtClean="0"/>
+              <a:t>Splash Screen</a:t>
+            </a:r>
+          </a:p>
+          <a:p>
+            <a:pPr>
+              <a:buFont typeface="Courier New" panose="02070309020205020404" pitchFamily="49" charset="0"/>
+              <a:buChar char="o"/>
+            </a:pPr>
+            <a:r>
+              <a:rPr lang="en-US" sz="2200" dirty="0" smtClean="0"/>
+              <a:t>Menus</a:t>
+            </a:r>
+          </a:p>
+          <a:p>
+            <a:pPr>
+              <a:buFont typeface="Courier New" panose="02070309020205020404" pitchFamily="49" charset="0"/>
+              <a:buChar char="o"/>
+            </a:pPr>
+            <a:r>
+              <a:rPr lang="en-US" sz="2200" dirty="0" smtClean="0"/>
+              <a:t>HUD</a:t>
+            </a:r>
+          </a:p>
+          <a:p>
+            <a:pPr>
+              <a:buFont typeface="Courier New" panose="02070309020205020404" pitchFamily="49" charset="0"/>
+              <a:buChar char="o"/>
+            </a:pPr>
+            <a:r>
+              <a:rPr lang="en-US" sz="2200" dirty="0" smtClean="0"/>
+              <a:t>Brightness</a:t>
+            </a:r>
+          </a:p>
+          <a:p>
+            <a:pPr lvl="1">
+              <a:buFont typeface="Courier New" panose="02070309020205020404" pitchFamily="49" charset="0"/>
+              <a:buChar char="o"/>
+            </a:pPr>
+            <a:r>
+              <a:rPr lang="en-US" sz="2200" dirty="0" smtClean="0"/>
+              <a:t>70% - 130%</a:t>
+            </a:r>
+            <a:endParaRPr lang="en-US" sz="2200" dirty="0"/>
+          </a:p>
+          <a:p>
+            <a:pPr>
+              <a:buFont typeface="Courier New" panose="02070309020205020404" pitchFamily="49" charset="0"/>
+              <a:buChar char="o"/>
+            </a:pPr>
+            <a:r>
+              <a:rPr lang="en-US" sz="2200" dirty="0" smtClean="0"/>
+              <a:t>Resolution</a:t>
+            </a:r>
+          </a:p>
+          <a:p>
+            <a:pPr lvl="1">
+              <a:buFont typeface="Courier New" panose="02070309020205020404" pitchFamily="49" charset="0"/>
+              <a:buChar char="o"/>
+            </a:pPr>
+            <a:r>
+              <a:rPr lang="en-US" sz="2200" dirty="0" smtClean="0"/>
+              <a:t>16:9 Support</a:t>
+            </a:r>
+          </a:p>
+          <a:p>
+            <a:pPr>
+              <a:buFont typeface="Courier New" panose="02070309020205020404" pitchFamily="49" charset="0"/>
+              <a:buChar char="o"/>
+            </a:pPr>
+            <a:r>
+              <a:rPr lang="en-US" sz="2200" dirty="0" smtClean="0"/>
+              <a:t>Graphics</a:t>
+            </a:r>
+          </a:p>
+          <a:p>
+            <a:pPr lvl="1">
+              <a:buFont typeface="Courier New" panose="02070309020205020404" pitchFamily="49" charset="0"/>
+              <a:buChar char="o"/>
+            </a:pPr>
+            <a:r>
+              <a:rPr lang="en-US" sz="2200" dirty="0" smtClean="0"/>
+              <a:t>Low-High</a:t>
+            </a:r>
+          </a:p>
+        </p:txBody>
+      </p:sp>
+      <p:pic>
+        <p:nvPicPr>
+          <p:cNvPr id="5" name="Picture 4"/>
+          <p:cNvPicPr/>
+          <p:nvPr/>
+        </p:nvPicPr>
+        <p:blipFill rotWithShape="1">
+          <a:blip r:embed="rId2" cstate="print">
+            <a:extLst>
+              <a:ext uri="{28A0092B-C50C-407E-A947-70E740481C1C}">
+                <a14:useLocalDpi xmlns:a14="http://schemas.microsoft.com/office/drawing/2010/main" val="0"/>
+              </a:ext>
+            </a:extLst>
+          </a:blip>
+          <a:srcRect l="481" t="12250" r="21795" b="21938"/>
+          <a:stretch/>
+        </p:blipFill>
+        <p:spPr bwMode="auto">
+          <a:xfrm>
+            <a:off x="4044876" y="2008709"/>
+            <a:ext cx="7110804" cy="3697410"/>
+          </a:xfrm>
+          <a:prstGeom prst="rect">
+            <a:avLst/>
+          </a:prstGeom>
+          <a:ln>
+            <a:noFill/>
+          </a:ln>
+          <a:extLst>
+            <a:ext uri="{53640926-AAD7-44D8-BBD7-CCE9431645EC}">
+              <a14:shadowObscured xmlns:a14="http://schemas.microsoft.com/office/drawing/2010/main"/>
+            </a:ext>
+          </a:extLst>
+        </p:spPr>
+      </p:pic>
+      <p:pic>
+        <p:nvPicPr>
+          <p:cNvPr id="6" name="Picture 5"/>
+          <p:cNvPicPr>
+            <a:picLocks noChangeAspect="1"/>
+          </p:cNvPicPr>
+          <p:nvPr/>
+        </p:nvPicPr>
+        <p:blipFill>
+          <a:blip r:embed="rId3">
+            <a:extLst>
+              <a:ext uri="{28A0092B-C50C-407E-A947-70E740481C1C}">
+                <a14:useLocalDpi xmlns:a14="http://schemas.microsoft.com/office/drawing/2010/main" val="0"/>
+              </a:ext>
+            </a:extLst>
+          </a:blip>
+          <a:stretch>
+            <a:fillRect/>
+          </a:stretch>
+        </p:blipFill>
+        <p:spPr>
+          <a:xfrm>
+            <a:off x="9181129" y="0"/>
+            <a:ext cx="1245512" cy="1721852"/>
+          </a:xfrm>
+          <a:prstGeom prst="roundRect">
+            <a:avLst>
+              <a:gd name="adj" fmla="val 8594"/>
+            </a:avLst>
+          </a:prstGeom>
+          <a:solidFill>
+            <a:srgbClr val="FFFFFF">
+              <a:shade val="85000"/>
+            </a:srgbClr>
+          </a:solidFill>
+          <a:ln>
+            <a:noFill/>
+          </a:ln>
+          <a:effectLst>
+            <a:reflection blurRad="12700" stA="38000" endPos="28000" dist="5000" dir="5400000" sy="-100000" algn="bl" rotWithShape="0"/>
+          </a:effectLst>
+        </p:spPr>
+      </p:pic>
+    </p:spTree>
+    <p:extLst>
+      <p:ext uri="{BB962C8B-B14F-4D97-AF65-F5344CB8AC3E}">
+        <p14:creationId xmlns:p14="http://schemas.microsoft.com/office/powerpoint/2010/main" val="399732649"/>
+      </p:ext>
+    </p:extLst>
+  </p:cSld>
+  <p:clrMapOvr>
+    <a:masterClrMapping/>
+  </p:clrMapOvr>
+  <p:timing>
+    <p:tnLst>
+      <p:par>
+        <p:cTn id="1" dur="indefinite" restart="never" nodeType="tmRoot"/>
+      </p:par>
+    </p:tnLst>
+  </p:timing>
+</p:sld>
+</file>
+
+<file path=ppt/slides/slide5.xml><?xml version="1.0" encoding="utf-8"?>
+<p:sld xmlns:a="http://schemas.openxmlformats.org/drawingml/2006/main" xmlns:r="http://schemas.openxmlformats.org/officeDocument/2006/relationships" xmlns:p="http://schemas.openxmlformats.org/presentationml/2006/main">
+  <p:cSld>
+    <p:spTree>
+      <p:nvGrpSpPr>
+        <p:cNvPr id="1" name=""/>
+        <p:cNvGrpSpPr/>
+        <p:nvPr/>
+      </p:nvGrpSpPr>
+      <p:grpSpPr>
+        <a:xfrm>
+          <a:off x="0" y="0"/>
+          <a:ext cx="0" cy="0"/>
+          <a:chOff x="0" y="0"/>
+          <a:chExt cx="0" cy="0"/>
+        </a:xfrm>
+      </p:grpSpPr>
+      <p:sp>
+        <p:nvSpPr>
+          <p:cNvPr id="2" name="Title 1"/>
+          <p:cNvSpPr>
+            <a:spLocks noGrp="1"/>
+          </p:cNvSpPr>
+          <p:nvPr>
+            <p:ph type="title"/>
+          </p:nvPr>
+        </p:nvSpPr>
+        <p:spPr>
+          <a:xfrm>
+            <a:off x="457200" y="594359"/>
+            <a:ext cx="3200400" cy="1178294"/>
+          </a:xfrm>
+        </p:spPr>
+        <p:txBody>
+          <a:bodyPr/>
+          <a:lstStyle/>
+          <a:p>
+            <a:r>
+              <a:rPr lang="en-US" b="1" dirty="0" smtClean="0"/>
+              <a:t>Main Menu </a:t>
+            </a:r>
+            <a:br>
+              <a:rPr lang="en-US" b="1" dirty="0" smtClean="0"/>
+            </a:br>
+            <a:r>
+              <a:rPr lang="en-US" b="1" dirty="0" smtClean="0"/>
+              <a:t>Flow Diagram</a:t>
+            </a:r>
+            <a:endParaRPr lang="en-US" b="1" dirty="0"/>
+          </a:p>
+        </p:txBody>
+      </p:sp>
+      <p:sp>
+        <p:nvSpPr>
+          <p:cNvPr id="15" name="Text Placeholder 14"/>
+          <p:cNvSpPr>
+            <a:spLocks noGrp="1"/>
+          </p:cNvSpPr>
+          <p:nvPr>
+            <p:ph type="body" sz="half" idx="2"/>
+          </p:nvPr>
+        </p:nvSpPr>
+        <p:spPr>
+          <a:xfrm>
+            <a:off x="457200" y="1852863"/>
+            <a:ext cx="3200400" cy="4452341"/>
+          </a:xfrm>
+        </p:spPr>
+        <p:txBody>
+          <a:bodyPr>
+            <a:normAutofit/>
+          </a:bodyPr>
+          <a:lstStyle/>
+          <a:p>
+            <a:pPr marL="285750" indent="-285750">
+              <a:buFont typeface="Wingdings" panose="05000000000000000000" pitchFamily="2" charset="2"/>
+              <a:buChar char="q"/>
+            </a:pPr>
+            <a:r>
+              <a:rPr lang="en-US" sz="2800" dirty="0" smtClean="0"/>
+              <a:t>Represent Wayne State</a:t>
+            </a:r>
+          </a:p>
+          <a:p>
+            <a:pPr marL="285750" indent="-285750">
+              <a:buFont typeface="Wingdings" panose="05000000000000000000" pitchFamily="2" charset="2"/>
+              <a:buChar char="q"/>
+            </a:pPr>
+            <a:r>
+              <a:rPr lang="en-US" sz="2800" dirty="0" smtClean="0"/>
+              <a:t>Simple</a:t>
+            </a:r>
+          </a:p>
+          <a:p>
+            <a:pPr marL="285750" indent="-285750">
+              <a:buFont typeface="Wingdings" panose="05000000000000000000" pitchFamily="2" charset="2"/>
+              <a:buChar char="q"/>
+            </a:pPr>
+            <a:r>
+              <a:rPr lang="en-US" sz="2800" dirty="0" smtClean="0"/>
+              <a:t>Intuitive Navigation</a:t>
+            </a:r>
+            <a:endParaRPr lang="en-US" sz="2800" dirty="0"/>
+          </a:p>
+        </p:txBody>
+      </p:sp>
+      <p:sp>
+        <p:nvSpPr>
+          <p:cNvPr id="16" name="Rectangle 6"/>
+          <p:cNvSpPr>
+            <a:spLocks noChangeArrowheads="1"/>
+          </p:cNvSpPr>
+          <p:nvPr/>
+        </p:nvSpPr>
+        <p:spPr bwMode="auto">
+          <a:xfrm>
+            <a:off x="4734889" y="594359"/>
+            <a:ext cx="13537720" cy="45719"/>
+          </a:xfrm>
+          <a:prstGeom prst="rect">
+            <a:avLst/>
+          </a:prstGeom>
+          <a:noFill/>
+          <a:ln>
+            <a:noFill/>
+          </a:ln>
+          <a:effectLst/>
+          <a:extLst>
+            <a:ext uri="{909E8E84-426E-40DD-AFC4-6F175D3DCCD1}">
+              <a14:hiddenFill xmlns:a14="http://schemas.microsoft.com/office/drawing/2010/main">
+                <a:solidFill>
+                  <a:schemeClr val="accent1"/>
+                </a:solidFill>
+              </a14:hiddenFill>
+            </a:ext>
+            <a:ext uri="{91240B29-F687-4F45-9708-019B960494DF}">
+              <a14:hiddenLine xmlns:a14="http://schemas.microsoft.com/office/drawing/2010/main" w="9525">
+                <a:solidFill>
+                  <a:schemeClr val="tx1"/>
+                </a:solidFill>
+                <a:miter lim="800000"/>
+                <a:headEnd/>
+                <a:tailEnd/>
+              </a14:hiddenLine>
+            </a:ext>
+            <a:ext uri="{AF507438-7753-43E0-B8FC-AC1667EBCBE1}">
+              <a14:hiddenEffects xmlns:a14="http://schemas.microsoft.com/office/drawing/2010/main">
+                <a:effectLst>
+                  <a:outerShdw dist="35921" dir="2700000" algn="ctr" rotWithShape="0">
+                    <a:schemeClr val="bg2"/>
+                  </a:outerShdw>
+                </a:effectLst>
+              </a14:hiddenEffects>
+            </a:ext>
+          </a:extLst>
+        </p:spPr>
+        <p:txBody>
+          <a:bodyPr vert="horz" wrap="square" lIns="91440" tIns="45720" rIns="91440" bIns="45720" numCol="1" anchor="ctr" anchorCtr="0" compatLnSpc="1">
+            <a:prstTxWarp prst="textNoShape">
+              <a:avLst/>
+            </a:prstTxWarp>
+            <a:spAutoFit/>
+          </a:bodyPr>
+          <a:lstStyle/>
+          <a:p>
+            <a:endParaRPr lang="en-US"/>
+          </a:p>
+        </p:txBody>
+      </p:sp>
+      <p:graphicFrame>
+        <p:nvGraphicFramePr>
+          <p:cNvPr id="17" name="Object 16"/>
+          <p:cNvGraphicFramePr>
+            <a:graphicFrameLocks noChangeAspect="1"/>
+          </p:cNvGraphicFramePr>
+          <p:nvPr>
+            <p:extLst>
+              <p:ext uri="{D42A27DB-BD31-4B8C-83A1-F6EECF244321}">
+                <p14:modId xmlns:p14="http://schemas.microsoft.com/office/powerpoint/2010/main" val="4285095334"/>
+              </p:ext>
+            </p:extLst>
+          </p:nvPr>
+        </p:nvGraphicFramePr>
+        <p:xfrm>
+          <a:off x="4734889" y="490085"/>
+          <a:ext cx="6430417" cy="5922753"/>
+        </p:xfrm>
+        <a:graphic>
+          <a:graphicData uri="http://schemas.openxmlformats.org/presentationml/2006/ole">
+            <mc:AlternateContent xmlns:mc="http://schemas.openxmlformats.org/markup-compatibility/2006">
+              <mc:Choice xmlns:v="urn:schemas-microsoft-com:vml" Requires="v">
+                <p:oleObj spid="_x0000_s1038" r:id="rId3" imgW="6639011" imgH="6105658" progId="Visio.Drawing.15">
+                  <p:embed/>
+                </p:oleObj>
+              </mc:Choice>
+              <mc:Fallback>
+                <p:oleObj r:id="rId3" imgW="6639011" imgH="6105658" progId="Visio.Drawing.15">
+                  <p:embed/>
+                  <p:pic>
+                    <p:nvPicPr>
+                      <p:cNvPr id="0" name="Object 5"/>
+                      <p:cNvPicPr>
+                        <a:picLocks noChangeAspect="1" noChangeArrowheads="1"/>
+                      </p:cNvPicPr>
+                      <p:nvPr/>
+                    </p:nvPicPr>
+                    <p:blipFill>
+                      <a:blip r:embed="rId4">
+                        <a:extLst>
+                          <a:ext uri="{28A0092B-C50C-407E-A947-70E740481C1C}">
+                            <a14:useLocalDpi xmlns:a14="http://schemas.microsoft.com/office/drawing/2010/main" val="0"/>
+                          </a:ext>
+                        </a:extLst>
+                      </a:blip>
+                      <a:srcRect/>
+                      <a:stretch>
+                        <a:fillRect/>
+                      </a:stretch>
+                    </p:blipFill>
+                    <p:spPr bwMode="auto">
+                      <a:xfrm>
+                        <a:off x="4734889" y="490085"/>
+                        <a:ext cx="6430417" cy="5922753"/>
+                      </a:xfrm>
+                      <a:prstGeom prst="rect">
+                        <a:avLst/>
+                      </a:prstGeom>
+                      <a:noFill/>
+                    </p:spPr>
+                  </p:pic>
+                </p:oleObj>
+              </mc:Fallback>
+            </mc:AlternateContent>
+          </a:graphicData>
+        </a:graphic>
+      </p:graphicFrame>
+      <p:pic>
+        <p:nvPicPr>
+          <p:cNvPr id="18" name="Picture 17"/>
+          <p:cNvPicPr>
+            <a:picLocks noChangeAspect="1"/>
+          </p:cNvPicPr>
+          <p:nvPr/>
+        </p:nvPicPr>
+        <p:blipFill>
+          <a:blip r:embed="rId5">
+            <a:extLst>
+              <a:ext uri="{28A0092B-C50C-407E-A947-70E740481C1C}">
+                <a14:useLocalDpi xmlns:a14="http://schemas.microsoft.com/office/drawing/2010/main" val="0"/>
+              </a:ext>
+            </a:extLst>
+          </a:blip>
+          <a:stretch>
+            <a:fillRect/>
+          </a:stretch>
+        </p:blipFill>
+        <p:spPr>
+          <a:xfrm>
+            <a:off x="4455493" y="390031"/>
+            <a:ext cx="1121937" cy="1586950"/>
+          </a:xfrm>
+          <a:prstGeom prst="roundRect">
+            <a:avLst>
+              <a:gd name="adj" fmla="val 8594"/>
+            </a:avLst>
+          </a:prstGeom>
+          <a:solidFill>
+            <a:srgbClr val="FFFFFF">
+              <a:shade val="85000"/>
+            </a:srgbClr>
+          </a:solidFill>
+          <a:ln>
+            <a:noFill/>
+          </a:ln>
+          <a:effectLst>
+            <a:reflection blurRad="12700" stA="38000" endPos="28000" dist="5000" dir="5400000" sy="-100000" algn="bl" rotWithShape="0"/>
+          </a:effectLst>
+        </p:spPr>
+      </p:pic>
+    </p:spTree>
+    <p:extLst>
+      <p:ext uri="{BB962C8B-B14F-4D97-AF65-F5344CB8AC3E}">
+        <p14:creationId xmlns:p14="http://schemas.microsoft.com/office/powerpoint/2010/main" val="22143993"/>
+      </p:ext>
+    </p:extLst>
+  </p:cSld>
+  <p:clrMapOvr>
+    <a:masterClrMapping/>
+  </p:clrMapOvr>
+  <p:timing>
+    <p:tnLst>
+      <p:par>
+        <p:cTn id="1" dur="indefinite" restart="never" nodeType="tmRoot"/>
+      </p:par>
+    </p:tnLst>
+  </p:timing>
+</p:sld>
+</file>
+
+<file path=ppt/slides/slide6.xml><?xml version="1.0" encoding="utf-8"?>
+<p:sld xmlns:a="http://schemas.openxmlformats.org/drawingml/2006/main" xmlns:r="http://schemas.openxmlformats.org/officeDocument/2006/relationships" xmlns:p="http://schemas.openxmlformats.org/presentationml/2006/main">
+  <p:cSld>
+    <p:spTree>
+      <p:nvGrpSpPr>
+        <p:cNvPr id="1" name=""/>
+        <p:cNvGrpSpPr/>
+        <p:nvPr/>
+      </p:nvGrpSpPr>
+      <p:grpSpPr>
+        <a:xfrm>
+          <a:off x="0" y="0"/>
+          <a:ext cx="0" cy="0"/>
+          <a:chOff x="0" y="0"/>
+          <a:chExt cx="0" cy="0"/>
+        </a:xfrm>
+      </p:grpSpPr>
+      <p:sp>
+        <p:nvSpPr>
+          <p:cNvPr id="5" name="Title 4"/>
+          <p:cNvSpPr>
+            <a:spLocks noGrp="1"/>
+          </p:cNvSpPr>
+          <p:nvPr>
+            <p:ph type="title"/>
+          </p:nvPr>
+        </p:nvSpPr>
+        <p:spPr>
+          <a:xfrm>
+            <a:off x="457200" y="594359"/>
+            <a:ext cx="3200400" cy="749887"/>
+          </a:xfrm>
+        </p:spPr>
+        <p:txBody>
+          <a:bodyPr>
+            <a:normAutofit/>
+          </a:bodyPr>
+          <a:lstStyle/>
+          <a:p>
+            <a:pPr algn="ctr"/>
+            <a:r>
+              <a:rPr lang="en-US" sz="4800" dirty="0" smtClean="0"/>
+              <a:t>Art &amp; Video</a:t>
+            </a:r>
+            <a:endParaRPr lang="en-US" sz="4800" dirty="0"/>
+          </a:p>
+        </p:txBody>
+      </p:sp>
+      <p:sp>
+        <p:nvSpPr>
+          <p:cNvPr id="7" name="Text Placeholder 6"/>
+          <p:cNvSpPr>
+            <a:spLocks noGrp="1"/>
+          </p:cNvSpPr>
+          <p:nvPr>
+            <p:ph type="body" sz="half" idx="2"/>
+          </p:nvPr>
+        </p:nvSpPr>
+        <p:spPr>
+          <a:xfrm>
+            <a:off x="457200" y="1414585"/>
+            <a:ext cx="3200400" cy="4890619"/>
+          </a:xfrm>
+        </p:spPr>
+        <p:txBody>
+          <a:bodyPr>
+            <a:normAutofit/>
+          </a:bodyPr>
+          <a:lstStyle/>
+          <a:p>
+            <a:pPr marL="457200" indent="-457200">
+              <a:buFont typeface="Wingdings" panose="05000000000000000000" pitchFamily="2" charset="2"/>
+              <a:buChar char="q"/>
+            </a:pPr>
+            <a:r>
+              <a:rPr lang="en-US" sz="2800" dirty="0" smtClean="0"/>
+              <a:t>Terrain</a:t>
+            </a:r>
+          </a:p>
+          <a:p>
+            <a:pPr marL="457200" indent="-457200">
+              <a:buFont typeface="Wingdings" panose="05000000000000000000" pitchFamily="2" charset="2"/>
+              <a:buChar char="q"/>
+            </a:pPr>
+            <a:r>
+              <a:rPr lang="en-US" sz="2800" dirty="0" smtClean="0"/>
+              <a:t>Game Play Elements</a:t>
+            </a:r>
+          </a:p>
+          <a:p>
+            <a:pPr marL="457200" indent="-457200">
+              <a:buFont typeface="Wingdings" panose="05000000000000000000" pitchFamily="2" charset="2"/>
+              <a:buChar char="q"/>
+            </a:pPr>
+            <a:r>
+              <a:rPr lang="en-US" sz="2800" dirty="0" smtClean="0"/>
+              <a:t>Special Effects</a:t>
+            </a:r>
+          </a:p>
+          <a:p>
+            <a:pPr marL="457200" indent="-457200">
+              <a:buFont typeface="Wingdings" panose="05000000000000000000" pitchFamily="2" charset="2"/>
+              <a:buChar char="q"/>
+            </a:pPr>
+            <a:r>
+              <a:rPr lang="en-US" sz="2800" dirty="0" smtClean="0"/>
+              <a:t>Marketing and Packaging Art</a:t>
+            </a:r>
+          </a:p>
+        </p:txBody>
+      </p:sp>
+      <p:pic>
+        <p:nvPicPr>
+          <p:cNvPr id="6" name="Picture 5"/>
+          <p:cNvPicPr/>
+          <p:nvPr/>
+        </p:nvPicPr>
+        <p:blipFill rotWithShape="1">
+          <a:blip r:embed="rId2">
+            <a:extLst>
+              <a:ext uri="{28A0092B-C50C-407E-A947-70E740481C1C}">
+                <a14:useLocalDpi xmlns:a14="http://schemas.microsoft.com/office/drawing/2010/main" val="0"/>
+              </a:ext>
+            </a:extLst>
+          </a:blip>
+          <a:srcRect l="47795" t="15453" r="40186" b="41545"/>
+          <a:stretch/>
+        </p:blipFill>
+        <p:spPr bwMode="auto">
+          <a:xfrm>
+            <a:off x="5453380" y="1291319"/>
+            <a:ext cx="1275715" cy="2568575"/>
+          </a:xfrm>
+          <a:prstGeom prst="roundRect">
+            <a:avLst>
+              <a:gd name="adj" fmla="val 8594"/>
+            </a:avLst>
+          </a:prstGeom>
+          <a:solidFill>
+            <a:srgbClr val="FFFFFF">
+              <a:shade val="85000"/>
+            </a:srgbClr>
+          </a:solidFill>
+          <a:ln>
+            <a:noFill/>
+          </a:ln>
+          <a:effectLst>
+            <a:reflection blurRad="12700" stA="38000" endPos="28000" dist="5000" dir="5400000" sy="-100000" algn="bl" rotWithShape="0"/>
+          </a:effectLst>
+          <a:extLst>
+            <a:ext uri="{53640926-AAD7-44D8-BBD7-CCE9431645EC}">
+              <a14:shadowObscured xmlns:a14="http://schemas.microsoft.com/office/drawing/2010/main"/>
+            </a:ext>
+          </a:extLst>
+        </p:spPr>
+      </p:pic>
+      <p:pic>
+        <p:nvPicPr>
+          <p:cNvPr id="9" name="Picture 8"/>
+          <p:cNvPicPr/>
+          <p:nvPr/>
+        </p:nvPicPr>
+        <p:blipFill rotWithShape="1">
+          <a:blip r:embed="rId3">
+            <a:extLst>
+              <a:ext uri="{28A0092B-C50C-407E-A947-70E740481C1C}">
+                <a14:useLocalDpi xmlns:a14="http://schemas.microsoft.com/office/drawing/2010/main" val="0"/>
+              </a:ext>
+            </a:extLst>
+          </a:blip>
+          <a:srcRect l="26923" t="34188" r="15064" b="41880"/>
+          <a:stretch/>
+        </p:blipFill>
+        <p:spPr bwMode="auto">
+          <a:xfrm>
+            <a:off x="5453380" y="4989513"/>
+            <a:ext cx="5417820" cy="1257300"/>
+          </a:xfrm>
+          <a:prstGeom prst="roundRect">
+            <a:avLst>
+              <a:gd name="adj" fmla="val 8594"/>
+            </a:avLst>
+          </a:prstGeom>
+          <a:solidFill>
+            <a:srgbClr val="FFFFFF">
+              <a:shade val="85000"/>
+            </a:srgbClr>
+          </a:solidFill>
+          <a:ln>
+            <a:noFill/>
+          </a:ln>
+          <a:effectLst>
+            <a:reflection blurRad="12700" stA="38000" endPos="28000" dist="5000" dir="5400000" sy="-100000" algn="bl" rotWithShape="0"/>
+          </a:effectLst>
+          <a:extLst>
+            <a:ext uri="{53640926-AAD7-44D8-BBD7-CCE9431645EC}">
+              <a14:shadowObscured xmlns:a14="http://schemas.microsoft.com/office/drawing/2010/main"/>
+            </a:ext>
+          </a:extLst>
+        </p:spPr>
+      </p:pic>
+      <p:pic>
+        <p:nvPicPr>
+          <p:cNvPr id="10" name="Picture 9"/>
+          <p:cNvPicPr/>
+          <p:nvPr/>
+        </p:nvPicPr>
+        <p:blipFill rotWithShape="1">
+          <a:blip r:embed="rId4" cstate="print">
+            <a:extLst>
+              <a:ext uri="{28A0092B-C50C-407E-A947-70E740481C1C}">
+                <a14:useLocalDpi xmlns:a14="http://schemas.microsoft.com/office/drawing/2010/main" val="0"/>
+              </a:ext>
+            </a:extLst>
+          </a:blip>
+          <a:srcRect l="50481" t="8548" r="27244" b="51851"/>
+          <a:stretch/>
+        </p:blipFill>
+        <p:spPr bwMode="auto">
+          <a:xfrm>
+            <a:off x="8323200" y="1291319"/>
+            <a:ext cx="2501046" cy="2568575"/>
+          </a:xfrm>
+          <a:prstGeom prst="roundRect">
+            <a:avLst>
+              <a:gd name="adj" fmla="val 8594"/>
+            </a:avLst>
+          </a:prstGeom>
+          <a:solidFill>
+            <a:srgbClr val="FFFFFF">
+              <a:shade val="85000"/>
+            </a:srgbClr>
+          </a:solidFill>
+          <a:ln>
+            <a:noFill/>
+          </a:ln>
+          <a:effectLst>
+            <a:reflection blurRad="12700" stA="38000" endPos="28000" dist="5000" dir="5400000" sy="-100000" algn="bl" rotWithShape="0"/>
+          </a:effectLst>
+          <a:extLst>
+            <a:ext uri="{53640926-AAD7-44D8-BBD7-CCE9431645EC}">
+              <a14:shadowObscured xmlns:a14="http://schemas.microsoft.com/office/drawing/2010/main"/>
+            </a:ext>
+          </a:extLst>
+        </p:spPr>
+      </p:pic>
+      <p:pic>
+        <p:nvPicPr>
+          <p:cNvPr id="12" name="Picture 11"/>
+          <p:cNvPicPr/>
+          <p:nvPr/>
+        </p:nvPicPr>
+        <p:blipFill>
+          <a:blip r:embed="rId5">
+            <a:extLst>
+              <a:ext uri="{28A0092B-C50C-407E-A947-70E740481C1C}">
+                <a14:useLocalDpi xmlns:a14="http://schemas.microsoft.com/office/drawing/2010/main" val="0"/>
+              </a:ext>
+            </a:extLst>
+          </a:blip>
+          <a:stretch>
+            <a:fillRect/>
+          </a:stretch>
+        </p:blipFill>
+        <p:spPr>
+          <a:xfrm>
+            <a:off x="1537188" y="4989513"/>
+            <a:ext cx="723900" cy="942975"/>
+          </a:xfrm>
+          <a:prstGeom prst="rect">
+            <a:avLst/>
+          </a:prstGeom>
+          <a:ln w="228600" cap="sq" cmpd="thickThin">
+            <a:solidFill>
+              <a:schemeClr val="accent2">
+                <a:lumMod val="75000"/>
+              </a:schemeClr>
+            </a:solidFill>
+            <a:prstDash val="solid"/>
+            <a:miter lim="800000"/>
+          </a:ln>
+          <a:effectLst>
+            <a:innerShdw blurRad="76200">
+              <a:srgbClr val="000000"/>
+            </a:innerShdw>
+          </a:effectLst>
+        </p:spPr>
+      </p:pic>
+      <p:sp>
+        <p:nvSpPr>
+          <p:cNvPr id="15" name="Rectangle 14"/>
+          <p:cNvSpPr/>
+          <p:nvPr/>
+        </p:nvSpPr>
+        <p:spPr>
+          <a:xfrm>
+            <a:off x="6836606" y="4020050"/>
+            <a:ext cx="2260501" cy="916911"/>
+          </a:xfrm>
+          <a:prstGeom prst="rect">
+            <a:avLst/>
+          </a:prstGeom>
+          <a:noFill/>
+        </p:spPr>
+        <p:txBody>
+          <a:bodyPr wrap="square" lIns="91440" tIns="45720" rIns="91440" bIns="45720">
+            <a:spAutoFit/>
+          </a:bodyPr>
+          <a:lstStyle/>
+          <a:p>
+            <a:pPr algn="ctr"/>
+            <a:r>
+              <a:rPr lang="en-US" sz="5400" b="1" cap="none" spc="0" dirty="0" smtClean="0">
+                <a:ln w="13462">
+                  <a:solidFill>
+                    <a:schemeClr val="bg1"/>
+                  </a:solidFill>
+                  <a:prstDash val="solid"/>
+                </a:ln>
+                <a:solidFill>
+                  <a:schemeClr val="tx1">
+                    <a:lumMod val="85000"/>
+                    <a:lumOff val="15000"/>
+                  </a:schemeClr>
+                </a:solidFill>
+                <a:effectLst>
+                  <a:outerShdw dist="38100" dir="2700000" algn="bl" rotWithShape="0">
+                    <a:schemeClr val="accent5"/>
+                  </a:outerShdw>
+                </a:effectLst>
+              </a:rPr>
+              <a:t>Puzzles</a:t>
+            </a:r>
+            <a:endParaRPr lang="en-US" sz="5400" b="1" cap="none" spc="0" dirty="0">
+              <a:ln w="13462">
+                <a:solidFill>
+                  <a:schemeClr val="bg1"/>
+                </a:solidFill>
+                <a:prstDash val="solid"/>
+              </a:ln>
+              <a:solidFill>
+                <a:schemeClr val="tx1">
+                  <a:lumMod val="85000"/>
+                  <a:lumOff val="15000"/>
+                </a:schemeClr>
+              </a:solidFill>
+              <a:effectLst>
+                <a:outerShdw dist="38100" dir="2700000" algn="bl" rotWithShape="0">
+                  <a:schemeClr val="accent5"/>
+                </a:outerShdw>
+              </a:effectLst>
+            </a:endParaRPr>
+          </a:p>
+        </p:txBody>
+      </p:sp>
+      <p:sp>
+        <p:nvSpPr>
+          <p:cNvPr id="16" name="Rectangle 15"/>
+          <p:cNvSpPr/>
+          <p:nvPr/>
+        </p:nvSpPr>
+        <p:spPr>
+          <a:xfrm>
+            <a:off x="6547570" y="315437"/>
+            <a:ext cx="2947987" cy="923330"/>
+          </a:xfrm>
+          <a:prstGeom prst="rect">
+            <a:avLst/>
+          </a:prstGeom>
+          <a:noFill/>
+        </p:spPr>
+        <p:txBody>
+          <a:bodyPr wrap="none" lIns="91440" tIns="45720" rIns="91440" bIns="45720">
+            <a:spAutoFit/>
+          </a:bodyPr>
+          <a:lstStyle/>
+          <a:p>
+            <a:pPr algn="ctr"/>
+            <a:r>
+              <a:rPr lang="en-US" sz="5400" b="1" cap="none" spc="0" dirty="0" smtClean="0">
+                <a:ln w="13462">
+                  <a:solidFill>
+                    <a:schemeClr val="bg1"/>
+                  </a:solidFill>
+                  <a:prstDash val="solid"/>
+                </a:ln>
+                <a:solidFill>
+                  <a:schemeClr val="tx1">
+                    <a:lumMod val="85000"/>
+                    <a:lumOff val="15000"/>
+                  </a:schemeClr>
+                </a:solidFill>
+                <a:effectLst>
+                  <a:outerShdw dist="38100" dir="2700000" algn="bl" rotWithShape="0">
+                    <a:schemeClr val="accent5"/>
+                  </a:outerShdw>
+                </a:effectLst>
+              </a:rPr>
+              <a:t>Obstacles</a:t>
+            </a:r>
+          </a:p>
+        </p:txBody>
+      </p:sp>
+    </p:spTree>
+    <p:extLst>
+      <p:ext uri="{BB962C8B-B14F-4D97-AF65-F5344CB8AC3E}">
+        <p14:creationId xmlns:p14="http://schemas.microsoft.com/office/powerpoint/2010/main" val="2279057902"/>
+      </p:ext>
+    </p:extLst>
+  </p:cSld>
+  <p:clrMapOvr>
+    <a:masterClrMapping/>
+  </p:clrMapOvr>
+  <p:timing>
+    <p:tnLst>
+      <p:par>
+        <p:cTn id="1" dur="indefinite" restart="never" nodeType="tmRoot"/>
+      </p:par>
+    </p:tnLst>
+  </p:timing>
+</p:sld>
+</file>
+
+<file path=ppt/slides/slide7.xml><?xml version="1.0" encoding="utf-8"?>
+<p:sld xmlns:a="http://schemas.openxmlformats.org/drawingml/2006/main" xmlns:r="http://schemas.openxmlformats.org/officeDocument/2006/relationships" xmlns:p="http://schemas.openxmlformats.org/presentationml/2006/main">
+  <p:cSld>
+    <p:spTree>
+      <p:nvGrpSpPr>
+        <p:cNvPr id="1" name=""/>
+        <p:cNvGrpSpPr/>
+        <p:nvPr/>
+      </p:nvGrpSpPr>
+      <p:grpSpPr>
+        <a:xfrm>
+          <a:off x="0" y="0"/>
+          <a:ext cx="0" cy="0"/>
+          <a:chOff x="0" y="0"/>
+          <a:chExt cx="0" cy="0"/>
+        </a:xfrm>
+      </p:grpSpPr>
+      <p:sp>
+        <p:nvSpPr>
+          <p:cNvPr id="2" name="Title 1"/>
+          <p:cNvSpPr>
+            <a:spLocks noGrp="1"/>
+          </p:cNvSpPr>
+          <p:nvPr>
+            <p:ph type="title"/>
+          </p:nvPr>
+        </p:nvSpPr>
+        <p:spPr/>
+        <p:txBody>
+          <a:bodyPr/>
+          <a:lstStyle/>
+          <a:p>
+            <a:r>
+              <a:rPr lang="en-US" dirty="0" smtClean="0"/>
+              <a:t>Sound and Music</a:t>
+            </a:r>
+            <a:endParaRPr lang="en-US" dirty="0"/>
+          </a:p>
+        </p:txBody>
+      </p:sp>
+      <p:sp>
+        <p:nvSpPr>
+          <p:cNvPr id="3" name="Content Placeholder 2"/>
+          <p:cNvSpPr>
+            <a:spLocks noGrp="1"/>
+          </p:cNvSpPr>
+          <p:nvPr>
+            <p:ph sz="half" idx="1"/>
+          </p:nvPr>
+        </p:nvSpPr>
+        <p:spPr/>
+        <p:txBody>
+          <a:bodyPr>
+            <a:normAutofit/>
+          </a:bodyPr>
+          <a:lstStyle/>
+          <a:p>
+            <a:pPr>
+              <a:buFont typeface="Courier New" panose="02070309020205020404" pitchFamily="49" charset="0"/>
+              <a:buChar char="o"/>
+            </a:pPr>
+            <a:r>
+              <a:rPr lang="en-US" sz="2800" dirty="0" smtClean="0"/>
+              <a:t>Music</a:t>
+            </a:r>
+          </a:p>
+          <a:p>
+            <a:pPr lvl="1">
+              <a:buFont typeface="Courier New" panose="02070309020205020404" pitchFamily="49" charset="0"/>
+              <a:buChar char="o"/>
+            </a:pPr>
+            <a:r>
+              <a:rPr lang="en-US" sz="2600" dirty="0" smtClean="0"/>
+              <a:t>Ambiance</a:t>
+            </a:r>
+          </a:p>
+          <a:p>
+            <a:pPr lvl="1">
+              <a:buFont typeface="Courier New" panose="02070309020205020404" pitchFamily="49" charset="0"/>
+              <a:buChar char="o"/>
+            </a:pPr>
+            <a:r>
+              <a:rPr lang="en-US" sz="2600" dirty="0" smtClean="0"/>
+              <a:t>Combat</a:t>
+            </a:r>
+          </a:p>
+          <a:p>
+            <a:pPr lvl="1">
+              <a:buFont typeface="Courier New" panose="02070309020205020404" pitchFamily="49" charset="0"/>
+              <a:buChar char="o"/>
+            </a:pPr>
+            <a:r>
+              <a:rPr lang="en-US" sz="2600" dirty="0" smtClean="0"/>
+              <a:t>Menu</a:t>
+            </a:r>
+          </a:p>
+          <a:p>
+            <a:pPr>
+              <a:buFont typeface="Courier New" panose="02070309020205020404" pitchFamily="49" charset="0"/>
+              <a:buChar char="o"/>
+            </a:pPr>
+            <a:r>
+              <a:rPr lang="en-US" sz="2800" dirty="0" smtClean="0"/>
+              <a:t>Sounds with animations</a:t>
+            </a:r>
+          </a:p>
+          <a:p>
+            <a:pPr>
+              <a:buFont typeface="Courier New" panose="02070309020205020404" pitchFamily="49" charset="0"/>
+              <a:buChar char="o"/>
+            </a:pPr>
+            <a:r>
+              <a:rPr lang="en-US" sz="2800" dirty="0" smtClean="0"/>
+              <a:t>Sounds with particles</a:t>
+            </a:r>
+          </a:p>
+          <a:p>
+            <a:pPr>
+              <a:buFont typeface="Courier New" panose="02070309020205020404" pitchFamily="49" charset="0"/>
+              <a:buChar char="o"/>
+            </a:pPr>
+            <a:r>
+              <a:rPr lang="en-US" sz="2800" dirty="0" smtClean="0"/>
+              <a:t>Grunts</a:t>
+            </a:r>
+            <a:endParaRPr lang="en-US" sz="2800" dirty="0"/>
+          </a:p>
+        </p:txBody>
+      </p:sp>
+      <p:sp>
+        <p:nvSpPr>
+          <p:cNvPr id="6" name="Rectangle 2"/>
+          <p:cNvSpPr>
+            <a:spLocks noChangeArrowheads="1"/>
+          </p:cNvSpPr>
+          <p:nvPr/>
+        </p:nvSpPr>
+        <p:spPr bwMode="auto">
+          <a:xfrm>
+            <a:off x="5221605" y="1594339"/>
+            <a:ext cx="12192000" cy="0"/>
+          </a:xfrm>
+          <a:prstGeom prst="rect">
+            <a:avLst/>
+          </a:prstGeom>
+          <a:noFill/>
+          <a:ln>
+            <a:noFill/>
+          </a:ln>
+          <a:effectLst/>
+          <a:extLst>
+            <a:ext uri="{909E8E84-426E-40DD-AFC4-6F175D3DCCD1}">
+              <a14:hiddenFill xmlns:a14="http://schemas.microsoft.com/office/drawing/2010/main">
+                <a:solidFill>
+                  <a:schemeClr val="accent1"/>
+                </a:solidFill>
+              </a14:hiddenFill>
+            </a:ext>
+            <a:ext uri="{91240B29-F687-4F45-9708-019B960494DF}">
+              <a14:hiddenLine xmlns:a14="http://schemas.microsoft.com/office/drawing/2010/main" w="9525">
+                <a:solidFill>
+                  <a:schemeClr val="tx1"/>
+                </a:solidFill>
+                <a:miter lim="800000"/>
+                <a:headEnd/>
+                <a:tailEnd/>
+              </a14:hiddenLine>
+            </a:ext>
+            <a:ext uri="{AF507438-7753-43E0-B8FC-AC1667EBCBE1}">
+              <a14:hiddenEffects xmlns:a14="http://schemas.microsoft.com/office/drawing/2010/main">
+                <a:effectLst>
+                  <a:outerShdw dist="35921" dir="2700000" algn="ctr" rotWithShape="0">
+                    <a:schemeClr val="bg2"/>
+                  </a:outerShdw>
+                </a:effectLst>
+              </a14:hiddenEffects>
+            </a:ext>
+          </a:extLst>
+        </p:spPr>
+        <p:txBody>
+          <a:bodyPr vert="horz" wrap="none" lIns="91440" tIns="45720" rIns="91440" bIns="45720" numCol="1" anchor="ctr" anchorCtr="0" compatLnSpc="1">
+            <a:prstTxWarp prst="textNoShape">
+              <a:avLst/>
+            </a:prstTxWarp>
+            <a:spAutoFit/>
+          </a:bodyPr>
+          <a:lstStyle/>
+          <a:p>
+            <a:endParaRPr lang="en-US"/>
+          </a:p>
+        </p:txBody>
+      </p:sp>
+      <p:graphicFrame>
+        <p:nvGraphicFramePr>
+          <p:cNvPr id="7" name="Object 6"/>
+          <p:cNvGraphicFramePr>
+            <a:graphicFrameLocks noChangeAspect="1"/>
+          </p:cNvGraphicFramePr>
+          <p:nvPr>
+            <p:extLst>
+              <p:ext uri="{D42A27DB-BD31-4B8C-83A1-F6EECF244321}">
+                <p14:modId xmlns:p14="http://schemas.microsoft.com/office/powerpoint/2010/main" val="1538604697"/>
+              </p:ext>
+            </p:extLst>
+          </p:nvPr>
+        </p:nvGraphicFramePr>
+        <p:xfrm>
+          <a:off x="5221605" y="1594339"/>
+          <a:ext cx="5934075" cy="4543425"/>
+        </p:xfrm>
+        <a:graphic>
+          <a:graphicData uri="http://schemas.openxmlformats.org/presentationml/2006/ole">
+            <mc:AlternateContent xmlns:mc="http://schemas.openxmlformats.org/markup-compatibility/2006">
+              <mc:Choice xmlns:v="urn:schemas-microsoft-com:vml" Requires="v">
+                <p:oleObj spid="_x0000_s6154" r:id="rId3" imgW="8886746" imgH="6800930" progId="Visio.Drawing.15">
+                  <p:embed/>
+                </p:oleObj>
+              </mc:Choice>
+              <mc:Fallback>
+                <p:oleObj r:id="rId3" imgW="8886746" imgH="6800930" progId="Visio.Drawing.15">
+                  <p:embed/>
+                  <p:pic>
+                    <p:nvPicPr>
+                      <p:cNvPr id="0" name="Object 1"/>
+                      <p:cNvPicPr>
+                        <a:picLocks noChangeAspect="1" noChangeArrowheads="1"/>
+                      </p:cNvPicPr>
+                      <p:nvPr/>
+                    </p:nvPicPr>
+                    <p:blipFill>
+                      <a:blip r:embed="rId4">
+                        <a:extLst>
+                          <a:ext uri="{28A0092B-C50C-407E-A947-70E740481C1C}">
+                            <a14:useLocalDpi xmlns:a14="http://schemas.microsoft.com/office/drawing/2010/main" val="0"/>
+                          </a:ext>
+                        </a:extLst>
+                      </a:blip>
+                      <a:srcRect/>
+                      <a:stretch>
+                        <a:fillRect/>
+                      </a:stretch>
+                    </p:blipFill>
+                    <p:spPr bwMode="auto">
+                      <a:xfrm>
+                        <a:off x="5221605" y="1594339"/>
+                        <a:ext cx="5934075" cy="4543425"/>
+                      </a:xfrm>
+                      <a:prstGeom prst="rect">
+                        <a:avLst/>
+                      </a:prstGeom>
+                      <a:noFill/>
+                    </p:spPr>
+                  </p:pic>
+                </p:oleObj>
+              </mc:Fallback>
+            </mc:AlternateContent>
+          </a:graphicData>
+        </a:graphic>
+      </p:graphicFrame>
+      <p:pic>
+        <p:nvPicPr>
+          <p:cNvPr id="9" name="Picture 8"/>
+          <p:cNvPicPr>
+            <a:picLocks noChangeAspect="1"/>
+          </p:cNvPicPr>
+          <p:nvPr/>
+        </p:nvPicPr>
+        <p:blipFill>
+          <a:blip r:embed="rId5">
+            <a:extLst>
+              <a:ext uri="{28A0092B-C50C-407E-A947-70E740481C1C}">
+                <a14:useLocalDpi xmlns:a14="http://schemas.microsoft.com/office/drawing/2010/main" val="0"/>
+              </a:ext>
+            </a:extLst>
+          </a:blip>
+          <a:stretch>
+            <a:fillRect/>
+          </a:stretch>
+        </p:blipFill>
+        <p:spPr>
+          <a:xfrm>
+            <a:off x="9593927" y="4290647"/>
+            <a:ext cx="565437" cy="679938"/>
+          </a:xfrm>
+          <a:prstGeom prst="rect">
+            <a:avLst/>
+          </a:prstGeom>
+        </p:spPr>
+      </p:pic>
+      <p:pic>
+        <p:nvPicPr>
+          <p:cNvPr id="10" name="Picture 9"/>
+          <p:cNvPicPr>
+            <a:picLocks noChangeAspect="1"/>
+          </p:cNvPicPr>
+          <p:nvPr/>
+        </p:nvPicPr>
+        <p:blipFill>
+          <a:blip r:embed="rId6">
+            <a:extLst>
+              <a:ext uri="{28A0092B-C50C-407E-A947-70E740481C1C}">
+                <a14:useLocalDpi xmlns:a14="http://schemas.microsoft.com/office/drawing/2010/main" val="0"/>
+              </a:ext>
+            </a:extLst>
+          </a:blip>
+          <a:stretch>
+            <a:fillRect/>
+          </a:stretch>
+        </p:blipFill>
+        <p:spPr>
+          <a:xfrm flipH="1">
+            <a:off x="5384799" y="5509845"/>
+            <a:ext cx="537425" cy="761971"/>
+          </a:xfrm>
+          <a:prstGeom prst="rect">
+            <a:avLst/>
+          </a:prstGeom>
+        </p:spPr>
+      </p:pic>
+      <p:pic>
+        <p:nvPicPr>
+          <p:cNvPr id="11" name="Picture 10"/>
+          <p:cNvPicPr>
+            <a:picLocks noChangeAspect="1"/>
+          </p:cNvPicPr>
+          <p:nvPr/>
+        </p:nvPicPr>
+        <p:blipFill>
+          <a:blip r:embed="rId7">
+            <a:extLst>
+              <a:ext uri="{28A0092B-C50C-407E-A947-70E740481C1C}">
+                <a14:useLocalDpi xmlns:a14="http://schemas.microsoft.com/office/drawing/2010/main" val="0"/>
+              </a:ext>
+            </a:extLst>
+          </a:blip>
+          <a:stretch>
+            <a:fillRect/>
+          </a:stretch>
+        </p:blipFill>
+        <p:spPr>
+          <a:xfrm>
+            <a:off x="7899198" y="2378767"/>
+            <a:ext cx="471079" cy="666329"/>
+          </a:xfrm>
+          <a:prstGeom prst="rect">
+            <a:avLst/>
+          </a:prstGeom>
+        </p:spPr>
+      </p:pic>
+    </p:spTree>
+    <p:extLst>
+      <p:ext uri="{BB962C8B-B14F-4D97-AF65-F5344CB8AC3E}">
+        <p14:creationId xmlns:p14="http://schemas.microsoft.com/office/powerpoint/2010/main" val="3925709861"/>
+      </p:ext>
+    </p:extLst>
+  </p:cSld>
+  <p:clrMapOvr>
+    <a:masterClrMapping/>
+  </p:clrMapOvr>
+  <p:timing>
+    <p:tnLst>
+      <p:par>
+        <p:cTn id="1" dur="indefinite" restart="never" nodeType="tmRoot"/>
+      </p:par>
+    </p:tnLst>
+  </p:timing>
+</p:sld>
+</file>
+
+<file path=ppt/slides/slide8.xml><?xml version="1.0" encoding="utf-8"?>
+<p:sld xmlns:a="http://schemas.openxmlformats.org/drawingml/2006/main" xmlns:r="http://schemas.openxmlformats.org/officeDocument/2006/relationships" xmlns:p="http://schemas.openxmlformats.org/presentationml/2006/main">
+  <p:cSld>
+    <p:spTree>
+      <p:nvGrpSpPr>
+        <p:cNvPr id="1" name=""/>
+        <p:cNvGrpSpPr/>
+        <p:nvPr/>
+      </p:nvGrpSpPr>
+      <p:grpSpPr>
+        <a:xfrm>
+          <a:off x="0" y="0"/>
+          <a:ext cx="0" cy="0"/>
+          <a:chOff x="0" y="0"/>
+          <a:chExt cx="0" cy="0"/>
+        </a:xfrm>
+      </p:grpSpPr>
+      <p:sp>
+        <p:nvSpPr>
+          <p:cNvPr id="2" name="Title 1"/>
+          <p:cNvSpPr>
+            <a:spLocks noGrp="1"/>
+          </p:cNvSpPr>
+          <p:nvPr>
+            <p:ph type="title"/>
+          </p:nvPr>
+        </p:nvSpPr>
+        <p:spPr>
+          <a:xfrm>
+            <a:off x="457200" y="594359"/>
+            <a:ext cx="3200400" cy="526518"/>
+          </a:xfrm>
+        </p:spPr>
+        <p:txBody>
+          <a:bodyPr>
+            <a:normAutofit fontScale="90000"/>
+          </a:bodyPr>
+          <a:lstStyle/>
+          <a:p>
+            <a:r>
+              <a:rPr lang="en-US" dirty="0" smtClean="0"/>
+              <a:t>Characters</a:t>
+            </a:r>
+            <a:endParaRPr lang="en-US" dirty="0"/>
+          </a:p>
+        </p:txBody>
+      </p:sp>
+      <p:sp>
+        <p:nvSpPr>
+          <p:cNvPr id="4" name="Text Placeholder 3"/>
+          <p:cNvSpPr>
+            <a:spLocks noGrp="1"/>
+          </p:cNvSpPr>
+          <p:nvPr>
+            <p:ph type="body" sz="half" idx="2"/>
+          </p:nvPr>
+        </p:nvSpPr>
+        <p:spPr>
+          <a:xfrm>
+            <a:off x="457200" y="1120877"/>
+            <a:ext cx="3200400" cy="5184327"/>
+          </a:xfrm>
+        </p:spPr>
+        <p:txBody>
+          <a:bodyPr/>
+          <a:lstStyle/>
+          <a:p>
+            <a:pPr marL="285750" indent="-285750">
+              <a:buFont typeface="Wingdings" panose="05000000000000000000" pitchFamily="2" charset="2"/>
+              <a:buChar char="q"/>
+            </a:pPr>
+            <a:r>
+              <a:rPr lang="en-US" sz="2800" dirty="0"/>
+              <a:t>Player</a:t>
+            </a:r>
+          </a:p>
+          <a:p>
+            <a:pPr marL="742950" lvl="1" indent="-285750">
+              <a:buFont typeface="Wingdings" panose="05000000000000000000" pitchFamily="2" charset="2"/>
+              <a:buChar char="q"/>
+            </a:pPr>
+            <a:r>
+              <a:rPr lang="en-US" sz="2500" dirty="0" smtClean="0">
+                <a:solidFill>
+                  <a:schemeClr val="bg1"/>
+                </a:solidFill>
+              </a:rPr>
+              <a:t>State Machine</a:t>
+            </a:r>
+          </a:p>
+          <a:p>
+            <a:pPr marL="742950" lvl="1" indent="-285750">
+              <a:buFont typeface="Wingdings" panose="05000000000000000000" pitchFamily="2" charset="2"/>
+              <a:buChar char="q"/>
+            </a:pPr>
+            <a:r>
+              <a:rPr lang="en-US" sz="2500" dirty="0" smtClean="0">
+                <a:solidFill>
+                  <a:schemeClr val="bg1"/>
+                </a:solidFill>
+              </a:rPr>
+              <a:t>Animations</a:t>
+            </a:r>
+          </a:p>
+          <a:p>
+            <a:pPr marL="742950" lvl="1" indent="-285750">
+              <a:buFont typeface="Wingdings" panose="05000000000000000000" pitchFamily="2" charset="2"/>
+              <a:buChar char="q"/>
+            </a:pPr>
+            <a:r>
+              <a:rPr lang="en-US" sz="2500" dirty="0" smtClean="0">
+                <a:solidFill>
+                  <a:schemeClr val="bg1"/>
+                </a:solidFill>
+              </a:rPr>
+              <a:t>Variables</a:t>
+            </a:r>
+            <a:endParaRPr lang="en-US" sz="2500" dirty="0">
+              <a:solidFill>
+                <a:schemeClr val="bg1"/>
+              </a:solidFill>
+            </a:endParaRPr>
+          </a:p>
+          <a:p>
+            <a:pPr marL="285750" indent="-285750">
+              <a:buFont typeface="Wingdings" panose="05000000000000000000" pitchFamily="2" charset="2"/>
+              <a:buChar char="q"/>
+            </a:pPr>
+            <a:r>
+              <a:rPr lang="en-US" sz="2800" dirty="0"/>
+              <a:t>Friendly</a:t>
+            </a:r>
+          </a:p>
+          <a:p>
+            <a:pPr marL="742950" lvl="1" indent="-285750">
+              <a:buFont typeface="Wingdings" panose="05000000000000000000" pitchFamily="2" charset="2"/>
+              <a:buChar char="q"/>
+            </a:pPr>
+            <a:r>
+              <a:rPr lang="en-US" sz="2500" dirty="0">
+                <a:solidFill>
+                  <a:schemeClr val="bg1"/>
+                </a:solidFill>
+              </a:rPr>
+              <a:t>Chat Bubble</a:t>
+            </a:r>
+          </a:p>
+          <a:p>
+            <a:endParaRPr lang="en-US" dirty="0"/>
+          </a:p>
+        </p:txBody>
+      </p:sp>
+      <p:pic>
+        <p:nvPicPr>
+          <p:cNvPr id="5" name="Picture 4"/>
+          <p:cNvPicPr>
+            <a:picLocks noChangeAspect="1"/>
+          </p:cNvPicPr>
+          <p:nvPr/>
+        </p:nvPicPr>
+        <p:blipFill>
+          <a:blip r:embed="rId2">
+            <a:extLst>
+              <a:ext uri="{28A0092B-C50C-407E-A947-70E740481C1C}">
+                <a14:useLocalDpi xmlns:a14="http://schemas.microsoft.com/office/drawing/2010/main" val="0"/>
+              </a:ext>
+            </a:extLst>
+          </a:blip>
+          <a:stretch>
+            <a:fillRect/>
+          </a:stretch>
+        </p:blipFill>
+        <p:spPr>
+          <a:xfrm>
+            <a:off x="4303443" y="2147404"/>
+            <a:ext cx="7711622" cy="3283974"/>
+          </a:xfrm>
+          <a:prstGeom prst="roundRect">
+            <a:avLst>
+              <a:gd name="adj" fmla="val 8594"/>
+            </a:avLst>
+          </a:prstGeom>
+          <a:solidFill>
+            <a:srgbClr val="FFFFFF">
+              <a:shade val="85000"/>
+            </a:srgbClr>
+          </a:solidFill>
+          <a:ln>
+            <a:noFill/>
+          </a:ln>
+          <a:effectLst>
+            <a:reflection blurRad="12700" stA="38000" endPos="28000" dist="5000" dir="5400000" sy="-100000" algn="bl" rotWithShape="0"/>
+          </a:effectLst>
+        </p:spPr>
+      </p:pic>
+      <p:sp>
+        <p:nvSpPr>
+          <p:cNvPr id="7" name="Rectangle 6"/>
+          <p:cNvSpPr/>
+          <p:nvPr/>
+        </p:nvSpPr>
+        <p:spPr>
+          <a:xfrm>
+            <a:off x="4934131" y="1027430"/>
+            <a:ext cx="6256649" cy="923330"/>
+          </a:xfrm>
+          <a:prstGeom prst="rect">
+            <a:avLst/>
+          </a:prstGeom>
+          <a:noFill/>
+        </p:spPr>
+        <p:txBody>
+          <a:bodyPr wrap="none" lIns="91440" tIns="45720" rIns="91440" bIns="45720">
+            <a:spAutoFit/>
+          </a:bodyPr>
+          <a:lstStyle/>
+          <a:p>
+            <a:pPr algn="ctr"/>
+            <a:r>
+              <a:rPr lang="en-US" sz="5400" b="1" cap="none" spc="0" dirty="0" smtClean="0">
+                <a:ln w="13462">
+                  <a:solidFill>
+                    <a:schemeClr val="bg1"/>
+                  </a:solidFill>
+                  <a:prstDash val="solid"/>
+                </a:ln>
+                <a:solidFill>
+                  <a:schemeClr val="tx1">
+                    <a:lumMod val="85000"/>
+                    <a:lumOff val="15000"/>
+                  </a:schemeClr>
+                </a:solidFill>
+                <a:effectLst>
+                  <a:outerShdw dist="38100" dir="2700000" algn="bl" rotWithShape="0">
+                    <a:schemeClr val="accent5"/>
+                  </a:outerShdw>
+                </a:effectLst>
+              </a:rPr>
+              <a:t>Player State Machine</a:t>
+            </a:r>
+            <a:endParaRPr lang="en-US" sz="5400" b="1" cap="none" spc="0" dirty="0">
+              <a:ln w="13462">
+                <a:solidFill>
+                  <a:schemeClr val="bg1"/>
+                </a:solidFill>
+                <a:prstDash val="solid"/>
+              </a:ln>
+              <a:solidFill>
+                <a:schemeClr val="tx1">
+                  <a:lumMod val="85000"/>
+                  <a:lumOff val="15000"/>
+                </a:schemeClr>
+              </a:solidFill>
+              <a:effectLst>
+                <a:outerShdw dist="38100" dir="2700000" algn="bl" rotWithShape="0">
+                  <a:schemeClr val="accent5"/>
+                </a:outerShdw>
+              </a:effectLst>
+            </a:endParaRPr>
+          </a:p>
+        </p:txBody>
+      </p:sp>
+      <p:pic>
+        <p:nvPicPr>
+          <p:cNvPr id="8" name="Picture 7"/>
+          <p:cNvPicPr>
+            <a:picLocks noChangeAspect="1"/>
+          </p:cNvPicPr>
+          <p:nvPr/>
+        </p:nvPicPr>
+        <p:blipFill>
+          <a:blip r:embed="rId3">
+            <a:extLst>
+              <a:ext uri="{28A0092B-C50C-407E-A947-70E740481C1C}">
+                <a14:useLocalDpi xmlns:a14="http://schemas.microsoft.com/office/drawing/2010/main" val="0"/>
+              </a:ext>
+            </a:extLst>
+          </a:blip>
+          <a:stretch>
+            <a:fillRect/>
+          </a:stretch>
+        </p:blipFill>
+        <p:spPr>
+          <a:xfrm>
+            <a:off x="1007973" y="4633262"/>
+            <a:ext cx="1725230" cy="1197268"/>
+          </a:xfrm>
+          <a:prstGeom prst="roundRect">
+            <a:avLst>
+              <a:gd name="adj" fmla="val 8594"/>
+            </a:avLst>
+          </a:prstGeom>
+          <a:solidFill>
+            <a:srgbClr val="FFFFFF">
+              <a:shade val="85000"/>
+            </a:srgbClr>
+          </a:solidFill>
+          <a:ln>
+            <a:noFill/>
+          </a:ln>
+          <a:effectLst>
+            <a:reflection blurRad="12700" stA="38000" endPos="28000" dist="5000" dir="5400000" sy="-100000" algn="bl" rotWithShape="0"/>
+          </a:effectLst>
+        </p:spPr>
+      </p:pic>
+    </p:spTree>
+    <p:extLst>
+      <p:ext uri="{BB962C8B-B14F-4D97-AF65-F5344CB8AC3E}">
+        <p14:creationId xmlns:p14="http://schemas.microsoft.com/office/powerpoint/2010/main" val="260283456"/>
+      </p:ext>
+    </p:extLst>
+  </p:cSld>
+  <p:clrMapOvr>
+    <a:masterClrMapping/>
+  </p:clrMapOvr>
+  <p:timing>
+    <p:tnLst>
+      <p:par>
+        <p:cTn id="1" dur="indefinite" restart="never" nodeType="tmRoot"/>
+      </p:par>
+    </p:tnLst>
+  </p:timing>
+</p:sld>
+</file>
+
+<file path=ppt/slides/slide9.xml><?xml version="1.0" encoding="utf-8"?>
+<p:sld xmlns:a="http://schemas.openxmlformats.org/drawingml/2006/main" xmlns:r="http://schemas.openxmlformats.org/officeDocument/2006/relationships" xmlns:p="http://schemas.openxmlformats.org/presentationml/2006/main">
+  <p:cSld>
+    <p:spTree>
+      <p:nvGrpSpPr>
+        <p:cNvPr id="1" name=""/>
+        <p:cNvGrpSpPr/>
+        <p:nvPr/>
+      </p:nvGrpSpPr>
+      <p:grpSpPr>
+        <a:xfrm>
+          <a:off x="0" y="0"/>
+          <a:ext cx="0" cy="0"/>
+          <a:chOff x="0" y="0"/>
+          <a:chExt cx="0" cy="0"/>
+        </a:xfrm>
+      </p:grpSpPr>
+      <p:sp>
+        <p:nvSpPr>
+          <p:cNvPr id="2" name="Title 1"/>
+          <p:cNvSpPr>
+            <a:spLocks noGrp="1"/>
+          </p:cNvSpPr>
+          <p:nvPr>
+            <p:ph type="title"/>
+          </p:nvPr>
+        </p:nvSpPr>
+        <p:spPr>
+          <a:xfrm>
+            <a:off x="457200" y="594359"/>
+            <a:ext cx="3200400" cy="1103812"/>
+          </a:xfrm>
+        </p:spPr>
+        <p:txBody>
+          <a:bodyPr>
+            <a:normAutofit fontScale="90000"/>
+          </a:bodyPr>
+          <a:lstStyle/>
+          <a:p>
+            <a:r>
+              <a:rPr lang="en-US" sz="4400" dirty="0" smtClean="0"/>
+              <a:t>Characters</a:t>
+            </a:r>
+            <a:br>
+              <a:rPr lang="en-US" sz="4400" dirty="0" smtClean="0"/>
+            </a:br>
+            <a:r>
+              <a:rPr lang="en-US" sz="4400" dirty="0" smtClean="0"/>
+              <a:t>Continued</a:t>
+            </a:r>
+            <a:endParaRPr lang="en-US" sz="4400" dirty="0"/>
+          </a:p>
+        </p:txBody>
+      </p:sp>
+      <p:sp>
+        <p:nvSpPr>
+          <p:cNvPr id="25" name="Text Placeholder 24"/>
+          <p:cNvSpPr>
+            <a:spLocks noGrp="1"/>
+          </p:cNvSpPr>
+          <p:nvPr>
+            <p:ph type="body" sz="half" idx="2"/>
+          </p:nvPr>
+        </p:nvSpPr>
+        <p:spPr>
+          <a:xfrm>
+            <a:off x="457200" y="2120202"/>
+            <a:ext cx="3200400" cy="4185002"/>
+          </a:xfrm>
+        </p:spPr>
+        <p:txBody>
+          <a:bodyPr>
+            <a:normAutofit/>
+          </a:bodyPr>
+          <a:lstStyle/>
+          <a:p>
+            <a:pPr marL="285750" indent="-285750">
+              <a:buFont typeface="Wingdings" panose="05000000000000000000" pitchFamily="2" charset="2"/>
+              <a:buChar char="q"/>
+            </a:pPr>
+            <a:r>
+              <a:rPr lang="en-US" sz="2800" dirty="0" smtClean="0"/>
+              <a:t>Enemies</a:t>
+            </a:r>
+          </a:p>
+          <a:p>
+            <a:pPr marL="742950" lvl="1" indent="-285750">
+              <a:buFont typeface="Wingdings" panose="05000000000000000000" pitchFamily="2" charset="2"/>
+              <a:buChar char="q"/>
+            </a:pPr>
+            <a:r>
+              <a:rPr lang="en-US" sz="2500" dirty="0" smtClean="0">
+                <a:solidFill>
+                  <a:schemeClr val="bg1"/>
+                </a:solidFill>
+              </a:rPr>
+              <a:t>Enemy Range</a:t>
+            </a:r>
+          </a:p>
+          <a:p>
+            <a:pPr marL="742950" lvl="1" indent="-285750">
+              <a:buFont typeface="Wingdings" panose="05000000000000000000" pitchFamily="2" charset="2"/>
+              <a:buChar char="q"/>
+            </a:pPr>
+            <a:r>
+              <a:rPr lang="en-US" sz="2500" dirty="0" smtClean="0">
+                <a:solidFill>
+                  <a:schemeClr val="bg1"/>
+                </a:solidFill>
+              </a:rPr>
+              <a:t>Enemy Attack</a:t>
+            </a:r>
+          </a:p>
+          <a:p>
+            <a:pPr marL="742950" lvl="1" indent="-285750">
+              <a:buFont typeface="Wingdings" panose="05000000000000000000" pitchFamily="2" charset="2"/>
+              <a:buChar char="q"/>
+            </a:pPr>
+            <a:r>
+              <a:rPr lang="en-US" sz="2500" dirty="0" smtClean="0">
+                <a:solidFill>
+                  <a:schemeClr val="bg1"/>
+                </a:solidFill>
+              </a:rPr>
+              <a:t>Enemy Health</a:t>
+            </a:r>
+          </a:p>
+        </p:txBody>
+      </p:sp>
+      <p:sp>
+        <p:nvSpPr>
+          <p:cNvPr id="3" name="Rectangle 2"/>
+          <p:cNvSpPr>
+            <a:spLocks noChangeArrowheads="1"/>
+          </p:cNvSpPr>
+          <p:nvPr/>
+        </p:nvSpPr>
+        <p:spPr bwMode="auto">
+          <a:xfrm>
+            <a:off x="3712308" y="305771"/>
+            <a:ext cx="12046872" cy="45719"/>
+          </a:xfrm>
+          <a:prstGeom prst="rect">
+            <a:avLst/>
+          </a:prstGeom>
+          <a:noFill/>
+          <a:ln>
+            <a:noFill/>
+          </a:ln>
+          <a:effectLst/>
+          <a:extLst>
+            <a:ext uri="{909E8E84-426E-40DD-AFC4-6F175D3DCCD1}">
+              <a14:hiddenFill xmlns:a14="http://schemas.microsoft.com/office/drawing/2010/main">
+                <a:solidFill>
+                  <a:schemeClr val="accent1"/>
+                </a:solidFill>
+              </a14:hiddenFill>
+            </a:ext>
+            <a:ext uri="{91240B29-F687-4F45-9708-019B960494DF}">
+              <a14:hiddenLine xmlns:a14="http://schemas.microsoft.com/office/drawing/2010/main" w="9525">
+                <a:solidFill>
+                  <a:schemeClr val="tx1"/>
+                </a:solidFill>
+                <a:miter lim="800000"/>
+                <a:headEnd/>
+                <a:tailEnd/>
+              </a14:hiddenLine>
+            </a:ext>
+            <a:ext uri="{AF507438-7753-43E0-B8FC-AC1667EBCBE1}">
+              <a14:hiddenEffects xmlns:a14="http://schemas.microsoft.com/office/drawing/2010/main">
+                <a:effectLst>
+                  <a:outerShdw dist="35921" dir="2700000" algn="ctr" rotWithShape="0">
+                    <a:schemeClr val="bg2"/>
+                  </a:outerShdw>
+                </a:effectLst>
+              </a14:hiddenEffects>
+            </a:ext>
+          </a:extLst>
+        </p:spPr>
+        <p:txBody>
+          <a:bodyPr vert="horz" wrap="square" lIns="91440" tIns="45720" rIns="91440" bIns="45720" numCol="1" anchor="ctr" anchorCtr="0" compatLnSpc="1">
+            <a:prstTxWarp prst="textNoShape">
+              <a:avLst/>
+            </a:prstTxWarp>
+            <a:spAutoFit/>
+          </a:bodyPr>
+          <a:lstStyle/>
+          <a:p>
+            <a:endParaRPr lang="en-US"/>
+          </a:p>
+        </p:txBody>
+      </p:sp>
+      <p:graphicFrame>
+        <p:nvGraphicFramePr>
+          <p:cNvPr id="4" name="Object 3"/>
+          <p:cNvGraphicFramePr>
+            <a:graphicFrameLocks noChangeAspect="1"/>
+          </p:cNvGraphicFramePr>
+          <p:nvPr>
+            <p:extLst>
+              <p:ext uri="{D42A27DB-BD31-4B8C-83A1-F6EECF244321}">
+                <p14:modId xmlns:p14="http://schemas.microsoft.com/office/powerpoint/2010/main" val="2030080661"/>
+              </p:ext>
+            </p:extLst>
+          </p:nvPr>
+        </p:nvGraphicFramePr>
+        <p:xfrm>
+          <a:off x="3367403" y="414117"/>
+          <a:ext cx="8514560" cy="3179315"/>
+        </p:xfrm>
+        <a:graphic>
+          <a:graphicData uri="http://schemas.openxmlformats.org/presentationml/2006/ole">
+            <mc:AlternateContent xmlns:mc="http://schemas.openxmlformats.org/markup-compatibility/2006">
+              <mc:Choice xmlns:v="urn:schemas-microsoft-com:vml" Requires="v">
+                <p:oleObj spid="_x0000_s2059" r:id="rId3" imgW="9401254" imgH="7181837" progId="Visio.Drawing.15">
+                  <p:embed/>
+                </p:oleObj>
+              </mc:Choice>
+              <mc:Fallback>
+                <p:oleObj r:id="rId3" imgW="9401254" imgH="7181837" progId="Visio.Drawing.15">
+                  <p:embed/>
+                  <p:pic>
+                    <p:nvPicPr>
+                      <p:cNvPr id="0" name="Object 1"/>
+                      <p:cNvPicPr>
+                        <a:picLocks noChangeAspect="1" noChangeArrowheads="1"/>
+                      </p:cNvPicPr>
+                      <p:nvPr/>
+                    </p:nvPicPr>
+                    <p:blipFill>
+                      <a:blip r:embed="rId4">
+                        <a:extLst>
+                          <a:ext uri="{28A0092B-C50C-407E-A947-70E740481C1C}">
+                            <a14:useLocalDpi xmlns:a14="http://schemas.microsoft.com/office/drawing/2010/main" val="0"/>
+                          </a:ext>
+                        </a:extLst>
+                      </a:blip>
+                      <a:srcRect b="50943"/>
+                      <a:stretch>
+                        <a:fillRect/>
+                      </a:stretch>
+                    </p:blipFill>
+                    <p:spPr bwMode="auto">
+                      <a:xfrm>
+                        <a:off x="3367403" y="414117"/>
+                        <a:ext cx="8514560" cy="3179315"/>
+                      </a:xfrm>
+                      <a:prstGeom prst="rect">
+                        <a:avLst/>
+                      </a:prstGeom>
+                      <a:noFill/>
+                    </p:spPr>
+                  </p:pic>
+                </p:oleObj>
+              </mc:Fallback>
+            </mc:AlternateContent>
+          </a:graphicData>
+        </a:graphic>
+      </p:graphicFrame>
+      <p:pic>
+        <p:nvPicPr>
+          <p:cNvPr id="9" name="Picture 8"/>
+          <p:cNvPicPr/>
+          <p:nvPr/>
+        </p:nvPicPr>
+        <p:blipFill>
+          <a:blip r:embed="rId5" cstate="print">
+            <a:extLst>
+              <a:ext uri="{28A0092B-C50C-407E-A947-70E740481C1C}">
+                <a14:useLocalDpi xmlns:a14="http://schemas.microsoft.com/office/drawing/2010/main" val="0"/>
+              </a:ext>
+            </a:extLst>
+          </a:blip>
+          <a:stretch>
+            <a:fillRect/>
+          </a:stretch>
+        </p:blipFill>
+        <p:spPr>
+          <a:xfrm>
+            <a:off x="4721005" y="4116994"/>
+            <a:ext cx="1952625" cy="2188210"/>
+          </a:xfrm>
+          <a:prstGeom prst="roundRect">
+            <a:avLst>
+              <a:gd name="adj" fmla="val 8594"/>
+            </a:avLst>
+          </a:prstGeom>
+          <a:solidFill>
+            <a:srgbClr val="FFFFFF">
+              <a:shade val="85000"/>
+            </a:srgbClr>
+          </a:solidFill>
+          <a:ln>
+            <a:noFill/>
+          </a:ln>
+          <a:effectLst>
+            <a:reflection blurRad="12700" stA="38000" endPos="28000" dist="5000" dir="5400000" sy="-100000" algn="bl" rotWithShape="0"/>
+          </a:effectLst>
+        </p:spPr>
+      </p:pic>
+      <p:pic>
+        <p:nvPicPr>
+          <p:cNvPr id="10" name="Picture 9"/>
+          <p:cNvPicPr/>
+          <p:nvPr/>
+        </p:nvPicPr>
+        <p:blipFill>
+          <a:blip r:embed="rId6" cstate="print">
+            <a:extLst>
+              <a:ext uri="{28A0092B-C50C-407E-A947-70E740481C1C}">
+                <a14:useLocalDpi xmlns:a14="http://schemas.microsoft.com/office/drawing/2010/main" val="0"/>
+              </a:ext>
+            </a:extLst>
+          </a:blip>
+          <a:stretch>
+            <a:fillRect/>
+          </a:stretch>
+        </p:blipFill>
+        <p:spPr>
+          <a:xfrm>
+            <a:off x="7482353" y="4219229"/>
+            <a:ext cx="1598295" cy="2085975"/>
+          </a:xfrm>
+          <a:prstGeom prst="roundRect">
+            <a:avLst>
+              <a:gd name="adj" fmla="val 8594"/>
+            </a:avLst>
+          </a:prstGeom>
+          <a:solidFill>
+            <a:srgbClr val="FFFFFF">
+              <a:shade val="85000"/>
+            </a:srgbClr>
+          </a:solidFill>
+          <a:ln>
+            <a:noFill/>
+          </a:ln>
+          <a:effectLst>
+            <a:reflection blurRad="12700" stA="38000" endPos="28000" dist="5000" dir="5400000" sy="-100000" algn="bl" rotWithShape="0"/>
+          </a:effectLst>
+        </p:spPr>
+      </p:pic>
+      <p:pic>
+        <p:nvPicPr>
+          <p:cNvPr id="11" name="Picture 10"/>
+          <p:cNvPicPr/>
+          <p:nvPr/>
+        </p:nvPicPr>
+        <p:blipFill>
+          <a:blip r:embed="rId7" cstate="print">
+            <a:extLst>
+              <a:ext uri="{28A0092B-C50C-407E-A947-70E740481C1C}">
+                <a14:useLocalDpi xmlns:a14="http://schemas.microsoft.com/office/drawing/2010/main" val="0"/>
+              </a:ext>
+            </a:extLst>
+          </a:blip>
+          <a:stretch>
+            <a:fillRect/>
+          </a:stretch>
+        </p:blipFill>
+        <p:spPr>
+          <a:xfrm>
+            <a:off x="9661085" y="4219229"/>
+            <a:ext cx="1981200" cy="2055495"/>
+          </a:xfrm>
+          <a:prstGeom prst="roundRect">
+            <a:avLst>
+              <a:gd name="adj" fmla="val 8594"/>
+            </a:avLst>
+          </a:prstGeom>
+          <a:solidFill>
+            <a:srgbClr val="FFFFFF">
+              <a:shade val="85000"/>
+            </a:srgbClr>
+          </a:solidFill>
+          <a:ln>
+            <a:noFill/>
+          </a:ln>
+          <a:effectLst>
+            <a:reflection blurRad="12700" stA="38000" endPos="28000" dist="5000" dir="5400000" sy="-100000" algn="bl" rotWithShape="0"/>
+          </a:effectLst>
+        </p:spPr>
+      </p:pic>
+    </p:spTree>
+    <p:extLst>
+      <p:ext uri="{BB962C8B-B14F-4D97-AF65-F5344CB8AC3E}">
+        <p14:creationId xmlns:p14="http://schemas.microsoft.com/office/powerpoint/2010/main" val="2017368839"/>
       </p:ext>
     </p:extLst>
   </p:cSld>

--- a/Documentation/Design Document/UnityDesignPresentation.pptx
+++ b/Documentation/Design Document/UnityDesignPresentation.pptx
@@ -5,7 +5,7 @@
     <p:sldMasterId id="2147483648" r:id="rId1"/>
   </p:sldMasterIdLst>
   <p:handoutMasterIdLst>
-    <p:handoutMasterId r:id="rId14"/>
+    <p:handoutMasterId r:id="rId15"/>
   </p:handoutMasterIdLst>
   <p:sldIdLst>
     <p:sldId id="256" r:id="rId2"/>
@@ -15,11 +15,12 @@
     <p:sldId id="278" r:id="rId6"/>
     <p:sldId id="273" r:id="rId7"/>
     <p:sldId id="268" r:id="rId8"/>
-    <p:sldId id="280" r:id="rId9"/>
-    <p:sldId id="275" r:id="rId10"/>
-    <p:sldId id="271" r:id="rId11"/>
-    <p:sldId id="279" r:id="rId12"/>
-    <p:sldId id="274" r:id="rId13"/>
+    <p:sldId id="281" r:id="rId9"/>
+    <p:sldId id="280" r:id="rId10"/>
+    <p:sldId id="275" r:id="rId11"/>
+    <p:sldId id="271" r:id="rId12"/>
+    <p:sldId id="279" r:id="rId13"/>
+    <p:sldId id="274" r:id="rId14"/>
   </p:sldIdLst>
   <p:sldSz cx="12192000" cy="6858000"/>
   <p:notesSz cx="9312275" cy="6858000"/>
@@ -4095,137 +4096,111 @@
             <p:ph type="title"/>
           </p:nvPr>
         </p:nvSpPr>
-        <p:spPr/>
-        <p:txBody>
-          <a:bodyPr/>
+        <p:spPr>
+          <a:xfrm>
+            <a:off x="457200" y="594359"/>
+            <a:ext cx="3200400" cy="1103812"/>
+          </a:xfrm>
+        </p:spPr>
+        <p:txBody>
+          <a:bodyPr>
+            <a:normAutofit fontScale="90000"/>
+          </a:bodyPr>
           <a:lstStyle/>
           <a:p>
             <a:r>
-              <a:rPr lang="en-US" dirty="0" smtClean="0"/>
-              <a:t>Technical Specifications</a:t>
-            </a:r>
-            <a:endParaRPr lang="en-US" dirty="0"/>
-          </a:p>
-        </p:txBody>
-      </p:sp>
-      <p:sp>
-        <p:nvSpPr>
-          <p:cNvPr id="3" name="Content Placeholder 2"/>
-          <p:cNvSpPr>
-            <a:spLocks noGrp="1"/>
-          </p:cNvSpPr>
-          <p:nvPr>
-            <p:ph idx="1"/>
-          </p:nvPr>
-        </p:nvSpPr>
-        <p:spPr/>
-        <p:txBody>
-          <a:bodyPr/>
+              <a:rPr lang="en-US" sz="4400" dirty="0" smtClean="0"/>
+              <a:t>Characters</a:t>
+            </a:r>
+            <a:br>
+              <a:rPr lang="en-US" sz="4400" dirty="0" smtClean="0"/>
+            </a:br>
+            <a:r>
+              <a:rPr lang="en-US" sz="4400" dirty="0" smtClean="0"/>
+              <a:t>Continued</a:t>
+            </a:r>
+            <a:endParaRPr lang="en-US" sz="4400" dirty="0"/>
+          </a:p>
+        </p:txBody>
+      </p:sp>
+      <p:sp>
+        <p:nvSpPr>
+          <p:cNvPr id="25" name="Text Placeholder 24"/>
+          <p:cNvSpPr>
+            <a:spLocks noGrp="1"/>
+          </p:cNvSpPr>
+          <p:nvPr>
+            <p:ph type="body" sz="half" idx="2"/>
+          </p:nvPr>
+        </p:nvSpPr>
+        <p:spPr>
+          <a:xfrm>
+            <a:off x="457200" y="2120202"/>
+            <a:ext cx="3200400" cy="4185002"/>
+          </a:xfrm>
+        </p:spPr>
+        <p:txBody>
+          <a:bodyPr>
+            <a:normAutofit/>
+          </a:bodyPr>
           <a:lstStyle/>
           <a:p>
-            <a:pPr>
-              <a:buFont typeface="Courier New" panose="02070309020205020404" pitchFamily="49" charset="0"/>
-              <a:buChar char="o"/>
+            <a:pPr marL="285750" indent="-285750">
+              <a:buFont typeface="Wingdings" panose="05000000000000000000" pitchFamily="2" charset="2"/>
+              <a:buChar char="q"/>
             </a:pPr>
             <a:r>
-              <a:rPr lang="en-US" sz="2400" dirty="0" smtClean="0"/>
-              <a:t>Naming Conventions</a:t>
-            </a:r>
-          </a:p>
-          <a:p>
-            <a:pPr>
-              <a:buFont typeface="Courier New" panose="02070309020205020404" pitchFamily="49" charset="0"/>
-              <a:buChar char="o"/>
+              <a:rPr lang="en-US" sz="2800" dirty="0" smtClean="0"/>
+              <a:t>Enemies</a:t>
+            </a:r>
+          </a:p>
+          <a:p>
+            <a:pPr marL="742950" lvl="1" indent="-285750">
+              <a:buFont typeface="Wingdings" panose="05000000000000000000" pitchFamily="2" charset="2"/>
+              <a:buChar char="q"/>
             </a:pPr>
             <a:r>
-              <a:rPr lang="en-US" sz="2400" dirty="0" smtClean="0"/>
-              <a:t>Scripts</a:t>
-            </a:r>
-          </a:p>
-          <a:p>
-            <a:pPr lvl="1">
-              <a:buFont typeface="Courier New" panose="02070309020205020404" pitchFamily="49" charset="0"/>
-              <a:buChar char="o"/>
+              <a:rPr lang="en-US" sz="2500" dirty="0" smtClean="0">
+                <a:solidFill>
+                  <a:schemeClr val="bg1"/>
+                </a:solidFill>
+              </a:rPr>
+              <a:t>Enemy Range</a:t>
+            </a:r>
+          </a:p>
+          <a:p>
+            <a:pPr marL="742950" lvl="1" indent="-285750">
+              <a:buFont typeface="Wingdings" panose="05000000000000000000" pitchFamily="2" charset="2"/>
+              <a:buChar char="q"/>
             </a:pPr>
             <a:r>
-              <a:rPr lang="en-US" sz="2400" dirty="0" smtClean="0"/>
-              <a:t>For each Interaction</a:t>
-            </a:r>
-          </a:p>
-          <a:p>
-            <a:pPr lvl="1">
-              <a:buFont typeface="Courier New" panose="02070309020205020404" pitchFamily="49" charset="0"/>
-              <a:buChar char="o"/>
+              <a:rPr lang="en-US" sz="2500" dirty="0" smtClean="0">
+                <a:solidFill>
+                  <a:schemeClr val="bg1"/>
+                </a:solidFill>
+              </a:rPr>
+              <a:t>Enemy Attack</a:t>
+            </a:r>
+          </a:p>
+          <a:p>
+            <a:pPr marL="742950" lvl="1" indent="-285750">
+              <a:buFont typeface="Wingdings" panose="05000000000000000000" pitchFamily="2" charset="2"/>
+              <a:buChar char="q"/>
             </a:pPr>
             <a:r>
-              <a:rPr lang="en-US" sz="2400" dirty="0" smtClean="0"/>
-              <a:t>Structure</a:t>
-            </a:r>
-          </a:p>
-          <a:p>
-            <a:pPr>
-              <a:buFont typeface="Courier New" panose="02070309020205020404" pitchFamily="49" charset="0"/>
-              <a:buChar char="o"/>
-            </a:pPr>
-            <a:r>
-              <a:rPr lang="en-US" sz="2400" dirty="0" smtClean="0"/>
-              <a:t>Game Objects Architecture</a:t>
-            </a:r>
-          </a:p>
-          <a:p>
-            <a:pPr lvl="1">
-              <a:buFont typeface="Courier New" panose="02070309020205020404" pitchFamily="49" charset="0"/>
-              <a:buChar char="o"/>
-            </a:pPr>
-            <a:r>
-              <a:rPr lang="en-US" sz="2400" dirty="0" smtClean="0"/>
-              <a:t>Transform</a:t>
-            </a:r>
-          </a:p>
-          <a:p>
-            <a:pPr lvl="1">
-              <a:buFont typeface="Courier New" panose="02070309020205020404" pitchFamily="49" charset="0"/>
-              <a:buChar char="o"/>
-            </a:pPr>
-            <a:r>
-              <a:rPr lang="en-US" sz="2400" dirty="0" err="1" smtClean="0"/>
-              <a:t>Rigidbody</a:t>
-            </a:r>
-            <a:endParaRPr lang="en-US" sz="2400" dirty="0" smtClean="0"/>
-          </a:p>
-          <a:p>
-            <a:pPr lvl="1">
-              <a:buFont typeface="Courier New" panose="02070309020205020404" pitchFamily="49" charset="0"/>
-              <a:buChar char="o"/>
-            </a:pPr>
-            <a:r>
-              <a:rPr lang="en-US" sz="2400" dirty="0" err="1" smtClean="0"/>
-              <a:t>Colllider</a:t>
-            </a:r>
-            <a:endParaRPr lang="en-US" sz="2400" dirty="0" smtClean="0"/>
-          </a:p>
-          <a:p>
-            <a:pPr lvl="1">
-              <a:buFont typeface="Courier New" panose="02070309020205020404" pitchFamily="49" charset="0"/>
-              <a:buChar char="o"/>
-            </a:pPr>
-            <a:r>
-              <a:rPr lang="en-US" sz="2400" dirty="0" smtClean="0"/>
-              <a:t>Script</a:t>
-            </a:r>
-            <a:endParaRPr lang="en-US" sz="2400" dirty="0"/>
-          </a:p>
-          <a:p>
-            <a:pPr marL="0" indent="0">
-              <a:buNone/>
-            </a:pPr>
-            <a:endParaRPr lang="en-US" dirty="0"/>
-          </a:p>
-        </p:txBody>
-      </p:sp>
-      <p:sp>
-        <p:nvSpPr>
-          <p:cNvPr id="6" name="Rectangle 2"/>
+              <a:rPr lang="en-US" sz="2500" dirty="0" smtClean="0">
+                <a:solidFill>
+                  <a:schemeClr val="bg1"/>
+                </a:solidFill>
+              </a:rPr>
+              <a:t>Enemy Health</a:t>
+            </a:r>
+          </a:p>
+        </p:txBody>
+      </p:sp>
+      <p:sp>
+        <p:nvSpPr>
+          <p:cNvPr id="3" name="Rectangle 2"/>
           <p:cNvSpPr>
             <a:spLocks noChangeArrowheads="1"/>
           </p:cNvSpPr>
@@ -4233,8 +4208,8 @@
         </p:nvSpPr>
         <p:spPr bwMode="auto">
           <a:xfrm>
-            <a:off x="5439508" y="1992923"/>
-            <a:ext cx="12192000" cy="0"/>
+            <a:off x="3712308" y="305771"/>
+            <a:ext cx="12046872" cy="45719"/>
           </a:xfrm>
           <a:prstGeom prst="rect">
             <a:avLst/>
@@ -4274,6 +4249,434 @@
           </a:extLst>
         </p:spPr>
         <p:txBody>
+          <a:bodyPr vert="horz" wrap="square" lIns="91440" tIns="45720" rIns="91440" bIns="45720" numCol="1" anchor="ctr" anchorCtr="0" compatLnSpc="1">
+            <a:prstTxWarp prst="textNoShape">
+              <a:avLst/>
+            </a:prstTxWarp>
+            <a:spAutoFit/>
+          </a:bodyPr>
+          <a:lstStyle/>
+          <a:p>
+            <a:endParaRPr lang="en-US"/>
+          </a:p>
+        </p:txBody>
+      </p:sp>
+      <p:graphicFrame>
+        <p:nvGraphicFramePr>
+          <p:cNvPr id="4" name="Object 3"/>
+          <p:cNvGraphicFramePr>
+            <a:graphicFrameLocks noChangeAspect="1"/>
+          </p:cNvGraphicFramePr>
+          <p:nvPr>
+            <p:extLst>
+              <p:ext uri="{D42A27DB-BD31-4B8C-83A1-F6EECF244321}">
+                <p14:modId xmlns:p14="http://schemas.microsoft.com/office/powerpoint/2010/main" val="2030080661"/>
+              </p:ext>
+            </p:extLst>
+          </p:nvPr>
+        </p:nvGraphicFramePr>
+        <p:xfrm>
+          <a:off x="3367403" y="414117"/>
+          <a:ext cx="8514560" cy="3179315"/>
+        </p:xfrm>
+        <a:graphic>
+          <a:graphicData uri="http://schemas.openxmlformats.org/presentationml/2006/ole">
+            <mc:AlternateContent xmlns:mc="http://schemas.openxmlformats.org/markup-compatibility/2006">
+              <mc:Choice xmlns:v="urn:schemas-microsoft-com:vml" Requires="v">
+                <p:oleObj spid="_x0000_s2061" r:id="rId3" imgW="9401254" imgH="7181837" progId="Visio.Drawing.15">
+                  <p:embed/>
+                </p:oleObj>
+              </mc:Choice>
+              <mc:Fallback>
+                <p:oleObj r:id="rId3" imgW="9401254" imgH="7181837" progId="Visio.Drawing.15">
+                  <p:embed/>
+                  <p:pic>
+                    <p:nvPicPr>
+                      <p:cNvPr id="0" name="Object 1"/>
+                      <p:cNvPicPr>
+                        <a:picLocks noChangeAspect="1" noChangeArrowheads="1"/>
+                      </p:cNvPicPr>
+                      <p:nvPr/>
+                    </p:nvPicPr>
+                    <p:blipFill>
+                      <a:blip r:embed="rId4">
+                        <a:extLst>
+                          <a:ext uri="{28A0092B-C50C-407E-A947-70E740481C1C}">
+                            <a14:useLocalDpi xmlns:a14="http://schemas.microsoft.com/office/drawing/2010/main" val="0"/>
+                          </a:ext>
+                        </a:extLst>
+                      </a:blip>
+                      <a:srcRect b="50943"/>
+                      <a:stretch>
+                        <a:fillRect/>
+                      </a:stretch>
+                    </p:blipFill>
+                    <p:spPr bwMode="auto">
+                      <a:xfrm>
+                        <a:off x="3367403" y="414117"/>
+                        <a:ext cx="8514560" cy="3179315"/>
+                      </a:xfrm>
+                      <a:prstGeom prst="rect">
+                        <a:avLst/>
+                      </a:prstGeom>
+                      <a:noFill/>
+                    </p:spPr>
+                  </p:pic>
+                </p:oleObj>
+              </mc:Fallback>
+            </mc:AlternateContent>
+          </a:graphicData>
+        </a:graphic>
+      </p:graphicFrame>
+      <p:pic>
+        <p:nvPicPr>
+          <p:cNvPr id="9" name="Picture 8"/>
+          <p:cNvPicPr/>
+          <p:nvPr/>
+        </p:nvPicPr>
+        <p:blipFill>
+          <a:blip r:embed="rId5" cstate="print">
+            <a:extLst>
+              <a:ext uri="{28A0092B-C50C-407E-A947-70E740481C1C}">
+                <a14:useLocalDpi xmlns:a14="http://schemas.microsoft.com/office/drawing/2010/main" val="0"/>
+              </a:ext>
+            </a:extLst>
+          </a:blip>
+          <a:stretch>
+            <a:fillRect/>
+          </a:stretch>
+        </p:blipFill>
+        <p:spPr>
+          <a:xfrm>
+            <a:off x="4721005" y="4116994"/>
+            <a:ext cx="1952625" cy="2188210"/>
+          </a:xfrm>
+          <a:prstGeom prst="roundRect">
+            <a:avLst>
+              <a:gd name="adj" fmla="val 8594"/>
+            </a:avLst>
+          </a:prstGeom>
+          <a:solidFill>
+            <a:srgbClr val="FFFFFF">
+              <a:shade val="85000"/>
+            </a:srgbClr>
+          </a:solidFill>
+          <a:ln>
+            <a:noFill/>
+          </a:ln>
+          <a:effectLst>
+            <a:reflection blurRad="12700" stA="38000" endPos="28000" dist="5000" dir="5400000" sy="-100000" algn="bl" rotWithShape="0"/>
+          </a:effectLst>
+        </p:spPr>
+      </p:pic>
+      <p:pic>
+        <p:nvPicPr>
+          <p:cNvPr id="10" name="Picture 9"/>
+          <p:cNvPicPr/>
+          <p:nvPr/>
+        </p:nvPicPr>
+        <p:blipFill>
+          <a:blip r:embed="rId6" cstate="print">
+            <a:extLst>
+              <a:ext uri="{28A0092B-C50C-407E-A947-70E740481C1C}">
+                <a14:useLocalDpi xmlns:a14="http://schemas.microsoft.com/office/drawing/2010/main" val="0"/>
+              </a:ext>
+            </a:extLst>
+          </a:blip>
+          <a:stretch>
+            <a:fillRect/>
+          </a:stretch>
+        </p:blipFill>
+        <p:spPr>
+          <a:xfrm>
+            <a:off x="7482353" y="4219229"/>
+            <a:ext cx="1598295" cy="2085975"/>
+          </a:xfrm>
+          <a:prstGeom prst="roundRect">
+            <a:avLst>
+              <a:gd name="adj" fmla="val 8594"/>
+            </a:avLst>
+          </a:prstGeom>
+          <a:solidFill>
+            <a:srgbClr val="FFFFFF">
+              <a:shade val="85000"/>
+            </a:srgbClr>
+          </a:solidFill>
+          <a:ln>
+            <a:noFill/>
+          </a:ln>
+          <a:effectLst>
+            <a:reflection blurRad="12700" stA="38000" endPos="28000" dist="5000" dir="5400000" sy="-100000" algn="bl" rotWithShape="0"/>
+          </a:effectLst>
+        </p:spPr>
+      </p:pic>
+      <p:pic>
+        <p:nvPicPr>
+          <p:cNvPr id="11" name="Picture 10"/>
+          <p:cNvPicPr/>
+          <p:nvPr/>
+        </p:nvPicPr>
+        <p:blipFill>
+          <a:blip r:embed="rId7" cstate="print">
+            <a:extLst>
+              <a:ext uri="{28A0092B-C50C-407E-A947-70E740481C1C}">
+                <a14:useLocalDpi xmlns:a14="http://schemas.microsoft.com/office/drawing/2010/main" val="0"/>
+              </a:ext>
+            </a:extLst>
+          </a:blip>
+          <a:stretch>
+            <a:fillRect/>
+          </a:stretch>
+        </p:blipFill>
+        <p:spPr>
+          <a:xfrm>
+            <a:off x="9661085" y="4219229"/>
+            <a:ext cx="1981200" cy="2055495"/>
+          </a:xfrm>
+          <a:prstGeom prst="roundRect">
+            <a:avLst>
+              <a:gd name="adj" fmla="val 8594"/>
+            </a:avLst>
+          </a:prstGeom>
+          <a:solidFill>
+            <a:srgbClr val="FFFFFF">
+              <a:shade val="85000"/>
+            </a:srgbClr>
+          </a:solidFill>
+          <a:ln>
+            <a:noFill/>
+          </a:ln>
+          <a:effectLst>
+            <a:reflection blurRad="12700" stA="38000" endPos="28000" dist="5000" dir="5400000" sy="-100000" algn="bl" rotWithShape="0"/>
+          </a:effectLst>
+        </p:spPr>
+      </p:pic>
+    </p:spTree>
+    <p:extLst>
+      <p:ext uri="{BB962C8B-B14F-4D97-AF65-F5344CB8AC3E}">
+        <p14:creationId xmlns:p14="http://schemas.microsoft.com/office/powerpoint/2010/main" val="2017368839"/>
+      </p:ext>
+    </p:extLst>
+  </p:cSld>
+  <p:clrMapOvr>
+    <a:masterClrMapping/>
+  </p:clrMapOvr>
+  <p:timing>
+    <p:tnLst>
+      <p:par>
+        <p:cTn id="1" dur="indefinite" restart="never" nodeType="tmRoot"/>
+      </p:par>
+    </p:tnLst>
+  </p:timing>
+</p:sld>
+</file>
+
+<file path=ppt/slides/slide11.xml><?xml version="1.0" encoding="utf-8"?>
+<p:sld xmlns:a="http://schemas.openxmlformats.org/drawingml/2006/main" xmlns:r="http://schemas.openxmlformats.org/officeDocument/2006/relationships" xmlns:p="http://schemas.openxmlformats.org/presentationml/2006/main">
+  <p:cSld>
+    <p:spTree>
+      <p:nvGrpSpPr>
+        <p:cNvPr id="1" name=""/>
+        <p:cNvGrpSpPr/>
+        <p:nvPr/>
+      </p:nvGrpSpPr>
+      <p:grpSpPr>
+        <a:xfrm>
+          <a:off x="0" y="0"/>
+          <a:ext cx="0" cy="0"/>
+          <a:chOff x="0" y="0"/>
+          <a:chExt cx="0" cy="0"/>
+        </a:xfrm>
+      </p:grpSpPr>
+      <p:sp>
+        <p:nvSpPr>
+          <p:cNvPr id="2" name="Title 1"/>
+          <p:cNvSpPr>
+            <a:spLocks noGrp="1"/>
+          </p:cNvSpPr>
+          <p:nvPr>
+            <p:ph type="title"/>
+          </p:nvPr>
+        </p:nvSpPr>
+        <p:spPr/>
+        <p:txBody>
+          <a:bodyPr/>
+          <a:lstStyle/>
+          <a:p>
+            <a:r>
+              <a:rPr lang="en-US" dirty="0" smtClean="0"/>
+              <a:t>Technical Specifications</a:t>
+            </a:r>
+            <a:endParaRPr lang="en-US" dirty="0"/>
+          </a:p>
+        </p:txBody>
+      </p:sp>
+      <p:sp>
+        <p:nvSpPr>
+          <p:cNvPr id="3" name="Content Placeholder 2"/>
+          <p:cNvSpPr>
+            <a:spLocks noGrp="1"/>
+          </p:cNvSpPr>
+          <p:nvPr>
+            <p:ph idx="1"/>
+          </p:nvPr>
+        </p:nvSpPr>
+        <p:spPr/>
+        <p:txBody>
+          <a:bodyPr/>
+          <a:lstStyle/>
+          <a:p>
+            <a:pPr>
+              <a:buFont typeface="Courier New" panose="02070309020205020404" pitchFamily="49" charset="0"/>
+              <a:buChar char="o"/>
+            </a:pPr>
+            <a:r>
+              <a:rPr lang="en-US" sz="2400" dirty="0" smtClean="0"/>
+              <a:t>Naming Conventions</a:t>
+            </a:r>
+          </a:p>
+          <a:p>
+            <a:pPr>
+              <a:buFont typeface="Courier New" panose="02070309020205020404" pitchFamily="49" charset="0"/>
+              <a:buChar char="o"/>
+            </a:pPr>
+            <a:r>
+              <a:rPr lang="en-US" sz="2400" dirty="0" smtClean="0"/>
+              <a:t>Scripts</a:t>
+            </a:r>
+          </a:p>
+          <a:p>
+            <a:pPr lvl="1">
+              <a:buFont typeface="Courier New" panose="02070309020205020404" pitchFamily="49" charset="0"/>
+              <a:buChar char="o"/>
+            </a:pPr>
+            <a:r>
+              <a:rPr lang="en-US" sz="2400" dirty="0" smtClean="0"/>
+              <a:t>For each Interaction</a:t>
+            </a:r>
+          </a:p>
+          <a:p>
+            <a:pPr lvl="1">
+              <a:buFont typeface="Courier New" panose="02070309020205020404" pitchFamily="49" charset="0"/>
+              <a:buChar char="o"/>
+            </a:pPr>
+            <a:r>
+              <a:rPr lang="en-US" sz="2400" dirty="0" smtClean="0"/>
+              <a:t>Structure</a:t>
+            </a:r>
+          </a:p>
+          <a:p>
+            <a:pPr>
+              <a:buFont typeface="Courier New" panose="02070309020205020404" pitchFamily="49" charset="0"/>
+              <a:buChar char="o"/>
+            </a:pPr>
+            <a:r>
+              <a:rPr lang="en-US" sz="2400" dirty="0" smtClean="0"/>
+              <a:t>Game Objects Architecture</a:t>
+            </a:r>
+          </a:p>
+          <a:p>
+            <a:pPr lvl="1">
+              <a:buFont typeface="Courier New" panose="02070309020205020404" pitchFamily="49" charset="0"/>
+              <a:buChar char="o"/>
+            </a:pPr>
+            <a:r>
+              <a:rPr lang="en-US" sz="2400" dirty="0" smtClean="0"/>
+              <a:t>Transform</a:t>
+            </a:r>
+          </a:p>
+          <a:p>
+            <a:pPr lvl="1">
+              <a:buFont typeface="Courier New" panose="02070309020205020404" pitchFamily="49" charset="0"/>
+              <a:buChar char="o"/>
+            </a:pPr>
+            <a:r>
+              <a:rPr lang="en-US" sz="2400" dirty="0" err="1" smtClean="0"/>
+              <a:t>Rigidbody</a:t>
+            </a:r>
+            <a:endParaRPr lang="en-US" sz="2400" dirty="0" smtClean="0"/>
+          </a:p>
+          <a:p>
+            <a:pPr lvl="1">
+              <a:buFont typeface="Courier New" panose="02070309020205020404" pitchFamily="49" charset="0"/>
+              <a:buChar char="o"/>
+            </a:pPr>
+            <a:r>
+              <a:rPr lang="en-US" sz="2400" dirty="0" err="1" smtClean="0"/>
+              <a:t>Colllider</a:t>
+            </a:r>
+            <a:endParaRPr lang="en-US" sz="2400" dirty="0" smtClean="0"/>
+          </a:p>
+          <a:p>
+            <a:pPr lvl="1">
+              <a:buFont typeface="Courier New" panose="02070309020205020404" pitchFamily="49" charset="0"/>
+              <a:buChar char="o"/>
+            </a:pPr>
+            <a:r>
+              <a:rPr lang="en-US" sz="2400" dirty="0" smtClean="0"/>
+              <a:t>Script</a:t>
+            </a:r>
+            <a:endParaRPr lang="en-US" sz="2400" dirty="0"/>
+          </a:p>
+          <a:p>
+            <a:pPr marL="0" indent="0">
+              <a:buNone/>
+            </a:pPr>
+            <a:endParaRPr lang="en-US" dirty="0"/>
+          </a:p>
+        </p:txBody>
+      </p:sp>
+      <p:sp>
+        <p:nvSpPr>
+          <p:cNvPr id="6" name="Rectangle 2"/>
+          <p:cNvSpPr>
+            <a:spLocks noChangeArrowheads="1"/>
+          </p:cNvSpPr>
+          <p:nvPr/>
+        </p:nvSpPr>
+        <p:spPr bwMode="auto">
+          <a:xfrm>
+            <a:off x="5439508" y="1992923"/>
+            <a:ext cx="12192000" cy="0"/>
+          </a:xfrm>
+          <a:prstGeom prst="rect">
+            <a:avLst/>
+          </a:prstGeom>
+          <a:noFill/>
+          <a:ln>
+            <a:noFill/>
+          </a:ln>
+          <a:effectLst/>
+          <a:extLst>
+            <a:ext uri="{909E8E84-426E-40DD-AFC4-6F175D3DCCD1}">
+              <a14:hiddenFill xmlns:a14="http://schemas.microsoft.com/office/drawing/2010/main">
+                <a:solidFill>
+                  <a:schemeClr val="accent1"/>
+                </a:solidFill>
+              </a14:hiddenFill>
+            </a:ext>
+            <a:ext uri="{91240B29-F687-4F45-9708-019B960494DF}">
+              <a14:hiddenLine xmlns:a14="http://schemas.microsoft.com/office/drawing/2010/main" w="9525">
+                <a:solidFill>
+                  <a:schemeClr val="tx1"/>
+                </a:solidFill>
+                <a:miter lim="800000"/>
+                <a:headEnd/>
+                <a:tailEnd/>
+              </a14:hiddenLine>
+            </a:ext>
+            <a:ext uri="{AF507438-7753-43E0-B8FC-AC1667EBCBE1}">
+              <a14:hiddenEffects xmlns:a14="http://schemas.microsoft.com/office/drawing/2010/main">
+                <a:effectLst>
+                  <a:outerShdw dist="35921" dir="2700000" algn="ctr" rotWithShape="0">
+                    <a:schemeClr val="bg2"/>
+                  </a:outerShdw>
+                </a:effectLst>
+              </a14:hiddenEffects>
+            </a:ext>
+          </a:extLst>
+        </p:spPr>
+        <p:txBody>
           <a:bodyPr vert="horz" wrap="none" lIns="91440" tIns="45720" rIns="91440" bIns="45720" numCol="1" anchor="ctr" anchorCtr="0" compatLnSpc="1">
             <a:prstTxWarp prst="textNoShape">
               <a:avLst/>
@@ -4308,7 +4711,7 @@
           <a:graphicData uri="http://schemas.openxmlformats.org/presentationml/2006/ole">
             <mc:AlternateContent xmlns:mc="http://schemas.openxmlformats.org/markup-compatibility/2006">
               <mc:Choice xmlns:v="urn:schemas-microsoft-com:vml" Requires="v">
-                <p:oleObj spid="_x0000_s3082" r:id="rId3" imgW="7181902" imgH="4381327" progId="Visio.Drawing.15">
+                <p:oleObj spid="_x0000_s3084" r:id="rId3" imgW="7181902" imgH="4381327" progId="Visio.Drawing.15">
                   <p:embed/>
                 </p:oleObj>
               </mc:Choice>
@@ -4423,7 +4826,7 @@
 </p:sld>
 </file>
 
-<file path=ppt/slides/slide11.xml><?xml version="1.0" encoding="utf-8"?>
+<file path=ppt/slides/slide12.xml><?xml version="1.0" encoding="utf-8"?>
 <p:sld xmlns:a="http://schemas.openxmlformats.org/drawingml/2006/main" xmlns:r="http://schemas.openxmlformats.org/officeDocument/2006/relationships" xmlns:p="http://schemas.openxmlformats.org/presentationml/2006/main">
   <p:cSld>
     <p:spTree>
@@ -4637,7 +5040,7 @@
           <a:graphicData uri="http://schemas.openxmlformats.org/presentationml/2006/ole">
             <mc:AlternateContent xmlns:mc="http://schemas.openxmlformats.org/markup-compatibility/2006">
               <mc:Choice xmlns:v="urn:schemas-microsoft-com:vml" Requires="v">
-                <p:oleObj spid="_x0000_s4106" r:id="rId3" imgW="5848208" imgH="3009847" progId="Visio.Drawing.15">
+                <p:oleObj spid="_x0000_s4108" r:id="rId3" imgW="5848208" imgH="3009847" progId="Visio.Drawing.15">
                   <p:embed/>
                 </p:oleObj>
               </mc:Choice>
@@ -4745,7 +5148,7 @@
 </p:sld>
 </file>
 
-<file path=ppt/slides/slide12.xml><?xml version="1.0" encoding="utf-8"?>
+<file path=ppt/slides/slide13.xml><?xml version="1.0" encoding="utf-8"?>
 <p:sld xmlns:a="http://schemas.openxmlformats.org/drawingml/2006/main" xmlns:r="http://schemas.openxmlformats.org/officeDocument/2006/relationships" xmlns:p="http://schemas.openxmlformats.org/presentationml/2006/main">
   <p:cSld>
     <p:spTree>
@@ -5074,7 +5477,7 @@
           <a:graphicData uri="http://schemas.openxmlformats.org/presentationml/2006/ole">
             <mc:AlternateContent xmlns:mc="http://schemas.openxmlformats.org/markup-compatibility/2006">
               <mc:Choice xmlns:v="urn:schemas-microsoft-com:vml" Requires="v">
-                <p:oleObj spid="_x0000_s5130" r:id="rId3" imgW="6667590" imgH="4419508" progId="Visio.Drawing.15">
+                <p:oleObj spid="_x0000_s5132" r:id="rId3" imgW="6667590" imgH="4419508" progId="Visio.Drawing.15">
                   <p:embed/>
                 </p:oleObj>
               </mc:Choice>
@@ -6064,7 +6467,7 @@
           <a:graphicData uri="http://schemas.openxmlformats.org/presentationml/2006/ole">
             <mc:AlternateContent xmlns:mc="http://schemas.openxmlformats.org/markup-compatibility/2006">
               <mc:Choice xmlns:v="urn:schemas-microsoft-com:vml" Requires="v">
-                <p:oleObj spid="_x0000_s1038" r:id="rId3" imgW="6639011" imgH="6105658" progId="Visio.Drawing.15">
+                <p:oleObj spid="_x0000_s1040" r:id="rId3" imgW="6639011" imgH="6105658" progId="Visio.Drawing.15">
                   <p:embed/>
                 </p:oleObj>
               </mc:Choice>
@@ -6787,73 +7190,6 @@
           </a:p>
         </p:txBody>
       </p:sp>
-      <p:graphicFrame>
-        <p:nvGraphicFramePr>
-          <p:cNvPr id="7" name="Object 6"/>
-          <p:cNvGraphicFramePr>
-            <a:graphicFrameLocks noChangeAspect="1"/>
-          </p:cNvGraphicFramePr>
-          <p:nvPr>
-            <p:extLst>
-              <p:ext uri="{D42A27DB-BD31-4B8C-83A1-F6EECF244321}">
-                <p14:modId xmlns:p14="http://schemas.microsoft.com/office/powerpoint/2010/main" val="1538604697"/>
-              </p:ext>
-            </p:extLst>
-          </p:nvPr>
-        </p:nvGraphicFramePr>
-        <p:xfrm>
-          <a:off x="5221605" y="1594339"/>
-          <a:ext cx="5934075" cy="4543425"/>
-        </p:xfrm>
-        <a:graphic>
-          <a:graphicData uri="http://schemas.openxmlformats.org/presentationml/2006/ole">
-            <mc:AlternateContent xmlns:mc="http://schemas.openxmlformats.org/markup-compatibility/2006">
-              <mc:Choice xmlns:v="urn:schemas-microsoft-com:vml" Requires="v">
-                <p:oleObj spid="_x0000_s6154" r:id="rId3" imgW="8886746" imgH="6800930" progId="Visio.Drawing.15">
-                  <p:embed/>
-                </p:oleObj>
-              </mc:Choice>
-              <mc:Fallback>
-                <p:oleObj r:id="rId3" imgW="8886746" imgH="6800930" progId="Visio.Drawing.15">
-                  <p:embed/>
-                  <p:pic>
-                    <p:nvPicPr>
-                      <p:cNvPr id="0" name="Object 1"/>
-                      <p:cNvPicPr>
-                        <a:picLocks noChangeAspect="1" noChangeArrowheads="1"/>
-                      </p:cNvPicPr>
-                      <p:nvPr/>
-                    </p:nvPicPr>
-                    <p:blipFill>
-                      <a:blip r:embed="rId4">
-                        <a:extLst>
-                          <a:ext uri="{28A0092B-C50C-407E-A947-70E740481C1C}">
-                            <a14:useLocalDpi xmlns:a14="http://schemas.microsoft.com/office/drawing/2010/main" val="0"/>
-                          </a:ext>
-                        </a:extLst>
-                      </a:blip>
-                      <a:srcRect/>
-                      <a:stretch>
-                        <a:fillRect/>
-                      </a:stretch>
-                    </p:blipFill>
-                    <p:spPr bwMode="auto">
-                      <a:xfrm>
-                        <a:off x="5221605" y="1594339"/>
-                        <a:ext cx="5934075" cy="4543425"/>
-                      </a:xfrm>
-                      <a:prstGeom prst="rect">
-                        <a:avLst/>
-                      </a:prstGeom>
-                      <a:noFill/>
-                    </p:spPr>
-                  </p:pic>
-                </p:oleObj>
-              </mc:Fallback>
-            </mc:AlternateContent>
-          </a:graphicData>
-        </a:graphic>
-      </p:graphicFrame>
       <p:pic>
         <p:nvPicPr>
           <p:cNvPr id="9" name="Picture 8"/>
@@ -6863,7 +7199,7 @@
           <p:nvPr/>
         </p:nvPicPr>
         <p:blipFill>
-          <a:blip r:embed="rId5">
+          <a:blip r:embed="rId2">
             <a:extLst>
               <a:ext uri="{28A0092B-C50C-407E-A947-70E740481C1C}">
                 <a14:useLocalDpi xmlns:a14="http://schemas.microsoft.com/office/drawing/2010/main" val="0"/>
@@ -6876,12 +7212,25 @@
         </p:blipFill>
         <p:spPr>
           <a:xfrm>
-            <a:off x="9593927" y="4290647"/>
-            <a:ext cx="565437" cy="679938"/>
-          </a:xfrm>
-          <a:prstGeom prst="rect">
-            <a:avLst/>
+            <a:off x="9936336" y="3363252"/>
+            <a:ext cx="1930189" cy="2321052"/>
+          </a:xfrm>
+          <a:prstGeom prst="roundRect">
+            <a:avLst>
+              <a:gd name="adj" fmla="val 8594"/>
+            </a:avLst>
           </a:prstGeom>
+          <a:solidFill>
+            <a:srgbClr val="FFFFFF">
+              <a:shade val="85000"/>
+            </a:srgbClr>
+          </a:solidFill>
+          <a:ln>
+            <a:noFill/>
+          </a:ln>
+          <a:effectLst>
+            <a:reflection blurRad="12700" stA="38000" endPos="28000" dist="5000" dir="5400000" sy="-100000" algn="bl" rotWithShape="0"/>
+          </a:effectLst>
         </p:spPr>
       </p:pic>
       <p:pic>
@@ -6893,7 +7242,7 @@
           <p:nvPr/>
         </p:nvPicPr>
         <p:blipFill>
-          <a:blip r:embed="rId6">
+          <a:blip r:embed="rId3">
             <a:extLst>
               <a:ext uri="{28A0092B-C50C-407E-A947-70E740481C1C}">
                 <a14:useLocalDpi xmlns:a14="http://schemas.microsoft.com/office/drawing/2010/main" val="0"/>
@@ -6906,12 +7255,25 @@
         </p:blipFill>
         <p:spPr>
           <a:xfrm flipH="1">
-            <a:off x="5384799" y="5509845"/>
-            <a:ext cx="537425" cy="761971"/>
-          </a:xfrm>
-          <a:prstGeom prst="rect">
-            <a:avLst/>
+            <a:off x="5404462" y="3363252"/>
+            <a:ext cx="1843830" cy="2614216"/>
+          </a:xfrm>
+          <a:prstGeom prst="roundRect">
+            <a:avLst>
+              <a:gd name="adj" fmla="val 8594"/>
+            </a:avLst>
           </a:prstGeom>
+          <a:solidFill>
+            <a:srgbClr val="FFFFFF">
+              <a:shade val="85000"/>
+            </a:srgbClr>
+          </a:solidFill>
+          <a:ln>
+            <a:noFill/>
+          </a:ln>
+          <a:effectLst>
+            <a:reflection blurRad="12700" stA="38000" endPos="28000" dist="5000" dir="5400000" sy="-100000" algn="bl" rotWithShape="0"/>
+          </a:effectLst>
         </p:spPr>
       </p:pic>
       <p:pic>
@@ -6923,7 +7285,7 @@
           <p:nvPr/>
         </p:nvPicPr>
         <p:blipFill>
-          <a:blip r:embed="rId7">
+          <a:blip r:embed="rId4">
             <a:extLst>
               <a:ext uri="{28A0092B-C50C-407E-A947-70E740481C1C}">
                 <a14:useLocalDpi xmlns:a14="http://schemas.microsoft.com/office/drawing/2010/main" val="0"/>
@@ -6936,12 +7298,25 @@
         </p:blipFill>
         <p:spPr>
           <a:xfrm>
-            <a:off x="7899198" y="2378767"/>
-            <a:ext cx="471079" cy="666329"/>
-          </a:xfrm>
-          <a:prstGeom prst="rect">
-            <a:avLst/>
+            <a:off x="7761546" y="3607798"/>
+            <a:ext cx="1675301" cy="2369669"/>
+          </a:xfrm>
+          <a:prstGeom prst="roundRect">
+            <a:avLst>
+              <a:gd name="adj" fmla="val 8594"/>
+            </a:avLst>
           </a:prstGeom>
+          <a:solidFill>
+            <a:srgbClr val="FFFFFF">
+              <a:shade val="85000"/>
+            </a:srgbClr>
+          </a:solidFill>
+          <a:ln>
+            <a:noFill/>
+          </a:ln>
+          <a:effectLst>
+            <a:reflection blurRad="12700" stA="38000" endPos="28000" dist="5000" dir="5400000" sy="-100000" algn="bl" rotWithShape="0"/>
+          </a:effectLst>
         </p:spPr>
       </p:pic>
     </p:spTree>
@@ -6981,151 +7356,83 @@
           <a:chExt cx="0" cy="0"/>
         </a:xfrm>
       </p:grpSpPr>
-      <p:sp>
-        <p:nvSpPr>
-          <p:cNvPr id="2" name="Title 1"/>
-          <p:cNvSpPr>
-            <a:spLocks noGrp="1"/>
-          </p:cNvSpPr>
-          <p:nvPr>
-            <p:ph type="title"/>
-          </p:nvPr>
-        </p:nvSpPr>
-        <p:spPr>
-          <a:xfrm>
-            <a:off x="457200" y="594359"/>
-            <a:ext cx="3200400" cy="526518"/>
-          </a:xfrm>
-        </p:spPr>
-        <p:txBody>
-          <a:bodyPr>
-            <a:normAutofit fontScale="90000"/>
-          </a:bodyPr>
-          <a:lstStyle/>
-          <a:p>
-            <a:r>
-              <a:rPr lang="en-US" dirty="0" smtClean="0"/>
-              <a:t>Characters</a:t>
-            </a:r>
-            <a:endParaRPr lang="en-US" dirty="0"/>
-          </a:p>
-        </p:txBody>
-      </p:sp>
-      <p:sp>
-        <p:nvSpPr>
-          <p:cNvPr id="4" name="Text Placeholder 3"/>
-          <p:cNvSpPr>
-            <a:spLocks noGrp="1"/>
-          </p:cNvSpPr>
-          <p:nvPr>
-            <p:ph type="body" sz="half" idx="2"/>
-          </p:nvPr>
-        </p:nvSpPr>
-        <p:spPr>
-          <a:xfrm>
-            <a:off x="457200" y="1120877"/>
-            <a:ext cx="3200400" cy="5184327"/>
-          </a:xfrm>
-        </p:spPr>
-        <p:txBody>
-          <a:bodyPr/>
-          <a:lstStyle/>
-          <a:p>
-            <a:pPr marL="285750" indent="-285750">
-              <a:buFont typeface="Wingdings" panose="05000000000000000000" pitchFamily="2" charset="2"/>
-              <a:buChar char="q"/>
-            </a:pPr>
-            <a:r>
-              <a:rPr lang="en-US" sz="2800" dirty="0"/>
-              <a:t>Player</a:t>
-            </a:r>
-          </a:p>
-          <a:p>
-            <a:pPr marL="742950" lvl="1" indent="-285750">
-              <a:buFont typeface="Wingdings" panose="05000000000000000000" pitchFamily="2" charset="2"/>
-              <a:buChar char="q"/>
-            </a:pPr>
-            <a:r>
-              <a:rPr lang="en-US" sz="2500" dirty="0" smtClean="0">
-                <a:solidFill>
-                  <a:schemeClr val="bg1"/>
-                </a:solidFill>
-              </a:rPr>
-              <a:t>State Machine</a:t>
-            </a:r>
-          </a:p>
-          <a:p>
-            <a:pPr marL="742950" lvl="1" indent="-285750">
-              <a:buFont typeface="Wingdings" panose="05000000000000000000" pitchFamily="2" charset="2"/>
-              <a:buChar char="q"/>
-            </a:pPr>
-            <a:r>
-              <a:rPr lang="en-US" sz="2500" dirty="0" smtClean="0">
-                <a:solidFill>
-                  <a:schemeClr val="bg1"/>
-                </a:solidFill>
-              </a:rPr>
-              <a:t>Animations</a:t>
-            </a:r>
-          </a:p>
-          <a:p>
-            <a:pPr marL="742950" lvl="1" indent="-285750">
-              <a:buFont typeface="Wingdings" panose="05000000000000000000" pitchFamily="2" charset="2"/>
-              <a:buChar char="q"/>
-            </a:pPr>
-            <a:r>
-              <a:rPr lang="en-US" sz="2500" dirty="0" smtClean="0">
-                <a:solidFill>
-                  <a:schemeClr val="bg1"/>
-                </a:solidFill>
-              </a:rPr>
-              <a:t>Variables</a:t>
-            </a:r>
-            <a:endParaRPr lang="en-US" sz="2500" dirty="0">
-              <a:solidFill>
-                <a:schemeClr val="bg1"/>
-              </a:solidFill>
-            </a:endParaRPr>
-          </a:p>
-          <a:p>
-            <a:pPr marL="285750" indent="-285750">
-              <a:buFont typeface="Wingdings" panose="05000000000000000000" pitchFamily="2" charset="2"/>
-              <a:buChar char="q"/>
-            </a:pPr>
-            <a:r>
-              <a:rPr lang="en-US" sz="2800" dirty="0"/>
-              <a:t>Friendly</a:t>
-            </a:r>
-          </a:p>
-          <a:p>
-            <a:pPr marL="742950" lvl="1" indent="-285750">
-              <a:buFont typeface="Wingdings" panose="05000000000000000000" pitchFamily="2" charset="2"/>
-              <a:buChar char="q"/>
-            </a:pPr>
-            <a:r>
-              <a:rPr lang="en-US" sz="2500" dirty="0">
-                <a:solidFill>
-                  <a:schemeClr val="bg1"/>
-                </a:solidFill>
-              </a:rPr>
-              <a:t>Chat Bubble</a:t>
-            </a:r>
-          </a:p>
-          <a:p>
-            <a:endParaRPr lang="en-US" dirty="0"/>
-          </a:p>
-        </p:txBody>
-      </p:sp>
+      <p:graphicFrame>
+        <p:nvGraphicFramePr>
+          <p:cNvPr id="5" name="Object 4"/>
+          <p:cNvGraphicFramePr>
+            <a:graphicFrameLocks noChangeAspect="1"/>
+          </p:cNvGraphicFramePr>
+          <p:nvPr>
+            <p:extLst>
+              <p:ext uri="{D42A27DB-BD31-4B8C-83A1-F6EECF244321}">
+                <p14:modId xmlns:p14="http://schemas.microsoft.com/office/powerpoint/2010/main" val="3018745334"/>
+              </p:ext>
+            </p:extLst>
+          </p:nvPr>
+        </p:nvGraphicFramePr>
+        <p:xfrm>
+          <a:off x="1858297" y="117703"/>
+          <a:ext cx="7901203" cy="6049557"/>
+        </p:xfrm>
+        <a:graphic>
+          <a:graphicData uri="http://schemas.openxmlformats.org/presentationml/2006/ole">
+            <mc:AlternateContent xmlns:mc="http://schemas.openxmlformats.org/markup-compatibility/2006">
+              <mc:Choice xmlns:v="urn:schemas-microsoft-com:vml" Requires="v">
+                <p:oleObj spid="_x0000_s7171" r:id="rId3" imgW="8886746" imgH="6800930" progId="Visio.Drawing.15">
+                  <p:embed/>
+                </p:oleObj>
+              </mc:Choice>
+              <mc:Fallback>
+                <p:oleObj r:id="rId3" imgW="8886746" imgH="6800930" progId="Visio.Drawing.15">
+                  <p:embed/>
+                  <p:pic>
+                    <p:nvPicPr>
+                      <p:cNvPr id="0" name=""/>
+                      <p:cNvPicPr>
+                        <a:picLocks noChangeAspect="1" noChangeArrowheads="1"/>
+                      </p:cNvPicPr>
+                      <p:nvPr/>
+                    </p:nvPicPr>
+                    <p:blipFill>
+                      <a:blip r:embed="rId4">
+                        <a:extLst>
+                          <a:ext uri="{28A0092B-C50C-407E-A947-70E740481C1C}">
+                            <a14:useLocalDpi xmlns:a14="http://schemas.microsoft.com/office/drawing/2010/main" val="0"/>
+                          </a:ext>
+                        </a:extLst>
+                      </a:blip>
+                      <a:srcRect/>
+                      <a:stretch>
+                        <a:fillRect/>
+                      </a:stretch>
+                    </p:blipFill>
+                    <p:spPr bwMode="auto">
+                      <a:xfrm>
+                        <a:off x="1858297" y="117703"/>
+                        <a:ext cx="7901203" cy="6049557"/>
+                      </a:xfrm>
+                      <a:prstGeom prst="rect">
+                        <a:avLst/>
+                      </a:prstGeom>
+                      <a:noFill/>
+                    </p:spPr>
+                  </p:pic>
+                </p:oleObj>
+              </mc:Fallback>
+            </mc:AlternateContent>
+          </a:graphicData>
+        </a:graphic>
+      </p:graphicFrame>
       <p:pic>
         <p:nvPicPr>
-          <p:cNvPr id="5" name="Picture 4"/>
+          <p:cNvPr id="6" name="Picture 5"/>
           <p:cNvPicPr>
             <a:picLocks noChangeAspect="1"/>
           </p:cNvPicPr>
           <p:nvPr/>
         </p:nvPicPr>
         <p:blipFill>
-          <a:blip r:embed="rId2">
+          <a:blip r:embed="rId5">
             <a:extLst>
               <a:ext uri="{28A0092B-C50C-407E-A947-70E740481C1C}">
                 <a14:useLocalDpi xmlns:a14="http://schemas.microsoft.com/office/drawing/2010/main" val="0"/>
@@ -7138,104 +7445,24 @@
         </p:blipFill>
         <p:spPr>
           <a:xfrm>
-            <a:off x="4303443" y="2147404"/>
-            <a:ext cx="7711622" cy="3283974"/>
-          </a:xfrm>
-          <a:prstGeom prst="roundRect">
-            <a:avLst>
-              <a:gd name="adj" fmla="val 8594"/>
-            </a:avLst>
-          </a:prstGeom>
-          <a:solidFill>
-            <a:srgbClr val="FFFFFF">
-              <a:shade val="85000"/>
-            </a:srgbClr>
-          </a:solidFill>
-          <a:ln>
-            <a:noFill/>
-          </a:ln>
-          <a:effectLst>
-            <a:reflection blurRad="12700" stA="38000" endPos="28000" dist="5000" dir="5400000" sy="-100000" algn="bl" rotWithShape="0"/>
-          </a:effectLst>
-        </p:spPr>
-      </p:pic>
-      <p:sp>
-        <p:nvSpPr>
-          <p:cNvPr id="7" name="Rectangle 6"/>
-          <p:cNvSpPr/>
-          <p:nvPr/>
-        </p:nvSpPr>
-        <p:spPr>
-          <a:xfrm>
-            <a:off x="4934131" y="1027430"/>
-            <a:ext cx="6256649" cy="923330"/>
+            <a:off x="5441133" y="1159567"/>
+            <a:ext cx="645035" cy="912385"/>
           </a:xfrm>
           <a:prstGeom prst="rect">
             <a:avLst/>
           </a:prstGeom>
-          <a:noFill/>
-        </p:spPr>
-        <p:txBody>
-          <a:bodyPr wrap="none" lIns="91440" tIns="45720" rIns="91440" bIns="45720">
-            <a:spAutoFit/>
-          </a:bodyPr>
-          <a:lstStyle/>
-          <a:p>
-            <a:pPr algn="ctr"/>
-            <a:r>
-              <a:rPr lang="en-US" sz="5400" b="1" cap="none" spc="0" dirty="0" smtClean="0">
-                <a:ln w="13462">
-                  <a:solidFill>
-                    <a:schemeClr val="bg1"/>
-                  </a:solidFill>
-                  <a:prstDash val="solid"/>
-                </a:ln>
-                <a:solidFill>
-                  <a:schemeClr val="tx1">
-                    <a:lumMod val="85000"/>
-                    <a:lumOff val="15000"/>
-                  </a:schemeClr>
-                </a:solidFill>
-                <a:effectLst>
-                  <a:outerShdw dist="38100" dir="2700000" algn="bl" rotWithShape="0">
-                    <a:schemeClr val="accent5"/>
-                  </a:outerShdw>
-                </a:effectLst>
-              </a:rPr>
-              <a:t>Player State Machine</a:t>
-            </a:r>
-            <a:endParaRPr lang="en-US" sz="5400" b="1" cap="none" spc="0" dirty="0">
-              <a:ln w="13462">
-                <a:solidFill>
-                  <a:schemeClr val="bg1"/>
-                </a:solidFill>
-                <a:prstDash val="solid"/>
-              </a:ln>
-              <a:solidFill>
-                <a:schemeClr val="tx1">
-                  <a:lumMod val="85000"/>
-                  <a:lumOff val="15000"/>
-                </a:schemeClr>
-              </a:solidFill>
-              <a:effectLst>
-                <a:outerShdw dist="38100" dir="2700000" algn="bl" rotWithShape="0">
-                  <a:schemeClr val="accent5"/>
-                </a:outerShdw>
-              </a:effectLst>
-            </a:endParaRPr>
-          </a:p>
-        </p:txBody>
-      </p:sp>
+        </p:spPr>
+      </p:pic>
       <p:pic>
         <p:nvPicPr>
-          <p:cNvPr id="8" name="Picture 7"/>
+          <p:cNvPr id="7" name="Picture 6"/>
           <p:cNvPicPr>
             <a:picLocks noChangeAspect="1"/>
           </p:cNvPicPr>
           <p:nvPr/>
         </p:nvPicPr>
         <p:blipFill>
-          <a:blip r:embed="rId3">
+          <a:blip r:embed="rId6">
             <a:extLst>
               <a:ext uri="{28A0092B-C50C-407E-A947-70E740481C1C}">
                 <a14:useLocalDpi xmlns:a14="http://schemas.microsoft.com/office/drawing/2010/main" val="0"/>
@@ -7248,31 +7475,48 @@
         </p:blipFill>
         <p:spPr>
           <a:xfrm>
-            <a:off x="1007973" y="4633262"/>
-            <a:ext cx="1725230" cy="1197268"/>
-          </a:xfrm>
-          <a:prstGeom prst="roundRect">
-            <a:avLst>
-              <a:gd name="adj" fmla="val 8594"/>
-            </a:avLst>
+            <a:off x="7656972" y="3700710"/>
+            <a:ext cx="710280" cy="854112"/>
+          </a:xfrm>
+          <a:prstGeom prst="rect">
+            <a:avLst/>
           </a:prstGeom>
-          <a:solidFill>
-            <a:srgbClr val="FFFFFF">
-              <a:shade val="85000"/>
-            </a:srgbClr>
-          </a:solidFill>
-          <a:ln>
-            <a:noFill/>
-          </a:ln>
-          <a:effectLst>
-            <a:reflection blurRad="12700" stA="38000" endPos="28000" dist="5000" dir="5400000" sy="-100000" algn="bl" rotWithShape="0"/>
-          </a:effectLst>
+        </p:spPr>
+      </p:pic>
+      <p:pic>
+        <p:nvPicPr>
+          <p:cNvPr id="8" name="Picture 7"/>
+          <p:cNvPicPr>
+            <a:picLocks noChangeAspect="1"/>
+          </p:cNvPicPr>
+          <p:nvPr/>
+        </p:nvPicPr>
+        <p:blipFill>
+          <a:blip r:embed="rId7">
+            <a:extLst>
+              <a:ext uri="{28A0092B-C50C-407E-A947-70E740481C1C}">
+                <a14:useLocalDpi xmlns:a14="http://schemas.microsoft.com/office/drawing/2010/main" val="0"/>
+              </a:ext>
+            </a:extLst>
+          </a:blip>
+          <a:stretch>
+            <a:fillRect/>
+          </a:stretch>
+        </p:blipFill>
+        <p:spPr>
+          <a:xfrm flipH="1">
+            <a:off x="2140152" y="5323033"/>
+            <a:ext cx="652208" cy="924712"/>
+          </a:xfrm>
+          <a:prstGeom prst="rect">
+            <a:avLst/>
+          </a:prstGeom>
         </p:spPr>
       </p:pic>
     </p:spTree>
     <p:extLst>
       <p:ext uri="{BB962C8B-B14F-4D97-AF65-F5344CB8AC3E}">
-        <p14:creationId xmlns:p14="http://schemas.microsoft.com/office/powerpoint/2010/main" val="260283456"/>
+        <p14:creationId xmlns:p14="http://schemas.microsoft.com/office/powerpoint/2010/main" val="1647121791"/>
       </p:ext>
     </p:extLst>
   </p:cSld>
@@ -7319,7 +7563,7 @@
         <p:spPr>
           <a:xfrm>
             <a:off x="457200" y="594359"/>
-            <a:ext cx="3200400" cy="1103812"/>
+            <a:ext cx="3200400" cy="526518"/>
           </a:xfrm>
         </p:spPr>
         <p:txBody>
@@ -7329,23 +7573,16 @@
           <a:lstStyle/>
           <a:p>
             <a:r>
-              <a:rPr lang="en-US" sz="4400" dirty="0" smtClean="0"/>
+              <a:rPr lang="en-US" dirty="0" smtClean="0"/>
               <a:t>Characters</a:t>
             </a:r>
-            <a:br>
-              <a:rPr lang="en-US" sz="4400" dirty="0" smtClean="0"/>
-            </a:br>
-            <a:r>
-              <a:rPr lang="en-US" sz="4400" dirty="0" smtClean="0"/>
-              <a:t>Continued</a:t>
-            </a:r>
-            <a:endParaRPr lang="en-US" sz="4400" dirty="0"/>
-          </a:p>
-        </p:txBody>
-      </p:sp>
-      <p:sp>
-        <p:nvSpPr>
-          <p:cNvPr id="25" name="Text Placeholder 24"/>
+            <a:endParaRPr lang="en-US" dirty="0"/>
+          </a:p>
+        </p:txBody>
+      </p:sp>
+      <p:sp>
+        <p:nvSpPr>
+          <p:cNvPr id="4" name="Text Placeholder 3"/>
           <p:cNvSpPr>
             <a:spLocks noGrp="1"/>
           </p:cNvSpPr>
@@ -7355,14 +7592,12 @@
         </p:nvSpPr>
         <p:spPr>
           <a:xfrm>
-            <a:off x="457200" y="2120202"/>
-            <a:ext cx="3200400" cy="4185002"/>
-          </a:xfrm>
-        </p:spPr>
-        <p:txBody>
-          <a:bodyPr>
-            <a:normAutofit/>
-          </a:bodyPr>
+            <a:off x="457200" y="1120877"/>
+            <a:ext cx="3200400" cy="5184327"/>
+          </a:xfrm>
+        </p:spPr>
+        <p:txBody>
+          <a:bodyPr/>
           <a:lstStyle/>
           <a:p>
             <a:pPr marL="285750" indent="-285750">
@@ -7370,8 +7605,8 @@
               <a:buChar char="q"/>
             </a:pPr>
             <a:r>
-              <a:rPr lang="en-US" sz="2800" dirty="0" smtClean="0"/>
-              <a:t>Enemies</a:t>
+              <a:rPr lang="en-US" sz="2800" dirty="0"/>
+              <a:t>Player</a:t>
             </a:r>
           </a:p>
           <a:p>
@@ -7385,7 +7620,7 @@
                   <a:schemeClr val="bg1"/>
                 </a:solidFill>
               </a:rPr>
-              <a:t>Enemy Range</a:t>
+              <a:t>State Machine</a:t>
             </a:r>
           </a:p>
           <a:p>
@@ -7399,7 +7634,7 @@
                   <a:schemeClr val="bg1"/>
                 </a:solidFill>
               </a:rPr>
-              <a:t>Enemy Attack</a:t>
+              <a:t>Animations</a:t>
             </a:r>
           </a:p>
           <a:p>
@@ -7413,149 +7648,53 @@
                   <a:schemeClr val="bg1"/>
                 </a:solidFill>
               </a:rPr>
-              <a:t>Enemy Health</a:t>
-            </a:r>
-          </a:p>
-        </p:txBody>
-      </p:sp>
-      <p:sp>
-        <p:nvSpPr>
-          <p:cNvPr id="3" name="Rectangle 2"/>
-          <p:cNvSpPr>
-            <a:spLocks noChangeArrowheads="1"/>
-          </p:cNvSpPr>
-          <p:nvPr/>
-        </p:nvSpPr>
-        <p:spPr bwMode="auto">
-          <a:xfrm>
-            <a:off x="3712308" y="305771"/>
-            <a:ext cx="12046872" cy="45719"/>
-          </a:xfrm>
-          <a:prstGeom prst="rect">
-            <a:avLst/>
-          </a:prstGeom>
-          <a:noFill/>
-          <a:ln>
-            <a:noFill/>
-          </a:ln>
-          <a:effectLst/>
-          <a:extLst>
-            <a:ext uri="{909E8E84-426E-40DD-AFC4-6F175D3DCCD1}">
-              <a14:hiddenFill xmlns:a14="http://schemas.microsoft.com/office/drawing/2010/main">
+              <a:t>Variables</a:t>
+            </a:r>
+            <a:endParaRPr lang="en-US" sz="2500" dirty="0">
+              <a:solidFill>
+                <a:schemeClr val="bg1"/>
+              </a:solidFill>
+            </a:endParaRPr>
+          </a:p>
+          <a:p>
+            <a:pPr marL="285750" indent="-285750">
+              <a:buFont typeface="Wingdings" panose="05000000000000000000" pitchFamily="2" charset="2"/>
+              <a:buChar char="q"/>
+            </a:pPr>
+            <a:r>
+              <a:rPr lang="en-US" sz="2800" dirty="0"/>
+              <a:t>Friendly</a:t>
+            </a:r>
+          </a:p>
+          <a:p>
+            <a:pPr marL="742950" lvl="1" indent="-285750">
+              <a:buFont typeface="Wingdings" panose="05000000000000000000" pitchFamily="2" charset="2"/>
+              <a:buChar char="q"/>
+            </a:pPr>
+            <a:r>
+              <a:rPr lang="en-US" sz="2500" dirty="0">
                 <a:solidFill>
-                  <a:schemeClr val="accent1"/>
+                  <a:schemeClr val="bg1"/>
                 </a:solidFill>
-              </a14:hiddenFill>
-            </a:ext>
-            <a:ext uri="{91240B29-F687-4F45-9708-019B960494DF}">
-              <a14:hiddenLine xmlns:a14="http://schemas.microsoft.com/office/drawing/2010/main" w="9525">
-                <a:solidFill>
-                  <a:schemeClr val="tx1"/>
-                </a:solidFill>
-                <a:miter lim="800000"/>
-                <a:headEnd/>
-                <a:tailEnd/>
-              </a14:hiddenLine>
-            </a:ext>
-            <a:ext uri="{AF507438-7753-43E0-B8FC-AC1667EBCBE1}">
-              <a14:hiddenEffects xmlns:a14="http://schemas.microsoft.com/office/drawing/2010/main">
-                <a:effectLst>
-                  <a:outerShdw dist="35921" dir="2700000" algn="ctr" rotWithShape="0">
-                    <a:schemeClr val="bg2"/>
-                  </a:outerShdw>
-                </a:effectLst>
-              </a14:hiddenEffects>
-            </a:ext>
-          </a:extLst>
-        </p:spPr>
-        <p:txBody>
-          <a:bodyPr vert="horz" wrap="square" lIns="91440" tIns="45720" rIns="91440" bIns="45720" numCol="1" anchor="ctr" anchorCtr="0" compatLnSpc="1">
-            <a:prstTxWarp prst="textNoShape">
-              <a:avLst/>
-            </a:prstTxWarp>
-            <a:spAutoFit/>
-          </a:bodyPr>
-          <a:lstStyle/>
-          <a:p>
-            <a:endParaRPr lang="en-US"/>
-          </a:p>
-        </p:txBody>
-      </p:sp>
-      <p:graphicFrame>
-        <p:nvGraphicFramePr>
-          <p:cNvPr id="4" name="Object 3"/>
-          <p:cNvGraphicFramePr>
-            <a:graphicFrameLocks noChangeAspect="1"/>
-          </p:cNvGraphicFramePr>
-          <p:nvPr>
-            <p:extLst>
-              <p:ext uri="{D42A27DB-BD31-4B8C-83A1-F6EECF244321}">
-                <p14:modId xmlns:p14="http://schemas.microsoft.com/office/powerpoint/2010/main" val="2030080661"/>
-              </p:ext>
-            </p:extLst>
-          </p:nvPr>
-        </p:nvGraphicFramePr>
-        <p:xfrm>
-          <a:off x="3367403" y="414117"/>
-          <a:ext cx="8514560" cy="3179315"/>
-        </p:xfrm>
-        <a:graphic>
-          <a:graphicData uri="http://schemas.openxmlformats.org/presentationml/2006/ole">
-            <mc:AlternateContent xmlns:mc="http://schemas.openxmlformats.org/markup-compatibility/2006">
-              <mc:Choice xmlns:v="urn:schemas-microsoft-com:vml" Requires="v">
-                <p:oleObj spid="_x0000_s2059" r:id="rId3" imgW="9401254" imgH="7181837" progId="Visio.Drawing.15">
-                  <p:embed/>
-                </p:oleObj>
-              </mc:Choice>
-              <mc:Fallback>
-                <p:oleObj r:id="rId3" imgW="9401254" imgH="7181837" progId="Visio.Drawing.15">
-                  <p:embed/>
-                  <p:pic>
-                    <p:nvPicPr>
-                      <p:cNvPr id="0" name="Object 1"/>
-                      <p:cNvPicPr>
-                        <a:picLocks noChangeAspect="1" noChangeArrowheads="1"/>
-                      </p:cNvPicPr>
-                      <p:nvPr/>
-                    </p:nvPicPr>
-                    <p:blipFill>
-                      <a:blip r:embed="rId4">
-                        <a:extLst>
-                          <a:ext uri="{28A0092B-C50C-407E-A947-70E740481C1C}">
-                            <a14:useLocalDpi xmlns:a14="http://schemas.microsoft.com/office/drawing/2010/main" val="0"/>
-                          </a:ext>
-                        </a:extLst>
-                      </a:blip>
-                      <a:srcRect b="50943"/>
-                      <a:stretch>
-                        <a:fillRect/>
-                      </a:stretch>
-                    </p:blipFill>
-                    <p:spPr bwMode="auto">
-                      <a:xfrm>
-                        <a:off x="3367403" y="414117"/>
-                        <a:ext cx="8514560" cy="3179315"/>
-                      </a:xfrm>
-                      <a:prstGeom prst="rect">
-                        <a:avLst/>
-                      </a:prstGeom>
-                      <a:noFill/>
-                    </p:spPr>
-                  </p:pic>
-                </p:oleObj>
-              </mc:Fallback>
-            </mc:AlternateContent>
-          </a:graphicData>
-        </a:graphic>
-      </p:graphicFrame>
+              </a:rPr>
+              <a:t>Chat Bubble</a:t>
+            </a:r>
+          </a:p>
+          <a:p>
+            <a:endParaRPr lang="en-US" dirty="0"/>
+          </a:p>
+        </p:txBody>
+      </p:sp>
       <p:pic>
         <p:nvPicPr>
-          <p:cNvPr id="9" name="Picture 8"/>
-          <p:cNvPicPr/>
+          <p:cNvPr id="5" name="Picture 4"/>
+          <p:cNvPicPr>
+            <a:picLocks noChangeAspect="1"/>
+          </p:cNvPicPr>
           <p:nvPr/>
         </p:nvPicPr>
         <p:blipFill>
-          <a:blip r:embed="rId5" cstate="print">
+          <a:blip r:embed="rId2">
             <a:extLst>
               <a:ext uri="{28A0092B-C50C-407E-A947-70E740481C1C}">
                 <a14:useLocalDpi xmlns:a14="http://schemas.microsoft.com/office/drawing/2010/main" val="0"/>
@@ -7568,8 +7707,8 @@
         </p:blipFill>
         <p:spPr>
           <a:xfrm>
-            <a:off x="4721005" y="4116994"/>
-            <a:ext cx="1952625" cy="2188210"/>
+            <a:off x="4303443" y="2147404"/>
+            <a:ext cx="7711622" cy="3283974"/>
           </a:xfrm>
           <a:prstGeom prst="roundRect">
             <a:avLst>
@@ -7589,14 +7728,83 @@
           </a:effectLst>
         </p:spPr>
       </p:pic>
+      <p:sp>
+        <p:nvSpPr>
+          <p:cNvPr id="7" name="Rectangle 6"/>
+          <p:cNvSpPr/>
+          <p:nvPr/>
+        </p:nvSpPr>
+        <p:spPr>
+          <a:xfrm>
+            <a:off x="4934131" y="1027430"/>
+            <a:ext cx="6256649" cy="923330"/>
+          </a:xfrm>
+          <a:prstGeom prst="rect">
+            <a:avLst/>
+          </a:prstGeom>
+          <a:noFill/>
+        </p:spPr>
+        <p:txBody>
+          <a:bodyPr wrap="none" lIns="91440" tIns="45720" rIns="91440" bIns="45720">
+            <a:spAutoFit/>
+          </a:bodyPr>
+          <a:lstStyle/>
+          <a:p>
+            <a:pPr algn="ctr"/>
+            <a:r>
+              <a:rPr lang="en-US" sz="5400" b="1" cap="none" spc="0" dirty="0" smtClean="0">
+                <a:ln w="13462">
+                  <a:solidFill>
+                    <a:schemeClr val="bg1"/>
+                  </a:solidFill>
+                  <a:prstDash val="solid"/>
+                </a:ln>
+                <a:solidFill>
+                  <a:schemeClr val="tx1">
+                    <a:lumMod val="85000"/>
+                    <a:lumOff val="15000"/>
+                  </a:schemeClr>
+                </a:solidFill>
+                <a:effectLst>
+                  <a:outerShdw dist="38100" dir="2700000" algn="bl" rotWithShape="0">
+                    <a:schemeClr val="accent5"/>
+                  </a:outerShdw>
+                </a:effectLst>
+              </a:rPr>
+              <a:t>Player State Machine</a:t>
+            </a:r>
+            <a:endParaRPr lang="en-US" sz="5400" b="1" cap="none" spc="0" dirty="0">
+              <a:ln w="13462">
+                <a:solidFill>
+                  <a:schemeClr val="bg1"/>
+                </a:solidFill>
+                <a:prstDash val="solid"/>
+              </a:ln>
+              <a:solidFill>
+                <a:schemeClr val="tx1">
+                  <a:lumMod val="85000"/>
+                  <a:lumOff val="15000"/>
+                </a:schemeClr>
+              </a:solidFill>
+              <a:effectLst>
+                <a:outerShdw dist="38100" dir="2700000" algn="bl" rotWithShape="0">
+                  <a:schemeClr val="accent5"/>
+                </a:outerShdw>
+              </a:effectLst>
+            </a:endParaRPr>
+          </a:p>
+        </p:txBody>
+      </p:sp>
       <p:pic>
         <p:nvPicPr>
-          <p:cNvPr id="10" name="Picture 9"/>
-          <p:cNvPicPr/>
+          <p:cNvPr id="8" name="Picture 7"/>
+          <p:cNvPicPr>
+            <a:picLocks noChangeAspect="1"/>
+          </p:cNvPicPr>
           <p:nvPr/>
         </p:nvPicPr>
         <p:blipFill>
-          <a:blip r:embed="rId6" cstate="print">
+          <a:blip r:embed="rId3">
             <a:extLst>
               <a:ext uri="{28A0092B-C50C-407E-A947-70E740481C1C}">
                 <a14:useLocalDpi xmlns:a14="http://schemas.microsoft.com/office/drawing/2010/main" val="0"/>
@@ -7609,8 +7817,8 @@
         </p:blipFill>
         <p:spPr>
           <a:xfrm>
-            <a:off x="7482353" y="4219229"/>
-            <a:ext cx="1598295" cy="2085975"/>
+            <a:off x="1007973" y="4633262"/>
+            <a:ext cx="1725230" cy="1197268"/>
           </a:xfrm>
           <a:prstGeom prst="roundRect">
             <a:avLst>
@@ -7630,51 +7838,10 @@
           </a:effectLst>
         </p:spPr>
       </p:pic>
-      <p:pic>
-        <p:nvPicPr>
-          <p:cNvPr id="11" name="Picture 10"/>
-          <p:cNvPicPr/>
-          <p:nvPr/>
-        </p:nvPicPr>
-        <p:blipFill>
-          <a:blip r:embed="rId7" cstate="print">
-            <a:extLst>
-              <a:ext uri="{28A0092B-C50C-407E-A947-70E740481C1C}">
-                <a14:useLocalDpi xmlns:a14="http://schemas.microsoft.com/office/drawing/2010/main" val="0"/>
-              </a:ext>
-            </a:extLst>
-          </a:blip>
-          <a:stretch>
-            <a:fillRect/>
-          </a:stretch>
-        </p:blipFill>
-        <p:spPr>
-          <a:xfrm>
-            <a:off x="9661085" y="4219229"/>
-            <a:ext cx="1981200" cy="2055495"/>
-          </a:xfrm>
-          <a:prstGeom prst="roundRect">
-            <a:avLst>
-              <a:gd name="adj" fmla="val 8594"/>
-            </a:avLst>
-          </a:prstGeom>
-          <a:solidFill>
-            <a:srgbClr val="FFFFFF">
-              <a:shade val="85000"/>
-            </a:srgbClr>
-          </a:solidFill>
-          <a:ln>
-            <a:noFill/>
-          </a:ln>
-          <a:effectLst>
-            <a:reflection blurRad="12700" stA="38000" endPos="28000" dist="5000" dir="5400000" sy="-100000" algn="bl" rotWithShape="0"/>
-          </a:effectLst>
-        </p:spPr>
-      </p:pic>
     </p:spTree>
     <p:extLst>
       <p:ext uri="{BB962C8B-B14F-4D97-AF65-F5344CB8AC3E}">
-        <p14:creationId xmlns:p14="http://schemas.microsoft.com/office/powerpoint/2010/main" val="2017368839"/>
+        <p14:creationId xmlns:p14="http://schemas.microsoft.com/office/powerpoint/2010/main" val="260283456"/>
       </p:ext>
     </p:extLst>
   </p:cSld>

--- a/Documentation/Design Document/UnityDesignPresentation.pptx
+++ b/Documentation/Design Document/UnityDesignPresentation.pptx
@@ -4283,7 +4283,7 @@
           <a:graphicData uri="http://schemas.openxmlformats.org/presentationml/2006/ole">
             <mc:AlternateContent xmlns:mc="http://schemas.openxmlformats.org/markup-compatibility/2006">
               <mc:Choice xmlns:v="urn:schemas-microsoft-com:vml" Requires="v">
-                <p:oleObj spid="_x0000_s2061" r:id="rId3" imgW="9401254" imgH="7181837" progId="Visio.Drawing.15">
+                <p:oleObj spid="_x0000_s2063" r:id="rId3" imgW="9401254" imgH="7181837" progId="Visio.Drawing.15">
                   <p:embed/>
                 </p:oleObj>
               </mc:Choice>
@@ -4698,20 +4698,20 @@
           <p:nvPr>
             <p:extLst>
               <p:ext uri="{D42A27DB-BD31-4B8C-83A1-F6EECF244321}">
-                <p14:modId xmlns:p14="http://schemas.microsoft.com/office/powerpoint/2010/main" val="2627467342"/>
+                <p14:modId xmlns:p14="http://schemas.microsoft.com/office/powerpoint/2010/main" val="1255095375"/>
               </p:ext>
             </p:extLst>
           </p:nvPr>
         </p:nvGraphicFramePr>
         <p:xfrm>
-          <a:off x="5439508" y="1992923"/>
+          <a:off x="5439508" y="2012587"/>
           <a:ext cx="5419725" cy="3295650"/>
         </p:xfrm>
         <a:graphic>
           <a:graphicData uri="http://schemas.openxmlformats.org/presentationml/2006/ole">
             <mc:AlternateContent xmlns:mc="http://schemas.openxmlformats.org/markup-compatibility/2006">
               <mc:Choice xmlns:v="urn:schemas-microsoft-com:vml" Requires="v">
-                <p:oleObj spid="_x0000_s3084" r:id="rId3" imgW="7181902" imgH="4381327" progId="Visio.Drawing.15">
+                <p:oleObj spid="_x0000_s3086" r:id="rId3" imgW="7181902" imgH="4381327" progId="Visio.Drawing.15">
                   <p:embed/>
                 </p:oleObj>
               </mc:Choice>
@@ -4741,7 +4741,7 @@
                     </p:blipFill>
                     <p:spPr bwMode="auto">
                       <a:xfrm>
-                        <a:off x="5439508" y="1992923"/>
+                        <a:off x="5439508" y="2012587"/>
                         <a:ext cx="5419725" cy="3295650"/>
                       </a:xfrm>
                       <a:prstGeom prst="rect">
@@ -5040,7 +5040,7 @@
           <a:graphicData uri="http://schemas.openxmlformats.org/presentationml/2006/ole">
             <mc:AlternateContent xmlns:mc="http://schemas.openxmlformats.org/markup-compatibility/2006">
               <mc:Choice xmlns:v="urn:schemas-microsoft-com:vml" Requires="v">
-                <p:oleObj spid="_x0000_s4108" r:id="rId3" imgW="5848208" imgH="3009847" progId="Visio.Drawing.15">
+                <p:oleObj spid="_x0000_s4110" r:id="rId3" imgW="5848208" imgH="3009847" progId="Visio.Drawing.15">
                   <p:embed/>
                 </p:oleObj>
               </mc:Choice>
@@ -5477,7 +5477,7 @@
           <a:graphicData uri="http://schemas.openxmlformats.org/presentationml/2006/ole">
             <mc:AlternateContent xmlns:mc="http://schemas.openxmlformats.org/markup-compatibility/2006">
               <mc:Choice xmlns:v="urn:schemas-microsoft-com:vml" Requires="v">
-                <p:oleObj spid="_x0000_s5132" r:id="rId3" imgW="6667590" imgH="4419508" progId="Visio.Drawing.15">
+                <p:oleObj spid="_x0000_s5134" r:id="rId3" imgW="6667590" imgH="4419508" progId="Visio.Drawing.15">
                   <p:embed/>
                 </p:oleObj>
               </mc:Choice>
@@ -6180,42 +6180,50 @@
       </p:sp>
       <p:pic>
         <p:nvPicPr>
-          <p:cNvPr id="5" name="Picture 4"/>
-          <p:cNvPicPr/>
+          <p:cNvPr id="6" name="Picture 5"/>
+          <p:cNvPicPr>
+            <a:picLocks noChangeAspect="1"/>
+          </p:cNvPicPr>
           <p:nvPr/>
         </p:nvPicPr>
-        <p:blipFill rotWithShape="1">
-          <a:blip r:embed="rId2" cstate="print">
+        <p:blipFill>
+          <a:blip r:embed="rId2">
             <a:extLst>
               <a:ext uri="{28A0092B-C50C-407E-A947-70E740481C1C}">
                 <a14:useLocalDpi xmlns:a14="http://schemas.microsoft.com/office/drawing/2010/main" val="0"/>
               </a:ext>
             </a:extLst>
           </a:blip>
-          <a:srcRect l="481" t="12250" r="21795" b="21938"/>
-          <a:stretch/>
+          <a:stretch>
+            <a:fillRect/>
+          </a:stretch>
         </p:blipFill>
-        <p:spPr bwMode="auto">
-          <a:xfrm>
-            <a:off x="4044876" y="2008709"/>
-            <a:ext cx="7110804" cy="3697410"/>
-          </a:xfrm>
-          <a:prstGeom prst="rect">
-            <a:avLst/>
+        <p:spPr>
+          <a:xfrm>
+            <a:off x="9181129" y="0"/>
+            <a:ext cx="1245512" cy="1721852"/>
+          </a:xfrm>
+          <a:prstGeom prst="roundRect">
+            <a:avLst>
+              <a:gd name="adj" fmla="val 8594"/>
+            </a:avLst>
           </a:prstGeom>
+          <a:solidFill>
+            <a:srgbClr val="FFFFFF">
+              <a:shade val="85000"/>
+            </a:srgbClr>
+          </a:solidFill>
           <a:ln>
             <a:noFill/>
           </a:ln>
-          <a:extLst>
-            <a:ext uri="{53640926-AAD7-44D8-BBD7-CCE9431645EC}">
-              <a14:shadowObscured xmlns:a14="http://schemas.microsoft.com/office/drawing/2010/main"/>
-            </a:ext>
-          </a:extLst>
+          <a:effectLst>
+            <a:reflection blurRad="12700" stA="38000" endPos="28000" dist="5000" dir="5400000" sy="-100000" algn="bl" rotWithShape="0"/>
+          </a:effectLst>
         </p:spPr>
       </p:pic>
       <p:pic>
         <p:nvPicPr>
-          <p:cNvPr id="6" name="Picture 5"/>
+          <p:cNvPr id="7" name="Picture 6"/>
           <p:cNvPicPr>
             <a:picLocks noChangeAspect="1"/>
           </p:cNvPicPr>
@@ -6235,25 +6243,12 @@
         </p:blipFill>
         <p:spPr>
           <a:xfrm>
-            <a:off x="9181129" y="0"/>
-            <a:ext cx="1245512" cy="1721852"/>
-          </a:xfrm>
-          <a:prstGeom prst="roundRect">
-            <a:avLst>
-              <a:gd name="adj" fmla="val 8594"/>
-            </a:avLst>
+            <a:off x="3622766" y="1906881"/>
+            <a:ext cx="7181850" cy="3962213"/>
+          </a:xfrm>
+          <a:prstGeom prst="rect">
+            <a:avLst/>
           </a:prstGeom>
-          <a:solidFill>
-            <a:srgbClr val="FFFFFF">
-              <a:shade val="85000"/>
-            </a:srgbClr>
-          </a:solidFill>
-          <a:ln>
-            <a:noFill/>
-          </a:ln>
-          <a:effectLst>
-            <a:reflection blurRad="12700" stA="38000" endPos="28000" dist="5000" dir="5400000" sy="-100000" algn="bl" rotWithShape="0"/>
-          </a:effectLst>
         </p:spPr>
       </p:pic>
     </p:spTree>
@@ -6356,7 +6351,7 @@
             </a:pPr>
             <a:r>
               <a:rPr lang="en-US" sz="2800" dirty="0" smtClean="0"/>
-              <a:t>Represent Wayne State</a:t>
+              <a:t>Simple</a:t>
             </a:r>
           </a:p>
           <a:p>
@@ -6366,17 +6361,11 @@
             </a:pPr>
             <a:r>
               <a:rPr lang="en-US" sz="2800" dirty="0" smtClean="0"/>
-              <a:t>Simple</a:t>
-            </a:r>
-          </a:p>
-          <a:p>
-            <a:pPr marL="285750" indent="-285750">
-              <a:buFont typeface="Wingdings" panose="05000000000000000000" pitchFamily="2" charset="2"/>
-              <a:buChar char="q"/>
-            </a:pPr>
+              <a:t>Intuitive </a:t>
+            </a:r>
             <a:r>
               <a:rPr lang="en-US" sz="2800" dirty="0" smtClean="0"/>
-              <a:t>Intuitive Navigation</a:t>
+              <a:t>Navigation</a:t>
             </a:r>
             <a:endParaRPr lang="en-US" sz="2800" dirty="0"/>
           </a:p>
@@ -6467,7 +6456,7 @@
           <a:graphicData uri="http://schemas.openxmlformats.org/presentationml/2006/ole">
             <mc:AlternateContent xmlns:mc="http://schemas.openxmlformats.org/markup-compatibility/2006">
               <mc:Choice xmlns:v="urn:schemas-microsoft-com:vml" Requires="v">
-                <p:oleObj spid="_x0000_s1040" r:id="rId3" imgW="6639011" imgH="6105658" progId="Visio.Drawing.15">
+                <p:oleObj spid="_x0000_s1042" r:id="rId3" imgW="6639011" imgH="6105658" progId="Visio.Drawing.15">
                   <p:embed/>
                 </p:oleObj>
               </mc:Choice>
@@ -7378,7 +7367,7 @@
           <a:graphicData uri="http://schemas.openxmlformats.org/presentationml/2006/ole">
             <mc:AlternateContent xmlns:mc="http://schemas.openxmlformats.org/markup-compatibility/2006">
               <mc:Choice xmlns:v="urn:schemas-microsoft-com:vml" Requires="v">
-                <p:oleObj spid="_x0000_s7171" r:id="rId3" imgW="8886746" imgH="6800930" progId="Visio.Drawing.15">
+                <p:oleObj spid="_x0000_s7173" r:id="rId3" imgW="8886746" imgH="6800930" progId="Visio.Drawing.15">
                   <p:embed/>
                 </p:oleObj>
               </mc:Choice>

--- a/Documentation/Design Document/UnityDesignPresentation.pptx
+++ b/Documentation/Design Document/UnityDesignPresentation.pptx
@@ -221,7 +221,7 @@
           <a:p>
             <a:fld id="{36F12CB1-DABA-4CBD-967D-6A1DEAF14A26}" type="datetimeFigureOut">
               <a:rPr lang="en-US" smtClean="0"/>
-              <a:t>3/10/2015</a:t>
+              <a:t>3/12/2015</a:t>
             </a:fld>
             <a:endParaRPr lang="en-US"/>
           </a:p>
@@ -530,7 +530,7 @@
           <a:p>
             <a:fld id="{4BDF68E2-58F2-4D09-BE8B-E3BD06533059}" type="datetimeFigureOut">
               <a:rPr lang="en-US" dirty="0"/>
-              <a:t>3/10/2015</a:t>
+              <a:t>3/12/2015</a:t>
             </a:fld>
             <a:endParaRPr lang="en-US" dirty="0"/>
           </a:p>
@@ -733,7 +733,7 @@
           <a:p>
             <a:fld id="{2E2D6473-DF6D-4702-B328-E0DD40540A4E}" type="datetimeFigureOut">
               <a:rPr lang="en-US" dirty="0"/>
-              <a:t>3/10/2015</a:t>
+              <a:t>3/12/2015</a:t>
             </a:fld>
             <a:endParaRPr lang="en-US" dirty="0"/>
           </a:p>
@@ -984,7 +984,7 @@
           <a:p>
             <a:fld id="{E26F7E3A-B166-407D-9866-32884E7D5B37}" type="datetimeFigureOut">
               <a:rPr lang="en-US" dirty="0"/>
-              <a:t>3/10/2015</a:t>
+              <a:t>3/12/2015</a:t>
             </a:fld>
             <a:endParaRPr lang="en-US" dirty="0"/>
           </a:p>
@@ -1153,7 +1153,7 @@
           <a:p>
             <a:fld id="{528FC5F6-F338-4AE4-BB23-26385BCFC423}" type="datetimeFigureOut">
               <a:rPr lang="en-US" dirty="0"/>
-              <a:t>3/10/2015</a:t>
+              <a:t>3/12/2015</a:t>
             </a:fld>
             <a:endParaRPr lang="en-US" dirty="0"/>
           </a:p>
@@ -1491,7 +1491,7 @@
           <a:p>
             <a:fld id="{20EBB0C4-6273-4C6E-B9BD-2EDC30F1CD52}" type="datetimeFigureOut">
               <a:rPr lang="en-US" dirty="0"/>
-              <a:t>3/10/2015</a:t>
+              <a:t>3/12/2015</a:t>
             </a:fld>
             <a:endParaRPr lang="en-US" dirty="0"/>
           </a:p>
@@ -1761,7 +1761,7 @@
           <a:p>
             <a:fld id="{19AB4D41-86C1-4908-B66A-0B50CEB3BF29}" type="datetimeFigureOut">
               <a:rPr lang="en-US" dirty="0"/>
-              <a:t>3/10/2015</a:t>
+              <a:t>3/12/2015</a:t>
             </a:fld>
             <a:endParaRPr lang="en-US" dirty="0"/>
           </a:p>
@@ -2135,7 +2135,7 @@
           <a:p>
             <a:fld id="{E6426E2C-56C1-4E0D-A793-0088A7FDD37E}" type="datetimeFigureOut">
               <a:rPr lang="en-US" dirty="0"/>
-              <a:t>3/10/2015</a:t>
+              <a:t>3/12/2015</a:t>
             </a:fld>
             <a:endParaRPr lang="en-US" dirty="0"/>
           </a:p>
@@ -2248,7 +2248,7 @@
           <a:p>
             <a:fld id="{C8C39B41-D8B5-4052-B551-9B5525EAA8B6}" type="datetimeFigureOut">
               <a:rPr lang="en-US" dirty="0"/>
-              <a:t>3/10/2015</a:t>
+              <a:t>3/12/2015</a:t>
             </a:fld>
             <a:endParaRPr lang="en-US" dirty="0"/>
           </a:p>
@@ -2414,7 +2414,7 @@
           <a:p>
             <a:fld id="{4D94136C-8742-45B2-AF27-D93DF72833A9}" type="datetimeFigureOut">
               <a:rPr lang="en-US" dirty="0"/>
-              <a:t>3/10/2015</a:t>
+              <a:t>3/12/2015</a:t>
             </a:fld>
             <a:endParaRPr lang="en-US" dirty="0"/>
           </a:p>
@@ -2764,7 +2764,7 @@
           <a:p>
             <a:fld id="{32ABBEA6-7C60-4B02-AE87-00D78D8422AF}" type="datetimeFigureOut">
               <a:rPr lang="en-US" dirty="0"/>
-              <a:t>3/10/2015</a:t>
+              <a:t>3/12/2015</a:t>
             </a:fld>
             <a:endParaRPr lang="en-US" dirty="0"/>
           </a:p>
@@ -3142,7 +3142,7 @@
           <a:p>
             <a:fld id="{C9CAD897-D46E-4AD2-BD9B-49DD3E640873}" type="datetimeFigureOut">
               <a:rPr lang="en-US" dirty="0"/>
-              <a:t>3/10/2015</a:t>
+              <a:t>3/12/2015</a:t>
             </a:fld>
             <a:endParaRPr lang="en-US" dirty="0"/>
           </a:p>
@@ -3424,7 +3424,7 @@
           <a:p>
             <a:fld id="{98624D31-43A5-475A-80CF-332C9F6DCF35}" type="datetimeFigureOut">
               <a:rPr lang="en-US" dirty="0"/>
-              <a:t>3/10/2015</a:t>
+              <a:t>3/12/2015</a:t>
             </a:fld>
             <a:endParaRPr lang="en-US" dirty="0"/>
           </a:p>
@@ -4283,12 +4283,12 @@
           <a:graphicData uri="http://schemas.openxmlformats.org/presentationml/2006/ole">
             <mc:AlternateContent xmlns:mc="http://schemas.openxmlformats.org/markup-compatibility/2006">
               <mc:Choice xmlns:v="urn:schemas-microsoft-com:vml" Requires="v">
-                <p:oleObj spid="_x0000_s2063" r:id="rId3" imgW="9401254" imgH="7181837" progId="Visio.Drawing.15">
+                <p:oleObj spid="_x0000_s2064" r:id="rId4" imgW="9401254" imgH="7181837" progId="Visio.Drawing.15">
                   <p:embed/>
                 </p:oleObj>
               </mc:Choice>
               <mc:Fallback>
-                <p:oleObj r:id="rId3" imgW="9401254" imgH="7181837" progId="Visio.Drawing.15">
+                <p:oleObj r:id="rId4" imgW="9401254" imgH="7181837" progId="Visio.Drawing.15">
                   <p:embed/>
                   <p:pic>
                     <p:nvPicPr>
@@ -4299,7 +4299,7 @@
                       <p:nvPr/>
                     </p:nvPicPr>
                     <p:blipFill>
-                      <a:blip r:embed="rId4">
+                      <a:blip r:embed="rId5">
                         <a:extLst>
                           <a:ext uri="{28A0092B-C50C-407E-A947-70E740481C1C}">
                             <a14:useLocalDpi xmlns:a14="http://schemas.microsoft.com/office/drawing/2010/main" val="0"/>
@@ -4335,7 +4335,7 @@
           <p:nvPr/>
         </p:nvPicPr>
         <p:blipFill>
-          <a:blip r:embed="rId5" cstate="print">
+          <a:blip r:embed="rId6" cstate="print">
             <a:extLst>
               <a:ext uri="{28A0092B-C50C-407E-A947-70E740481C1C}">
                 <a14:useLocalDpi xmlns:a14="http://schemas.microsoft.com/office/drawing/2010/main" val="0"/>
@@ -4376,7 +4376,7 @@
           <p:nvPr/>
         </p:nvPicPr>
         <p:blipFill>
-          <a:blip r:embed="rId6" cstate="print">
+          <a:blip r:embed="rId7" cstate="print">
             <a:extLst>
               <a:ext uri="{28A0092B-C50C-407E-A947-70E740481C1C}">
                 <a14:useLocalDpi xmlns:a14="http://schemas.microsoft.com/office/drawing/2010/main" val="0"/>
@@ -4417,7 +4417,7 @@
           <p:nvPr/>
         </p:nvPicPr>
         <p:blipFill>
-          <a:blip r:embed="rId7" cstate="print">
+          <a:blip r:embed="rId8" cstate="print">
             <a:extLst>
               <a:ext uri="{28A0092B-C50C-407E-A947-70E740481C1C}">
                 <a14:useLocalDpi xmlns:a14="http://schemas.microsoft.com/office/drawing/2010/main" val="0"/>
@@ -4711,12 +4711,12 @@
           <a:graphicData uri="http://schemas.openxmlformats.org/presentationml/2006/ole">
             <mc:AlternateContent xmlns:mc="http://schemas.openxmlformats.org/markup-compatibility/2006">
               <mc:Choice xmlns:v="urn:schemas-microsoft-com:vml" Requires="v">
-                <p:oleObj spid="_x0000_s3086" r:id="rId3" imgW="7181902" imgH="4381327" progId="Visio.Drawing.15">
+                <p:oleObj spid="_x0000_s3087" r:id="rId4" imgW="7181902" imgH="4381327" progId="Visio.Drawing.15">
                   <p:embed/>
                 </p:oleObj>
               </mc:Choice>
               <mc:Fallback>
-                <p:oleObj r:id="rId3" imgW="7181902" imgH="4381327" progId="Visio.Drawing.15">
+                <p:oleObj r:id="rId4" imgW="7181902" imgH="4381327" progId="Visio.Drawing.15">
                   <p:embed/>
                   <p:pic>
                     <p:nvPicPr>
@@ -4727,7 +4727,7 @@
                       <p:nvPr/>
                     </p:nvPicPr>
                     <p:blipFill>
-                      <a:blip r:embed="rId4">
+                      <a:blip r:embed="rId5">
                         <a:extLst>
                           <a:ext uri="{28A0092B-C50C-407E-A947-70E740481C1C}">
                             <a14:useLocalDpi xmlns:a14="http://schemas.microsoft.com/office/drawing/2010/main" val="0"/>
@@ -4772,7 +4772,7 @@
           <p:nvPr/>
         </p:nvPicPr>
         <p:blipFill>
-          <a:blip r:embed="rId5" cstate="print">
+          <a:blip r:embed="rId6" cstate="print">
             <a:extLst>
               <a:ext uri="{28A0092B-C50C-407E-A947-70E740481C1C}">
                 <a14:useLocalDpi xmlns:a14="http://schemas.microsoft.com/office/drawing/2010/main" val="0"/>
@@ -5040,12 +5040,12 @@
           <a:graphicData uri="http://schemas.openxmlformats.org/presentationml/2006/ole">
             <mc:AlternateContent xmlns:mc="http://schemas.openxmlformats.org/markup-compatibility/2006">
               <mc:Choice xmlns:v="urn:schemas-microsoft-com:vml" Requires="v">
-                <p:oleObj spid="_x0000_s4110" r:id="rId3" imgW="5848208" imgH="3009847" progId="Visio.Drawing.15">
+                <p:oleObj spid="_x0000_s4111" r:id="rId4" imgW="5848208" imgH="3009847" progId="Visio.Drawing.15">
                   <p:embed/>
                 </p:oleObj>
               </mc:Choice>
               <mc:Fallback>
-                <p:oleObj r:id="rId3" imgW="5848208" imgH="3009847" progId="Visio.Drawing.15">
+                <p:oleObj r:id="rId4" imgW="5848208" imgH="3009847" progId="Visio.Drawing.15">
                   <p:embed/>
                   <p:pic>
                     <p:nvPicPr>
@@ -5056,7 +5056,7 @@
                       <p:nvPr/>
                     </p:nvPicPr>
                     <p:blipFill>
-                      <a:blip r:embed="rId4">
+                      <a:blip r:embed="rId5">
                         <a:extLst>
                           <a:ext uri="{28A0092B-C50C-407E-A947-70E740481C1C}">
                             <a14:useLocalDpi xmlns:a14="http://schemas.microsoft.com/office/drawing/2010/main" val="0"/>
@@ -5094,7 +5094,7 @@
           <p:nvPr/>
         </p:nvPicPr>
         <p:blipFill>
-          <a:blip r:embed="rId5">
+          <a:blip r:embed="rId6">
             <a:extLst>
               <a:ext uri="{28A0092B-C50C-407E-A947-70E740481C1C}">
                 <a14:useLocalDpi xmlns:a14="http://schemas.microsoft.com/office/drawing/2010/main" val="0"/>
@@ -5165,6 +5165,29 @@
           <a:chExt cx="0" cy="0"/>
         </a:xfrm>
       </p:grpSpPr>
+      <p:pic>
+        <p:nvPicPr>
+          <p:cNvPr id="4" name="Picture 3"/>
+          <p:cNvPicPr>
+            <a:picLocks noChangeAspect="1"/>
+          </p:cNvPicPr>
+          <p:nvPr/>
+        </p:nvPicPr>
+        <p:blipFill rotWithShape="1">
+          <a:blip r:embed="rId2"/>
+          <a:srcRect l="497"/>
+          <a:stretch/>
+        </p:blipFill>
+        <p:spPr>
+          <a:xfrm>
+            <a:off x="5021177" y="1063374"/>
+            <a:ext cx="6920917" cy="5452083"/>
+          </a:xfrm>
+          <a:prstGeom prst="rect">
+            <a:avLst/>
+          </a:prstGeom>
+        </p:spPr>
+      </p:pic>
       <p:sp>
         <p:nvSpPr>
           <p:cNvPr id="2" name="Title 1"/>
@@ -5455,73 +5478,6 @@
           </a:p>
         </p:txBody>
       </p:sp>
-      <p:graphicFrame>
-        <p:nvGraphicFramePr>
-          <p:cNvPr id="5" name="Object 4"/>
-          <p:cNvGraphicFramePr>
-            <a:graphicFrameLocks noChangeAspect="1"/>
-          </p:cNvGraphicFramePr>
-          <p:nvPr>
-            <p:extLst>
-              <p:ext uri="{D42A27DB-BD31-4B8C-83A1-F6EECF244321}">
-                <p14:modId xmlns:p14="http://schemas.microsoft.com/office/powerpoint/2010/main" val="4279879873"/>
-              </p:ext>
-            </p:extLst>
-          </p:nvPr>
-        </p:nvGraphicFramePr>
-        <p:xfrm>
-          <a:off x="4225861" y="779276"/>
-          <a:ext cx="7687871" cy="5084114"/>
-        </p:xfrm>
-        <a:graphic>
-          <a:graphicData uri="http://schemas.openxmlformats.org/presentationml/2006/ole">
-            <mc:AlternateContent xmlns:mc="http://schemas.openxmlformats.org/markup-compatibility/2006">
-              <mc:Choice xmlns:v="urn:schemas-microsoft-com:vml" Requires="v">
-                <p:oleObj spid="_x0000_s5134" r:id="rId3" imgW="6667590" imgH="4419508" progId="Visio.Drawing.15">
-                  <p:embed/>
-                </p:oleObj>
-              </mc:Choice>
-              <mc:Fallback>
-                <p:oleObj r:id="rId3" imgW="6667590" imgH="4419508" progId="Visio.Drawing.15">
-                  <p:embed/>
-                  <p:pic>
-                    <p:nvPicPr>
-                      <p:cNvPr id="0" name="Object 1"/>
-                      <p:cNvPicPr>
-                        <a:picLocks noChangeAspect="1" noChangeArrowheads="1"/>
-                      </p:cNvPicPr>
-                      <p:nvPr/>
-                    </p:nvPicPr>
-                    <p:blipFill>
-                      <a:blip r:embed="rId4">
-                        <a:extLst>
-                          <a:ext uri="{28A0092B-C50C-407E-A947-70E740481C1C}">
-                            <a14:useLocalDpi xmlns:a14="http://schemas.microsoft.com/office/drawing/2010/main" val="0"/>
-                          </a:ext>
-                        </a:extLst>
-                      </a:blip>
-                      <a:srcRect/>
-                      <a:stretch>
-                        <a:fillRect/>
-                      </a:stretch>
-                    </p:blipFill>
-                    <p:spPr bwMode="auto">
-                      <a:xfrm>
-                        <a:off x="4225861" y="779276"/>
-                        <a:ext cx="7687871" cy="5084114"/>
-                      </a:xfrm>
-                      <a:prstGeom prst="rect">
-                        <a:avLst/>
-                      </a:prstGeom>
-                      <a:noFill/>
-                    </p:spPr>
-                  </p:pic>
-                </p:oleObj>
-              </mc:Fallback>
-            </mc:AlternateContent>
-          </a:graphicData>
-        </a:graphic>
-      </p:graphicFrame>
       <p:pic>
         <p:nvPicPr>
           <p:cNvPr id="7" name="Picture 6"/>
@@ -5531,7 +5487,7 @@
           <p:nvPr/>
         </p:nvPicPr>
         <p:blipFill>
-          <a:blip r:embed="rId5">
+          <a:blip r:embed="rId3">
             <a:extLst>
               <a:ext uri="{28A0092B-C50C-407E-A947-70E740481C1C}">
                 <a14:useLocalDpi xmlns:a14="http://schemas.microsoft.com/office/drawing/2010/main" val="0"/>
@@ -6361,11 +6317,7 @@
             </a:pPr>
             <a:r>
               <a:rPr lang="en-US" sz="2800" dirty="0" smtClean="0"/>
-              <a:t>Intuitive </a:t>
-            </a:r>
-            <a:r>
-              <a:rPr lang="en-US" sz="2800" dirty="0" smtClean="0"/>
-              <a:t>Navigation</a:t>
+              <a:t>Intuitive Navigation</a:t>
             </a:r>
             <a:endParaRPr lang="en-US" sz="2800" dirty="0"/>
           </a:p>
@@ -6456,12 +6408,12 @@
           <a:graphicData uri="http://schemas.openxmlformats.org/presentationml/2006/ole">
             <mc:AlternateContent xmlns:mc="http://schemas.openxmlformats.org/markup-compatibility/2006">
               <mc:Choice xmlns:v="urn:schemas-microsoft-com:vml" Requires="v">
-                <p:oleObj spid="_x0000_s1042" r:id="rId3" imgW="6639011" imgH="6105658" progId="Visio.Drawing.15">
+                <p:oleObj spid="_x0000_s1043" r:id="rId4" imgW="6639011" imgH="6105658" progId="Visio.Drawing.15">
                   <p:embed/>
                 </p:oleObj>
               </mc:Choice>
               <mc:Fallback>
-                <p:oleObj r:id="rId3" imgW="6639011" imgH="6105658" progId="Visio.Drawing.15">
+                <p:oleObj r:id="rId4" imgW="6639011" imgH="6105658" progId="Visio.Drawing.15">
                   <p:embed/>
                   <p:pic>
                     <p:nvPicPr>
@@ -6472,7 +6424,7 @@
                       <p:nvPr/>
                     </p:nvPicPr>
                     <p:blipFill>
-                      <a:blip r:embed="rId4">
+                      <a:blip r:embed="rId5">
                         <a:extLst>
                           <a:ext uri="{28A0092B-C50C-407E-A947-70E740481C1C}">
                             <a14:useLocalDpi xmlns:a14="http://schemas.microsoft.com/office/drawing/2010/main" val="0"/>
@@ -6510,7 +6462,7 @@
           <p:nvPr/>
         </p:nvPicPr>
         <p:blipFill>
-          <a:blip r:embed="rId5">
+          <a:blip r:embed="rId6">
             <a:extLst>
               <a:ext uri="{28A0092B-C50C-407E-A947-70E740481C1C}">
                 <a14:useLocalDpi xmlns:a14="http://schemas.microsoft.com/office/drawing/2010/main" val="0"/>
@@ -7367,12 +7319,12 @@
           <a:graphicData uri="http://schemas.openxmlformats.org/presentationml/2006/ole">
             <mc:AlternateContent xmlns:mc="http://schemas.openxmlformats.org/markup-compatibility/2006">
               <mc:Choice xmlns:v="urn:schemas-microsoft-com:vml" Requires="v">
-                <p:oleObj spid="_x0000_s7173" r:id="rId3" imgW="8886746" imgH="6800930" progId="Visio.Drawing.15">
+                <p:oleObj spid="_x0000_s7174" r:id="rId4" imgW="8886746" imgH="6800930" progId="Visio.Drawing.15">
                   <p:embed/>
                 </p:oleObj>
               </mc:Choice>
               <mc:Fallback>
-                <p:oleObj r:id="rId3" imgW="8886746" imgH="6800930" progId="Visio.Drawing.15">
+                <p:oleObj r:id="rId4" imgW="8886746" imgH="6800930" progId="Visio.Drawing.15">
                   <p:embed/>
                   <p:pic>
                     <p:nvPicPr>
@@ -7383,7 +7335,7 @@
                       <p:nvPr/>
                     </p:nvPicPr>
                     <p:blipFill>
-                      <a:blip r:embed="rId4">
+                      <a:blip r:embed="rId5">
                         <a:extLst>
                           <a:ext uri="{28A0092B-C50C-407E-A947-70E740481C1C}">
                             <a14:useLocalDpi xmlns:a14="http://schemas.microsoft.com/office/drawing/2010/main" val="0"/>
@@ -7421,36 +7373,6 @@
           <p:nvPr/>
         </p:nvPicPr>
         <p:blipFill>
-          <a:blip r:embed="rId5">
-            <a:extLst>
-              <a:ext uri="{28A0092B-C50C-407E-A947-70E740481C1C}">
-                <a14:useLocalDpi xmlns:a14="http://schemas.microsoft.com/office/drawing/2010/main" val="0"/>
-              </a:ext>
-            </a:extLst>
-          </a:blip>
-          <a:stretch>
-            <a:fillRect/>
-          </a:stretch>
-        </p:blipFill>
-        <p:spPr>
-          <a:xfrm>
-            <a:off x="5441133" y="1159567"/>
-            <a:ext cx="645035" cy="912385"/>
-          </a:xfrm>
-          <a:prstGeom prst="rect">
-            <a:avLst/>
-          </a:prstGeom>
-        </p:spPr>
-      </p:pic>
-      <p:pic>
-        <p:nvPicPr>
-          <p:cNvPr id="7" name="Picture 6"/>
-          <p:cNvPicPr>
-            <a:picLocks noChangeAspect="1"/>
-          </p:cNvPicPr>
-          <p:nvPr/>
-        </p:nvPicPr>
-        <p:blipFill>
           <a:blip r:embed="rId6">
             <a:extLst>
               <a:ext uri="{28A0092B-C50C-407E-A947-70E740481C1C}">
@@ -7464,6 +7386,36 @@
         </p:blipFill>
         <p:spPr>
           <a:xfrm>
+            <a:off x="5441133" y="1159567"/>
+            <a:ext cx="645035" cy="912385"/>
+          </a:xfrm>
+          <a:prstGeom prst="rect">
+            <a:avLst/>
+          </a:prstGeom>
+        </p:spPr>
+      </p:pic>
+      <p:pic>
+        <p:nvPicPr>
+          <p:cNvPr id="7" name="Picture 6"/>
+          <p:cNvPicPr>
+            <a:picLocks noChangeAspect="1"/>
+          </p:cNvPicPr>
+          <p:nvPr/>
+        </p:nvPicPr>
+        <p:blipFill>
+          <a:blip r:embed="rId7">
+            <a:extLst>
+              <a:ext uri="{28A0092B-C50C-407E-A947-70E740481C1C}">
+                <a14:useLocalDpi xmlns:a14="http://schemas.microsoft.com/office/drawing/2010/main" val="0"/>
+              </a:ext>
+            </a:extLst>
+          </a:blip>
+          <a:stretch>
+            <a:fillRect/>
+          </a:stretch>
+        </p:blipFill>
+        <p:spPr>
+          <a:xfrm>
             <a:off x="7656972" y="3700710"/>
             <a:ext cx="710280" cy="854112"/>
           </a:xfrm>
@@ -7481,7 +7433,7 @@
           <p:nvPr/>
         </p:nvPicPr>
         <p:blipFill>
-          <a:blip r:embed="rId7">
+          <a:blip r:embed="rId8">
             <a:extLst>
               <a:ext uri="{28A0092B-C50C-407E-A947-70E740481C1C}">
                 <a14:useLocalDpi xmlns:a14="http://schemas.microsoft.com/office/drawing/2010/main" val="0"/>

--- a/Documentation/Design Document/UnityDesignPresentation.pptx
+++ b/Documentation/Design Document/UnityDesignPresentation.pptx
@@ -5,7 +5,7 @@
     <p:sldMasterId id="2147483648" r:id="rId1"/>
   </p:sldMasterIdLst>
   <p:handoutMasterIdLst>
-    <p:handoutMasterId r:id="rId15"/>
+    <p:handoutMasterId r:id="rId16"/>
   </p:handoutMasterIdLst>
   <p:sldIdLst>
     <p:sldId id="256" r:id="rId2"/>
@@ -19,8 +19,9 @@
     <p:sldId id="280" r:id="rId10"/>
     <p:sldId id="275" r:id="rId11"/>
     <p:sldId id="271" r:id="rId12"/>
-    <p:sldId id="279" r:id="rId13"/>
-    <p:sldId id="274" r:id="rId14"/>
+    <p:sldId id="282" r:id="rId13"/>
+    <p:sldId id="279" r:id="rId14"/>
+    <p:sldId id="274" r:id="rId15"/>
   </p:sldIdLst>
   <p:sldSz cx="12192000" cy="6858000"/>
   <p:notesSz cx="9312275" cy="6858000"/>
@@ -120,6 +121,28 @@
     </a:lvl9pPr>
   </p:defaultTextStyle>
   <p:extLst>
+    <p:ext uri="{521415D9-36F7-43E2-AB2F-B90AF26B5E84}">
+      <p14:sectionLst xmlns:p14="http://schemas.microsoft.com/office/powerpoint/2010/main">
+        <p14:section name="Default Section" id="{05B10BA0-4BB3-4CBB-96EC-CED32FE450F0}">
+          <p14:sldIdLst>
+            <p14:sldId id="256"/>
+            <p14:sldId id="277"/>
+            <p14:sldId id="265"/>
+            <p14:sldId id="267"/>
+            <p14:sldId id="278"/>
+            <p14:sldId id="273"/>
+            <p14:sldId id="268"/>
+            <p14:sldId id="281"/>
+            <p14:sldId id="280"/>
+            <p14:sldId id="275"/>
+            <p14:sldId id="271"/>
+            <p14:sldId id="282"/>
+            <p14:sldId id="279"/>
+            <p14:sldId id="274"/>
+          </p14:sldIdLst>
+        </p14:section>
+      </p14:sectionLst>
+    </p:ext>
     <p:ext uri="{EFAFB233-063F-42B5-8137-9DF3F51BA10A}">
       <p15:sldGuideLst xmlns:p15="http://schemas.microsoft.com/office/powerpoint/2012/main"/>
     </p:ext>
@@ -4283,7 +4306,7 @@
           <a:graphicData uri="http://schemas.openxmlformats.org/presentationml/2006/ole">
             <mc:AlternateContent xmlns:mc="http://schemas.openxmlformats.org/markup-compatibility/2006">
               <mc:Choice xmlns:v="urn:schemas-microsoft-com:vml" Requires="v">
-                <p:oleObj spid="_x0000_s2064" r:id="rId4" imgW="9401254" imgH="7181837" progId="Visio.Drawing.15">
+                <p:oleObj spid="_x0000_s2065" r:id="rId4" imgW="9401254" imgH="7181837" progId="Visio.Drawing.15">
                   <p:embed/>
                 </p:oleObj>
               </mc:Choice>
@@ -4711,7 +4734,7 @@
           <a:graphicData uri="http://schemas.openxmlformats.org/presentationml/2006/ole">
             <mc:AlternateContent xmlns:mc="http://schemas.openxmlformats.org/markup-compatibility/2006">
               <mc:Choice xmlns:v="urn:schemas-microsoft-com:vml" Requires="v">
-                <p:oleObj spid="_x0000_s3087" r:id="rId4" imgW="7181902" imgH="4381327" progId="Visio.Drawing.15">
+                <p:oleObj spid="_x0000_s3088" r:id="rId4" imgW="7181902" imgH="4381327" progId="Visio.Drawing.15">
                   <p:embed/>
                 </p:oleObj>
               </mc:Choice>
@@ -4827,7 +4850,7 @@
 </file>
 
 <file path=ppt/slides/slide12.xml><?xml version="1.0" encoding="utf-8"?>
-<p:sld xmlns:a="http://schemas.openxmlformats.org/drawingml/2006/main" xmlns:r="http://schemas.openxmlformats.org/officeDocument/2006/relationships" xmlns:p="http://schemas.openxmlformats.org/presentationml/2006/main">
+<p:sld xmlns:a="http://schemas.openxmlformats.org/drawingml/2006/main" xmlns:r="http://schemas.openxmlformats.org/officeDocument/2006/relationships" xmlns:p="http://schemas.openxmlformats.org/presentationml/2006/main" showMasterSp="0">
   <p:cSld>
     <p:spTree>
       <p:nvGrpSpPr>
@@ -4845,119 +4868,7 @@
       </p:grpSpPr>
       <p:sp>
         <p:nvSpPr>
-          <p:cNvPr id="4" name="Title 3"/>
-          <p:cNvSpPr>
-            <a:spLocks noGrp="1"/>
-          </p:cNvSpPr>
-          <p:nvPr>
-            <p:ph type="title"/>
-          </p:nvPr>
-        </p:nvSpPr>
-        <p:spPr/>
-        <p:txBody>
-          <a:bodyPr/>
-          <a:lstStyle/>
-          <a:p>
-            <a:r>
-              <a:rPr lang="en-US" dirty="0" smtClean="0"/>
-              <a:t>Technical Specifications continued</a:t>
-            </a:r>
-            <a:endParaRPr lang="en-US" dirty="0"/>
-          </a:p>
-        </p:txBody>
-      </p:sp>
-      <p:sp>
-        <p:nvSpPr>
-          <p:cNvPr id="5" name="Content Placeholder 4"/>
-          <p:cNvSpPr>
-            <a:spLocks noGrp="1"/>
-          </p:cNvSpPr>
-          <p:nvPr>
-            <p:ph idx="1"/>
-          </p:nvPr>
-        </p:nvSpPr>
-        <p:spPr/>
-        <p:txBody>
-          <a:bodyPr>
-            <a:normAutofit/>
-          </a:bodyPr>
-          <a:lstStyle/>
-          <a:p>
-            <a:pPr lvl="1">
-              <a:buFont typeface="Courier New" panose="02070309020205020404" pitchFamily="49" charset="0"/>
-              <a:buChar char="o"/>
-            </a:pPr>
-            <a:r>
-              <a:rPr lang="en-US" sz="2800" dirty="0" smtClean="0"/>
-              <a:t>Artificial Intelligence</a:t>
-            </a:r>
-          </a:p>
-          <a:p>
-            <a:pPr lvl="2">
-              <a:buFont typeface="Courier New" panose="02070309020205020404" pitchFamily="49" charset="0"/>
-              <a:buChar char="o"/>
-            </a:pPr>
-            <a:r>
-              <a:rPr lang="en-US" sz="2800" dirty="0" smtClean="0"/>
-              <a:t>Vision Range</a:t>
-            </a:r>
-          </a:p>
-          <a:p>
-            <a:pPr lvl="2">
-              <a:buFont typeface="Courier New" panose="02070309020205020404" pitchFamily="49" charset="0"/>
-              <a:buChar char="o"/>
-            </a:pPr>
-            <a:r>
-              <a:rPr lang="en-US" sz="2800" dirty="0" smtClean="0"/>
-              <a:t>Return Range</a:t>
-            </a:r>
-          </a:p>
-          <a:p>
-            <a:pPr lvl="2">
-              <a:buFont typeface="Courier New" panose="02070309020205020404" pitchFamily="49" charset="0"/>
-              <a:buChar char="o"/>
-            </a:pPr>
-            <a:r>
-              <a:rPr lang="en-US" sz="2800" dirty="0" smtClean="0"/>
-              <a:t>Waypoints</a:t>
-            </a:r>
-          </a:p>
-          <a:p>
-            <a:pPr lvl="1">
-              <a:buFont typeface="Courier New" panose="02070309020205020404" pitchFamily="49" charset="0"/>
-              <a:buChar char="o"/>
-            </a:pPr>
-            <a:r>
-              <a:rPr lang="en-US" sz="2800" dirty="0" smtClean="0"/>
-              <a:t>Hardware Architecture</a:t>
-            </a:r>
-          </a:p>
-          <a:p>
-            <a:pPr lvl="2">
-              <a:buFont typeface="Courier New" panose="02070309020205020404" pitchFamily="49" charset="0"/>
-              <a:buChar char="o"/>
-            </a:pPr>
-            <a:r>
-              <a:rPr lang="en-US" sz="2800" dirty="0" smtClean="0"/>
-              <a:t>I/O devices </a:t>
-            </a:r>
-          </a:p>
-          <a:p>
-            <a:pPr lvl="2">
-              <a:buFont typeface="Courier New" panose="02070309020205020404" pitchFamily="49" charset="0"/>
-              <a:buChar char="o"/>
-            </a:pPr>
-            <a:r>
-              <a:rPr lang="en-US" sz="2800" dirty="0" smtClean="0"/>
-              <a:t>PC</a:t>
-            </a:r>
-            <a:endParaRPr lang="en-US" sz="2800" dirty="0"/>
-          </a:p>
-        </p:txBody>
-      </p:sp>
-      <p:sp>
-        <p:nvSpPr>
-          <p:cNvPr id="6" name="Rectangle 2"/>
+          <p:cNvPr id="4" name="Rectangle 2"/>
           <p:cNvSpPr>
             <a:spLocks noChangeArrowheads="1"/>
           </p:cNvSpPr>
@@ -4965,8 +4876,8 @@
         </p:nvSpPr>
         <p:spPr bwMode="auto">
           <a:xfrm>
-            <a:off x="4470399" y="1845733"/>
-            <a:ext cx="12874161" cy="45719"/>
+            <a:off x="0" y="0"/>
+            <a:ext cx="12192000" cy="0"/>
           </a:xfrm>
           <a:prstGeom prst="rect">
             <a:avLst/>
@@ -5006,6 +4917,307 @@
           </a:extLst>
         </p:spPr>
         <p:txBody>
+          <a:bodyPr vert="horz" wrap="none" lIns="91440" tIns="45720" rIns="91440" bIns="45720" numCol="1" anchor="ctr" anchorCtr="0" compatLnSpc="1">
+            <a:prstTxWarp prst="textNoShape">
+              <a:avLst/>
+            </a:prstTxWarp>
+            <a:spAutoFit/>
+          </a:bodyPr>
+          <a:lstStyle/>
+          <a:p>
+            <a:endParaRPr lang="en-US"/>
+          </a:p>
+        </p:txBody>
+      </p:sp>
+      <p:graphicFrame>
+        <p:nvGraphicFramePr>
+          <p:cNvPr id="5" name="Object 4"/>
+          <p:cNvGraphicFramePr>
+            <a:graphicFrameLocks noChangeAspect="1"/>
+          </p:cNvGraphicFramePr>
+          <p:nvPr>
+            <p:extLst>
+              <p:ext uri="{D42A27DB-BD31-4B8C-83A1-F6EECF244321}">
+                <p14:modId xmlns:p14="http://schemas.microsoft.com/office/powerpoint/2010/main" val="1364375965"/>
+              </p:ext>
+            </p:extLst>
+          </p:nvPr>
+        </p:nvGraphicFramePr>
+        <p:xfrm>
+          <a:off x="942107" y="725378"/>
+          <a:ext cx="9425509" cy="6132622"/>
+        </p:xfrm>
+        <a:graphic>
+          <a:graphicData uri="http://schemas.openxmlformats.org/presentationml/2006/ole">
+            <mc:AlternateContent xmlns:mc="http://schemas.openxmlformats.org/markup-compatibility/2006">
+              <mc:Choice xmlns:v="urn:schemas-microsoft-com:vml" Requires="v">
+                <p:oleObj spid="_x0000_s8195" name="Visio" r:id="rId3" imgW="8829619" imgH="5743455" progId="Visio.Drawing.15">
+                  <p:embed/>
+                </p:oleObj>
+              </mc:Choice>
+              <mc:Fallback>
+                <p:oleObj name="Visio" r:id="rId3" imgW="8829619" imgH="5743455" progId="Visio.Drawing.15">
+                  <p:embed/>
+                  <p:pic>
+                    <p:nvPicPr>
+                      <p:cNvPr id="0" name="Object 1"/>
+                      <p:cNvPicPr>
+                        <a:picLocks noChangeAspect="1" noChangeArrowheads="1"/>
+                      </p:cNvPicPr>
+                      <p:nvPr/>
+                    </p:nvPicPr>
+                    <p:blipFill>
+                      <a:blip r:embed="rId4">
+                        <a:extLst>
+                          <a:ext uri="{28A0092B-C50C-407E-A947-70E740481C1C}">
+                            <a14:useLocalDpi xmlns:a14="http://schemas.microsoft.com/office/drawing/2010/main" val="0"/>
+                          </a:ext>
+                        </a:extLst>
+                      </a:blip>
+                      <a:srcRect/>
+                      <a:stretch>
+                        <a:fillRect/>
+                      </a:stretch>
+                    </p:blipFill>
+                    <p:spPr bwMode="auto">
+                      <a:xfrm>
+                        <a:off x="942107" y="725378"/>
+                        <a:ext cx="9425509" cy="6132622"/>
+                      </a:xfrm>
+                      <a:prstGeom prst="rect">
+                        <a:avLst/>
+                      </a:prstGeom>
+                      <a:noFill/>
+                    </p:spPr>
+                  </p:pic>
+                </p:oleObj>
+              </mc:Fallback>
+            </mc:AlternateContent>
+          </a:graphicData>
+        </a:graphic>
+      </p:graphicFrame>
+      <p:sp>
+        <p:nvSpPr>
+          <p:cNvPr id="16" name="Title 15"/>
+          <p:cNvSpPr>
+            <a:spLocks noGrp="1"/>
+          </p:cNvSpPr>
+          <p:nvPr>
+            <p:ph type="title"/>
+          </p:nvPr>
+        </p:nvSpPr>
+        <p:spPr>
+          <a:xfrm>
+            <a:off x="942107" y="-725379"/>
+            <a:ext cx="10058400" cy="1450757"/>
+          </a:xfrm>
+        </p:spPr>
+        <p:txBody>
+          <a:bodyPr/>
+          <a:lstStyle/>
+          <a:p>
+            <a:pPr algn="ctr"/>
+            <a:r>
+              <a:rPr lang="en-US" dirty="0" smtClean="0"/>
+              <a:t>Software Architecture</a:t>
+            </a:r>
+            <a:endParaRPr lang="en-US" dirty="0"/>
+          </a:p>
+        </p:txBody>
+      </p:sp>
+    </p:spTree>
+    <p:extLst>
+      <p:ext uri="{BB962C8B-B14F-4D97-AF65-F5344CB8AC3E}">
+        <p14:creationId xmlns:p14="http://schemas.microsoft.com/office/powerpoint/2010/main" val="3896772744"/>
+      </p:ext>
+    </p:extLst>
+  </p:cSld>
+  <p:clrMapOvr>
+    <a:masterClrMapping/>
+  </p:clrMapOvr>
+</p:sld>
+</file>
+
+<file path=ppt/slides/slide13.xml><?xml version="1.0" encoding="utf-8"?>
+<p:sld xmlns:a="http://schemas.openxmlformats.org/drawingml/2006/main" xmlns:r="http://schemas.openxmlformats.org/officeDocument/2006/relationships" xmlns:p="http://schemas.openxmlformats.org/presentationml/2006/main">
+  <p:cSld>
+    <p:spTree>
+      <p:nvGrpSpPr>
+        <p:cNvPr id="1" name=""/>
+        <p:cNvGrpSpPr/>
+        <p:nvPr/>
+      </p:nvGrpSpPr>
+      <p:grpSpPr>
+        <a:xfrm>
+          <a:off x="0" y="0"/>
+          <a:ext cx="0" cy="0"/>
+          <a:chOff x="0" y="0"/>
+          <a:chExt cx="0" cy="0"/>
+        </a:xfrm>
+      </p:grpSpPr>
+      <p:sp>
+        <p:nvSpPr>
+          <p:cNvPr id="4" name="Title 3"/>
+          <p:cNvSpPr>
+            <a:spLocks noGrp="1"/>
+          </p:cNvSpPr>
+          <p:nvPr>
+            <p:ph type="title"/>
+          </p:nvPr>
+        </p:nvSpPr>
+        <p:spPr/>
+        <p:txBody>
+          <a:bodyPr/>
+          <a:lstStyle/>
+          <a:p>
+            <a:r>
+              <a:rPr lang="en-US" dirty="0" smtClean="0"/>
+              <a:t>Technical Specifications continued</a:t>
+            </a:r>
+            <a:endParaRPr lang="en-US" dirty="0"/>
+          </a:p>
+        </p:txBody>
+      </p:sp>
+      <p:sp>
+        <p:nvSpPr>
+          <p:cNvPr id="5" name="Content Placeholder 4"/>
+          <p:cNvSpPr>
+            <a:spLocks noGrp="1"/>
+          </p:cNvSpPr>
+          <p:nvPr>
+            <p:ph idx="1"/>
+          </p:nvPr>
+        </p:nvSpPr>
+        <p:spPr/>
+        <p:txBody>
+          <a:bodyPr>
+            <a:normAutofit/>
+          </a:bodyPr>
+          <a:lstStyle/>
+          <a:p>
+            <a:pPr lvl="1">
+              <a:buFont typeface="Courier New" panose="02070309020205020404" pitchFamily="49" charset="0"/>
+              <a:buChar char="o"/>
+            </a:pPr>
+            <a:r>
+              <a:rPr lang="en-US" sz="2800" dirty="0" smtClean="0"/>
+              <a:t>Artificial Intelligence</a:t>
+            </a:r>
+          </a:p>
+          <a:p>
+            <a:pPr lvl="2">
+              <a:buFont typeface="Courier New" panose="02070309020205020404" pitchFamily="49" charset="0"/>
+              <a:buChar char="o"/>
+            </a:pPr>
+            <a:r>
+              <a:rPr lang="en-US" sz="2800" dirty="0" smtClean="0"/>
+              <a:t>Vision Range</a:t>
+            </a:r>
+          </a:p>
+          <a:p>
+            <a:pPr lvl="2">
+              <a:buFont typeface="Courier New" panose="02070309020205020404" pitchFamily="49" charset="0"/>
+              <a:buChar char="o"/>
+            </a:pPr>
+            <a:r>
+              <a:rPr lang="en-US" sz="2800" dirty="0" smtClean="0"/>
+              <a:t>Return Range</a:t>
+            </a:r>
+          </a:p>
+          <a:p>
+            <a:pPr lvl="2">
+              <a:buFont typeface="Courier New" panose="02070309020205020404" pitchFamily="49" charset="0"/>
+              <a:buChar char="o"/>
+            </a:pPr>
+            <a:r>
+              <a:rPr lang="en-US" sz="2800" dirty="0" smtClean="0"/>
+              <a:t>Waypoints</a:t>
+            </a:r>
+          </a:p>
+          <a:p>
+            <a:pPr lvl="1">
+              <a:buFont typeface="Courier New" panose="02070309020205020404" pitchFamily="49" charset="0"/>
+              <a:buChar char="o"/>
+            </a:pPr>
+            <a:r>
+              <a:rPr lang="en-US" sz="2800" dirty="0" smtClean="0"/>
+              <a:t>Hardware Architecture</a:t>
+            </a:r>
+          </a:p>
+          <a:p>
+            <a:pPr lvl="2">
+              <a:buFont typeface="Courier New" panose="02070309020205020404" pitchFamily="49" charset="0"/>
+              <a:buChar char="o"/>
+            </a:pPr>
+            <a:r>
+              <a:rPr lang="en-US" sz="2800" dirty="0" smtClean="0"/>
+              <a:t>I/O devices </a:t>
+            </a:r>
+          </a:p>
+          <a:p>
+            <a:pPr lvl="2">
+              <a:buFont typeface="Courier New" panose="02070309020205020404" pitchFamily="49" charset="0"/>
+              <a:buChar char="o"/>
+            </a:pPr>
+            <a:r>
+              <a:rPr lang="en-US" sz="2800" dirty="0" smtClean="0"/>
+              <a:t>PC</a:t>
+            </a:r>
+            <a:endParaRPr lang="en-US" sz="2800" dirty="0"/>
+          </a:p>
+        </p:txBody>
+      </p:sp>
+      <p:sp>
+        <p:nvSpPr>
+          <p:cNvPr id="6" name="Rectangle 2"/>
+          <p:cNvSpPr>
+            <a:spLocks noChangeArrowheads="1"/>
+          </p:cNvSpPr>
+          <p:nvPr/>
+        </p:nvSpPr>
+        <p:spPr bwMode="auto">
+          <a:xfrm>
+            <a:off x="4470399" y="1845733"/>
+            <a:ext cx="12874161" cy="45719"/>
+          </a:xfrm>
+          <a:prstGeom prst="rect">
+            <a:avLst/>
+          </a:prstGeom>
+          <a:noFill/>
+          <a:ln>
+            <a:noFill/>
+          </a:ln>
+          <a:effectLst/>
+          <a:extLst>
+            <a:ext uri="{909E8E84-426E-40DD-AFC4-6F175D3DCCD1}">
+              <a14:hiddenFill xmlns:a14="http://schemas.microsoft.com/office/drawing/2010/main">
+                <a:solidFill>
+                  <a:schemeClr val="accent1"/>
+                </a:solidFill>
+              </a14:hiddenFill>
+            </a:ext>
+            <a:ext uri="{91240B29-F687-4F45-9708-019B960494DF}">
+              <a14:hiddenLine xmlns:a14="http://schemas.microsoft.com/office/drawing/2010/main" w="9525">
+                <a:solidFill>
+                  <a:schemeClr val="tx1"/>
+                </a:solidFill>
+                <a:miter lim="800000"/>
+                <a:headEnd/>
+                <a:tailEnd/>
+              </a14:hiddenLine>
+            </a:ext>
+            <a:ext uri="{AF507438-7753-43E0-B8FC-AC1667EBCBE1}">
+              <a14:hiddenEffects xmlns:a14="http://schemas.microsoft.com/office/drawing/2010/main">
+                <a:effectLst>
+                  <a:outerShdw dist="35921" dir="2700000" algn="ctr" rotWithShape="0">
+                    <a:schemeClr val="bg2"/>
+                  </a:outerShdw>
+                </a:effectLst>
+              </a14:hiddenEffects>
+            </a:ext>
+          </a:extLst>
+        </p:spPr>
+        <p:txBody>
           <a:bodyPr vert="horz" wrap="square" lIns="91440" tIns="45720" rIns="91440" bIns="45720" numCol="1" anchor="ctr" anchorCtr="0" compatLnSpc="1">
             <a:prstTxWarp prst="textNoShape">
               <a:avLst/>
@@ -5040,7 +5252,7 @@
           <a:graphicData uri="http://schemas.openxmlformats.org/presentationml/2006/ole">
             <mc:AlternateContent xmlns:mc="http://schemas.openxmlformats.org/markup-compatibility/2006">
               <mc:Choice xmlns:v="urn:schemas-microsoft-com:vml" Requires="v">
-                <p:oleObj spid="_x0000_s4111" r:id="rId4" imgW="5848208" imgH="3009847" progId="Visio.Drawing.15">
+                <p:oleObj spid="_x0000_s4112" r:id="rId4" imgW="5848208" imgH="3009847" progId="Visio.Drawing.15">
                   <p:embed/>
                 </p:oleObj>
               </mc:Choice>
@@ -5148,7 +5360,7 @@
 </p:sld>
 </file>
 
-<file path=ppt/slides/slide13.xml><?xml version="1.0" encoding="utf-8"?>
+<file path=ppt/slides/slide14.xml><?xml version="1.0" encoding="utf-8"?>
 <p:sld xmlns:a="http://schemas.openxmlformats.org/drawingml/2006/main" xmlns:r="http://schemas.openxmlformats.org/officeDocument/2006/relationships" xmlns:p="http://schemas.openxmlformats.org/presentationml/2006/main">
   <p:cSld>
     <p:spTree>
@@ -5180,8 +5392,8 @@
         </p:blipFill>
         <p:spPr>
           <a:xfrm>
-            <a:off x="5021177" y="1063374"/>
-            <a:ext cx="6920917" cy="5452083"/>
+            <a:off x="4170440" y="594359"/>
+            <a:ext cx="7966140" cy="6138951"/>
           </a:xfrm>
           <a:prstGeom prst="rect">
             <a:avLst/>
@@ -5478,36 +5690,6 @@
           </a:p>
         </p:txBody>
       </p:sp>
-      <p:pic>
-        <p:nvPicPr>
-          <p:cNvPr id="7" name="Picture 6"/>
-          <p:cNvPicPr>
-            <a:picLocks noChangeAspect="1"/>
-          </p:cNvPicPr>
-          <p:nvPr/>
-        </p:nvPicPr>
-        <p:blipFill>
-          <a:blip r:embed="rId3">
-            <a:extLst>
-              <a:ext uri="{28A0092B-C50C-407E-A947-70E740481C1C}">
-                <a14:useLocalDpi xmlns:a14="http://schemas.microsoft.com/office/drawing/2010/main" val="0"/>
-              </a:ext>
-            </a:extLst>
-          </a:blip>
-          <a:stretch>
-            <a:fillRect/>
-          </a:stretch>
-        </p:blipFill>
-        <p:spPr>
-          <a:xfrm>
-            <a:off x="4415386" y="482656"/>
-            <a:ext cx="605791" cy="856875"/>
-          </a:xfrm>
-          <a:prstGeom prst="rect">
-            <a:avLst/>
-          </a:prstGeom>
-        </p:spPr>
-      </p:pic>
     </p:spTree>
     <p:extLst>
       <p:ext uri="{BB962C8B-B14F-4D97-AF65-F5344CB8AC3E}">
@@ -6395,20 +6577,20 @@
           <p:nvPr>
             <p:extLst>
               <p:ext uri="{D42A27DB-BD31-4B8C-83A1-F6EECF244321}">
-                <p14:modId xmlns:p14="http://schemas.microsoft.com/office/powerpoint/2010/main" val="4285095334"/>
+                <p14:modId xmlns:p14="http://schemas.microsoft.com/office/powerpoint/2010/main" val="1477575976"/>
               </p:ext>
             </p:extLst>
           </p:nvPr>
         </p:nvGraphicFramePr>
         <p:xfrm>
-          <a:off x="4734889" y="490085"/>
-          <a:ext cx="6430417" cy="5922753"/>
+          <a:off x="4455492" y="206615"/>
+          <a:ext cx="7736507" cy="6651385"/>
         </p:xfrm>
         <a:graphic>
           <a:graphicData uri="http://schemas.openxmlformats.org/presentationml/2006/ole">
             <mc:AlternateContent xmlns:mc="http://schemas.openxmlformats.org/markup-compatibility/2006">
               <mc:Choice xmlns:v="urn:schemas-microsoft-com:vml" Requires="v">
-                <p:oleObj spid="_x0000_s1043" r:id="rId4" imgW="6639011" imgH="6105658" progId="Visio.Drawing.15">
+                <p:oleObj spid="_x0000_s1044" r:id="rId4" imgW="6639011" imgH="6105658" progId="Visio.Drawing.15">
                   <p:embed/>
                 </p:oleObj>
               </mc:Choice>
@@ -6438,8 +6620,8 @@
                     </p:blipFill>
                     <p:spPr bwMode="auto">
                       <a:xfrm>
-                        <a:off x="4734889" y="490085"/>
-                        <a:ext cx="6430417" cy="5922753"/>
+                        <a:off x="4455492" y="206615"/>
+                        <a:ext cx="7736507" cy="6651385"/>
                       </a:xfrm>
                       <a:prstGeom prst="rect">
                         <a:avLst/>
@@ -7319,7 +7501,7 @@
           <a:graphicData uri="http://schemas.openxmlformats.org/presentationml/2006/ole">
             <mc:AlternateContent xmlns:mc="http://schemas.openxmlformats.org/markup-compatibility/2006">
               <mc:Choice xmlns:v="urn:schemas-microsoft-com:vml" Requires="v">
-                <p:oleObj spid="_x0000_s7174" r:id="rId4" imgW="8886746" imgH="6800930" progId="Visio.Drawing.15">
+                <p:oleObj spid="_x0000_s7175" r:id="rId4" imgW="8886746" imgH="6800930" progId="Visio.Drawing.15">
                   <p:embed/>
                 </p:oleObj>
               </mc:Choice>

--- a/Documentation/Design Document/UnityDesignPresentation.pptx
+++ b/Documentation/Design Document/UnityDesignPresentation.pptx
@@ -4284,81 +4284,16 @@
           </a:p>
         </p:txBody>
       </p:sp>
-      <p:graphicFrame>
-        <p:nvGraphicFramePr>
-          <p:cNvPr id="4" name="Object 3"/>
-          <p:cNvGraphicFramePr>
-            <a:graphicFrameLocks noChangeAspect="1"/>
-          </p:cNvGraphicFramePr>
-          <p:nvPr>
-            <p:extLst>
-              <p:ext uri="{D42A27DB-BD31-4B8C-83A1-F6EECF244321}">
-                <p14:modId xmlns:p14="http://schemas.microsoft.com/office/powerpoint/2010/main" val="2030080661"/>
-              </p:ext>
-            </p:extLst>
-          </p:nvPr>
-        </p:nvGraphicFramePr>
-        <p:xfrm>
-          <a:off x="3367403" y="414117"/>
-          <a:ext cx="8514560" cy="3179315"/>
-        </p:xfrm>
-        <a:graphic>
-          <a:graphicData uri="http://schemas.openxmlformats.org/presentationml/2006/ole">
-            <mc:AlternateContent xmlns:mc="http://schemas.openxmlformats.org/markup-compatibility/2006">
-              <mc:Choice xmlns:v="urn:schemas-microsoft-com:vml" Requires="v">
-                <p:oleObj spid="_x0000_s2065" r:id="rId4" imgW="9401254" imgH="7181837" progId="Visio.Drawing.15">
-                  <p:embed/>
-                </p:oleObj>
-              </mc:Choice>
-              <mc:Fallback>
-                <p:oleObj r:id="rId4" imgW="9401254" imgH="7181837" progId="Visio.Drawing.15">
-                  <p:embed/>
-                  <p:pic>
-                    <p:nvPicPr>
-                      <p:cNvPr id="0" name="Object 1"/>
-                      <p:cNvPicPr>
-                        <a:picLocks noChangeAspect="1" noChangeArrowheads="1"/>
-                      </p:cNvPicPr>
-                      <p:nvPr/>
-                    </p:nvPicPr>
-                    <p:blipFill>
-                      <a:blip r:embed="rId5">
-                        <a:extLst>
-                          <a:ext uri="{28A0092B-C50C-407E-A947-70E740481C1C}">
-                            <a14:useLocalDpi xmlns:a14="http://schemas.microsoft.com/office/drawing/2010/main" val="0"/>
-                          </a:ext>
-                        </a:extLst>
-                      </a:blip>
-                      <a:srcRect b="50943"/>
-                      <a:stretch>
-                        <a:fillRect/>
-                      </a:stretch>
-                    </p:blipFill>
-                    <p:spPr bwMode="auto">
-                      <a:xfrm>
-                        <a:off x="3367403" y="414117"/>
-                        <a:ext cx="8514560" cy="3179315"/>
-                      </a:xfrm>
-                      <a:prstGeom prst="rect">
-                        <a:avLst/>
-                      </a:prstGeom>
-                      <a:noFill/>
-                    </p:spPr>
-                  </p:pic>
-                </p:oleObj>
-              </mc:Fallback>
-            </mc:AlternateContent>
-          </a:graphicData>
-        </a:graphic>
-      </p:graphicFrame>
       <p:pic>
         <p:nvPicPr>
-          <p:cNvPr id="9" name="Picture 8"/>
-          <p:cNvPicPr/>
+          <p:cNvPr id="5" name="Picture 4"/>
+          <p:cNvPicPr>
+            <a:picLocks noChangeAspect="1"/>
+          </p:cNvPicPr>
           <p:nvPr/>
         </p:nvPicPr>
         <p:blipFill>
-          <a:blip r:embed="rId6" cstate="print">
+          <a:blip r:embed="rId2">
             <a:extLst>
               <a:ext uri="{28A0092B-C50C-407E-A947-70E740481C1C}">
                 <a14:useLocalDpi xmlns:a14="http://schemas.microsoft.com/office/drawing/2010/main" val="0"/>
@@ -4371,8 +4306,36 @@
         </p:blipFill>
         <p:spPr>
           <a:xfrm>
-            <a:off x="4721005" y="4116994"/>
-            <a:ext cx="1952625" cy="2188210"/>
+            <a:off x="4111429" y="0"/>
+            <a:ext cx="8348527" cy="5953861"/>
+          </a:xfrm>
+          <a:prstGeom prst="rect">
+            <a:avLst/>
+          </a:prstGeom>
+        </p:spPr>
+      </p:pic>
+      <p:pic>
+        <p:nvPicPr>
+          <p:cNvPr id="11" name="Picture 10"/>
+          <p:cNvPicPr/>
+          <p:nvPr/>
+        </p:nvPicPr>
+        <p:blipFill>
+          <a:blip r:embed="rId3" cstate="print">
+            <a:extLst>
+              <a:ext uri="{28A0092B-C50C-407E-A947-70E740481C1C}">
+                <a14:useLocalDpi xmlns:a14="http://schemas.microsoft.com/office/drawing/2010/main" val="0"/>
+              </a:ext>
+            </a:extLst>
+          </a:blip>
+          <a:stretch>
+            <a:fillRect/>
+          </a:stretch>
+        </p:blipFill>
+        <p:spPr>
+          <a:xfrm>
+            <a:off x="7349963" y="4116994"/>
+            <a:ext cx="1981200" cy="2055495"/>
           </a:xfrm>
           <a:prstGeom prst="roundRect">
             <a:avLst>
@@ -4394,12 +4357,12 @@
       </p:pic>
       <p:pic>
         <p:nvPicPr>
-          <p:cNvPr id="10" name="Picture 9"/>
+          <p:cNvPr id="9" name="Picture 8"/>
           <p:cNvPicPr/>
           <p:nvPr/>
         </p:nvPicPr>
         <p:blipFill>
-          <a:blip r:embed="rId7" cstate="print">
+          <a:blip r:embed="rId4" cstate="print">
             <a:extLst>
               <a:ext uri="{28A0092B-C50C-407E-A947-70E740481C1C}">
                 <a14:useLocalDpi xmlns:a14="http://schemas.microsoft.com/office/drawing/2010/main" val="0"/>
@@ -4412,49 +4375,8 @@
         </p:blipFill>
         <p:spPr>
           <a:xfrm>
-            <a:off x="7482353" y="4219229"/>
-            <a:ext cx="1598295" cy="2085975"/>
-          </a:xfrm>
-          <a:prstGeom prst="roundRect">
-            <a:avLst>
-              <a:gd name="adj" fmla="val 8594"/>
-            </a:avLst>
-          </a:prstGeom>
-          <a:solidFill>
-            <a:srgbClr val="FFFFFF">
-              <a:shade val="85000"/>
-            </a:srgbClr>
-          </a:solidFill>
-          <a:ln>
-            <a:noFill/>
-          </a:ln>
-          <a:effectLst>
-            <a:reflection blurRad="12700" stA="38000" endPos="28000" dist="5000" dir="5400000" sy="-100000" algn="bl" rotWithShape="0"/>
-          </a:effectLst>
-        </p:spPr>
-      </p:pic>
-      <p:pic>
-        <p:nvPicPr>
-          <p:cNvPr id="11" name="Picture 10"/>
-          <p:cNvPicPr/>
-          <p:nvPr/>
-        </p:nvPicPr>
-        <p:blipFill>
-          <a:blip r:embed="rId8" cstate="print">
-            <a:extLst>
-              <a:ext uri="{28A0092B-C50C-407E-A947-70E740481C1C}">
-                <a14:useLocalDpi xmlns:a14="http://schemas.microsoft.com/office/drawing/2010/main" val="0"/>
-              </a:ext>
-            </a:extLst>
-          </a:blip>
-          <a:stretch>
-            <a:fillRect/>
-          </a:stretch>
-        </p:blipFill>
-        <p:spPr>
-          <a:xfrm>
-            <a:off x="9661085" y="4219229"/>
-            <a:ext cx="1981200" cy="2055495"/>
+            <a:off x="4721005" y="4116994"/>
+            <a:ext cx="1952625" cy="2188210"/>
           </a:xfrm>
           <a:prstGeom prst="roundRect">
             <a:avLst>
@@ -4734,12 +4656,12 @@
           <a:graphicData uri="http://schemas.openxmlformats.org/presentationml/2006/ole">
             <mc:AlternateContent xmlns:mc="http://schemas.openxmlformats.org/markup-compatibility/2006">
               <mc:Choice xmlns:v="urn:schemas-microsoft-com:vml" Requires="v">
-                <p:oleObj spid="_x0000_s3088" r:id="rId4" imgW="7181902" imgH="4381327" progId="Visio.Drawing.15">
+                <p:oleObj spid="_x0000_s3092" r:id="rId3" imgW="7181902" imgH="4381327" progId="Visio.Drawing.15">
                   <p:embed/>
                 </p:oleObj>
               </mc:Choice>
               <mc:Fallback>
-                <p:oleObj r:id="rId4" imgW="7181902" imgH="4381327" progId="Visio.Drawing.15">
+                <p:oleObj r:id="rId3" imgW="7181902" imgH="4381327" progId="Visio.Drawing.15">
                   <p:embed/>
                   <p:pic>
                     <p:nvPicPr>
@@ -4750,7 +4672,7 @@
                       <p:nvPr/>
                     </p:nvPicPr>
                     <p:blipFill>
-                      <a:blip r:embed="rId5">
+                      <a:blip r:embed="rId4">
                         <a:extLst>
                           <a:ext uri="{28A0092B-C50C-407E-A947-70E740481C1C}">
                             <a14:useLocalDpi xmlns:a14="http://schemas.microsoft.com/office/drawing/2010/main" val="0"/>
@@ -4795,7 +4717,7 @@
           <p:nvPr/>
         </p:nvPicPr>
         <p:blipFill>
-          <a:blip r:embed="rId6" cstate="print">
+          <a:blip r:embed="rId5" cstate="print">
             <a:extLst>
               <a:ext uri="{28A0092B-C50C-407E-A947-70E740481C1C}">
                 <a14:useLocalDpi xmlns:a14="http://schemas.microsoft.com/office/drawing/2010/main" val="0"/>
@@ -4951,7 +4873,7 @@
           <a:graphicData uri="http://schemas.openxmlformats.org/presentationml/2006/ole">
             <mc:AlternateContent xmlns:mc="http://schemas.openxmlformats.org/markup-compatibility/2006">
               <mc:Choice xmlns:v="urn:schemas-microsoft-com:vml" Requires="v">
-                <p:oleObj spid="_x0000_s8195" name="Visio" r:id="rId3" imgW="8829619" imgH="5743455" progId="Visio.Drawing.15">
+                <p:oleObj spid="_x0000_s8199" name="Visio" r:id="rId3" imgW="8829619" imgH="5743455" progId="Visio.Drawing.15">
                   <p:embed/>
                 </p:oleObj>
               </mc:Choice>
@@ -5035,6 +4957,13 @@
   <p:clrMapOvr>
     <a:masterClrMapping/>
   </p:clrMapOvr>
+  <p:timing>
+    <p:tnLst>
+      <p:par>
+        <p:cTn id="1" dur="indefinite" restart="never" nodeType="tmRoot"/>
+      </p:par>
+    </p:tnLst>
+  </p:timing>
 </p:sld>
 </file>
 
@@ -5252,12 +5181,12 @@
           <a:graphicData uri="http://schemas.openxmlformats.org/presentationml/2006/ole">
             <mc:AlternateContent xmlns:mc="http://schemas.openxmlformats.org/markup-compatibility/2006">
               <mc:Choice xmlns:v="urn:schemas-microsoft-com:vml" Requires="v">
-                <p:oleObj spid="_x0000_s4112" r:id="rId4" imgW="5848208" imgH="3009847" progId="Visio.Drawing.15">
+                <p:oleObj spid="_x0000_s4116" r:id="rId3" imgW="5848208" imgH="3009847" progId="Visio.Drawing.15">
                   <p:embed/>
                 </p:oleObj>
               </mc:Choice>
               <mc:Fallback>
-                <p:oleObj r:id="rId4" imgW="5848208" imgH="3009847" progId="Visio.Drawing.15">
+                <p:oleObj r:id="rId3" imgW="5848208" imgH="3009847" progId="Visio.Drawing.15">
                   <p:embed/>
                   <p:pic>
                     <p:nvPicPr>
@@ -5268,7 +5197,7 @@
                       <p:nvPr/>
                     </p:nvPicPr>
                     <p:blipFill>
-                      <a:blip r:embed="rId5">
+                      <a:blip r:embed="rId4">
                         <a:extLst>
                           <a:ext uri="{28A0092B-C50C-407E-A947-70E740481C1C}">
                             <a14:useLocalDpi xmlns:a14="http://schemas.microsoft.com/office/drawing/2010/main" val="0"/>
@@ -5306,7 +5235,7 @@
           <p:nvPr/>
         </p:nvPicPr>
         <p:blipFill>
-          <a:blip r:embed="rId6">
+          <a:blip r:embed="rId5">
             <a:extLst>
               <a:ext uri="{28A0092B-C50C-407E-A947-70E740481C1C}">
                 <a14:useLocalDpi xmlns:a14="http://schemas.microsoft.com/office/drawing/2010/main" val="0"/>
@@ -6590,12 +6519,12 @@
           <a:graphicData uri="http://schemas.openxmlformats.org/presentationml/2006/ole">
             <mc:AlternateContent xmlns:mc="http://schemas.openxmlformats.org/markup-compatibility/2006">
               <mc:Choice xmlns:v="urn:schemas-microsoft-com:vml" Requires="v">
-                <p:oleObj spid="_x0000_s1044" r:id="rId4" imgW="6639011" imgH="6105658" progId="Visio.Drawing.15">
+                <p:oleObj spid="_x0000_s1048" r:id="rId3" imgW="6639011" imgH="6105658" progId="Visio.Drawing.15">
                   <p:embed/>
                 </p:oleObj>
               </mc:Choice>
               <mc:Fallback>
-                <p:oleObj r:id="rId4" imgW="6639011" imgH="6105658" progId="Visio.Drawing.15">
+                <p:oleObj r:id="rId3" imgW="6639011" imgH="6105658" progId="Visio.Drawing.15">
                   <p:embed/>
                   <p:pic>
                     <p:nvPicPr>
@@ -6606,7 +6535,7 @@
                       <p:nvPr/>
                     </p:nvPicPr>
                     <p:blipFill>
-                      <a:blip r:embed="rId5">
+                      <a:blip r:embed="rId4">
                         <a:extLst>
                           <a:ext uri="{28A0092B-C50C-407E-A947-70E740481C1C}">
                             <a14:useLocalDpi xmlns:a14="http://schemas.microsoft.com/office/drawing/2010/main" val="0"/>
@@ -6644,7 +6573,7 @@
           <p:nvPr/>
         </p:nvPicPr>
         <p:blipFill>
-          <a:blip r:embed="rId6">
+          <a:blip r:embed="rId5">
             <a:extLst>
               <a:ext uri="{28A0092B-C50C-407E-A947-70E740481C1C}">
                 <a14:useLocalDpi xmlns:a14="http://schemas.microsoft.com/office/drawing/2010/main" val="0"/>
@@ -7501,12 +7430,12 @@
           <a:graphicData uri="http://schemas.openxmlformats.org/presentationml/2006/ole">
             <mc:AlternateContent xmlns:mc="http://schemas.openxmlformats.org/markup-compatibility/2006">
               <mc:Choice xmlns:v="urn:schemas-microsoft-com:vml" Requires="v">
-                <p:oleObj spid="_x0000_s7175" r:id="rId4" imgW="8886746" imgH="6800930" progId="Visio.Drawing.15">
+                <p:oleObj spid="_x0000_s7179" r:id="rId3" imgW="8886746" imgH="6800930" progId="Visio.Drawing.15">
                   <p:embed/>
                 </p:oleObj>
               </mc:Choice>
               <mc:Fallback>
-                <p:oleObj r:id="rId4" imgW="8886746" imgH="6800930" progId="Visio.Drawing.15">
+                <p:oleObj r:id="rId3" imgW="8886746" imgH="6800930" progId="Visio.Drawing.15">
                   <p:embed/>
                   <p:pic>
                     <p:nvPicPr>
@@ -7517,7 +7446,7 @@
                       <p:nvPr/>
                     </p:nvPicPr>
                     <p:blipFill>
-                      <a:blip r:embed="rId5">
+                      <a:blip r:embed="rId4">
                         <a:extLst>
                           <a:ext uri="{28A0092B-C50C-407E-A947-70E740481C1C}">
                             <a14:useLocalDpi xmlns:a14="http://schemas.microsoft.com/office/drawing/2010/main" val="0"/>
@@ -7555,6 +7484,36 @@
           <p:nvPr/>
         </p:nvPicPr>
         <p:blipFill>
+          <a:blip r:embed="rId5">
+            <a:extLst>
+              <a:ext uri="{28A0092B-C50C-407E-A947-70E740481C1C}">
+                <a14:useLocalDpi xmlns:a14="http://schemas.microsoft.com/office/drawing/2010/main" val="0"/>
+              </a:ext>
+            </a:extLst>
+          </a:blip>
+          <a:stretch>
+            <a:fillRect/>
+          </a:stretch>
+        </p:blipFill>
+        <p:spPr>
+          <a:xfrm>
+            <a:off x="5441133" y="1159567"/>
+            <a:ext cx="645035" cy="912385"/>
+          </a:xfrm>
+          <a:prstGeom prst="rect">
+            <a:avLst/>
+          </a:prstGeom>
+        </p:spPr>
+      </p:pic>
+      <p:pic>
+        <p:nvPicPr>
+          <p:cNvPr id="7" name="Picture 6"/>
+          <p:cNvPicPr>
+            <a:picLocks noChangeAspect="1"/>
+          </p:cNvPicPr>
+          <p:nvPr/>
+        </p:nvPicPr>
+        <p:blipFill>
           <a:blip r:embed="rId6">
             <a:extLst>
               <a:ext uri="{28A0092B-C50C-407E-A947-70E740481C1C}">
@@ -7568,36 +7527,6 @@
         </p:blipFill>
         <p:spPr>
           <a:xfrm>
-            <a:off x="5441133" y="1159567"/>
-            <a:ext cx="645035" cy="912385"/>
-          </a:xfrm>
-          <a:prstGeom prst="rect">
-            <a:avLst/>
-          </a:prstGeom>
-        </p:spPr>
-      </p:pic>
-      <p:pic>
-        <p:nvPicPr>
-          <p:cNvPr id="7" name="Picture 6"/>
-          <p:cNvPicPr>
-            <a:picLocks noChangeAspect="1"/>
-          </p:cNvPicPr>
-          <p:nvPr/>
-        </p:nvPicPr>
-        <p:blipFill>
-          <a:blip r:embed="rId7">
-            <a:extLst>
-              <a:ext uri="{28A0092B-C50C-407E-A947-70E740481C1C}">
-                <a14:useLocalDpi xmlns:a14="http://schemas.microsoft.com/office/drawing/2010/main" val="0"/>
-              </a:ext>
-            </a:extLst>
-          </a:blip>
-          <a:stretch>
-            <a:fillRect/>
-          </a:stretch>
-        </p:blipFill>
-        <p:spPr>
-          <a:xfrm>
             <a:off x="7656972" y="3700710"/>
             <a:ext cx="710280" cy="854112"/>
           </a:xfrm>
@@ -7615,7 +7544,7 @@
           <p:nvPr/>
         </p:nvPicPr>
         <p:blipFill>
-          <a:blip r:embed="rId8">
+          <a:blip r:embed="rId7">
             <a:extLst>
               <a:ext uri="{28A0092B-C50C-407E-A947-70E740481C1C}">
                 <a14:useLocalDpi xmlns:a14="http://schemas.microsoft.com/office/drawing/2010/main" val="0"/>
@@ -7728,9 +7657,31 @@
               <a:buChar char="q"/>
             </a:pPr>
             <a:r>
-              <a:rPr lang="en-US" sz="2800" dirty="0"/>
+              <a:rPr lang="en-US" sz="2800" dirty="0" smtClean="0"/>
+              <a:t>RigidBody</a:t>
+            </a:r>
+          </a:p>
+          <a:p>
+            <a:pPr marL="285750" indent="-285750">
+              <a:buFont typeface="Wingdings" panose="05000000000000000000" pitchFamily="2" charset="2"/>
+              <a:buChar char="q"/>
+            </a:pPr>
+            <a:r>
+              <a:rPr lang="en-US" sz="2800" dirty="0" smtClean="0"/>
+              <a:t>Capsule Collider</a:t>
+            </a:r>
+            <a:endParaRPr lang="en-US" sz="2800" dirty="0" smtClean="0"/>
+          </a:p>
+          <a:p>
+            <a:pPr marL="285750" indent="-285750">
+              <a:buFont typeface="Wingdings" panose="05000000000000000000" pitchFamily="2" charset="2"/>
+              <a:buChar char="q"/>
+            </a:pPr>
+            <a:r>
+              <a:rPr lang="en-US" sz="2800" dirty="0" smtClean="0"/>
               <a:t>Player</a:t>
             </a:r>
+            <a:endParaRPr lang="en-US" sz="2800" dirty="0"/>
           </a:p>
           <a:p>
             <a:pPr marL="742950" lvl="1" indent="-285750">
@@ -7743,8 +7694,13 @@
                   <a:schemeClr val="bg1"/>
                 </a:solidFill>
               </a:rPr>
-              <a:t>State Machine</a:t>
-            </a:r>
+              <a:t>Animator</a:t>
+            </a:r>
+            <a:endParaRPr lang="en-US" sz="2500" dirty="0" smtClean="0">
+              <a:solidFill>
+                <a:schemeClr val="bg1"/>
+              </a:solidFill>
+            </a:endParaRPr>
           </a:p>
           <a:p>
             <a:pPr marL="742950" lvl="1" indent="-285750">
@@ -7757,21 +7713,7 @@
                   <a:schemeClr val="bg1"/>
                 </a:solidFill>
               </a:rPr>
-              <a:t>Animations</a:t>
-            </a:r>
-          </a:p>
-          <a:p>
-            <a:pPr marL="742950" lvl="1" indent="-285750">
-              <a:buFont typeface="Wingdings" panose="05000000000000000000" pitchFamily="2" charset="2"/>
-              <a:buChar char="q"/>
-            </a:pPr>
-            <a:r>
-              <a:rPr lang="en-US" sz="2500" dirty="0" smtClean="0">
-                <a:solidFill>
-                  <a:schemeClr val="bg1"/>
-                </a:solidFill>
-              </a:rPr>
-              <a:t>Variables</a:t>
+              <a:t>Scripts</a:t>
             </a:r>
             <a:endParaRPr lang="en-US" sz="2500" dirty="0">
               <a:solidFill>
@@ -7940,7 +7882,7 @@
         </p:blipFill>
         <p:spPr>
           <a:xfrm>
-            <a:off x="1007973" y="4633262"/>
+            <a:off x="988309" y="5107936"/>
             <a:ext cx="1725230" cy="1197268"/>
           </a:xfrm>
           <a:prstGeom prst="roundRect">
